--- a/107302002.pptx
+++ b/107302002.pptx
@@ -6,6 +6,10 @@
   </p:sldMasterIdLst>
   <p:sldIdLst>
     <p:sldId id="256" r:id="rId2"/>
+    <p:sldId id="257" r:id="rId3"/>
+    <p:sldId id="258" r:id="rId4"/>
+    <p:sldId id="260" r:id="rId5"/>
+    <p:sldId id="259" r:id="rId6"/>
   </p:sldIdLst>
   <p:sldSz cx="12192000" cy="6858000"/>
   <p:notesSz cx="6858000" cy="9144000"/>
@@ -104,6 +108,11 @@
       </a:defRPr>
     </a:lvl9pPr>
   </p:defaultTextStyle>
+  <p:extLst>
+    <p:ext uri="{EFAFB233-063F-42B5-8137-9DF3F51BA10A}">
+      <p15:sldGuideLst xmlns:p15="http://schemas.microsoft.com/office/powerpoint/2012/main"/>
+    </p:ext>
+  </p:extLst>
 </p:presentation>
 </file>
 
@@ -254,7 +263,7 @@
           <a:p>
             <a:fld id="{48958F36-EEA7-422C-84CD-629B3B069568}" type="datetimeFigureOut">
               <a:rPr lang="zh-TW" altLang="en-US" smtClean="0"/>
-              <a:t>2022/1/3</a:t>
+              <a:t>2022/1/4</a:t>
             </a:fld>
             <a:endParaRPr lang="zh-TW" altLang="en-US"/>
           </a:p>
@@ -452,7 +461,7 @@
           <a:p>
             <a:fld id="{48958F36-EEA7-422C-84CD-629B3B069568}" type="datetimeFigureOut">
               <a:rPr lang="zh-TW" altLang="en-US" smtClean="0"/>
-              <a:t>2022/1/3</a:t>
+              <a:t>2022/1/4</a:t>
             </a:fld>
             <a:endParaRPr lang="zh-TW" altLang="en-US"/>
           </a:p>
@@ -660,7 +669,7 @@
           <a:p>
             <a:fld id="{48958F36-EEA7-422C-84CD-629B3B069568}" type="datetimeFigureOut">
               <a:rPr lang="zh-TW" altLang="en-US" smtClean="0"/>
-              <a:t>2022/1/3</a:t>
+              <a:t>2022/1/4</a:t>
             </a:fld>
             <a:endParaRPr lang="zh-TW" altLang="en-US"/>
           </a:p>
@@ -858,7 +867,7 @@
           <a:p>
             <a:fld id="{48958F36-EEA7-422C-84CD-629B3B069568}" type="datetimeFigureOut">
               <a:rPr lang="zh-TW" altLang="en-US" smtClean="0"/>
-              <a:t>2022/1/3</a:t>
+              <a:t>2022/1/4</a:t>
             </a:fld>
             <a:endParaRPr lang="zh-TW" altLang="en-US"/>
           </a:p>
@@ -1133,7 +1142,7 @@
           <a:p>
             <a:fld id="{48958F36-EEA7-422C-84CD-629B3B069568}" type="datetimeFigureOut">
               <a:rPr lang="zh-TW" altLang="en-US" smtClean="0"/>
-              <a:t>2022/1/3</a:t>
+              <a:t>2022/1/4</a:t>
             </a:fld>
             <a:endParaRPr lang="zh-TW" altLang="en-US"/>
           </a:p>
@@ -1398,7 +1407,7 @@
           <a:p>
             <a:fld id="{48958F36-EEA7-422C-84CD-629B3B069568}" type="datetimeFigureOut">
               <a:rPr lang="zh-TW" altLang="en-US" smtClean="0"/>
-              <a:t>2022/1/3</a:t>
+              <a:t>2022/1/4</a:t>
             </a:fld>
             <a:endParaRPr lang="zh-TW" altLang="en-US"/>
           </a:p>
@@ -1810,7 +1819,7 @@
           <a:p>
             <a:fld id="{48958F36-EEA7-422C-84CD-629B3B069568}" type="datetimeFigureOut">
               <a:rPr lang="zh-TW" altLang="en-US" smtClean="0"/>
-              <a:t>2022/1/3</a:t>
+              <a:t>2022/1/4</a:t>
             </a:fld>
             <a:endParaRPr lang="zh-TW" altLang="en-US"/>
           </a:p>
@@ -1951,7 +1960,7 @@
           <a:p>
             <a:fld id="{48958F36-EEA7-422C-84CD-629B3B069568}" type="datetimeFigureOut">
               <a:rPr lang="zh-TW" altLang="en-US" smtClean="0"/>
-              <a:t>2022/1/3</a:t>
+              <a:t>2022/1/4</a:t>
             </a:fld>
             <a:endParaRPr lang="zh-TW" altLang="en-US"/>
           </a:p>
@@ -2064,7 +2073,7 @@
           <a:p>
             <a:fld id="{48958F36-EEA7-422C-84CD-629B3B069568}" type="datetimeFigureOut">
               <a:rPr lang="zh-TW" altLang="en-US" smtClean="0"/>
-              <a:t>2022/1/3</a:t>
+              <a:t>2022/1/4</a:t>
             </a:fld>
             <a:endParaRPr lang="zh-TW" altLang="en-US"/>
           </a:p>
@@ -2375,7 +2384,7 @@
           <a:p>
             <a:fld id="{48958F36-EEA7-422C-84CD-629B3B069568}" type="datetimeFigureOut">
               <a:rPr lang="zh-TW" altLang="en-US" smtClean="0"/>
-              <a:t>2022/1/3</a:t>
+              <a:t>2022/1/4</a:t>
             </a:fld>
             <a:endParaRPr lang="zh-TW" altLang="en-US"/>
           </a:p>
@@ -2663,7 +2672,7 @@
           <a:p>
             <a:fld id="{48958F36-EEA7-422C-84CD-629B3B069568}" type="datetimeFigureOut">
               <a:rPr lang="zh-TW" altLang="en-US" smtClean="0"/>
-              <a:t>2022/1/3</a:t>
+              <a:t>2022/1/4</a:t>
             </a:fld>
             <a:endParaRPr lang="zh-TW" altLang="en-US"/>
           </a:p>
@@ -2904,7 +2913,7 @@
           <a:p>
             <a:fld id="{48958F36-EEA7-422C-84CD-629B3B069568}" type="datetimeFigureOut">
               <a:rPr lang="zh-TW" altLang="en-US" smtClean="0"/>
-              <a:t>2022/1/3</a:t>
+              <a:t>2022/1/4</a:t>
             </a:fld>
             <a:endParaRPr lang="zh-TW" altLang="en-US"/>
           </a:p>
@@ -3372,8 +3381,37 @@
           <a:lstStyle/>
           <a:p>
             <a:r>
-              <a:rPr lang="zh-TW" altLang="en-US" dirty="0"/>
+              <a:rPr lang="zh-TW" altLang="en-US" dirty="0">
+                <a:latin typeface="微軟正黑體" panose="020B0604030504040204" pitchFamily="34" charset="-120"/>
+                <a:ea typeface="微軟正黑體" panose="020B0604030504040204" pitchFamily="34" charset="-120"/>
+              </a:rPr>
               <a:t>從開始到放棄</a:t>
+            </a:r>
+            <a:endParaRPr lang="en-US" altLang="zh-TW" dirty="0">
+              <a:latin typeface="微軟正黑體" panose="020B0604030504040204" pitchFamily="34" charset="-120"/>
+              <a:ea typeface="微軟正黑體" panose="020B0604030504040204" pitchFamily="34" charset="-120"/>
+            </a:endParaRPr>
+          </a:p>
+          <a:p>
+            <a:endParaRPr lang="en-US" altLang="zh-TW" dirty="0">
+              <a:latin typeface="微軟正黑體" panose="020B0604030504040204" pitchFamily="34" charset="-120"/>
+              <a:ea typeface="微軟正黑體" panose="020B0604030504040204" pitchFamily="34" charset="-120"/>
+            </a:endParaRPr>
+          </a:p>
+          <a:p>
+            <a:r>
+              <a:rPr lang="en-US" altLang="zh-TW" sz="1800" dirty="0">
+                <a:latin typeface="微軟正黑體" panose="020B0604030504040204" pitchFamily="34" charset="-120"/>
+                <a:ea typeface="微軟正黑體" panose="020B0604030504040204" pitchFamily="34" charset="-120"/>
+              </a:rPr>
+              <a:t>107302002</a:t>
+            </a:r>
+            <a:r>
+              <a:rPr lang="zh-TW" altLang="en-US" sz="1800" dirty="0">
+                <a:latin typeface="微軟正黑體" panose="020B0604030504040204" pitchFamily="34" charset="-120"/>
+                <a:ea typeface="微軟正黑體" panose="020B0604030504040204" pitchFamily="34" charset="-120"/>
+              </a:rPr>
+              <a:t>張致中</a:t>
             </a:r>
           </a:p>
         </p:txBody>
@@ -3382,6 +3420,3524 @@
     <p:extLst>
       <p:ext uri="{BB962C8B-B14F-4D97-AF65-F5344CB8AC3E}">
         <p14:creationId xmlns:p14="http://schemas.microsoft.com/office/powerpoint/2010/main" val="3758553663"/>
+      </p:ext>
+    </p:extLst>
+  </p:cSld>
+  <p:clrMapOvr>
+    <a:masterClrMapping/>
+  </p:clrMapOvr>
+</p:sld>
+</file>
+
+<file path=ppt/slides/slide2.xml><?xml version="1.0" encoding="utf-8"?>
+<p:sld xmlns:a="http://schemas.openxmlformats.org/drawingml/2006/main" xmlns:r="http://schemas.openxmlformats.org/officeDocument/2006/relationships" xmlns:p="http://schemas.openxmlformats.org/presentationml/2006/main">
+  <p:cSld>
+    <p:spTree>
+      <p:nvGrpSpPr>
+        <p:cNvPr id="1" name=""/>
+        <p:cNvGrpSpPr/>
+        <p:nvPr/>
+      </p:nvGrpSpPr>
+      <p:grpSpPr>
+        <a:xfrm>
+          <a:off x="0" y="0"/>
+          <a:ext cx="0" cy="0"/>
+          <a:chOff x="0" y="0"/>
+          <a:chExt cx="0" cy="0"/>
+        </a:xfrm>
+      </p:grpSpPr>
+      <p:sp>
+        <p:nvSpPr>
+          <p:cNvPr id="2" name="標題 1">
+            <a:extLst>
+              <a:ext uri="{FF2B5EF4-FFF2-40B4-BE49-F238E27FC236}">
+                <a16:creationId xmlns:a16="http://schemas.microsoft.com/office/drawing/2014/main" id="{2B65CC45-A226-4D45-AA5B-A36CFC1EADB8}"/>
+              </a:ext>
+            </a:extLst>
+          </p:cNvPr>
+          <p:cNvSpPr>
+            <a:spLocks noGrp="1"/>
+          </p:cNvSpPr>
+          <p:nvPr>
+            <p:ph type="title"/>
+          </p:nvPr>
+        </p:nvSpPr>
+        <p:spPr/>
+        <p:txBody>
+          <a:bodyPr/>
+          <a:lstStyle/>
+          <a:p>
+            <a:r>
+              <a:rPr lang="zh-TW" altLang="en-US" dirty="0">
+                <a:latin typeface="微軟正黑體" panose="020B0604030504040204" pitchFamily="34" charset="-120"/>
+                <a:ea typeface="微軟正黑體" panose="020B0604030504040204" pitchFamily="34" charset="-120"/>
+              </a:rPr>
+              <a:t>目錄</a:t>
+            </a:r>
+          </a:p>
+        </p:txBody>
+      </p:sp>
+      <p:sp>
+        <p:nvSpPr>
+          <p:cNvPr id="3" name="內容版面配置區 2">
+            <a:extLst>
+              <a:ext uri="{FF2B5EF4-FFF2-40B4-BE49-F238E27FC236}">
+                <a16:creationId xmlns:a16="http://schemas.microsoft.com/office/drawing/2014/main" id="{125BC902-82B5-4299-AB1D-7D45E88A8EA1}"/>
+              </a:ext>
+            </a:extLst>
+          </p:cNvPr>
+          <p:cNvSpPr>
+            <a:spLocks noGrp="1"/>
+          </p:cNvSpPr>
+          <p:nvPr>
+            <p:ph idx="1"/>
+          </p:nvPr>
+        </p:nvSpPr>
+        <p:spPr>
+          <a:xfrm>
+            <a:off x="5943601" y="2012421"/>
+            <a:ext cx="3725332" cy="502708"/>
+          </a:xfrm>
+        </p:spPr>
+        <p:txBody>
+          <a:bodyPr/>
+          <a:lstStyle/>
+          <a:p>
+            <a:pPr marL="0" indent="0">
+              <a:buNone/>
+            </a:pPr>
+            <a:r>
+              <a:rPr lang="en-US" altLang="zh-TW" dirty="0"/>
+              <a:t>Reinforcement Learning</a:t>
+            </a:r>
+          </a:p>
+          <a:p>
+            <a:pPr marL="0" indent="0">
+              <a:buNone/>
+            </a:pPr>
+            <a:endParaRPr lang="en-US" altLang="zh-TW" dirty="0"/>
+          </a:p>
+        </p:txBody>
+      </p:sp>
+      <p:sp>
+        <p:nvSpPr>
+          <p:cNvPr id="4" name="內容版面配置區 2">
+            <a:extLst>
+              <a:ext uri="{FF2B5EF4-FFF2-40B4-BE49-F238E27FC236}">
+                <a16:creationId xmlns:a16="http://schemas.microsoft.com/office/drawing/2014/main" id="{9EB117A6-4640-48D5-9697-D1C32B008923}"/>
+              </a:ext>
+            </a:extLst>
+          </p:cNvPr>
+          <p:cNvSpPr txBox="1">
+            <a:spLocks/>
+          </p:cNvSpPr>
+          <p:nvPr/>
+        </p:nvSpPr>
+        <p:spPr>
+          <a:xfrm>
+            <a:off x="5943601" y="3341688"/>
+            <a:ext cx="3725332" cy="502708"/>
+          </a:xfrm>
+          <a:prstGeom prst="rect">
+            <a:avLst/>
+          </a:prstGeom>
+        </p:spPr>
+        <p:txBody>
+          <a:bodyPr vert="horz" lIns="91440" tIns="45720" rIns="91440" bIns="45720" rtlCol="0">
+            <a:normAutofit/>
+          </a:bodyPr>
+          <a:lstStyle>
+            <a:lvl1pPr marL="228600" indent="-228600" algn="l" defTabSz="914400" rtl="0" eaLnBrk="1" latinLnBrk="0" hangingPunct="1">
+              <a:lnSpc>
+                <a:spcPct val="90000"/>
+              </a:lnSpc>
+              <a:spcBef>
+                <a:spcPts val="1000"/>
+              </a:spcBef>
+              <a:buFont typeface="Arial" panose="020B0604020202020204" pitchFamily="34" charset="0"/>
+              <a:buChar char="•"/>
+              <a:defRPr sz="2800" kern="1200">
+                <a:solidFill>
+                  <a:schemeClr val="tx1"/>
+                </a:solidFill>
+                <a:latin typeface="+mn-lt"/>
+                <a:ea typeface="+mn-ea"/>
+                <a:cs typeface="+mn-cs"/>
+              </a:defRPr>
+            </a:lvl1pPr>
+            <a:lvl2pPr marL="685800" indent="-228600" algn="l" defTabSz="914400" rtl="0" eaLnBrk="1" latinLnBrk="0" hangingPunct="1">
+              <a:lnSpc>
+                <a:spcPct val="90000"/>
+              </a:lnSpc>
+              <a:spcBef>
+                <a:spcPts val="500"/>
+              </a:spcBef>
+              <a:buFont typeface="Arial" panose="020B0604020202020204" pitchFamily="34" charset="0"/>
+              <a:buChar char="•"/>
+              <a:defRPr sz="2400" kern="1200">
+                <a:solidFill>
+                  <a:schemeClr val="tx1"/>
+                </a:solidFill>
+                <a:latin typeface="+mn-lt"/>
+                <a:ea typeface="+mn-ea"/>
+                <a:cs typeface="+mn-cs"/>
+              </a:defRPr>
+            </a:lvl2pPr>
+            <a:lvl3pPr marL="1143000" indent="-228600" algn="l" defTabSz="914400" rtl="0" eaLnBrk="1" latinLnBrk="0" hangingPunct="1">
+              <a:lnSpc>
+                <a:spcPct val="90000"/>
+              </a:lnSpc>
+              <a:spcBef>
+                <a:spcPts val="500"/>
+              </a:spcBef>
+              <a:buFont typeface="Arial" panose="020B0604020202020204" pitchFamily="34" charset="0"/>
+              <a:buChar char="•"/>
+              <a:defRPr sz="2000" kern="1200">
+                <a:solidFill>
+                  <a:schemeClr val="tx1"/>
+                </a:solidFill>
+                <a:latin typeface="+mn-lt"/>
+                <a:ea typeface="+mn-ea"/>
+                <a:cs typeface="+mn-cs"/>
+              </a:defRPr>
+            </a:lvl3pPr>
+            <a:lvl4pPr marL="1600200" indent="-228600" algn="l" defTabSz="914400" rtl="0" eaLnBrk="1" latinLnBrk="0" hangingPunct="1">
+              <a:lnSpc>
+                <a:spcPct val="90000"/>
+              </a:lnSpc>
+              <a:spcBef>
+                <a:spcPts val="500"/>
+              </a:spcBef>
+              <a:buFont typeface="Arial" panose="020B0604020202020204" pitchFamily="34" charset="0"/>
+              <a:buChar char="•"/>
+              <a:defRPr sz="1800" kern="1200">
+                <a:solidFill>
+                  <a:schemeClr val="tx1"/>
+                </a:solidFill>
+                <a:latin typeface="+mn-lt"/>
+                <a:ea typeface="+mn-ea"/>
+                <a:cs typeface="+mn-cs"/>
+              </a:defRPr>
+            </a:lvl4pPr>
+            <a:lvl5pPr marL="2057400" indent="-228600" algn="l" defTabSz="914400" rtl="0" eaLnBrk="1" latinLnBrk="0" hangingPunct="1">
+              <a:lnSpc>
+                <a:spcPct val="90000"/>
+              </a:lnSpc>
+              <a:spcBef>
+                <a:spcPts val="500"/>
+              </a:spcBef>
+              <a:buFont typeface="Arial" panose="020B0604020202020204" pitchFamily="34" charset="0"/>
+              <a:buChar char="•"/>
+              <a:defRPr sz="1800" kern="1200">
+                <a:solidFill>
+                  <a:schemeClr val="tx1"/>
+                </a:solidFill>
+                <a:latin typeface="+mn-lt"/>
+                <a:ea typeface="+mn-ea"/>
+                <a:cs typeface="+mn-cs"/>
+              </a:defRPr>
+            </a:lvl5pPr>
+            <a:lvl6pPr marL="2514600" indent="-228600" algn="l" defTabSz="914400" rtl="0" eaLnBrk="1" latinLnBrk="0" hangingPunct="1">
+              <a:lnSpc>
+                <a:spcPct val="90000"/>
+              </a:lnSpc>
+              <a:spcBef>
+                <a:spcPts val="500"/>
+              </a:spcBef>
+              <a:buFont typeface="Arial" panose="020B0604020202020204" pitchFamily="34" charset="0"/>
+              <a:buChar char="•"/>
+              <a:defRPr sz="1800" kern="1200">
+                <a:solidFill>
+                  <a:schemeClr val="tx1"/>
+                </a:solidFill>
+                <a:latin typeface="+mn-lt"/>
+                <a:ea typeface="+mn-ea"/>
+                <a:cs typeface="+mn-cs"/>
+              </a:defRPr>
+            </a:lvl6pPr>
+            <a:lvl7pPr marL="2971800" indent="-228600" algn="l" defTabSz="914400" rtl="0" eaLnBrk="1" latinLnBrk="0" hangingPunct="1">
+              <a:lnSpc>
+                <a:spcPct val="90000"/>
+              </a:lnSpc>
+              <a:spcBef>
+                <a:spcPts val="500"/>
+              </a:spcBef>
+              <a:buFont typeface="Arial" panose="020B0604020202020204" pitchFamily="34" charset="0"/>
+              <a:buChar char="•"/>
+              <a:defRPr sz="1800" kern="1200">
+                <a:solidFill>
+                  <a:schemeClr val="tx1"/>
+                </a:solidFill>
+                <a:latin typeface="+mn-lt"/>
+                <a:ea typeface="+mn-ea"/>
+                <a:cs typeface="+mn-cs"/>
+              </a:defRPr>
+            </a:lvl7pPr>
+            <a:lvl8pPr marL="3429000" indent="-228600" algn="l" defTabSz="914400" rtl="0" eaLnBrk="1" latinLnBrk="0" hangingPunct="1">
+              <a:lnSpc>
+                <a:spcPct val="90000"/>
+              </a:lnSpc>
+              <a:spcBef>
+                <a:spcPts val="500"/>
+              </a:spcBef>
+              <a:buFont typeface="Arial" panose="020B0604020202020204" pitchFamily="34" charset="0"/>
+              <a:buChar char="•"/>
+              <a:defRPr sz="1800" kern="1200">
+                <a:solidFill>
+                  <a:schemeClr val="tx1"/>
+                </a:solidFill>
+                <a:latin typeface="+mn-lt"/>
+                <a:ea typeface="+mn-ea"/>
+                <a:cs typeface="+mn-cs"/>
+              </a:defRPr>
+            </a:lvl8pPr>
+            <a:lvl9pPr marL="3886200" indent="-228600" algn="l" defTabSz="914400" rtl="0" eaLnBrk="1" latinLnBrk="0" hangingPunct="1">
+              <a:lnSpc>
+                <a:spcPct val="90000"/>
+              </a:lnSpc>
+              <a:spcBef>
+                <a:spcPts val="500"/>
+              </a:spcBef>
+              <a:buFont typeface="Arial" panose="020B0604020202020204" pitchFamily="34" charset="0"/>
+              <a:buChar char="•"/>
+              <a:defRPr sz="1800" kern="1200">
+                <a:solidFill>
+                  <a:schemeClr val="tx1"/>
+                </a:solidFill>
+                <a:latin typeface="+mn-lt"/>
+                <a:ea typeface="+mn-ea"/>
+                <a:cs typeface="+mn-cs"/>
+              </a:defRPr>
+            </a:lvl9pPr>
+          </a:lstStyle>
+          <a:p>
+            <a:pPr marL="0" indent="0">
+              <a:buFont typeface="Arial" panose="020B0604020202020204" pitchFamily="34" charset="0"/>
+              <a:buNone/>
+            </a:pPr>
+            <a:r>
+              <a:rPr lang="en-US" altLang="zh-TW" dirty="0"/>
+              <a:t>Q - Learning</a:t>
+            </a:r>
+          </a:p>
+          <a:p>
+            <a:pPr marL="0" indent="0">
+              <a:buFont typeface="Arial" panose="020B0604020202020204" pitchFamily="34" charset="0"/>
+              <a:buNone/>
+            </a:pPr>
+            <a:endParaRPr lang="en-US" altLang="zh-TW" dirty="0"/>
+          </a:p>
+        </p:txBody>
+      </p:sp>
+      <p:sp>
+        <p:nvSpPr>
+          <p:cNvPr id="5" name="內容版面配置區 2">
+            <a:extLst>
+              <a:ext uri="{FF2B5EF4-FFF2-40B4-BE49-F238E27FC236}">
+                <a16:creationId xmlns:a16="http://schemas.microsoft.com/office/drawing/2014/main" id="{454587C2-CCA8-43D7-9DEB-B6B0E2755A05}"/>
+              </a:ext>
+            </a:extLst>
+          </p:cNvPr>
+          <p:cNvSpPr txBox="1">
+            <a:spLocks/>
+          </p:cNvSpPr>
+          <p:nvPr/>
+        </p:nvSpPr>
+        <p:spPr>
+          <a:xfrm>
+            <a:off x="5943601" y="4670955"/>
+            <a:ext cx="3725332" cy="502708"/>
+          </a:xfrm>
+          <a:prstGeom prst="rect">
+            <a:avLst/>
+          </a:prstGeom>
+        </p:spPr>
+        <p:txBody>
+          <a:bodyPr vert="horz" lIns="91440" tIns="45720" rIns="91440" bIns="45720" rtlCol="0">
+            <a:normAutofit/>
+          </a:bodyPr>
+          <a:lstStyle>
+            <a:lvl1pPr marL="228600" indent="-228600" algn="l" defTabSz="914400" rtl="0" eaLnBrk="1" latinLnBrk="0" hangingPunct="1">
+              <a:lnSpc>
+                <a:spcPct val="90000"/>
+              </a:lnSpc>
+              <a:spcBef>
+                <a:spcPts val="1000"/>
+              </a:spcBef>
+              <a:buFont typeface="Arial" panose="020B0604020202020204" pitchFamily="34" charset="0"/>
+              <a:buChar char="•"/>
+              <a:defRPr sz="2800" kern="1200">
+                <a:solidFill>
+                  <a:schemeClr val="tx1"/>
+                </a:solidFill>
+                <a:latin typeface="+mn-lt"/>
+                <a:ea typeface="+mn-ea"/>
+                <a:cs typeface="+mn-cs"/>
+              </a:defRPr>
+            </a:lvl1pPr>
+            <a:lvl2pPr marL="685800" indent="-228600" algn="l" defTabSz="914400" rtl="0" eaLnBrk="1" latinLnBrk="0" hangingPunct="1">
+              <a:lnSpc>
+                <a:spcPct val="90000"/>
+              </a:lnSpc>
+              <a:spcBef>
+                <a:spcPts val="500"/>
+              </a:spcBef>
+              <a:buFont typeface="Arial" panose="020B0604020202020204" pitchFamily="34" charset="0"/>
+              <a:buChar char="•"/>
+              <a:defRPr sz="2400" kern="1200">
+                <a:solidFill>
+                  <a:schemeClr val="tx1"/>
+                </a:solidFill>
+                <a:latin typeface="+mn-lt"/>
+                <a:ea typeface="+mn-ea"/>
+                <a:cs typeface="+mn-cs"/>
+              </a:defRPr>
+            </a:lvl2pPr>
+            <a:lvl3pPr marL="1143000" indent="-228600" algn="l" defTabSz="914400" rtl="0" eaLnBrk="1" latinLnBrk="0" hangingPunct="1">
+              <a:lnSpc>
+                <a:spcPct val="90000"/>
+              </a:lnSpc>
+              <a:spcBef>
+                <a:spcPts val="500"/>
+              </a:spcBef>
+              <a:buFont typeface="Arial" panose="020B0604020202020204" pitchFamily="34" charset="0"/>
+              <a:buChar char="•"/>
+              <a:defRPr sz="2000" kern="1200">
+                <a:solidFill>
+                  <a:schemeClr val="tx1"/>
+                </a:solidFill>
+                <a:latin typeface="+mn-lt"/>
+                <a:ea typeface="+mn-ea"/>
+                <a:cs typeface="+mn-cs"/>
+              </a:defRPr>
+            </a:lvl3pPr>
+            <a:lvl4pPr marL="1600200" indent="-228600" algn="l" defTabSz="914400" rtl="0" eaLnBrk="1" latinLnBrk="0" hangingPunct="1">
+              <a:lnSpc>
+                <a:spcPct val="90000"/>
+              </a:lnSpc>
+              <a:spcBef>
+                <a:spcPts val="500"/>
+              </a:spcBef>
+              <a:buFont typeface="Arial" panose="020B0604020202020204" pitchFamily="34" charset="0"/>
+              <a:buChar char="•"/>
+              <a:defRPr sz="1800" kern="1200">
+                <a:solidFill>
+                  <a:schemeClr val="tx1"/>
+                </a:solidFill>
+                <a:latin typeface="+mn-lt"/>
+                <a:ea typeface="+mn-ea"/>
+                <a:cs typeface="+mn-cs"/>
+              </a:defRPr>
+            </a:lvl4pPr>
+            <a:lvl5pPr marL="2057400" indent="-228600" algn="l" defTabSz="914400" rtl="0" eaLnBrk="1" latinLnBrk="0" hangingPunct="1">
+              <a:lnSpc>
+                <a:spcPct val="90000"/>
+              </a:lnSpc>
+              <a:spcBef>
+                <a:spcPts val="500"/>
+              </a:spcBef>
+              <a:buFont typeface="Arial" panose="020B0604020202020204" pitchFamily="34" charset="0"/>
+              <a:buChar char="•"/>
+              <a:defRPr sz="1800" kern="1200">
+                <a:solidFill>
+                  <a:schemeClr val="tx1"/>
+                </a:solidFill>
+                <a:latin typeface="+mn-lt"/>
+                <a:ea typeface="+mn-ea"/>
+                <a:cs typeface="+mn-cs"/>
+              </a:defRPr>
+            </a:lvl5pPr>
+            <a:lvl6pPr marL="2514600" indent="-228600" algn="l" defTabSz="914400" rtl="0" eaLnBrk="1" latinLnBrk="0" hangingPunct="1">
+              <a:lnSpc>
+                <a:spcPct val="90000"/>
+              </a:lnSpc>
+              <a:spcBef>
+                <a:spcPts val="500"/>
+              </a:spcBef>
+              <a:buFont typeface="Arial" panose="020B0604020202020204" pitchFamily="34" charset="0"/>
+              <a:buChar char="•"/>
+              <a:defRPr sz="1800" kern="1200">
+                <a:solidFill>
+                  <a:schemeClr val="tx1"/>
+                </a:solidFill>
+                <a:latin typeface="+mn-lt"/>
+                <a:ea typeface="+mn-ea"/>
+                <a:cs typeface="+mn-cs"/>
+              </a:defRPr>
+            </a:lvl6pPr>
+            <a:lvl7pPr marL="2971800" indent="-228600" algn="l" defTabSz="914400" rtl="0" eaLnBrk="1" latinLnBrk="0" hangingPunct="1">
+              <a:lnSpc>
+                <a:spcPct val="90000"/>
+              </a:lnSpc>
+              <a:spcBef>
+                <a:spcPts val="500"/>
+              </a:spcBef>
+              <a:buFont typeface="Arial" panose="020B0604020202020204" pitchFamily="34" charset="0"/>
+              <a:buChar char="•"/>
+              <a:defRPr sz="1800" kern="1200">
+                <a:solidFill>
+                  <a:schemeClr val="tx1"/>
+                </a:solidFill>
+                <a:latin typeface="+mn-lt"/>
+                <a:ea typeface="+mn-ea"/>
+                <a:cs typeface="+mn-cs"/>
+              </a:defRPr>
+            </a:lvl7pPr>
+            <a:lvl8pPr marL="3429000" indent="-228600" algn="l" defTabSz="914400" rtl="0" eaLnBrk="1" latinLnBrk="0" hangingPunct="1">
+              <a:lnSpc>
+                <a:spcPct val="90000"/>
+              </a:lnSpc>
+              <a:spcBef>
+                <a:spcPts val="500"/>
+              </a:spcBef>
+              <a:buFont typeface="Arial" panose="020B0604020202020204" pitchFamily="34" charset="0"/>
+              <a:buChar char="•"/>
+              <a:defRPr sz="1800" kern="1200">
+                <a:solidFill>
+                  <a:schemeClr val="tx1"/>
+                </a:solidFill>
+                <a:latin typeface="+mn-lt"/>
+                <a:ea typeface="+mn-ea"/>
+                <a:cs typeface="+mn-cs"/>
+              </a:defRPr>
+            </a:lvl8pPr>
+            <a:lvl9pPr marL="3886200" indent="-228600" algn="l" defTabSz="914400" rtl="0" eaLnBrk="1" latinLnBrk="0" hangingPunct="1">
+              <a:lnSpc>
+                <a:spcPct val="90000"/>
+              </a:lnSpc>
+              <a:spcBef>
+                <a:spcPts val="500"/>
+              </a:spcBef>
+              <a:buFont typeface="Arial" panose="020B0604020202020204" pitchFamily="34" charset="0"/>
+              <a:buChar char="•"/>
+              <a:defRPr sz="1800" kern="1200">
+                <a:solidFill>
+                  <a:schemeClr val="tx1"/>
+                </a:solidFill>
+                <a:latin typeface="+mn-lt"/>
+                <a:ea typeface="+mn-ea"/>
+                <a:cs typeface="+mn-cs"/>
+              </a:defRPr>
+            </a:lvl9pPr>
+          </a:lstStyle>
+          <a:p>
+            <a:pPr marL="0" indent="0">
+              <a:buFont typeface="Arial" panose="020B0604020202020204" pitchFamily="34" charset="0"/>
+              <a:buNone/>
+            </a:pPr>
+            <a:r>
+              <a:rPr lang="en-US" altLang="zh-TW" dirty="0"/>
+              <a:t>DQN</a:t>
+            </a:r>
+          </a:p>
+          <a:p>
+            <a:pPr marL="0" indent="0">
+              <a:buFont typeface="Arial" panose="020B0604020202020204" pitchFamily="34" charset="0"/>
+              <a:buNone/>
+            </a:pPr>
+            <a:endParaRPr lang="en-US" altLang="zh-TW" dirty="0"/>
+          </a:p>
+        </p:txBody>
+      </p:sp>
+      <p:sp>
+        <p:nvSpPr>
+          <p:cNvPr id="7" name="橢圓 6">
+            <a:extLst>
+              <a:ext uri="{FF2B5EF4-FFF2-40B4-BE49-F238E27FC236}">
+                <a16:creationId xmlns:a16="http://schemas.microsoft.com/office/drawing/2014/main" id="{200AA373-6064-4BFB-83F5-1D9EC6A9C7DF}"/>
+              </a:ext>
+            </a:extLst>
+          </p:cNvPr>
+          <p:cNvSpPr/>
+          <p:nvPr/>
+        </p:nvSpPr>
+        <p:spPr>
+          <a:xfrm>
+            <a:off x="5050367" y="1980141"/>
+            <a:ext cx="567267" cy="567267"/>
+          </a:xfrm>
+          <a:prstGeom prst="ellipse">
+            <a:avLst/>
+          </a:prstGeom>
+          <a:solidFill>
+            <a:schemeClr val="bg1"/>
+          </a:solidFill>
+          <a:ln>
+            <a:solidFill>
+              <a:schemeClr val="tx1"/>
+            </a:solidFill>
+          </a:ln>
+        </p:spPr>
+        <p:style>
+          <a:lnRef idx="2">
+            <a:schemeClr val="accent1">
+              <a:shade val="50000"/>
+            </a:schemeClr>
+          </a:lnRef>
+          <a:fillRef idx="1">
+            <a:schemeClr val="accent1"/>
+          </a:fillRef>
+          <a:effectRef idx="0">
+            <a:schemeClr val="accent1"/>
+          </a:effectRef>
+          <a:fontRef idx="minor">
+            <a:schemeClr val="lt1"/>
+          </a:fontRef>
+        </p:style>
+        <p:txBody>
+          <a:bodyPr rtlCol="0" anchor="ctr"/>
+          <a:lstStyle/>
+          <a:p>
+            <a:pPr algn="ctr"/>
+            <a:r>
+              <a:rPr lang="en-US" altLang="zh-TW" dirty="0">
+                <a:solidFill>
+                  <a:schemeClr val="tx1"/>
+                </a:solidFill>
+              </a:rPr>
+              <a:t>1</a:t>
+            </a:r>
+            <a:endParaRPr lang="zh-TW" altLang="en-US" dirty="0">
+              <a:solidFill>
+                <a:schemeClr val="tx1"/>
+              </a:solidFill>
+            </a:endParaRPr>
+          </a:p>
+        </p:txBody>
+      </p:sp>
+      <p:sp>
+        <p:nvSpPr>
+          <p:cNvPr id="8" name="橢圓 7">
+            <a:extLst>
+              <a:ext uri="{FF2B5EF4-FFF2-40B4-BE49-F238E27FC236}">
+                <a16:creationId xmlns:a16="http://schemas.microsoft.com/office/drawing/2014/main" id="{6FA0B12F-4E55-436A-B513-F1538D5B3069}"/>
+              </a:ext>
+            </a:extLst>
+          </p:cNvPr>
+          <p:cNvSpPr/>
+          <p:nvPr/>
+        </p:nvSpPr>
+        <p:spPr>
+          <a:xfrm>
+            <a:off x="5050365" y="3309408"/>
+            <a:ext cx="567267" cy="567267"/>
+          </a:xfrm>
+          <a:prstGeom prst="ellipse">
+            <a:avLst/>
+          </a:prstGeom>
+          <a:solidFill>
+            <a:schemeClr val="bg1"/>
+          </a:solidFill>
+          <a:ln>
+            <a:solidFill>
+              <a:schemeClr val="tx1"/>
+            </a:solidFill>
+          </a:ln>
+        </p:spPr>
+        <p:style>
+          <a:lnRef idx="2">
+            <a:schemeClr val="accent1">
+              <a:shade val="50000"/>
+            </a:schemeClr>
+          </a:lnRef>
+          <a:fillRef idx="1">
+            <a:schemeClr val="accent1"/>
+          </a:fillRef>
+          <a:effectRef idx="0">
+            <a:schemeClr val="accent1"/>
+          </a:effectRef>
+          <a:fontRef idx="minor">
+            <a:schemeClr val="lt1"/>
+          </a:fontRef>
+        </p:style>
+        <p:txBody>
+          <a:bodyPr rtlCol="0" anchor="ctr"/>
+          <a:lstStyle/>
+          <a:p>
+            <a:pPr algn="ctr"/>
+            <a:r>
+              <a:rPr lang="en-US" altLang="zh-TW" dirty="0">
+                <a:solidFill>
+                  <a:schemeClr val="tx1"/>
+                </a:solidFill>
+              </a:rPr>
+              <a:t>2</a:t>
+            </a:r>
+            <a:endParaRPr lang="zh-TW" altLang="en-US" dirty="0">
+              <a:solidFill>
+                <a:schemeClr val="tx1"/>
+              </a:solidFill>
+            </a:endParaRPr>
+          </a:p>
+        </p:txBody>
+      </p:sp>
+      <p:sp>
+        <p:nvSpPr>
+          <p:cNvPr id="9" name="橢圓 8">
+            <a:extLst>
+              <a:ext uri="{FF2B5EF4-FFF2-40B4-BE49-F238E27FC236}">
+                <a16:creationId xmlns:a16="http://schemas.microsoft.com/office/drawing/2014/main" id="{228BF23F-48A0-4025-9DFC-CD04F421C4BD}"/>
+              </a:ext>
+            </a:extLst>
+          </p:cNvPr>
+          <p:cNvSpPr/>
+          <p:nvPr/>
+        </p:nvSpPr>
+        <p:spPr>
+          <a:xfrm>
+            <a:off x="5050366" y="4638675"/>
+            <a:ext cx="567267" cy="567267"/>
+          </a:xfrm>
+          <a:prstGeom prst="ellipse">
+            <a:avLst/>
+          </a:prstGeom>
+          <a:solidFill>
+            <a:schemeClr val="bg1"/>
+          </a:solidFill>
+          <a:ln>
+            <a:solidFill>
+              <a:schemeClr val="tx1"/>
+            </a:solidFill>
+          </a:ln>
+        </p:spPr>
+        <p:style>
+          <a:lnRef idx="2">
+            <a:schemeClr val="accent1">
+              <a:shade val="50000"/>
+            </a:schemeClr>
+          </a:lnRef>
+          <a:fillRef idx="1">
+            <a:schemeClr val="accent1"/>
+          </a:fillRef>
+          <a:effectRef idx="0">
+            <a:schemeClr val="accent1"/>
+          </a:effectRef>
+          <a:fontRef idx="minor">
+            <a:schemeClr val="lt1"/>
+          </a:fontRef>
+        </p:style>
+        <p:txBody>
+          <a:bodyPr rtlCol="0" anchor="ctr"/>
+          <a:lstStyle/>
+          <a:p>
+            <a:pPr algn="ctr"/>
+            <a:r>
+              <a:rPr lang="en-US" altLang="zh-TW" dirty="0">
+                <a:solidFill>
+                  <a:schemeClr val="tx1"/>
+                </a:solidFill>
+              </a:rPr>
+              <a:t>3</a:t>
+            </a:r>
+            <a:endParaRPr lang="zh-TW" altLang="en-US" dirty="0">
+              <a:solidFill>
+                <a:schemeClr val="tx1"/>
+              </a:solidFill>
+            </a:endParaRPr>
+          </a:p>
+        </p:txBody>
+      </p:sp>
+      <p:sp>
+        <p:nvSpPr>
+          <p:cNvPr id="10" name="文字方塊 9">
+            <a:extLst>
+              <a:ext uri="{FF2B5EF4-FFF2-40B4-BE49-F238E27FC236}">
+                <a16:creationId xmlns:a16="http://schemas.microsoft.com/office/drawing/2014/main" id="{2B0EB273-D2A4-4324-8C9F-B1BBB7A0FC3C}"/>
+              </a:ext>
+            </a:extLst>
+          </p:cNvPr>
+          <p:cNvSpPr txBox="1"/>
+          <p:nvPr/>
+        </p:nvSpPr>
+        <p:spPr>
+          <a:xfrm>
+            <a:off x="5875867" y="1861345"/>
+            <a:ext cx="3793066" cy="753533"/>
+          </a:xfrm>
+          <a:prstGeom prst="rect">
+            <a:avLst/>
+          </a:prstGeom>
+          <a:noFill/>
+          <a:ln w="57150">
+            <a:solidFill>
+              <a:srgbClr val="FF0000"/>
+            </a:solidFill>
+          </a:ln>
+        </p:spPr>
+        <p:txBody>
+          <a:bodyPr wrap="square" rtlCol="0">
+            <a:spAutoFit/>
+          </a:bodyPr>
+          <a:lstStyle/>
+          <a:p>
+            <a:endParaRPr lang="zh-TW" altLang="en-US" dirty="0"/>
+          </a:p>
+        </p:txBody>
+      </p:sp>
+    </p:spTree>
+    <p:extLst>
+      <p:ext uri="{BB962C8B-B14F-4D97-AF65-F5344CB8AC3E}">
+        <p14:creationId xmlns:p14="http://schemas.microsoft.com/office/powerpoint/2010/main" val="669186418"/>
+      </p:ext>
+    </p:extLst>
+  </p:cSld>
+  <p:clrMapOvr>
+    <a:masterClrMapping/>
+  </p:clrMapOvr>
+</p:sld>
+</file>
+
+<file path=ppt/slides/slide3.xml><?xml version="1.0" encoding="utf-8"?>
+<p:sld xmlns:a="http://schemas.openxmlformats.org/drawingml/2006/main" xmlns:r="http://schemas.openxmlformats.org/officeDocument/2006/relationships" xmlns:p="http://schemas.openxmlformats.org/presentationml/2006/main">
+  <p:cSld>
+    <p:spTree>
+      <p:nvGrpSpPr>
+        <p:cNvPr id="1" name=""/>
+        <p:cNvGrpSpPr/>
+        <p:nvPr/>
+      </p:nvGrpSpPr>
+      <p:grpSpPr>
+        <a:xfrm>
+          <a:off x="0" y="0"/>
+          <a:ext cx="0" cy="0"/>
+          <a:chOff x="0" y="0"/>
+          <a:chExt cx="0" cy="0"/>
+        </a:xfrm>
+      </p:grpSpPr>
+      <p:sp>
+        <p:nvSpPr>
+          <p:cNvPr id="2" name="標題 1">
+            <a:extLst>
+              <a:ext uri="{FF2B5EF4-FFF2-40B4-BE49-F238E27FC236}">
+                <a16:creationId xmlns:a16="http://schemas.microsoft.com/office/drawing/2014/main" id="{2B65CC45-A226-4D45-AA5B-A36CFC1EADB8}"/>
+              </a:ext>
+            </a:extLst>
+          </p:cNvPr>
+          <p:cNvSpPr>
+            <a:spLocks noGrp="1"/>
+          </p:cNvSpPr>
+          <p:nvPr>
+            <p:ph type="title"/>
+          </p:nvPr>
+        </p:nvSpPr>
+        <p:spPr/>
+        <p:txBody>
+          <a:bodyPr/>
+          <a:lstStyle/>
+          <a:p>
+            <a:r>
+              <a:rPr lang="zh-TW" altLang="en-US" dirty="0">
+                <a:latin typeface="微軟正黑體" panose="020B0604030504040204" pitchFamily="34" charset="-120"/>
+                <a:ea typeface="微軟正黑體" panose="020B0604030504040204" pitchFamily="34" charset="-120"/>
+              </a:rPr>
+              <a:t>機器學習</a:t>
+            </a:r>
+            <a:r>
+              <a:rPr lang="en-US" altLang="zh-TW" dirty="0">
+                <a:latin typeface="微軟正黑體" panose="020B0604030504040204" pitchFamily="34" charset="-120"/>
+                <a:ea typeface="微軟正黑體" panose="020B0604030504040204" pitchFamily="34" charset="-120"/>
+              </a:rPr>
+              <a:t>:</a:t>
+            </a:r>
+            <a:r>
+              <a:rPr lang="zh-TW" altLang="en-US" dirty="0">
+                <a:latin typeface="微軟正黑體" panose="020B0604030504040204" pitchFamily="34" charset="-120"/>
+                <a:ea typeface="微軟正黑體" panose="020B0604030504040204" pitchFamily="34" charset="-120"/>
+              </a:rPr>
+              <a:t>找一個</a:t>
+            </a:r>
+            <a:r>
+              <a:rPr lang="en-US" altLang="zh-TW" dirty="0">
+                <a:latin typeface="微軟正黑體" panose="020B0604030504040204" pitchFamily="34" charset="-120"/>
+                <a:ea typeface="微軟正黑體" panose="020B0604030504040204" pitchFamily="34" charset="-120"/>
+              </a:rPr>
+              <a:t>function</a:t>
+            </a:r>
+            <a:endParaRPr lang="zh-TW" altLang="en-US" dirty="0">
+              <a:latin typeface="微軟正黑體" panose="020B0604030504040204" pitchFamily="34" charset="-120"/>
+              <a:ea typeface="微軟正黑體" panose="020B0604030504040204" pitchFamily="34" charset="-120"/>
+            </a:endParaRPr>
+          </a:p>
+        </p:txBody>
+      </p:sp>
+      <p:pic>
+        <p:nvPicPr>
+          <p:cNvPr id="12" name="圖片 11">
+            <a:extLst>
+              <a:ext uri="{FF2B5EF4-FFF2-40B4-BE49-F238E27FC236}">
+                <a16:creationId xmlns:a16="http://schemas.microsoft.com/office/drawing/2014/main" id="{99ABB9DD-5A69-4375-AC62-B751658C7747}"/>
+              </a:ext>
+            </a:extLst>
+          </p:cNvPr>
+          <p:cNvPicPr>
+            <a:picLocks noChangeAspect="1"/>
+          </p:cNvPicPr>
+          <p:nvPr/>
+        </p:nvPicPr>
+        <p:blipFill>
+          <a:blip r:embed="rId2">
+            <a:extLst>
+              <a:ext uri="{28A0092B-C50C-407E-A947-70E740481C1C}">
+                <a14:useLocalDpi xmlns:a14="http://schemas.microsoft.com/office/drawing/2010/main" val="0"/>
+              </a:ext>
+            </a:extLst>
+          </a:blip>
+          <a:stretch>
+            <a:fillRect/>
+          </a:stretch>
+        </p:blipFill>
+        <p:spPr>
+          <a:xfrm>
+            <a:off x="5427286" y="4856917"/>
+            <a:ext cx="1337428" cy="1337428"/>
+          </a:xfrm>
+          <a:prstGeom prst="rect">
+            <a:avLst/>
+          </a:prstGeom>
+        </p:spPr>
+      </p:pic>
+      <p:pic>
+        <p:nvPicPr>
+          <p:cNvPr id="14" name="圖片 13">
+            <a:extLst>
+              <a:ext uri="{FF2B5EF4-FFF2-40B4-BE49-F238E27FC236}">
+                <a16:creationId xmlns:a16="http://schemas.microsoft.com/office/drawing/2014/main" id="{F1BA0E8B-7BEC-4A6E-9DFD-0FC56522C1EF}"/>
+              </a:ext>
+            </a:extLst>
+          </p:cNvPr>
+          <p:cNvPicPr>
+            <a:picLocks noChangeAspect="1"/>
+          </p:cNvPicPr>
+          <p:nvPr/>
+        </p:nvPicPr>
+        <p:blipFill>
+          <a:blip r:embed="rId3">
+            <a:extLst>
+              <a:ext uri="{28A0092B-C50C-407E-A947-70E740481C1C}">
+                <a14:useLocalDpi xmlns:a14="http://schemas.microsoft.com/office/drawing/2010/main" val="0"/>
+              </a:ext>
+            </a:extLst>
+          </a:blip>
+          <a:stretch>
+            <a:fillRect/>
+          </a:stretch>
+        </p:blipFill>
+        <p:spPr>
+          <a:xfrm>
+            <a:off x="5427286" y="1250115"/>
+            <a:ext cx="1337428" cy="1337428"/>
+          </a:xfrm>
+          <a:prstGeom prst="rect">
+            <a:avLst/>
+          </a:prstGeom>
+        </p:spPr>
+      </p:pic>
+      <p:sp>
+        <p:nvSpPr>
+          <p:cNvPr id="18" name="箭號: 向右 17">
+            <a:extLst>
+              <a:ext uri="{FF2B5EF4-FFF2-40B4-BE49-F238E27FC236}">
+                <a16:creationId xmlns:a16="http://schemas.microsoft.com/office/drawing/2014/main" id="{4E8AC2D8-3665-46ED-A7B6-07A0F6889A43}"/>
+              </a:ext>
+            </a:extLst>
+          </p:cNvPr>
+          <p:cNvSpPr/>
+          <p:nvPr/>
+        </p:nvSpPr>
+        <p:spPr>
+          <a:xfrm rot="16200000">
+            <a:off x="5387432" y="3852427"/>
+            <a:ext cx="1417139" cy="146055"/>
+          </a:xfrm>
+          <a:prstGeom prst="rightArrow">
+            <a:avLst/>
+          </a:prstGeom>
+        </p:spPr>
+        <p:style>
+          <a:lnRef idx="2">
+            <a:schemeClr val="accent1">
+              <a:shade val="50000"/>
+            </a:schemeClr>
+          </a:lnRef>
+          <a:fillRef idx="1">
+            <a:schemeClr val="accent1"/>
+          </a:fillRef>
+          <a:effectRef idx="0">
+            <a:schemeClr val="accent1"/>
+          </a:effectRef>
+          <a:fontRef idx="minor">
+            <a:schemeClr val="lt1"/>
+          </a:fontRef>
+        </p:style>
+        <p:txBody>
+          <a:bodyPr rtlCol="0" anchor="ctr"/>
+          <a:lstStyle/>
+          <a:p>
+            <a:pPr algn="ctr"/>
+            <a:endParaRPr lang="zh-TW" altLang="en-US"/>
+          </a:p>
+        </p:txBody>
+      </p:sp>
+      <p:sp>
+        <p:nvSpPr>
+          <p:cNvPr id="19" name="文字方塊 18">
+            <a:extLst>
+              <a:ext uri="{FF2B5EF4-FFF2-40B4-BE49-F238E27FC236}">
+                <a16:creationId xmlns:a16="http://schemas.microsoft.com/office/drawing/2014/main" id="{F768568A-ADBF-41EE-A0E3-643FBCC9E5E8}"/>
+              </a:ext>
+            </a:extLst>
+          </p:cNvPr>
+          <p:cNvSpPr txBox="1"/>
+          <p:nvPr/>
+        </p:nvSpPr>
+        <p:spPr>
+          <a:xfrm>
+            <a:off x="6307514" y="3639165"/>
+            <a:ext cx="914400" cy="369332"/>
+          </a:xfrm>
+          <a:prstGeom prst="rect">
+            <a:avLst/>
+          </a:prstGeom>
+          <a:noFill/>
+        </p:spPr>
+        <p:txBody>
+          <a:bodyPr wrap="square" rtlCol="0">
+            <a:spAutoFit/>
+          </a:bodyPr>
+          <a:lstStyle/>
+          <a:p>
+            <a:r>
+              <a:rPr lang="en-US" altLang="zh-TW" dirty="0"/>
+              <a:t>Reward</a:t>
+            </a:r>
+            <a:endParaRPr lang="zh-TW" altLang="en-US" dirty="0"/>
+          </a:p>
+        </p:txBody>
+      </p:sp>
+      <p:sp>
+        <p:nvSpPr>
+          <p:cNvPr id="20" name="文字方塊 19">
+            <a:extLst>
+              <a:ext uri="{FF2B5EF4-FFF2-40B4-BE49-F238E27FC236}">
+                <a16:creationId xmlns:a16="http://schemas.microsoft.com/office/drawing/2014/main" id="{F5BB5BBB-DE07-4D63-A9D1-FD2E5F81C605}"/>
+              </a:ext>
+            </a:extLst>
+          </p:cNvPr>
+          <p:cNvSpPr txBox="1"/>
+          <p:nvPr/>
+        </p:nvSpPr>
+        <p:spPr>
+          <a:xfrm>
+            <a:off x="5374747" y="6123543"/>
+            <a:ext cx="1442506" cy="369332"/>
+          </a:xfrm>
+          <a:prstGeom prst="rect">
+            <a:avLst/>
+          </a:prstGeom>
+          <a:noFill/>
+        </p:spPr>
+        <p:txBody>
+          <a:bodyPr wrap="square" rtlCol="0">
+            <a:spAutoFit/>
+          </a:bodyPr>
+          <a:lstStyle/>
+          <a:p>
+            <a:pPr algn="ctr"/>
+            <a:r>
+              <a:rPr lang="en-US" altLang="zh-TW" dirty="0"/>
+              <a:t>Environment</a:t>
+            </a:r>
+            <a:endParaRPr lang="zh-TW" altLang="en-US" dirty="0"/>
+          </a:p>
+        </p:txBody>
+      </p:sp>
+      <p:sp>
+        <p:nvSpPr>
+          <p:cNvPr id="21" name="箭號: 向右 20">
+            <a:extLst>
+              <a:ext uri="{FF2B5EF4-FFF2-40B4-BE49-F238E27FC236}">
+                <a16:creationId xmlns:a16="http://schemas.microsoft.com/office/drawing/2014/main" id="{ED0A0B81-5784-4C21-BB09-53F684C23766}"/>
+              </a:ext>
+            </a:extLst>
+          </p:cNvPr>
+          <p:cNvSpPr/>
+          <p:nvPr/>
+        </p:nvSpPr>
+        <p:spPr>
+          <a:xfrm>
+            <a:off x="1549400" y="2133601"/>
+            <a:ext cx="3671928" cy="148162"/>
+          </a:xfrm>
+          <a:prstGeom prst="rightArrow">
+            <a:avLst/>
+          </a:prstGeom>
+        </p:spPr>
+        <p:style>
+          <a:lnRef idx="2">
+            <a:schemeClr val="accent1">
+              <a:shade val="50000"/>
+            </a:schemeClr>
+          </a:lnRef>
+          <a:fillRef idx="1">
+            <a:schemeClr val="accent1"/>
+          </a:fillRef>
+          <a:effectRef idx="0">
+            <a:schemeClr val="accent1"/>
+          </a:effectRef>
+          <a:fontRef idx="minor">
+            <a:schemeClr val="lt1"/>
+          </a:fontRef>
+        </p:style>
+        <p:txBody>
+          <a:bodyPr rtlCol="0" anchor="ctr"/>
+          <a:lstStyle/>
+          <a:p>
+            <a:pPr algn="ctr"/>
+            <a:endParaRPr lang="zh-TW" altLang="en-US"/>
+          </a:p>
+        </p:txBody>
+      </p:sp>
+      <p:sp>
+        <p:nvSpPr>
+          <p:cNvPr id="22" name="箭號: 向右 21">
+            <a:extLst>
+              <a:ext uri="{FF2B5EF4-FFF2-40B4-BE49-F238E27FC236}">
+                <a16:creationId xmlns:a16="http://schemas.microsoft.com/office/drawing/2014/main" id="{1DB0B3E8-ADCF-41B8-BCF5-614471D7BF21}"/>
+              </a:ext>
+            </a:extLst>
+          </p:cNvPr>
+          <p:cNvSpPr/>
+          <p:nvPr/>
+        </p:nvSpPr>
+        <p:spPr>
+          <a:xfrm rot="10800000">
+            <a:off x="7221914" y="5451550"/>
+            <a:ext cx="3671928" cy="148162"/>
+          </a:xfrm>
+          <a:prstGeom prst="rightArrow">
+            <a:avLst/>
+          </a:prstGeom>
+        </p:spPr>
+        <p:style>
+          <a:lnRef idx="2">
+            <a:schemeClr val="accent1">
+              <a:shade val="50000"/>
+            </a:schemeClr>
+          </a:lnRef>
+          <a:fillRef idx="1">
+            <a:schemeClr val="accent1"/>
+          </a:fillRef>
+          <a:effectRef idx="0">
+            <a:schemeClr val="accent1"/>
+          </a:effectRef>
+          <a:fontRef idx="minor">
+            <a:schemeClr val="lt1"/>
+          </a:fontRef>
+        </p:style>
+        <p:txBody>
+          <a:bodyPr rtlCol="0" anchor="ctr"/>
+          <a:lstStyle/>
+          <a:p>
+            <a:pPr algn="ctr"/>
+            <a:endParaRPr lang="zh-TW" altLang="en-US"/>
+          </a:p>
+        </p:txBody>
+      </p:sp>
+      <p:sp>
+        <p:nvSpPr>
+          <p:cNvPr id="23" name="矩形 22">
+            <a:extLst>
+              <a:ext uri="{FF2B5EF4-FFF2-40B4-BE49-F238E27FC236}">
+                <a16:creationId xmlns:a16="http://schemas.microsoft.com/office/drawing/2014/main" id="{9BF339FE-8116-4916-A510-D7A7B48B87B3}"/>
+              </a:ext>
+            </a:extLst>
+          </p:cNvPr>
+          <p:cNvSpPr/>
+          <p:nvPr/>
+        </p:nvSpPr>
+        <p:spPr>
+          <a:xfrm>
+            <a:off x="1549400" y="2207682"/>
+            <a:ext cx="67733" cy="3312585"/>
+          </a:xfrm>
+          <a:prstGeom prst="rect">
+            <a:avLst/>
+          </a:prstGeom>
+        </p:spPr>
+        <p:style>
+          <a:lnRef idx="2">
+            <a:schemeClr val="accent1">
+              <a:shade val="50000"/>
+            </a:schemeClr>
+          </a:lnRef>
+          <a:fillRef idx="1">
+            <a:schemeClr val="accent1"/>
+          </a:fillRef>
+          <a:effectRef idx="0">
+            <a:schemeClr val="accent1"/>
+          </a:effectRef>
+          <a:fontRef idx="minor">
+            <a:schemeClr val="lt1"/>
+          </a:fontRef>
+        </p:style>
+        <p:txBody>
+          <a:bodyPr rtlCol="0" anchor="ctr"/>
+          <a:lstStyle/>
+          <a:p>
+            <a:pPr algn="ctr"/>
+            <a:endParaRPr lang="zh-TW" altLang="en-US"/>
+          </a:p>
+        </p:txBody>
+      </p:sp>
+      <p:sp>
+        <p:nvSpPr>
+          <p:cNvPr id="24" name="矩形 23">
+            <a:extLst>
+              <a:ext uri="{FF2B5EF4-FFF2-40B4-BE49-F238E27FC236}">
+                <a16:creationId xmlns:a16="http://schemas.microsoft.com/office/drawing/2014/main" id="{898E4052-CECB-4797-B748-0337399725CD}"/>
+              </a:ext>
+            </a:extLst>
+          </p:cNvPr>
+          <p:cNvSpPr/>
+          <p:nvPr/>
+        </p:nvSpPr>
+        <p:spPr>
+          <a:xfrm>
+            <a:off x="10826109" y="2211920"/>
+            <a:ext cx="67733" cy="3312585"/>
+          </a:xfrm>
+          <a:prstGeom prst="rect">
+            <a:avLst/>
+          </a:prstGeom>
+        </p:spPr>
+        <p:style>
+          <a:lnRef idx="2">
+            <a:schemeClr val="accent1">
+              <a:shade val="50000"/>
+            </a:schemeClr>
+          </a:lnRef>
+          <a:fillRef idx="1">
+            <a:schemeClr val="accent1"/>
+          </a:fillRef>
+          <a:effectRef idx="0">
+            <a:schemeClr val="accent1"/>
+          </a:effectRef>
+          <a:fontRef idx="minor">
+            <a:schemeClr val="lt1"/>
+          </a:fontRef>
+        </p:style>
+        <p:txBody>
+          <a:bodyPr rtlCol="0" anchor="ctr"/>
+          <a:lstStyle/>
+          <a:p>
+            <a:pPr algn="ctr"/>
+            <a:endParaRPr lang="zh-TW" altLang="en-US"/>
+          </a:p>
+        </p:txBody>
+      </p:sp>
+      <p:sp>
+        <p:nvSpPr>
+          <p:cNvPr id="25" name="矩形 24">
+            <a:extLst>
+              <a:ext uri="{FF2B5EF4-FFF2-40B4-BE49-F238E27FC236}">
+                <a16:creationId xmlns:a16="http://schemas.microsoft.com/office/drawing/2014/main" id="{3E08A636-B8FB-4FD8-B8BB-2EDEE5F96829}"/>
+              </a:ext>
+            </a:extLst>
+          </p:cNvPr>
+          <p:cNvSpPr/>
+          <p:nvPr/>
+        </p:nvSpPr>
+        <p:spPr>
+          <a:xfrm rot="5400000">
+            <a:off x="9020834" y="334678"/>
+            <a:ext cx="74081" cy="3671927"/>
+          </a:xfrm>
+          <a:prstGeom prst="rect">
+            <a:avLst/>
+          </a:prstGeom>
+        </p:spPr>
+        <p:style>
+          <a:lnRef idx="2">
+            <a:schemeClr val="accent1">
+              <a:shade val="50000"/>
+            </a:schemeClr>
+          </a:lnRef>
+          <a:fillRef idx="1">
+            <a:schemeClr val="accent1"/>
+          </a:fillRef>
+          <a:effectRef idx="0">
+            <a:schemeClr val="accent1"/>
+          </a:effectRef>
+          <a:fontRef idx="minor">
+            <a:schemeClr val="lt1"/>
+          </a:fontRef>
+        </p:style>
+        <p:txBody>
+          <a:bodyPr rtlCol="0" anchor="ctr"/>
+          <a:lstStyle/>
+          <a:p>
+            <a:pPr algn="ctr"/>
+            <a:endParaRPr lang="zh-TW" altLang="en-US"/>
+          </a:p>
+        </p:txBody>
+      </p:sp>
+      <p:sp>
+        <p:nvSpPr>
+          <p:cNvPr id="26" name="矩形 25">
+            <a:extLst>
+              <a:ext uri="{FF2B5EF4-FFF2-40B4-BE49-F238E27FC236}">
+                <a16:creationId xmlns:a16="http://schemas.microsoft.com/office/drawing/2014/main" id="{926F21E3-64C6-4B10-B490-0EC7B0D0B581}"/>
+              </a:ext>
+            </a:extLst>
+          </p:cNvPr>
+          <p:cNvSpPr/>
+          <p:nvPr/>
+        </p:nvSpPr>
+        <p:spPr>
+          <a:xfrm rot="5400000">
+            <a:off x="3359548" y="3684303"/>
+            <a:ext cx="74081" cy="3671927"/>
+          </a:xfrm>
+          <a:prstGeom prst="rect">
+            <a:avLst/>
+          </a:prstGeom>
+        </p:spPr>
+        <p:style>
+          <a:lnRef idx="2">
+            <a:schemeClr val="accent1">
+              <a:shade val="50000"/>
+            </a:schemeClr>
+          </a:lnRef>
+          <a:fillRef idx="1">
+            <a:schemeClr val="accent1"/>
+          </a:fillRef>
+          <a:effectRef idx="0">
+            <a:schemeClr val="accent1"/>
+          </a:effectRef>
+          <a:fontRef idx="minor">
+            <a:schemeClr val="lt1"/>
+          </a:fontRef>
+        </p:style>
+        <p:txBody>
+          <a:bodyPr rtlCol="0" anchor="ctr"/>
+          <a:lstStyle/>
+          <a:p>
+            <a:pPr algn="ctr"/>
+            <a:endParaRPr lang="zh-TW" altLang="en-US"/>
+          </a:p>
+        </p:txBody>
+      </p:sp>
+      <p:sp>
+        <p:nvSpPr>
+          <p:cNvPr id="27" name="文字方塊 26">
+            <a:extLst>
+              <a:ext uri="{FF2B5EF4-FFF2-40B4-BE49-F238E27FC236}">
+                <a16:creationId xmlns:a16="http://schemas.microsoft.com/office/drawing/2014/main" id="{C49A41DB-11C9-446A-9FD6-16C8ADA91F0A}"/>
+              </a:ext>
+            </a:extLst>
+          </p:cNvPr>
+          <p:cNvSpPr txBox="1"/>
+          <p:nvPr/>
+        </p:nvSpPr>
+        <p:spPr>
+          <a:xfrm>
+            <a:off x="8566810" y="5077980"/>
+            <a:ext cx="914400" cy="369332"/>
+          </a:xfrm>
+          <a:prstGeom prst="rect">
+            <a:avLst/>
+          </a:prstGeom>
+          <a:noFill/>
+        </p:spPr>
+        <p:txBody>
+          <a:bodyPr wrap="square" rtlCol="0">
+            <a:spAutoFit/>
+          </a:bodyPr>
+          <a:lstStyle/>
+          <a:p>
+            <a:r>
+              <a:rPr lang="en-US" altLang="zh-TW" dirty="0"/>
+              <a:t>Action</a:t>
+            </a:r>
+            <a:endParaRPr lang="zh-TW" altLang="en-US" dirty="0"/>
+          </a:p>
+        </p:txBody>
+      </p:sp>
+      <p:sp>
+        <p:nvSpPr>
+          <p:cNvPr id="28" name="文字方塊 27">
+            <a:extLst>
+              <a:ext uri="{FF2B5EF4-FFF2-40B4-BE49-F238E27FC236}">
+                <a16:creationId xmlns:a16="http://schemas.microsoft.com/office/drawing/2014/main" id="{F5D9BBC3-E3BB-48EB-8984-CBC226BDE9C2}"/>
+              </a:ext>
+            </a:extLst>
+          </p:cNvPr>
+          <p:cNvSpPr txBox="1"/>
+          <p:nvPr/>
+        </p:nvSpPr>
+        <p:spPr>
+          <a:xfrm>
+            <a:off x="2716650" y="1686718"/>
+            <a:ext cx="1337428" cy="369332"/>
+          </a:xfrm>
+          <a:prstGeom prst="rect">
+            <a:avLst/>
+          </a:prstGeom>
+          <a:noFill/>
+        </p:spPr>
+        <p:txBody>
+          <a:bodyPr wrap="square" rtlCol="0">
+            <a:spAutoFit/>
+          </a:bodyPr>
+          <a:lstStyle/>
+          <a:p>
+            <a:r>
+              <a:rPr lang="en-US" altLang="zh-TW" dirty="0"/>
+              <a:t>Observation</a:t>
+            </a:r>
+            <a:endParaRPr lang="zh-TW" altLang="en-US" dirty="0"/>
+          </a:p>
+        </p:txBody>
+      </p:sp>
+      <p:sp>
+        <p:nvSpPr>
+          <p:cNvPr id="30" name="矩形: 圓角 29">
+            <a:extLst>
+              <a:ext uri="{FF2B5EF4-FFF2-40B4-BE49-F238E27FC236}">
+                <a16:creationId xmlns:a16="http://schemas.microsoft.com/office/drawing/2014/main" id="{AC51B34D-ADD0-4496-B6B8-0D9FC9CEAE10}"/>
+              </a:ext>
+            </a:extLst>
+          </p:cNvPr>
+          <p:cNvSpPr/>
+          <p:nvPr/>
+        </p:nvSpPr>
+        <p:spPr>
+          <a:xfrm>
+            <a:off x="5562600" y="2624662"/>
+            <a:ext cx="1075267" cy="369332"/>
+          </a:xfrm>
+          <a:prstGeom prst="roundRect">
+            <a:avLst/>
+          </a:prstGeom>
+        </p:spPr>
+        <p:style>
+          <a:lnRef idx="2">
+            <a:schemeClr val="accent1">
+              <a:shade val="50000"/>
+            </a:schemeClr>
+          </a:lnRef>
+          <a:fillRef idx="1">
+            <a:schemeClr val="accent1"/>
+          </a:fillRef>
+          <a:effectRef idx="0">
+            <a:schemeClr val="accent1"/>
+          </a:effectRef>
+          <a:fontRef idx="minor">
+            <a:schemeClr val="lt1"/>
+          </a:fontRef>
+        </p:style>
+        <p:txBody>
+          <a:bodyPr rtlCol="0" anchor="ctr"/>
+          <a:lstStyle/>
+          <a:p>
+            <a:pPr algn="ctr"/>
+            <a:r>
+              <a:rPr lang="en-US" altLang="zh-TW" dirty="0"/>
+              <a:t>Actor</a:t>
+            </a:r>
+            <a:endParaRPr lang="zh-TW" altLang="en-US" dirty="0"/>
+          </a:p>
+        </p:txBody>
+      </p:sp>
+      <p:sp>
+        <p:nvSpPr>
+          <p:cNvPr id="31" name="文字方塊 30">
+            <a:extLst>
+              <a:ext uri="{FF2B5EF4-FFF2-40B4-BE49-F238E27FC236}">
+                <a16:creationId xmlns:a16="http://schemas.microsoft.com/office/drawing/2014/main" id="{506EAE05-07A1-4AFA-923B-FE31CB27743C}"/>
+              </a:ext>
+            </a:extLst>
+          </p:cNvPr>
+          <p:cNvSpPr txBox="1"/>
+          <p:nvPr/>
+        </p:nvSpPr>
+        <p:spPr>
+          <a:xfrm>
+            <a:off x="2643955" y="2281763"/>
+            <a:ext cx="1550550" cy="369332"/>
+          </a:xfrm>
+          <a:prstGeom prst="rect">
+            <a:avLst/>
+          </a:prstGeom>
+          <a:noFill/>
+        </p:spPr>
+        <p:txBody>
+          <a:bodyPr wrap="square" rtlCol="0">
+            <a:spAutoFit/>
+          </a:bodyPr>
+          <a:lstStyle/>
+          <a:p>
+            <a:r>
+              <a:rPr lang="en-US" altLang="zh-TW" dirty="0"/>
+              <a:t>Function input</a:t>
+            </a:r>
+            <a:endParaRPr lang="zh-TW" altLang="en-US" dirty="0"/>
+          </a:p>
+        </p:txBody>
+      </p:sp>
+      <p:sp>
+        <p:nvSpPr>
+          <p:cNvPr id="32" name="文字方塊 31">
+            <a:extLst>
+              <a:ext uri="{FF2B5EF4-FFF2-40B4-BE49-F238E27FC236}">
+                <a16:creationId xmlns:a16="http://schemas.microsoft.com/office/drawing/2014/main" id="{6499A2BD-6BD8-4778-850F-F3D864067B4E}"/>
+              </a:ext>
+            </a:extLst>
+          </p:cNvPr>
+          <p:cNvSpPr txBox="1"/>
+          <p:nvPr/>
+        </p:nvSpPr>
+        <p:spPr>
+          <a:xfrm>
+            <a:off x="8157277" y="5557307"/>
+            <a:ext cx="1733465" cy="369332"/>
+          </a:xfrm>
+          <a:prstGeom prst="rect">
+            <a:avLst/>
+          </a:prstGeom>
+          <a:noFill/>
+        </p:spPr>
+        <p:txBody>
+          <a:bodyPr wrap="square" rtlCol="0">
+            <a:spAutoFit/>
+          </a:bodyPr>
+          <a:lstStyle/>
+          <a:p>
+            <a:r>
+              <a:rPr lang="en-US" altLang="zh-TW" dirty="0"/>
+              <a:t>Function output</a:t>
+            </a:r>
+            <a:endParaRPr lang="zh-TW" altLang="en-US" dirty="0"/>
+          </a:p>
+        </p:txBody>
+      </p:sp>
+      <p:sp>
+        <p:nvSpPr>
+          <p:cNvPr id="33" name="語音泡泡: 圓角矩形 32">
+            <a:extLst>
+              <a:ext uri="{FF2B5EF4-FFF2-40B4-BE49-F238E27FC236}">
+                <a16:creationId xmlns:a16="http://schemas.microsoft.com/office/drawing/2014/main" id="{2FC630F5-961F-4AF9-B3D7-A3E44DA30157}"/>
+              </a:ext>
+            </a:extLst>
+          </p:cNvPr>
+          <p:cNvSpPr/>
+          <p:nvPr/>
+        </p:nvSpPr>
+        <p:spPr>
+          <a:xfrm>
+            <a:off x="7466221" y="2777699"/>
+            <a:ext cx="2531534" cy="975272"/>
+          </a:xfrm>
+          <a:prstGeom prst="wedgeRoundRectCallout">
+            <a:avLst>
+              <a:gd name="adj1" fmla="val -71335"/>
+              <a:gd name="adj2" fmla="val -59906"/>
+              <a:gd name="adj3" fmla="val 16667"/>
+            </a:avLst>
+          </a:prstGeom>
+        </p:spPr>
+        <p:style>
+          <a:lnRef idx="2">
+            <a:schemeClr val="accent1">
+              <a:shade val="50000"/>
+            </a:schemeClr>
+          </a:lnRef>
+          <a:fillRef idx="1">
+            <a:schemeClr val="accent1"/>
+          </a:fillRef>
+          <a:effectRef idx="0">
+            <a:schemeClr val="accent1"/>
+          </a:effectRef>
+          <a:fontRef idx="minor">
+            <a:schemeClr val="lt1"/>
+          </a:fontRef>
+        </p:style>
+        <p:txBody>
+          <a:bodyPr rtlCol="0" anchor="ctr"/>
+          <a:lstStyle/>
+          <a:p>
+            <a:pPr algn="ctr"/>
+            <a:r>
+              <a:rPr lang="zh-TW" altLang="en-US" dirty="0">
+                <a:latin typeface="微軟正黑體" panose="020B0604030504040204" pitchFamily="34" charset="-120"/>
+                <a:ea typeface="微軟正黑體" panose="020B0604030504040204" pitchFamily="34" charset="-120"/>
+              </a:rPr>
+              <a:t>找一個</a:t>
+            </a:r>
+            <a:r>
+              <a:rPr lang="en-US" altLang="zh-TW" dirty="0">
+                <a:latin typeface="微軟正黑體" panose="020B0604030504040204" pitchFamily="34" charset="-120"/>
+                <a:ea typeface="微軟正黑體" panose="020B0604030504040204" pitchFamily="34" charset="-120"/>
+              </a:rPr>
+              <a:t>function</a:t>
+            </a:r>
+            <a:r>
+              <a:rPr lang="zh-TW" altLang="en-US" dirty="0">
+                <a:latin typeface="微軟正黑體" panose="020B0604030504040204" pitchFamily="34" charset="-120"/>
+                <a:ea typeface="微軟正黑體" panose="020B0604030504040204" pitchFamily="34" charset="-120"/>
+              </a:rPr>
+              <a:t>可以</a:t>
+            </a:r>
+            <a:endParaRPr lang="en-US" altLang="zh-TW" dirty="0">
+              <a:latin typeface="微軟正黑體" panose="020B0604030504040204" pitchFamily="34" charset="-120"/>
+              <a:ea typeface="微軟正黑體" panose="020B0604030504040204" pitchFamily="34" charset="-120"/>
+            </a:endParaRPr>
+          </a:p>
+          <a:p>
+            <a:pPr algn="ctr"/>
+            <a:r>
+              <a:rPr lang="zh-TW" altLang="en-US" dirty="0">
+                <a:latin typeface="微軟正黑體" panose="020B0604030504040204" pitchFamily="34" charset="-120"/>
+                <a:ea typeface="微軟正黑體" panose="020B0604030504040204" pitchFamily="34" charset="-120"/>
+              </a:rPr>
+              <a:t>最大化</a:t>
+            </a:r>
+            <a:r>
+              <a:rPr lang="en-US" altLang="zh-TW" dirty="0">
+                <a:latin typeface="微軟正黑體" panose="020B0604030504040204" pitchFamily="34" charset="-120"/>
+                <a:ea typeface="微軟正黑體" panose="020B0604030504040204" pitchFamily="34" charset="-120"/>
+              </a:rPr>
+              <a:t>reward</a:t>
+            </a:r>
+            <a:endParaRPr lang="zh-TW" altLang="en-US" dirty="0">
+              <a:latin typeface="微軟正黑體" panose="020B0604030504040204" pitchFamily="34" charset="-120"/>
+              <a:ea typeface="微軟正黑體" panose="020B0604030504040204" pitchFamily="34" charset="-120"/>
+            </a:endParaRPr>
+          </a:p>
+        </p:txBody>
+      </p:sp>
+    </p:spTree>
+    <p:extLst>
+      <p:ext uri="{BB962C8B-B14F-4D97-AF65-F5344CB8AC3E}">
+        <p14:creationId xmlns:p14="http://schemas.microsoft.com/office/powerpoint/2010/main" val="1355357427"/>
+      </p:ext>
+    </p:extLst>
+  </p:cSld>
+  <p:clrMapOvr>
+    <a:masterClrMapping/>
+  </p:clrMapOvr>
+</p:sld>
+</file>
+
+<file path=ppt/slides/slide4.xml><?xml version="1.0" encoding="utf-8"?>
+<p:sld xmlns:a="http://schemas.openxmlformats.org/drawingml/2006/main" xmlns:r="http://schemas.openxmlformats.org/officeDocument/2006/relationships" xmlns:p="http://schemas.openxmlformats.org/presentationml/2006/main">
+  <p:cSld>
+    <p:spTree>
+      <p:nvGrpSpPr>
+        <p:cNvPr id="1" name=""/>
+        <p:cNvGrpSpPr/>
+        <p:nvPr/>
+      </p:nvGrpSpPr>
+      <p:grpSpPr>
+        <a:xfrm>
+          <a:off x="0" y="0"/>
+          <a:ext cx="0" cy="0"/>
+          <a:chOff x="0" y="0"/>
+          <a:chExt cx="0" cy="0"/>
+        </a:xfrm>
+      </p:grpSpPr>
+      <p:sp>
+        <p:nvSpPr>
+          <p:cNvPr id="2" name="標題 1">
+            <a:extLst>
+              <a:ext uri="{FF2B5EF4-FFF2-40B4-BE49-F238E27FC236}">
+                <a16:creationId xmlns:a16="http://schemas.microsoft.com/office/drawing/2014/main" id="{2B65CC45-A226-4D45-AA5B-A36CFC1EADB8}"/>
+              </a:ext>
+            </a:extLst>
+          </p:cNvPr>
+          <p:cNvSpPr>
+            <a:spLocks noGrp="1"/>
+          </p:cNvSpPr>
+          <p:nvPr>
+            <p:ph type="title"/>
+          </p:nvPr>
+        </p:nvSpPr>
+        <p:spPr>
+          <a:xfrm>
+            <a:off x="838200" y="365125"/>
+            <a:ext cx="10515600" cy="1325563"/>
+          </a:xfrm>
+        </p:spPr>
+        <p:txBody>
+          <a:bodyPr/>
+          <a:lstStyle/>
+          <a:p>
+            <a:r>
+              <a:rPr lang="en-US" altLang="zh-TW" dirty="0">
+                <a:latin typeface="微軟正黑體" panose="020B0604030504040204" pitchFamily="34" charset="-120"/>
+                <a:ea typeface="微軟正黑體" panose="020B0604030504040204" pitchFamily="34" charset="-120"/>
+              </a:rPr>
+              <a:t>Alpha Go</a:t>
+            </a:r>
+            <a:endParaRPr lang="zh-TW" altLang="en-US" dirty="0">
+              <a:latin typeface="微軟正黑體" panose="020B0604030504040204" pitchFamily="34" charset="-120"/>
+              <a:ea typeface="微軟正黑體" panose="020B0604030504040204" pitchFamily="34" charset="-120"/>
+            </a:endParaRPr>
+          </a:p>
+        </p:txBody>
+      </p:sp>
+      <p:pic>
+        <p:nvPicPr>
+          <p:cNvPr id="12" name="圖片 11">
+            <a:extLst>
+              <a:ext uri="{FF2B5EF4-FFF2-40B4-BE49-F238E27FC236}">
+                <a16:creationId xmlns:a16="http://schemas.microsoft.com/office/drawing/2014/main" id="{7BA3C929-66AE-4DF7-8267-FD2F027F475F}"/>
+              </a:ext>
+            </a:extLst>
+          </p:cNvPr>
+          <p:cNvPicPr>
+            <a:picLocks noChangeAspect="1"/>
+          </p:cNvPicPr>
+          <p:nvPr/>
+        </p:nvPicPr>
+        <p:blipFill>
+          <a:blip r:embed="rId2">
+            <a:extLst>
+              <a:ext uri="{28A0092B-C50C-407E-A947-70E740481C1C}">
+                <a14:useLocalDpi xmlns:a14="http://schemas.microsoft.com/office/drawing/2010/main" val="0"/>
+              </a:ext>
+            </a:extLst>
+          </a:blip>
+          <a:stretch>
+            <a:fillRect/>
+          </a:stretch>
+        </p:blipFill>
+        <p:spPr>
+          <a:xfrm>
+            <a:off x="838200" y="2054578"/>
+            <a:ext cx="3563933" cy="2375955"/>
+          </a:xfrm>
+          <a:prstGeom prst="rect">
+            <a:avLst/>
+          </a:prstGeom>
+        </p:spPr>
+      </p:pic>
+      <p:sp>
+        <p:nvSpPr>
+          <p:cNvPr id="13" name="內容版面配置區 2">
+            <a:extLst>
+              <a:ext uri="{FF2B5EF4-FFF2-40B4-BE49-F238E27FC236}">
+                <a16:creationId xmlns:a16="http://schemas.microsoft.com/office/drawing/2014/main" id="{8FE59BAC-CBCC-46D8-B3CB-ADFFE32EDE56}"/>
+              </a:ext>
+            </a:extLst>
+          </p:cNvPr>
+          <p:cNvSpPr>
+            <a:spLocks noGrp="1"/>
+          </p:cNvSpPr>
+          <p:nvPr>
+            <p:ph idx="1"/>
+          </p:nvPr>
+        </p:nvSpPr>
+        <p:spPr>
+          <a:xfrm>
+            <a:off x="7357534" y="2168700"/>
+            <a:ext cx="2751666" cy="502708"/>
+          </a:xfrm>
+        </p:spPr>
+        <p:txBody>
+          <a:bodyPr/>
+          <a:lstStyle/>
+          <a:p>
+            <a:pPr marL="0" indent="0">
+              <a:buNone/>
+            </a:pPr>
+            <a:r>
+              <a:rPr lang="zh-TW" altLang="en-US" dirty="0">
+                <a:latin typeface="微軟正黑體" panose="020B0604030504040204" pitchFamily="34" charset="-120"/>
+                <a:ea typeface="微軟正黑體" panose="020B0604030504040204" pitchFamily="34" charset="-120"/>
+              </a:rPr>
+              <a:t>觀察棋盤</a:t>
+            </a:r>
+            <a:endParaRPr lang="en-US" altLang="zh-TW" dirty="0">
+              <a:latin typeface="微軟正黑體" panose="020B0604030504040204" pitchFamily="34" charset="-120"/>
+              <a:ea typeface="微軟正黑體" panose="020B0604030504040204" pitchFamily="34" charset="-120"/>
+            </a:endParaRPr>
+          </a:p>
+        </p:txBody>
+      </p:sp>
+      <p:sp>
+        <p:nvSpPr>
+          <p:cNvPr id="16" name="橢圓 15">
+            <a:extLst>
+              <a:ext uri="{FF2B5EF4-FFF2-40B4-BE49-F238E27FC236}">
+                <a16:creationId xmlns:a16="http://schemas.microsoft.com/office/drawing/2014/main" id="{B48B66BC-388C-488C-AC2A-8254B65D8D8D}"/>
+              </a:ext>
+            </a:extLst>
+          </p:cNvPr>
+          <p:cNvSpPr/>
+          <p:nvPr/>
+        </p:nvSpPr>
+        <p:spPr>
+          <a:xfrm>
+            <a:off x="6464300" y="2136420"/>
+            <a:ext cx="567267" cy="567267"/>
+          </a:xfrm>
+          <a:prstGeom prst="ellipse">
+            <a:avLst/>
+          </a:prstGeom>
+          <a:solidFill>
+            <a:schemeClr val="bg1"/>
+          </a:solidFill>
+          <a:ln>
+            <a:solidFill>
+              <a:schemeClr val="tx1"/>
+            </a:solidFill>
+          </a:ln>
+        </p:spPr>
+        <p:style>
+          <a:lnRef idx="2">
+            <a:schemeClr val="accent1">
+              <a:shade val="50000"/>
+            </a:schemeClr>
+          </a:lnRef>
+          <a:fillRef idx="1">
+            <a:schemeClr val="accent1"/>
+          </a:fillRef>
+          <a:effectRef idx="0">
+            <a:schemeClr val="accent1"/>
+          </a:effectRef>
+          <a:fontRef idx="minor">
+            <a:schemeClr val="lt1"/>
+          </a:fontRef>
+        </p:style>
+        <p:txBody>
+          <a:bodyPr rtlCol="0" anchor="ctr"/>
+          <a:lstStyle/>
+          <a:p>
+            <a:pPr algn="ctr"/>
+            <a:r>
+              <a:rPr lang="en-US" altLang="zh-TW" dirty="0">
+                <a:solidFill>
+                  <a:schemeClr val="tx1"/>
+                </a:solidFill>
+              </a:rPr>
+              <a:t>1</a:t>
+            </a:r>
+            <a:endParaRPr lang="zh-TW" altLang="en-US" dirty="0">
+              <a:solidFill>
+                <a:schemeClr val="tx1"/>
+              </a:solidFill>
+            </a:endParaRPr>
+          </a:p>
+        </p:txBody>
+      </p:sp>
+      <p:sp>
+        <p:nvSpPr>
+          <p:cNvPr id="19" name="內容版面配置區 2">
+            <a:extLst>
+              <a:ext uri="{FF2B5EF4-FFF2-40B4-BE49-F238E27FC236}">
+                <a16:creationId xmlns:a16="http://schemas.microsoft.com/office/drawing/2014/main" id="{1D945780-FDE6-407F-A717-28A5AB4B6BE3}"/>
+              </a:ext>
+            </a:extLst>
+          </p:cNvPr>
+          <p:cNvSpPr txBox="1">
+            <a:spLocks/>
+          </p:cNvSpPr>
+          <p:nvPr/>
+        </p:nvSpPr>
+        <p:spPr>
+          <a:xfrm>
+            <a:off x="7357534" y="3067577"/>
+            <a:ext cx="2751666" cy="502708"/>
+          </a:xfrm>
+          <a:prstGeom prst="rect">
+            <a:avLst/>
+          </a:prstGeom>
+        </p:spPr>
+        <p:txBody>
+          <a:bodyPr vert="horz" lIns="91440" tIns="45720" rIns="91440" bIns="45720" rtlCol="0">
+            <a:normAutofit/>
+          </a:bodyPr>
+          <a:lstStyle>
+            <a:lvl1pPr marL="228600" indent="-228600" algn="l" defTabSz="914400" rtl="0" eaLnBrk="1" latinLnBrk="0" hangingPunct="1">
+              <a:lnSpc>
+                <a:spcPct val="90000"/>
+              </a:lnSpc>
+              <a:spcBef>
+                <a:spcPts val="1000"/>
+              </a:spcBef>
+              <a:buFont typeface="Arial" panose="020B0604020202020204" pitchFamily="34" charset="0"/>
+              <a:buChar char="•"/>
+              <a:defRPr sz="2800" kern="1200">
+                <a:solidFill>
+                  <a:schemeClr val="tx1"/>
+                </a:solidFill>
+                <a:latin typeface="+mn-lt"/>
+                <a:ea typeface="+mn-ea"/>
+                <a:cs typeface="+mn-cs"/>
+              </a:defRPr>
+            </a:lvl1pPr>
+            <a:lvl2pPr marL="685800" indent="-228600" algn="l" defTabSz="914400" rtl="0" eaLnBrk="1" latinLnBrk="0" hangingPunct="1">
+              <a:lnSpc>
+                <a:spcPct val="90000"/>
+              </a:lnSpc>
+              <a:spcBef>
+                <a:spcPts val="500"/>
+              </a:spcBef>
+              <a:buFont typeface="Arial" panose="020B0604020202020204" pitchFamily="34" charset="0"/>
+              <a:buChar char="•"/>
+              <a:defRPr sz="2400" kern="1200">
+                <a:solidFill>
+                  <a:schemeClr val="tx1"/>
+                </a:solidFill>
+                <a:latin typeface="+mn-lt"/>
+                <a:ea typeface="+mn-ea"/>
+                <a:cs typeface="+mn-cs"/>
+              </a:defRPr>
+            </a:lvl2pPr>
+            <a:lvl3pPr marL="1143000" indent="-228600" algn="l" defTabSz="914400" rtl="0" eaLnBrk="1" latinLnBrk="0" hangingPunct="1">
+              <a:lnSpc>
+                <a:spcPct val="90000"/>
+              </a:lnSpc>
+              <a:spcBef>
+                <a:spcPts val="500"/>
+              </a:spcBef>
+              <a:buFont typeface="Arial" panose="020B0604020202020204" pitchFamily="34" charset="0"/>
+              <a:buChar char="•"/>
+              <a:defRPr sz="2000" kern="1200">
+                <a:solidFill>
+                  <a:schemeClr val="tx1"/>
+                </a:solidFill>
+                <a:latin typeface="+mn-lt"/>
+                <a:ea typeface="+mn-ea"/>
+                <a:cs typeface="+mn-cs"/>
+              </a:defRPr>
+            </a:lvl3pPr>
+            <a:lvl4pPr marL="1600200" indent="-228600" algn="l" defTabSz="914400" rtl="0" eaLnBrk="1" latinLnBrk="0" hangingPunct="1">
+              <a:lnSpc>
+                <a:spcPct val="90000"/>
+              </a:lnSpc>
+              <a:spcBef>
+                <a:spcPts val="500"/>
+              </a:spcBef>
+              <a:buFont typeface="Arial" panose="020B0604020202020204" pitchFamily="34" charset="0"/>
+              <a:buChar char="•"/>
+              <a:defRPr sz="1800" kern="1200">
+                <a:solidFill>
+                  <a:schemeClr val="tx1"/>
+                </a:solidFill>
+                <a:latin typeface="+mn-lt"/>
+                <a:ea typeface="+mn-ea"/>
+                <a:cs typeface="+mn-cs"/>
+              </a:defRPr>
+            </a:lvl4pPr>
+            <a:lvl5pPr marL="2057400" indent="-228600" algn="l" defTabSz="914400" rtl="0" eaLnBrk="1" latinLnBrk="0" hangingPunct="1">
+              <a:lnSpc>
+                <a:spcPct val="90000"/>
+              </a:lnSpc>
+              <a:spcBef>
+                <a:spcPts val="500"/>
+              </a:spcBef>
+              <a:buFont typeface="Arial" panose="020B0604020202020204" pitchFamily="34" charset="0"/>
+              <a:buChar char="•"/>
+              <a:defRPr sz="1800" kern="1200">
+                <a:solidFill>
+                  <a:schemeClr val="tx1"/>
+                </a:solidFill>
+                <a:latin typeface="+mn-lt"/>
+                <a:ea typeface="+mn-ea"/>
+                <a:cs typeface="+mn-cs"/>
+              </a:defRPr>
+            </a:lvl5pPr>
+            <a:lvl6pPr marL="2514600" indent="-228600" algn="l" defTabSz="914400" rtl="0" eaLnBrk="1" latinLnBrk="0" hangingPunct="1">
+              <a:lnSpc>
+                <a:spcPct val="90000"/>
+              </a:lnSpc>
+              <a:spcBef>
+                <a:spcPts val="500"/>
+              </a:spcBef>
+              <a:buFont typeface="Arial" panose="020B0604020202020204" pitchFamily="34" charset="0"/>
+              <a:buChar char="•"/>
+              <a:defRPr sz="1800" kern="1200">
+                <a:solidFill>
+                  <a:schemeClr val="tx1"/>
+                </a:solidFill>
+                <a:latin typeface="+mn-lt"/>
+                <a:ea typeface="+mn-ea"/>
+                <a:cs typeface="+mn-cs"/>
+              </a:defRPr>
+            </a:lvl6pPr>
+            <a:lvl7pPr marL="2971800" indent="-228600" algn="l" defTabSz="914400" rtl="0" eaLnBrk="1" latinLnBrk="0" hangingPunct="1">
+              <a:lnSpc>
+                <a:spcPct val="90000"/>
+              </a:lnSpc>
+              <a:spcBef>
+                <a:spcPts val="500"/>
+              </a:spcBef>
+              <a:buFont typeface="Arial" panose="020B0604020202020204" pitchFamily="34" charset="0"/>
+              <a:buChar char="•"/>
+              <a:defRPr sz="1800" kern="1200">
+                <a:solidFill>
+                  <a:schemeClr val="tx1"/>
+                </a:solidFill>
+                <a:latin typeface="+mn-lt"/>
+                <a:ea typeface="+mn-ea"/>
+                <a:cs typeface="+mn-cs"/>
+              </a:defRPr>
+            </a:lvl7pPr>
+            <a:lvl8pPr marL="3429000" indent="-228600" algn="l" defTabSz="914400" rtl="0" eaLnBrk="1" latinLnBrk="0" hangingPunct="1">
+              <a:lnSpc>
+                <a:spcPct val="90000"/>
+              </a:lnSpc>
+              <a:spcBef>
+                <a:spcPts val="500"/>
+              </a:spcBef>
+              <a:buFont typeface="Arial" panose="020B0604020202020204" pitchFamily="34" charset="0"/>
+              <a:buChar char="•"/>
+              <a:defRPr sz="1800" kern="1200">
+                <a:solidFill>
+                  <a:schemeClr val="tx1"/>
+                </a:solidFill>
+                <a:latin typeface="+mn-lt"/>
+                <a:ea typeface="+mn-ea"/>
+                <a:cs typeface="+mn-cs"/>
+              </a:defRPr>
+            </a:lvl8pPr>
+            <a:lvl9pPr marL="3886200" indent="-228600" algn="l" defTabSz="914400" rtl="0" eaLnBrk="1" latinLnBrk="0" hangingPunct="1">
+              <a:lnSpc>
+                <a:spcPct val="90000"/>
+              </a:lnSpc>
+              <a:spcBef>
+                <a:spcPts val="500"/>
+              </a:spcBef>
+              <a:buFont typeface="Arial" panose="020B0604020202020204" pitchFamily="34" charset="0"/>
+              <a:buChar char="•"/>
+              <a:defRPr sz="1800" kern="1200">
+                <a:solidFill>
+                  <a:schemeClr val="tx1"/>
+                </a:solidFill>
+                <a:latin typeface="+mn-lt"/>
+                <a:ea typeface="+mn-ea"/>
+                <a:cs typeface="+mn-cs"/>
+              </a:defRPr>
+            </a:lvl9pPr>
+          </a:lstStyle>
+          <a:p>
+            <a:pPr marL="0" indent="0">
+              <a:buFont typeface="Arial" panose="020B0604020202020204" pitchFamily="34" charset="0"/>
+              <a:buNone/>
+            </a:pPr>
+            <a:r>
+              <a:rPr lang="zh-TW" altLang="en-US" dirty="0">
+                <a:latin typeface="微軟正黑體" panose="020B0604030504040204" pitchFamily="34" charset="-120"/>
+                <a:ea typeface="微軟正黑體" panose="020B0604030504040204" pitchFamily="34" charset="-120"/>
+              </a:rPr>
+              <a:t>採取動作</a:t>
+            </a:r>
+            <a:endParaRPr lang="en-US" altLang="zh-TW" dirty="0">
+              <a:latin typeface="微軟正黑體" panose="020B0604030504040204" pitchFamily="34" charset="-120"/>
+              <a:ea typeface="微軟正黑體" panose="020B0604030504040204" pitchFamily="34" charset="-120"/>
+            </a:endParaRPr>
+          </a:p>
+        </p:txBody>
+      </p:sp>
+      <p:sp>
+        <p:nvSpPr>
+          <p:cNvPr id="20" name="橢圓 19">
+            <a:extLst>
+              <a:ext uri="{FF2B5EF4-FFF2-40B4-BE49-F238E27FC236}">
+                <a16:creationId xmlns:a16="http://schemas.microsoft.com/office/drawing/2014/main" id="{FC9B0C14-3BEF-4F81-999E-0B17DA266D34}"/>
+              </a:ext>
+            </a:extLst>
+          </p:cNvPr>
+          <p:cNvSpPr/>
+          <p:nvPr/>
+        </p:nvSpPr>
+        <p:spPr>
+          <a:xfrm>
+            <a:off x="6464300" y="3035297"/>
+            <a:ext cx="567267" cy="567267"/>
+          </a:xfrm>
+          <a:prstGeom prst="ellipse">
+            <a:avLst/>
+          </a:prstGeom>
+          <a:solidFill>
+            <a:schemeClr val="bg1"/>
+          </a:solidFill>
+          <a:ln>
+            <a:solidFill>
+              <a:schemeClr val="tx1"/>
+            </a:solidFill>
+          </a:ln>
+        </p:spPr>
+        <p:style>
+          <a:lnRef idx="2">
+            <a:schemeClr val="accent1">
+              <a:shade val="50000"/>
+            </a:schemeClr>
+          </a:lnRef>
+          <a:fillRef idx="1">
+            <a:schemeClr val="accent1"/>
+          </a:fillRef>
+          <a:effectRef idx="0">
+            <a:schemeClr val="accent1"/>
+          </a:effectRef>
+          <a:fontRef idx="minor">
+            <a:schemeClr val="lt1"/>
+          </a:fontRef>
+        </p:style>
+        <p:txBody>
+          <a:bodyPr rtlCol="0" anchor="ctr"/>
+          <a:lstStyle/>
+          <a:p>
+            <a:pPr algn="ctr"/>
+            <a:r>
+              <a:rPr lang="en-US" altLang="zh-TW" dirty="0">
+                <a:solidFill>
+                  <a:schemeClr val="tx1"/>
+                </a:solidFill>
+              </a:rPr>
+              <a:t>2</a:t>
+            </a:r>
+            <a:endParaRPr lang="zh-TW" altLang="en-US" dirty="0">
+              <a:solidFill>
+                <a:schemeClr val="tx1"/>
+              </a:solidFill>
+            </a:endParaRPr>
+          </a:p>
+        </p:txBody>
+      </p:sp>
+      <p:sp>
+        <p:nvSpPr>
+          <p:cNvPr id="21" name="內容版面配置區 2">
+            <a:extLst>
+              <a:ext uri="{FF2B5EF4-FFF2-40B4-BE49-F238E27FC236}">
+                <a16:creationId xmlns:a16="http://schemas.microsoft.com/office/drawing/2014/main" id="{45CCB88C-ABA8-451E-9D99-0E9C3C32A598}"/>
+              </a:ext>
+            </a:extLst>
+          </p:cNvPr>
+          <p:cNvSpPr txBox="1">
+            <a:spLocks/>
+          </p:cNvSpPr>
+          <p:nvPr/>
+        </p:nvSpPr>
+        <p:spPr>
+          <a:xfrm>
+            <a:off x="7357534" y="4031013"/>
+            <a:ext cx="2751666" cy="502708"/>
+          </a:xfrm>
+          <a:prstGeom prst="rect">
+            <a:avLst/>
+          </a:prstGeom>
+        </p:spPr>
+        <p:txBody>
+          <a:bodyPr vert="horz" lIns="91440" tIns="45720" rIns="91440" bIns="45720" rtlCol="0">
+            <a:normAutofit/>
+          </a:bodyPr>
+          <a:lstStyle>
+            <a:lvl1pPr marL="228600" indent="-228600" algn="l" defTabSz="914400" rtl="0" eaLnBrk="1" latinLnBrk="0" hangingPunct="1">
+              <a:lnSpc>
+                <a:spcPct val="90000"/>
+              </a:lnSpc>
+              <a:spcBef>
+                <a:spcPts val="1000"/>
+              </a:spcBef>
+              <a:buFont typeface="Arial" panose="020B0604020202020204" pitchFamily="34" charset="0"/>
+              <a:buChar char="•"/>
+              <a:defRPr sz="2800" kern="1200">
+                <a:solidFill>
+                  <a:schemeClr val="tx1"/>
+                </a:solidFill>
+                <a:latin typeface="+mn-lt"/>
+                <a:ea typeface="+mn-ea"/>
+                <a:cs typeface="+mn-cs"/>
+              </a:defRPr>
+            </a:lvl1pPr>
+            <a:lvl2pPr marL="685800" indent="-228600" algn="l" defTabSz="914400" rtl="0" eaLnBrk="1" latinLnBrk="0" hangingPunct="1">
+              <a:lnSpc>
+                <a:spcPct val="90000"/>
+              </a:lnSpc>
+              <a:spcBef>
+                <a:spcPts val="500"/>
+              </a:spcBef>
+              <a:buFont typeface="Arial" panose="020B0604020202020204" pitchFamily="34" charset="0"/>
+              <a:buChar char="•"/>
+              <a:defRPr sz="2400" kern="1200">
+                <a:solidFill>
+                  <a:schemeClr val="tx1"/>
+                </a:solidFill>
+                <a:latin typeface="+mn-lt"/>
+                <a:ea typeface="+mn-ea"/>
+                <a:cs typeface="+mn-cs"/>
+              </a:defRPr>
+            </a:lvl2pPr>
+            <a:lvl3pPr marL="1143000" indent="-228600" algn="l" defTabSz="914400" rtl="0" eaLnBrk="1" latinLnBrk="0" hangingPunct="1">
+              <a:lnSpc>
+                <a:spcPct val="90000"/>
+              </a:lnSpc>
+              <a:spcBef>
+                <a:spcPts val="500"/>
+              </a:spcBef>
+              <a:buFont typeface="Arial" panose="020B0604020202020204" pitchFamily="34" charset="0"/>
+              <a:buChar char="•"/>
+              <a:defRPr sz="2000" kern="1200">
+                <a:solidFill>
+                  <a:schemeClr val="tx1"/>
+                </a:solidFill>
+                <a:latin typeface="+mn-lt"/>
+                <a:ea typeface="+mn-ea"/>
+                <a:cs typeface="+mn-cs"/>
+              </a:defRPr>
+            </a:lvl3pPr>
+            <a:lvl4pPr marL="1600200" indent="-228600" algn="l" defTabSz="914400" rtl="0" eaLnBrk="1" latinLnBrk="0" hangingPunct="1">
+              <a:lnSpc>
+                <a:spcPct val="90000"/>
+              </a:lnSpc>
+              <a:spcBef>
+                <a:spcPts val="500"/>
+              </a:spcBef>
+              <a:buFont typeface="Arial" panose="020B0604020202020204" pitchFamily="34" charset="0"/>
+              <a:buChar char="•"/>
+              <a:defRPr sz="1800" kern="1200">
+                <a:solidFill>
+                  <a:schemeClr val="tx1"/>
+                </a:solidFill>
+                <a:latin typeface="+mn-lt"/>
+                <a:ea typeface="+mn-ea"/>
+                <a:cs typeface="+mn-cs"/>
+              </a:defRPr>
+            </a:lvl4pPr>
+            <a:lvl5pPr marL="2057400" indent="-228600" algn="l" defTabSz="914400" rtl="0" eaLnBrk="1" latinLnBrk="0" hangingPunct="1">
+              <a:lnSpc>
+                <a:spcPct val="90000"/>
+              </a:lnSpc>
+              <a:spcBef>
+                <a:spcPts val="500"/>
+              </a:spcBef>
+              <a:buFont typeface="Arial" panose="020B0604020202020204" pitchFamily="34" charset="0"/>
+              <a:buChar char="•"/>
+              <a:defRPr sz="1800" kern="1200">
+                <a:solidFill>
+                  <a:schemeClr val="tx1"/>
+                </a:solidFill>
+                <a:latin typeface="+mn-lt"/>
+                <a:ea typeface="+mn-ea"/>
+                <a:cs typeface="+mn-cs"/>
+              </a:defRPr>
+            </a:lvl5pPr>
+            <a:lvl6pPr marL="2514600" indent="-228600" algn="l" defTabSz="914400" rtl="0" eaLnBrk="1" latinLnBrk="0" hangingPunct="1">
+              <a:lnSpc>
+                <a:spcPct val="90000"/>
+              </a:lnSpc>
+              <a:spcBef>
+                <a:spcPts val="500"/>
+              </a:spcBef>
+              <a:buFont typeface="Arial" panose="020B0604020202020204" pitchFamily="34" charset="0"/>
+              <a:buChar char="•"/>
+              <a:defRPr sz="1800" kern="1200">
+                <a:solidFill>
+                  <a:schemeClr val="tx1"/>
+                </a:solidFill>
+                <a:latin typeface="+mn-lt"/>
+                <a:ea typeface="+mn-ea"/>
+                <a:cs typeface="+mn-cs"/>
+              </a:defRPr>
+            </a:lvl6pPr>
+            <a:lvl7pPr marL="2971800" indent="-228600" algn="l" defTabSz="914400" rtl="0" eaLnBrk="1" latinLnBrk="0" hangingPunct="1">
+              <a:lnSpc>
+                <a:spcPct val="90000"/>
+              </a:lnSpc>
+              <a:spcBef>
+                <a:spcPts val="500"/>
+              </a:spcBef>
+              <a:buFont typeface="Arial" panose="020B0604020202020204" pitchFamily="34" charset="0"/>
+              <a:buChar char="•"/>
+              <a:defRPr sz="1800" kern="1200">
+                <a:solidFill>
+                  <a:schemeClr val="tx1"/>
+                </a:solidFill>
+                <a:latin typeface="+mn-lt"/>
+                <a:ea typeface="+mn-ea"/>
+                <a:cs typeface="+mn-cs"/>
+              </a:defRPr>
+            </a:lvl7pPr>
+            <a:lvl8pPr marL="3429000" indent="-228600" algn="l" defTabSz="914400" rtl="0" eaLnBrk="1" latinLnBrk="0" hangingPunct="1">
+              <a:lnSpc>
+                <a:spcPct val="90000"/>
+              </a:lnSpc>
+              <a:spcBef>
+                <a:spcPts val="500"/>
+              </a:spcBef>
+              <a:buFont typeface="Arial" panose="020B0604020202020204" pitchFamily="34" charset="0"/>
+              <a:buChar char="•"/>
+              <a:defRPr sz="1800" kern="1200">
+                <a:solidFill>
+                  <a:schemeClr val="tx1"/>
+                </a:solidFill>
+                <a:latin typeface="+mn-lt"/>
+                <a:ea typeface="+mn-ea"/>
+                <a:cs typeface="+mn-cs"/>
+              </a:defRPr>
+            </a:lvl8pPr>
+            <a:lvl9pPr marL="3886200" indent="-228600" algn="l" defTabSz="914400" rtl="0" eaLnBrk="1" latinLnBrk="0" hangingPunct="1">
+              <a:lnSpc>
+                <a:spcPct val="90000"/>
+              </a:lnSpc>
+              <a:spcBef>
+                <a:spcPts val="500"/>
+              </a:spcBef>
+              <a:buFont typeface="Arial" panose="020B0604020202020204" pitchFamily="34" charset="0"/>
+              <a:buChar char="•"/>
+              <a:defRPr sz="1800" kern="1200">
+                <a:solidFill>
+                  <a:schemeClr val="tx1"/>
+                </a:solidFill>
+                <a:latin typeface="+mn-lt"/>
+                <a:ea typeface="+mn-ea"/>
+                <a:cs typeface="+mn-cs"/>
+              </a:defRPr>
+            </a:lvl9pPr>
+          </a:lstStyle>
+          <a:p>
+            <a:pPr marL="0" indent="0">
+              <a:buFont typeface="Arial" panose="020B0604020202020204" pitchFamily="34" charset="0"/>
+              <a:buNone/>
+            </a:pPr>
+            <a:r>
+              <a:rPr lang="zh-TW" altLang="en-US" dirty="0">
+                <a:latin typeface="微軟正黑體" panose="020B0604030504040204" pitchFamily="34" charset="-120"/>
+                <a:ea typeface="微軟正黑體" panose="020B0604030504040204" pitchFamily="34" charset="-120"/>
+              </a:rPr>
+              <a:t>獲得獎勵</a:t>
+            </a:r>
+            <a:endParaRPr lang="en-US" altLang="zh-TW" dirty="0">
+              <a:latin typeface="微軟正黑體" panose="020B0604030504040204" pitchFamily="34" charset="-120"/>
+              <a:ea typeface="微軟正黑體" panose="020B0604030504040204" pitchFamily="34" charset="-120"/>
+            </a:endParaRPr>
+          </a:p>
+        </p:txBody>
+      </p:sp>
+      <p:sp>
+        <p:nvSpPr>
+          <p:cNvPr id="22" name="橢圓 21">
+            <a:extLst>
+              <a:ext uri="{FF2B5EF4-FFF2-40B4-BE49-F238E27FC236}">
+                <a16:creationId xmlns:a16="http://schemas.microsoft.com/office/drawing/2014/main" id="{1642EA3E-3F7E-4EC8-A0CF-69C8E6C7EFBF}"/>
+              </a:ext>
+            </a:extLst>
+          </p:cNvPr>
+          <p:cNvSpPr/>
+          <p:nvPr/>
+        </p:nvSpPr>
+        <p:spPr>
+          <a:xfrm>
+            <a:off x="6464300" y="3998733"/>
+            <a:ext cx="567267" cy="567267"/>
+          </a:xfrm>
+          <a:prstGeom prst="ellipse">
+            <a:avLst/>
+          </a:prstGeom>
+          <a:solidFill>
+            <a:schemeClr val="bg1"/>
+          </a:solidFill>
+          <a:ln>
+            <a:solidFill>
+              <a:schemeClr val="tx1"/>
+            </a:solidFill>
+          </a:ln>
+        </p:spPr>
+        <p:style>
+          <a:lnRef idx="2">
+            <a:schemeClr val="accent1">
+              <a:shade val="50000"/>
+            </a:schemeClr>
+          </a:lnRef>
+          <a:fillRef idx="1">
+            <a:schemeClr val="accent1"/>
+          </a:fillRef>
+          <a:effectRef idx="0">
+            <a:schemeClr val="accent1"/>
+          </a:effectRef>
+          <a:fontRef idx="minor">
+            <a:schemeClr val="lt1"/>
+          </a:fontRef>
+        </p:style>
+        <p:txBody>
+          <a:bodyPr rtlCol="0" anchor="ctr"/>
+          <a:lstStyle/>
+          <a:p>
+            <a:pPr algn="ctr"/>
+            <a:r>
+              <a:rPr lang="en-US" altLang="zh-TW" dirty="0">
+                <a:solidFill>
+                  <a:schemeClr val="tx1"/>
+                </a:solidFill>
+              </a:rPr>
+              <a:t>3</a:t>
+            </a:r>
+            <a:endParaRPr lang="zh-TW" altLang="en-US" dirty="0">
+              <a:solidFill>
+                <a:schemeClr val="tx1"/>
+              </a:solidFill>
+            </a:endParaRPr>
+          </a:p>
+        </p:txBody>
+      </p:sp>
+      <p:sp>
+        <p:nvSpPr>
+          <p:cNvPr id="23" name="內容版面配置區 2">
+            <a:extLst>
+              <a:ext uri="{FF2B5EF4-FFF2-40B4-BE49-F238E27FC236}">
+                <a16:creationId xmlns:a16="http://schemas.microsoft.com/office/drawing/2014/main" id="{0CDE5AFF-2B80-4AB2-BCF5-E2850EFA6FE9}"/>
+              </a:ext>
+            </a:extLst>
+          </p:cNvPr>
+          <p:cNvSpPr txBox="1">
+            <a:spLocks/>
+          </p:cNvSpPr>
+          <p:nvPr/>
+        </p:nvSpPr>
+        <p:spPr>
+          <a:xfrm>
+            <a:off x="838200" y="4794423"/>
+            <a:ext cx="2751666" cy="502708"/>
+          </a:xfrm>
+          <a:prstGeom prst="rect">
+            <a:avLst/>
+          </a:prstGeom>
+        </p:spPr>
+        <p:txBody>
+          <a:bodyPr vert="horz" lIns="91440" tIns="45720" rIns="91440" bIns="45720" rtlCol="0">
+            <a:normAutofit/>
+          </a:bodyPr>
+          <a:lstStyle>
+            <a:lvl1pPr marL="228600" indent="-228600" algn="l" defTabSz="914400" rtl="0" eaLnBrk="1" latinLnBrk="0" hangingPunct="1">
+              <a:lnSpc>
+                <a:spcPct val="90000"/>
+              </a:lnSpc>
+              <a:spcBef>
+                <a:spcPts val="1000"/>
+              </a:spcBef>
+              <a:buFont typeface="Arial" panose="020B0604020202020204" pitchFamily="34" charset="0"/>
+              <a:buChar char="•"/>
+              <a:defRPr sz="2800" kern="1200">
+                <a:solidFill>
+                  <a:schemeClr val="tx1"/>
+                </a:solidFill>
+                <a:latin typeface="+mn-lt"/>
+                <a:ea typeface="+mn-ea"/>
+                <a:cs typeface="+mn-cs"/>
+              </a:defRPr>
+            </a:lvl1pPr>
+            <a:lvl2pPr marL="685800" indent="-228600" algn="l" defTabSz="914400" rtl="0" eaLnBrk="1" latinLnBrk="0" hangingPunct="1">
+              <a:lnSpc>
+                <a:spcPct val="90000"/>
+              </a:lnSpc>
+              <a:spcBef>
+                <a:spcPts val="500"/>
+              </a:spcBef>
+              <a:buFont typeface="Arial" panose="020B0604020202020204" pitchFamily="34" charset="0"/>
+              <a:buChar char="•"/>
+              <a:defRPr sz="2400" kern="1200">
+                <a:solidFill>
+                  <a:schemeClr val="tx1"/>
+                </a:solidFill>
+                <a:latin typeface="+mn-lt"/>
+                <a:ea typeface="+mn-ea"/>
+                <a:cs typeface="+mn-cs"/>
+              </a:defRPr>
+            </a:lvl2pPr>
+            <a:lvl3pPr marL="1143000" indent="-228600" algn="l" defTabSz="914400" rtl="0" eaLnBrk="1" latinLnBrk="0" hangingPunct="1">
+              <a:lnSpc>
+                <a:spcPct val="90000"/>
+              </a:lnSpc>
+              <a:spcBef>
+                <a:spcPts val="500"/>
+              </a:spcBef>
+              <a:buFont typeface="Arial" panose="020B0604020202020204" pitchFamily="34" charset="0"/>
+              <a:buChar char="•"/>
+              <a:defRPr sz="2000" kern="1200">
+                <a:solidFill>
+                  <a:schemeClr val="tx1"/>
+                </a:solidFill>
+                <a:latin typeface="+mn-lt"/>
+                <a:ea typeface="+mn-ea"/>
+                <a:cs typeface="+mn-cs"/>
+              </a:defRPr>
+            </a:lvl3pPr>
+            <a:lvl4pPr marL="1600200" indent="-228600" algn="l" defTabSz="914400" rtl="0" eaLnBrk="1" latinLnBrk="0" hangingPunct="1">
+              <a:lnSpc>
+                <a:spcPct val="90000"/>
+              </a:lnSpc>
+              <a:spcBef>
+                <a:spcPts val="500"/>
+              </a:spcBef>
+              <a:buFont typeface="Arial" panose="020B0604020202020204" pitchFamily="34" charset="0"/>
+              <a:buChar char="•"/>
+              <a:defRPr sz="1800" kern="1200">
+                <a:solidFill>
+                  <a:schemeClr val="tx1"/>
+                </a:solidFill>
+                <a:latin typeface="+mn-lt"/>
+                <a:ea typeface="+mn-ea"/>
+                <a:cs typeface="+mn-cs"/>
+              </a:defRPr>
+            </a:lvl4pPr>
+            <a:lvl5pPr marL="2057400" indent="-228600" algn="l" defTabSz="914400" rtl="0" eaLnBrk="1" latinLnBrk="0" hangingPunct="1">
+              <a:lnSpc>
+                <a:spcPct val="90000"/>
+              </a:lnSpc>
+              <a:spcBef>
+                <a:spcPts val="500"/>
+              </a:spcBef>
+              <a:buFont typeface="Arial" panose="020B0604020202020204" pitchFamily="34" charset="0"/>
+              <a:buChar char="•"/>
+              <a:defRPr sz="1800" kern="1200">
+                <a:solidFill>
+                  <a:schemeClr val="tx1"/>
+                </a:solidFill>
+                <a:latin typeface="+mn-lt"/>
+                <a:ea typeface="+mn-ea"/>
+                <a:cs typeface="+mn-cs"/>
+              </a:defRPr>
+            </a:lvl5pPr>
+            <a:lvl6pPr marL="2514600" indent="-228600" algn="l" defTabSz="914400" rtl="0" eaLnBrk="1" latinLnBrk="0" hangingPunct="1">
+              <a:lnSpc>
+                <a:spcPct val="90000"/>
+              </a:lnSpc>
+              <a:spcBef>
+                <a:spcPts val="500"/>
+              </a:spcBef>
+              <a:buFont typeface="Arial" panose="020B0604020202020204" pitchFamily="34" charset="0"/>
+              <a:buChar char="•"/>
+              <a:defRPr sz="1800" kern="1200">
+                <a:solidFill>
+                  <a:schemeClr val="tx1"/>
+                </a:solidFill>
+                <a:latin typeface="+mn-lt"/>
+                <a:ea typeface="+mn-ea"/>
+                <a:cs typeface="+mn-cs"/>
+              </a:defRPr>
+            </a:lvl6pPr>
+            <a:lvl7pPr marL="2971800" indent="-228600" algn="l" defTabSz="914400" rtl="0" eaLnBrk="1" latinLnBrk="0" hangingPunct="1">
+              <a:lnSpc>
+                <a:spcPct val="90000"/>
+              </a:lnSpc>
+              <a:spcBef>
+                <a:spcPts val="500"/>
+              </a:spcBef>
+              <a:buFont typeface="Arial" panose="020B0604020202020204" pitchFamily="34" charset="0"/>
+              <a:buChar char="•"/>
+              <a:defRPr sz="1800" kern="1200">
+                <a:solidFill>
+                  <a:schemeClr val="tx1"/>
+                </a:solidFill>
+                <a:latin typeface="+mn-lt"/>
+                <a:ea typeface="+mn-ea"/>
+                <a:cs typeface="+mn-cs"/>
+              </a:defRPr>
+            </a:lvl7pPr>
+            <a:lvl8pPr marL="3429000" indent="-228600" algn="l" defTabSz="914400" rtl="0" eaLnBrk="1" latinLnBrk="0" hangingPunct="1">
+              <a:lnSpc>
+                <a:spcPct val="90000"/>
+              </a:lnSpc>
+              <a:spcBef>
+                <a:spcPts val="500"/>
+              </a:spcBef>
+              <a:buFont typeface="Arial" panose="020B0604020202020204" pitchFamily="34" charset="0"/>
+              <a:buChar char="•"/>
+              <a:defRPr sz="1800" kern="1200">
+                <a:solidFill>
+                  <a:schemeClr val="tx1"/>
+                </a:solidFill>
+                <a:latin typeface="+mn-lt"/>
+                <a:ea typeface="+mn-ea"/>
+                <a:cs typeface="+mn-cs"/>
+              </a:defRPr>
+            </a:lvl8pPr>
+            <a:lvl9pPr marL="3886200" indent="-228600" algn="l" defTabSz="914400" rtl="0" eaLnBrk="1" latinLnBrk="0" hangingPunct="1">
+              <a:lnSpc>
+                <a:spcPct val="90000"/>
+              </a:lnSpc>
+              <a:spcBef>
+                <a:spcPts val="500"/>
+              </a:spcBef>
+              <a:buFont typeface="Arial" panose="020B0604020202020204" pitchFamily="34" charset="0"/>
+              <a:buChar char="•"/>
+              <a:defRPr sz="1800" kern="1200">
+                <a:solidFill>
+                  <a:schemeClr val="tx1"/>
+                </a:solidFill>
+                <a:latin typeface="+mn-lt"/>
+                <a:ea typeface="+mn-ea"/>
+                <a:cs typeface="+mn-cs"/>
+              </a:defRPr>
+            </a:lvl9pPr>
+          </a:lstStyle>
+          <a:p>
+            <a:pPr marL="0" indent="0">
+              <a:buFont typeface="Arial" panose="020B0604020202020204" pitchFamily="34" charset="0"/>
+              <a:buNone/>
+            </a:pPr>
+            <a:r>
+              <a:rPr lang="zh-TW" altLang="en-US" dirty="0">
+                <a:latin typeface="微軟正黑體" panose="020B0604030504040204" pitchFamily="34" charset="-120"/>
+                <a:ea typeface="微軟正黑體" panose="020B0604030504040204" pitchFamily="34" charset="-120"/>
+              </a:rPr>
+              <a:t>環境</a:t>
+            </a:r>
+            <a:r>
+              <a:rPr lang="en-US" altLang="zh-TW" dirty="0">
+                <a:latin typeface="微軟正黑體" panose="020B0604030504040204" pitchFamily="34" charset="-120"/>
+                <a:ea typeface="微軟正黑體" panose="020B0604030504040204" pitchFamily="34" charset="-120"/>
+              </a:rPr>
+              <a:t>:</a:t>
+            </a:r>
+            <a:r>
+              <a:rPr lang="zh-TW" altLang="en-US" dirty="0">
+                <a:latin typeface="微軟正黑體" panose="020B0604030504040204" pitchFamily="34" charset="-120"/>
+                <a:ea typeface="微軟正黑體" panose="020B0604030504040204" pitchFamily="34" charset="-120"/>
+              </a:rPr>
+              <a:t> 棋盤</a:t>
+            </a:r>
+            <a:endParaRPr lang="en-US" altLang="zh-TW" dirty="0">
+              <a:latin typeface="微軟正黑體" panose="020B0604030504040204" pitchFamily="34" charset="-120"/>
+              <a:ea typeface="微軟正黑體" panose="020B0604030504040204" pitchFamily="34" charset="-120"/>
+            </a:endParaRPr>
+          </a:p>
+        </p:txBody>
+      </p:sp>
+      <p:sp>
+        <p:nvSpPr>
+          <p:cNvPr id="24" name="矩形 23">
+            <a:extLst>
+              <a:ext uri="{FF2B5EF4-FFF2-40B4-BE49-F238E27FC236}">
+                <a16:creationId xmlns:a16="http://schemas.microsoft.com/office/drawing/2014/main" id="{B0DB83B3-FFD3-47E4-9AC3-F48CEA56C9D1}"/>
+              </a:ext>
+            </a:extLst>
+          </p:cNvPr>
+          <p:cNvSpPr/>
+          <p:nvPr/>
+        </p:nvSpPr>
+        <p:spPr>
+          <a:xfrm>
+            <a:off x="5223933" y="5093754"/>
+            <a:ext cx="5833534" cy="567267"/>
+          </a:xfrm>
+          <a:prstGeom prst="rect">
+            <a:avLst/>
+          </a:prstGeom>
+          <a:solidFill>
+            <a:srgbClr val="FFC000"/>
+          </a:solidFill>
+          <a:ln>
+            <a:solidFill>
+              <a:schemeClr val="tx1"/>
+            </a:solidFill>
+          </a:ln>
+        </p:spPr>
+        <p:style>
+          <a:lnRef idx="2">
+            <a:schemeClr val="accent1">
+              <a:shade val="50000"/>
+            </a:schemeClr>
+          </a:lnRef>
+          <a:fillRef idx="1">
+            <a:schemeClr val="accent1"/>
+          </a:fillRef>
+          <a:effectRef idx="0">
+            <a:schemeClr val="accent1"/>
+          </a:effectRef>
+          <a:fontRef idx="minor">
+            <a:schemeClr val="lt1"/>
+          </a:fontRef>
+        </p:style>
+        <p:txBody>
+          <a:bodyPr rtlCol="0" anchor="ctr"/>
+          <a:lstStyle/>
+          <a:p>
+            <a:pPr algn="ctr"/>
+            <a:r>
+              <a:rPr lang="zh-TW" altLang="en-US" sz="2400" dirty="0">
+                <a:solidFill>
+                  <a:schemeClr val="tx1"/>
+                </a:solidFill>
+                <a:latin typeface="微軟正黑體" panose="020B0604030504040204" pitchFamily="34" charset="-120"/>
+                <a:ea typeface="微軟正黑體" panose="020B0604030504040204" pitchFamily="34" charset="-120"/>
+              </a:rPr>
+              <a:t>獎勵大多是</a:t>
+            </a:r>
+            <a:r>
+              <a:rPr lang="en-US" altLang="zh-TW" sz="2400" dirty="0">
+                <a:solidFill>
+                  <a:schemeClr val="tx1"/>
+                </a:solidFill>
+                <a:latin typeface="微軟正黑體" panose="020B0604030504040204" pitchFamily="34" charset="-120"/>
+                <a:ea typeface="微軟正黑體" panose="020B0604030504040204" pitchFamily="34" charset="-120"/>
+              </a:rPr>
+              <a:t>0</a:t>
+            </a:r>
+            <a:r>
+              <a:rPr lang="zh-TW" altLang="en-US" sz="2400" dirty="0">
+                <a:solidFill>
+                  <a:schemeClr val="tx1"/>
+                </a:solidFill>
+                <a:latin typeface="微軟正黑體" panose="020B0604030504040204" pitchFamily="34" charset="-120"/>
+                <a:ea typeface="微軟正黑體" panose="020B0604030504040204" pitchFamily="34" charset="-120"/>
+              </a:rPr>
+              <a:t>    直到分出勝負才是</a:t>
+            </a:r>
+            <a:r>
+              <a:rPr lang="en-US" altLang="zh-TW" sz="2400" dirty="0">
+                <a:solidFill>
+                  <a:schemeClr val="tx1"/>
+                </a:solidFill>
+                <a:latin typeface="微軟正黑體" panose="020B0604030504040204" pitchFamily="34" charset="-120"/>
+                <a:ea typeface="微軟正黑體" panose="020B0604030504040204" pitchFamily="34" charset="-120"/>
+              </a:rPr>
+              <a:t>1</a:t>
+            </a:r>
+            <a:r>
+              <a:rPr lang="zh-TW" altLang="en-US" sz="2400" dirty="0">
+                <a:solidFill>
+                  <a:schemeClr val="tx1"/>
+                </a:solidFill>
+                <a:latin typeface="微軟正黑體" panose="020B0604030504040204" pitchFamily="34" charset="-120"/>
+                <a:ea typeface="微軟正黑體" panose="020B0604030504040204" pitchFamily="34" charset="-120"/>
+              </a:rPr>
+              <a:t>或</a:t>
+            </a:r>
+            <a:r>
+              <a:rPr lang="en-US" altLang="zh-TW" sz="2400" dirty="0">
+                <a:solidFill>
+                  <a:schemeClr val="tx1"/>
+                </a:solidFill>
+                <a:latin typeface="微軟正黑體" panose="020B0604030504040204" pitchFamily="34" charset="-120"/>
+                <a:ea typeface="微軟正黑體" panose="020B0604030504040204" pitchFamily="34" charset="-120"/>
+              </a:rPr>
+              <a:t>-1</a:t>
+            </a:r>
+          </a:p>
+        </p:txBody>
+      </p:sp>
+    </p:spTree>
+    <p:extLst>
+      <p:ext uri="{BB962C8B-B14F-4D97-AF65-F5344CB8AC3E}">
+        <p14:creationId xmlns:p14="http://schemas.microsoft.com/office/powerpoint/2010/main" val="1831769893"/>
+      </p:ext>
+    </p:extLst>
+  </p:cSld>
+  <p:clrMapOvr>
+    <a:masterClrMapping/>
+  </p:clrMapOvr>
+</p:sld>
+</file>
+
+<file path=ppt/slides/slide5.xml><?xml version="1.0" encoding="utf-8"?>
+<p:sld xmlns:a="http://schemas.openxmlformats.org/drawingml/2006/main" xmlns:r="http://schemas.openxmlformats.org/officeDocument/2006/relationships" xmlns:p="http://schemas.openxmlformats.org/presentationml/2006/main">
+  <p:cSld>
+    <p:spTree>
+      <p:nvGrpSpPr>
+        <p:cNvPr id="1" name=""/>
+        <p:cNvGrpSpPr/>
+        <p:nvPr/>
+      </p:nvGrpSpPr>
+      <p:grpSpPr>
+        <a:xfrm>
+          <a:off x="0" y="0"/>
+          <a:ext cx="0" cy="0"/>
+          <a:chOff x="0" y="0"/>
+          <a:chExt cx="0" cy="0"/>
+        </a:xfrm>
+      </p:grpSpPr>
+      <p:sp>
+        <p:nvSpPr>
+          <p:cNvPr id="2" name="標題 1">
+            <a:extLst>
+              <a:ext uri="{FF2B5EF4-FFF2-40B4-BE49-F238E27FC236}">
+                <a16:creationId xmlns:a16="http://schemas.microsoft.com/office/drawing/2014/main" id="{2B65CC45-A226-4D45-AA5B-A36CFC1EADB8}"/>
+              </a:ext>
+            </a:extLst>
+          </p:cNvPr>
+          <p:cNvSpPr>
+            <a:spLocks noGrp="1"/>
+          </p:cNvSpPr>
+          <p:nvPr>
+            <p:ph type="title"/>
+          </p:nvPr>
+        </p:nvSpPr>
+        <p:spPr/>
+        <p:txBody>
+          <a:bodyPr/>
+          <a:lstStyle/>
+          <a:p>
+            <a:r>
+              <a:rPr lang="zh-TW" altLang="en-US" dirty="0">
+                <a:latin typeface="微軟正黑體" panose="020B0604030504040204" pitchFamily="34" charset="-120"/>
+                <a:ea typeface="微軟正黑體" panose="020B0604030504040204" pitchFamily="34" charset="-120"/>
+              </a:rPr>
+              <a:t>機器學習三步驟</a:t>
+            </a:r>
+          </a:p>
+        </p:txBody>
+      </p:sp>
+      <p:sp>
+        <p:nvSpPr>
+          <p:cNvPr id="3" name="內容版面配置區 2">
+            <a:extLst>
+              <a:ext uri="{FF2B5EF4-FFF2-40B4-BE49-F238E27FC236}">
+                <a16:creationId xmlns:a16="http://schemas.microsoft.com/office/drawing/2014/main" id="{125BC902-82B5-4299-AB1D-7D45E88A8EA1}"/>
+              </a:ext>
+            </a:extLst>
+          </p:cNvPr>
+          <p:cNvSpPr>
+            <a:spLocks noGrp="1"/>
+          </p:cNvSpPr>
+          <p:nvPr>
+            <p:ph idx="1"/>
+          </p:nvPr>
+        </p:nvSpPr>
+        <p:spPr>
+          <a:xfrm>
+            <a:off x="2679703" y="2427288"/>
+            <a:ext cx="3725332" cy="502708"/>
+          </a:xfrm>
+        </p:spPr>
+        <p:txBody>
+          <a:bodyPr/>
+          <a:lstStyle/>
+          <a:p>
+            <a:pPr marL="0" indent="0">
+              <a:buNone/>
+            </a:pPr>
+            <a:r>
+              <a:rPr lang="zh-TW" altLang="en-US" dirty="0">
+                <a:latin typeface="微軟正黑體" panose="020B0604030504040204" pitchFamily="34" charset="-120"/>
+                <a:ea typeface="微軟正黑體" panose="020B0604030504040204" pitchFamily="34" charset="-120"/>
+              </a:rPr>
+              <a:t>定義模型</a:t>
+            </a:r>
+            <a:endParaRPr lang="en-US" altLang="zh-TW" dirty="0">
+              <a:latin typeface="微軟正黑體" panose="020B0604030504040204" pitchFamily="34" charset="-120"/>
+              <a:ea typeface="微軟正黑體" panose="020B0604030504040204" pitchFamily="34" charset="-120"/>
+            </a:endParaRPr>
+          </a:p>
+          <a:p>
+            <a:pPr marL="0" indent="0">
+              <a:buNone/>
+            </a:pPr>
+            <a:endParaRPr lang="en-US" altLang="zh-TW" dirty="0"/>
+          </a:p>
+        </p:txBody>
+      </p:sp>
+      <p:sp>
+        <p:nvSpPr>
+          <p:cNvPr id="4" name="內容版面配置區 2">
+            <a:extLst>
+              <a:ext uri="{FF2B5EF4-FFF2-40B4-BE49-F238E27FC236}">
+                <a16:creationId xmlns:a16="http://schemas.microsoft.com/office/drawing/2014/main" id="{9EB117A6-4640-48D5-9697-D1C32B008923}"/>
+              </a:ext>
+            </a:extLst>
+          </p:cNvPr>
+          <p:cNvSpPr txBox="1">
+            <a:spLocks/>
+          </p:cNvSpPr>
+          <p:nvPr/>
+        </p:nvSpPr>
+        <p:spPr>
+          <a:xfrm>
+            <a:off x="2679703" y="3756555"/>
+            <a:ext cx="3725332" cy="502708"/>
+          </a:xfrm>
+          <a:prstGeom prst="rect">
+            <a:avLst/>
+          </a:prstGeom>
+        </p:spPr>
+        <p:txBody>
+          <a:bodyPr vert="horz" lIns="91440" tIns="45720" rIns="91440" bIns="45720" rtlCol="0">
+            <a:normAutofit/>
+          </a:bodyPr>
+          <a:lstStyle>
+            <a:lvl1pPr marL="228600" indent="-228600" algn="l" defTabSz="914400" rtl="0" eaLnBrk="1" latinLnBrk="0" hangingPunct="1">
+              <a:lnSpc>
+                <a:spcPct val="90000"/>
+              </a:lnSpc>
+              <a:spcBef>
+                <a:spcPts val="1000"/>
+              </a:spcBef>
+              <a:buFont typeface="Arial" panose="020B0604020202020204" pitchFamily="34" charset="0"/>
+              <a:buChar char="•"/>
+              <a:defRPr sz="2800" kern="1200">
+                <a:solidFill>
+                  <a:schemeClr val="tx1"/>
+                </a:solidFill>
+                <a:latin typeface="+mn-lt"/>
+                <a:ea typeface="+mn-ea"/>
+                <a:cs typeface="+mn-cs"/>
+              </a:defRPr>
+            </a:lvl1pPr>
+            <a:lvl2pPr marL="685800" indent="-228600" algn="l" defTabSz="914400" rtl="0" eaLnBrk="1" latinLnBrk="0" hangingPunct="1">
+              <a:lnSpc>
+                <a:spcPct val="90000"/>
+              </a:lnSpc>
+              <a:spcBef>
+                <a:spcPts val="500"/>
+              </a:spcBef>
+              <a:buFont typeface="Arial" panose="020B0604020202020204" pitchFamily="34" charset="0"/>
+              <a:buChar char="•"/>
+              <a:defRPr sz="2400" kern="1200">
+                <a:solidFill>
+                  <a:schemeClr val="tx1"/>
+                </a:solidFill>
+                <a:latin typeface="+mn-lt"/>
+                <a:ea typeface="+mn-ea"/>
+                <a:cs typeface="+mn-cs"/>
+              </a:defRPr>
+            </a:lvl2pPr>
+            <a:lvl3pPr marL="1143000" indent="-228600" algn="l" defTabSz="914400" rtl="0" eaLnBrk="1" latinLnBrk="0" hangingPunct="1">
+              <a:lnSpc>
+                <a:spcPct val="90000"/>
+              </a:lnSpc>
+              <a:spcBef>
+                <a:spcPts val="500"/>
+              </a:spcBef>
+              <a:buFont typeface="Arial" panose="020B0604020202020204" pitchFamily="34" charset="0"/>
+              <a:buChar char="•"/>
+              <a:defRPr sz="2000" kern="1200">
+                <a:solidFill>
+                  <a:schemeClr val="tx1"/>
+                </a:solidFill>
+                <a:latin typeface="+mn-lt"/>
+                <a:ea typeface="+mn-ea"/>
+                <a:cs typeface="+mn-cs"/>
+              </a:defRPr>
+            </a:lvl3pPr>
+            <a:lvl4pPr marL="1600200" indent="-228600" algn="l" defTabSz="914400" rtl="0" eaLnBrk="1" latinLnBrk="0" hangingPunct="1">
+              <a:lnSpc>
+                <a:spcPct val="90000"/>
+              </a:lnSpc>
+              <a:spcBef>
+                <a:spcPts val="500"/>
+              </a:spcBef>
+              <a:buFont typeface="Arial" panose="020B0604020202020204" pitchFamily="34" charset="0"/>
+              <a:buChar char="•"/>
+              <a:defRPr sz="1800" kern="1200">
+                <a:solidFill>
+                  <a:schemeClr val="tx1"/>
+                </a:solidFill>
+                <a:latin typeface="+mn-lt"/>
+                <a:ea typeface="+mn-ea"/>
+                <a:cs typeface="+mn-cs"/>
+              </a:defRPr>
+            </a:lvl4pPr>
+            <a:lvl5pPr marL="2057400" indent="-228600" algn="l" defTabSz="914400" rtl="0" eaLnBrk="1" latinLnBrk="0" hangingPunct="1">
+              <a:lnSpc>
+                <a:spcPct val="90000"/>
+              </a:lnSpc>
+              <a:spcBef>
+                <a:spcPts val="500"/>
+              </a:spcBef>
+              <a:buFont typeface="Arial" panose="020B0604020202020204" pitchFamily="34" charset="0"/>
+              <a:buChar char="•"/>
+              <a:defRPr sz="1800" kern="1200">
+                <a:solidFill>
+                  <a:schemeClr val="tx1"/>
+                </a:solidFill>
+                <a:latin typeface="+mn-lt"/>
+                <a:ea typeface="+mn-ea"/>
+                <a:cs typeface="+mn-cs"/>
+              </a:defRPr>
+            </a:lvl5pPr>
+            <a:lvl6pPr marL="2514600" indent="-228600" algn="l" defTabSz="914400" rtl="0" eaLnBrk="1" latinLnBrk="0" hangingPunct="1">
+              <a:lnSpc>
+                <a:spcPct val="90000"/>
+              </a:lnSpc>
+              <a:spcBef>
+                <a:spcPts val="500"/>
+              </a:spcBef>
+              <a:buFont typeface="Arial" panose="020B0604020202020204" pitchFamily="34" charset="0"/>
+              <a:buChar char="•"/>
+              <a:defRPr sz="1800" kern="1200">
+                <a:solidFill>
+                  <a:schemeClr val="tx1"/>
+                </a:solidFill>
+                <a:latin typeface="+mn-lt"/>
+                <a:ea typeface="+mn-ea"/>
+                <a:cs typeface="+mn-cs"/>
+              </a:defRPr>
+            </a:lvl6pPr>
+            <a:lvl7pPr marL="2971800" indent="-228600" algn="l" defTabSz="914400" rtl="0" eaLnBrk="1" latinLnBrk="0" hangingPunct="1">
+              <a:lnSpc>
+                <a:spcPct val="90000"/>
+              </a:lnSpc>
+              <a:spcBef>
+                <a:spcPts val="500"/>
+              </a:spcBef>
+              <a:buFont typeface="Arial" panose="020B0604020202020204" pitchFamily="34" charset="0"/>
+              <a:buChar char="•"/>
+              <a:defRPr sz="1800" kern="1200">
+                <a:solidFill>
+                  <a:schemeClr val="tx1"/>
+                </a:solidFill>
+                <a:latin typeface="+mn-lt"/>
+                <a:ea typeface="+mn-ea"/>
+                <a:cs typeface="+mn-cs"/>
+              </a:defRPr>
+            </a:lvl7pPr>
+            <a:lvl8pPr marL="3429000" indent="-228600" algn="l" defTabSz="914400" rtl="0" eaLnBrk="1" latinLnBrk="0" hangingPunct="1">
+              <a:lnSpc>
+                <a:spcPct val="90000"/>
+              </a:lnSpc>
+              <a:spcBef>
+                <a:spcPts val="500"/>
+              </a:spcBef>
+              <a:buFont typeface="Arial" panose="020B0604020202020204" pitchFamily="34" charset="0"/>
+              <a:buChar char="•"/>
+              <a:defRPr sz="1800" kern="1200">
+                <a:solidFill>
+                  <a:schemeClr val="tx1"/>
+                </a:solidFill>
+                <a:latin typeface="+mn-lt"/>
+                <a:ea typeface="+mn-ea"/>
+                <a:cs typeface="+mn-cs"/>
+              </a:defRPr>
+            </a:lvl8pPr>
+            <a:lvl9pPr marL="3886200" indent="-228600" algn="l" defTabSz="914400" rtl="0" eaLnBrk="1" latinLnBrk="0" hangingPunct="1">
+              <a:lnSpc>
+                <a:spcPct val="90000"/>
+              </a:lnSpc>
+              <a:spcBef>
+                <a:spcPts val="500"/>
+              </a:spcBef>
+              <a:buFont typeface="Arial" panose="020B0604020202020204" pitchFamily="34" charset="0"/>
+              <a:buChar char="•"/>
+              <a:defRPr sz="1800" kern="1200">
+                <a:solidFill>
+                  <a:schemeClr val="tx1"/>
+                </a:solidFill>
+                <a:latin typeface="+mn-lt"/>
+                <a:ea typeface="+mn-ea"/>
+                <a:cs typeface="+mn-cs"/>
+              </a:defRPr>
+            </a:lvl9pPr>
+          </a:lstStyle>
+          <a:p>
+            <a:pPr marL="0" indent="0">
+              <a:buFont typeface="Arial" panose="020B0604020202020204" pitchFamily="34" charset="0"/>
+              <a:buNone/>
+            </a:pPr>
+            <a:r>
+              <a:rPr lang="zh-TW" altLang="en-US" dirty="0">
+                <a:latin typeface="微軟正黑體" panose="020B0604030504040204" pitchFamily="34" charset="-120"/>
+                <a:ea typeface="微軟正黑體" panose="020B0604030504040204" pitchFamily="34" charset="-120"/>
+              </a:rPr>
+              <a:t>定義</a:t>
+            </a:r>
+            <a:r>
+              <a:rPr lang="en-US" altLang="zh-TW" dirty="0">
+                <a:latin typeface="微軟正黑體" panose="020B0604030504040204" pitchFamily="34" charset="-120"/>
+                <a:ea typeface="微軟正黑體" panose="020B0604030504040204" pitchFamily="34" charset="-120"/>
+              </a:rPr>
+              <a:t>loss function</a:t>
+            </a:r>
+          </a:p>
+        </p:txBody>
+      </p:sp>
+      <p:sp>
+        <p:nvSpPr>
+          <p:cNvPr id="5" name="內容版面配置區 2">
+            <a:extLst>
+              <a:ext uri="{FF2B5EF4-FFF2-40B4-BE49-F238E27FC236}">
+                <a16:creationId xmlns:a16="http://schemas.microsoft.com/office/drawing/2014/main" id="{454587C2-CCA8-43D7-9DEB-B6B0E2755A05}"/>
+              </a:ext>
+            </a:extLst>
+          </p:cNvPr>
+          <p:cNvSpPr txBox="1">
+            <a:spLocks/>
+          </p:cNvSpPr>
+          <p:nvPr/>
+        </p:nvSpPr>
+        <p:spPr>
+          <a:xfrm>
+            <a:off x="2679703" y="5085822"/>
+            <a:ext cx="3725332" cy="502708"/>
+          </a:xfrm>
+          <a:prstGeom prst="rect">
+            <a:avLst/>
+          </a:prstGeom>
+        </p:spPr>
+        <p:txBody>
+          <a:bodyPr vert="horz" lIns="91440" tIns="45720" rIns="91440" bIns="45720" rtlCol="0">
+            <a:normAutofit/>
+          </a:bodyPr>
+          <a:lstStyle>
+            <a:lvl1pPr marL="228600" indent="-228600" algn="l" defTabSz="914400" rtl="0" eaLnBrk="1" latinLnBrk="0" hangingPunct="1">
+              <a:lnSpc>
+                <a:spcPct val="90000"/>
+              </a:lnSpc>
+              <a:spcBef>
+                <a:spcPts val="1000"/>
+              </a:spcBef>
+              <a:buFont typeface="Arial" panose="020B0604020202020204" pitchFamily="34" charset="0"/>
+              <a:buChar char="•"/>
+              <a:defRPr sz="2800" kern="1200">
+                <a:solidFill>
+                  <a:schemeClr val="tx1"/>
+                </a:solidFill>
+                <a:latin typeface="+mn-lt"/>
+                <a:ea typeface="+mn-ea"/>
+                <a:cs typeface="+mn-cs"/>
+              </a:defRPr>
+            </a:lvl1pPr>
+            <a:lvl2pPr marL="685800" indent="-228600" algn="l" defTabSz="914400" rtl="0" eaLnBrk="1" latinLnBrk="0" hangingPunct="1">
+              <a:lnSpc>
+                <a:spcPct val="90000"/>
+              </a:lnSpc>
+              <a:spcBef>
+                <a:spcPts val="500"/>
+              </a:spcBef>
+              <a:buFont typeface="Arial" panose="020B0604020202020204" pitchFamily="34" charset="0"/>
+              <a:buChar char="•"/>
+              <a:defRPr sz="2400" kern="1200">
+                <a:solidFill>
+                  <a:schemeClr val="tx1"/>
+                </a:solidFill>
+                <a:latin typeface="+mn-lt"/>
+                <a:ea typeface="+mn-ea"/>
+                <a:cs typeface="+mn-cs"/>
+              </a:defRPr>
+            </a:lvl2pPr>
+            <a:lvl3pPr marL="1143000" indent="-228600" algn="l" defTabSz="914400" rtl="0" eaLnBrk="1" latinLnBrk="0" hangingPunct="1">
+              <a:lnSpc>
+                <a:spcPct val="90000"/>
+              </a:lnSpc>
+              <a:spcBef>
+                <a:spcPts val="500"/>
+              </a:spcBef>
+              <a:buFont typeface="Arial" panose="020B0604020202020204" pitchFamily="34" charset="0"/>
+              <a:buChar char="•"/>
+              <a:defRPr sz="2000" kern="1200">
+                <a:solidFill>
+                  <a:schemeClr val="tx1"/>
+                </a:solidFill>
+                <a:latin typeface="+mn-lt"/>
+                <a:ea typeface="+mn-ea"/>
+                <a:cs typeface="+mn-cs"/>
+              </a:defRPr>
+            </a:lvl3pPr>
+            <a:lvl4pPr marL="1600200" indent="-228600" algn="l" defTabSz="914400" rtl="0" eaLnBrk="1" latinLnBrk="0" hangingPunct="1">
+              <a:lnSpc>
+                <a:spcPct val="90000"/>
+              </a:lnSpc>
+              <a:spcBef>
+                <a:spcPts val="500"/>
+              </a:spcBef>
+              <a:buFont typeface="Arial" panose="020B0604020202020204" pitchFamily="34" charset="0"/>
+              <a:buChar char="•"/>
+              <a:defRPr sz="1800" kern="1200">
+                <a:solidFill>
+                  <a:schemeClr val="tx1"/>
+                </a:solidFill>
+                <a:latin typeface="+mn-lt"/>
+                <a:ea typeface="+mn-ea"/>
+                <a:cs typeface="+mn-cs"/>
+              </a:defRPr>
+            </a:lvl4pPr>
+            <a:lvl5pPr marL="2057400" indent="-228600" algn="l" defTabSz="914400" rtl="0" eaLnBrk="1" latinLnBrk="0" hangingPunct="1">
+              <a:lnSpc>
+                <a:spcPct val="90000"/>
+              </a:lnSpc>
+              <a:spcBef>
+                <a:spcPts val="500"/>
+              </a:spcBef>
+              <a:buFont typeface="Arial" panose="020B0604020202020204" pitchFamily="34" charset="0"/>
+              <a:buChar char="•"/>
+              <a:defRPr sz="1800" kern="1200">
+                <a:solidFill>
+                  <a:schemeClr val="tx1"/>
+                </a:solidFill>
+                <a:latin typeface="+mn-lt"/>
+                <a:ea typeface="+mn-ea"/>
+                <a:cs typeface="+mn-cs"/>
+              </a:defRPr>
+            </a:lvl5pPr>
+            <a:lvl6pPr marL="2514600" indent="-228600" algn="l" defTabSz="914400" rtl="0" eaLnBrk="1" latinLnBrk="0" hangingPunct="1">
+              <a:lnSpc>
+                <a:spcPct val="90000"/>
+              </a:lnSpc>
+              <a:spcBef>
+                <a:spcPts val="500"/>
+              </a:spcBef>
+              <a:buFont typeface="Arial" panose="020B0604020202020204" pitchFamily="34" charset="0"/>
+              <a:buChar char="•"/>
+              <a:defRPr sz="1800" kern="1200">
+                <a:solidFill>
+                  <a:schemeClr val="tx1"/>
+                </a:solidFill>
+                <a:latin typeface="+mn-lt"/>
+                <a:ea typeface="+mn-ea"/>
+                <a:cs typeface="+mn-cs"/>
+              </a:defRPr>
+            </a:lvl6pPr>
+            <a:lvl7pPr marL="2971800" indent="-228600" algn="l" defTabSz="914400" rtl="0" eaLnBrk="1" latinLnBrk="0" hangingPunct="1">
+              <a:lnSpc>
+                <a:spcPct val="90000"/>
+              </a:lnSpc>
+              <a:spcBef>
+                <a:spcPts val="500"/>
+              </a:spcBef>
+              <a:buFont typeface="Arial" panose="020B0604020202020204" pitchFamily="34" charset="0"/>
+              <a:buChar char="•"/>
+              <a:defRPr sz="1800" kern="1200">
+                <a:solidFill>
+                  <a:schemeClr val="tx1"/>
+                </a:solidFill>
+                <a:latin typeface="+mn-lt"/>
+                <a:ea typeface="+mn-ea"/>
+                <a:cs typeface="+mn-cs"/>
+              </a:defRPr>
+            </a:lvl7pPr>
+            <a:lvl8pPr marL="3429000" indent="-228600" algn="l" defTabSz="914400" rtl="0" eaLnBrk="1" latinLnBrk="0" hangingPunct="1">
+              <a:lnSpc>
+                <a:spcPct val="90000"/>
+              </a:lnSpc>
+              <a:spcBef>
+                <a:spcPts val="500"/>
+              </a:spcBef>
+              <a:buFont typeface="Arial" panose="020B0604020202020204" pitchFamily="34" charset="0"/>
+              <a:buChar char="•"/>
+              <a:defRPr sz="1800" kern="1200">
+                <a:solidFill>
+                  <a:schemeClr val="tx1"/>
+                </a:solidFill>
+                <a:latin typeface="+mn-lt"/>
+                <a:ea typeface="+mn-ea"/>
+                <a:cs typeface="+mn-cs"/>
+              </a:defRPr>
+            </a:lvl8pPr>
+            <a:lvl9pPr marL="3886200" indent="-228600" algn="l" defTabSz="914400" rtl="0" eaLnBrk="1" latinLnBrk="0" hangingPunct="1">
+              <a:lnSpc>
+                <a:spcPct val="90000"/>
+              </a:lnSpc>
+              <a:spcBef>
+                <a:spcPts val="500"/>
+              </a:spcBef>
+              <a:buFont typeface="Arial" panose="020B0604020202020204" pitchFamily="34" charset="0"/>
+              <a:buChar char="•"/>
+              <a:defRPr sz="1800" kern="1200">
+                <a:solidFill>
+                  <a:schemeClr val="tx1"/>
+                </a:solidFill>
+                <a:latin typeface="+mn-lt"/>
+                <a:ea typeface="+mn-ea"/>
+                <a:cs typeface="+mn-cs"/>
+              </a:defRPr>
+            </a:lvl9pPr>
+          </a:lstStyle>
+          <a:p>
+            <a:pPr marL="0" indent="0">
+              <a:buFont typeface="Arial" panose="020B0604020202020204" pitchFamily="34" charset="0"/>
+              <a:buNone/>
+            </a:pPr>
+            <a:r>
+              <a:rPr lang="zh-TW" altLang="en-US" dirty="0">
+                <a:latin typeface="微軟正黑體" panose="020B0604030504040204" pitchFamily="34" charset="-120"/>
+                <a:ea typeface="微軟正黑體" panose="020B0604030504040204" pitchFamily="34" charset="-120"/>
+              </a:rPr>
+              <a:t>優化模型</a:t>
+            </a:r>
+            <a:endParaRPr lang="en-US" altLang="zh-TW" dirty="0">
+              <a:latin typeface="微軟正黑體" panose="020B0604030504040204" pitchFamily="34" charset="-120"/>
+              <a:ea typeface="微軟正黑體" panose="020B0604030504040204" pitchFamily="34" charset="-120"/>
+            </a:endParaRPr>
+          </a:p>
+        </p:txBody>
+      </p:sp>
+      <p:sp>
+        <p:nvSpPr>
+          <p:cNvPr id="7" name="橢圓 6">
+            <a:extLst>
+              <a:ext uri="{FF2B5EF4-FFF2-40B4-BE49-F238E27FC236}">
+                <a16:creationId xmlns:a16="http://schemas.microsoft.com/office/drawing/2014/main" id="{200AA373-6064-4BFB-83F5-1D9EC6A9C7DF}"/>
+              </a:ext>
+            </a:extLst>
+          </p:cNvPr>
+          <p:cNvSpPr/>
+          <p:nvPr/>
+        </p:nvSpPr>
+        <p:spPr>
+          <a:xfrm>
+            <a:off x="1786469" y="2395008"/>
+            <a:ext cx="567267" cy="567267"/>
+          </a:xfrm>
+          <a:prstGeom prst="ellipse">
+            <a:avLst/>
+          </a:prstGeom>
+          <a:solidFill>
+            <a:schemeClr val="bg1"/>
+          </a:solidFill>
+          <a:ln>
+            <a:solidFill>
+              <a:schemeClr val="tx1"/>
+            </a:solidFill>
+          </a:ln>
+        </p:spPr>
+        <p:style>
+          <a:lnRef idx="2">
+            <a:schemeClr val="accent1">
+              <a:shade val="50000"/>
+            </a:schemeClr>
+          </a:lnRef>
+          <a:fillRef idx="1">
+            <a:schemeClr val="accent1"/>
+          </a:fillRef>
+          <a:effectRef idx="0">
+            <a:schemeClr val="accent1"/>
+          </a:effectRef>
+          <a:fontRef idx="minor">
+            <a:schemeClr val="lt1"/>
+          </a:fontRef>
+        </p:style>
+        <p:txBody>
+          <a:bodyPr rtlCol="0" anchor="ctr"/>
+          <a:lstStyle/>
+          <a:p>
+            <a:pPr algn="ctr"/>
+            <a:r>
+              <a:rPr lang="en-US" altLang="zh-TW" dirty="0">
+                <a:solidFill>
+                  <a:schemeClr val="tx1"/>
+                </a:solidFill>
+              </a:rPr>
+              <a:t>1</a:t>
+            </a:r>
+            <a:endParaRPr lang="zh-TW" altLang="en-US" dirty="0">
+              <a:solidFill>
+                <a:schemeClr val="tx1"/>
+              </a:solidFill>
+            </a:endParaRPr>
+          </a:p>
+        </p:txBody>
+      </p:sp>
+      <p:sp>
+        <p:nvSpPr>
+          <p:cNvPr id="8" name="橢圓 7">
+            <a:extLst>
+              <a:ext uri="{FF2B5EF4-FFF2-40B4-BE49-F238E27FC236}">
+                <a16:creationId xmlns:a16="http://schemas.microsoft.com/office/drawing/2014/main" id="{6FA0B12F-4E55-436A-B513-F1538D5B3069}"/>
+              </a:ext>
+            </a:extLst>
+          </p:cNvPr>
+          <p:cNvSpPr/>
+          <p:nvPr/>
+        </p:nvSpPr>
+        <p:spPr>
+          <a:xfrm>
+            <a:off x="1786467" y="3724275"/>
+            <a:ext cx="567267" cy="567267"/>
+          </a:xfrm>
+          <a:prstGeom prst="ellipse">
+            <a:avLst/>
+          </a:prstGeom>
+          <a:solidFill>
+            <a:schemeClr val="bg1"/>
+          </a:solidFill>
+          <a:ln>
+            <a:solidFill>
+              <a:schemeClr val="tx1"/>
+            </a:solidFill>
+          </a:ln>
+        </p:spPr>
+        <p:style>
+          <a:lnRef idx="2">
+            <a:schemeClr val="accent1">
+              <a:shade val="50000"/>
+            </a:schemeClr>
+          </a:lnRef>
+          <a:fillRef idx="1">
+            <a:schemeClr val="accent1"/>
+          </a:fillRef>
+          <a:effectRef idx="0">
+            <a:schemeClr val="accent1"/>
+          </a:effectRef>
+          <a:fontRef idx="minor">
+            <a:schemeClr val="lt1"/>
+          </a:fontRef>
+        </p:style>
+        <p:txBody>
+          <a:bodyPr rtlCol="0" anchor="ctr"/>
+          <a:lstStyle/>
+          <a:p>
+            <a:pPr algn="ctr"/>
+            <a:r>
+              <a:rPr lang="en-US" altLang="zh-TW" dirty="0">
+                <a:solidFill>
+                  <a:schemeClr val="tx1"/>
+                </a:solidFill>
+              </a:rPr>
+              <a:t>2</a:t>
+            </a:r>
+            <a:endParaRPr lang="zh-TW" altLang="en-US" dirty="0">
+              <a:solidFill>
+                <a:schemeClr val="tx1"/>
+              </a:solidFill>
+            </a:endParaRPr>
+          </a:p>
+        </p:txBody>
+      </p:sp>
+      <p:sp>
+        <p:nvSpPr>
+          <p:cNvPr id="9" name="橢圓 8">
+            <a:extLst>
+              <a:ext uri="{FF2B5EF4-FFF2-40B4-BE49-F238E27FC236}">
+                <a16:creationId xmlns:a16="http://schemas.microsoft.com/office/drawing/2014/main" id="{228BF23F-48A0-4025-9DFC-CD04F421C4BD}"/>
+              </a:ext>
+            </a:extLst>
+          </p:cNvPr>
+          <p:cNvSpPr/>
+          <p:nvPr/>
+        </p:nvSpPr>
+        <p:spPr>
+          <a:xfrm>
+            <a:off x="1786468" y="5053542"/>
+            <a:ext cx="567267" cy="567267"/>
+          </a:xfrm>
+          <a:prstGeom prst="ellipse">
+            <a:avLst/>
+          </a:prstGeom>
+          <a:solidFill>
+            <a:schemeClr val="bg1"/>
+          </a:solidFill>
+          <a:ln>
+            <a:solidFill>
+              <a:schemeClr val="tx1"/>
+            </a:solidFill>
+          </a:ln>
+        </p:spPr>
+        <p:style>
+          <a:lnRef idx="2">
+            <a:schemeClr val="accent1">
+              <a:shade val="50000"/>
+            </a:schemeClr>
+          </a:lnRef>
+          <a:fillRef idx="1">
+            <a:schemeClr val="accent1"/>
+          </a:fillRef>
+          <a:effectRef idx="0">
+            <a:schemeClr val="accent1"/>
+          </a:effectRef>
+          <a:fontRef idx="minor">
+            <a:schemeClr val="lt1"/>
+          </a:fontRef>
+        </p:style>
+        <p:txBody>
+          <a:bodyPr rtlCol="0" anchor="ctr"/>
+          <a:lstStyle/>
+          <a:p>
+            <a:pPr algn="ctr"/>
+            <a:r>
+              <a:rPr lang="en-US" altLang="zh-TW" dirty="0">
+                <a:solidFill>
+                  <a:schemeClr val="tx1"/>
+                </a:solidFill>
+              </a:rPr>
+              <a:t>3</a:t>
+            </a:r>
+            <a:endParaRPr lang="zh-TW" altLang="en-US" dirty="0">
+              <a:solidFill>
+                <a:schemeClr val="tx1"/>
+              </a:solidFill>
+            </a:endParaRPr>
+          </a:p>
+        </p:txBody>
+      </p:sp>
+      <p:sp>
+        <p:nvSpPr>
+          <p:cNvPr id="10" name="矩形 9">
+            <a:extLst>
+              <a:ext uri="{FF2B5EF4-FFF2-40B4-BE49-F238E27FC236}">
+                <a16:creationId xmlns:a16="http://schemas.microsoft.com/office/drawing/2014/main" id="{0A07D225-98C8-4D93-9A49-5D983946B539}"/>
+              </a:ext>
+            </a:extLst>
+          </p:cNvPr>
+          <p:cNvSpPr/>
+          <p:nvPr/>
+        </p:nvSpPr>
+        <p:spPr>
+          <a:xfrm>
+            <a:off x="6989229" y="3488530"/>
+            <a:ext cx="3416304" cy="1038755"/>
+          </a:xfrm>
+          <a:prstGeom prst="rect">
+            <a:avLst/>
+          </a:prstGeom>
+          <a:solidFill>
+            <a:srgbClr val="FFC000"/>
+          </a:solidFill>
+          <a:ln>
+            <a:solidFill>
+              <a:schemeClr val="tx1"/>
+            </a:solidFill>
+          </a:ln>
+        </p:spPr>
+        <p:style>
+          <a:lnRef idx="2">
+            <a:schemeClr val="accent1">
+              <a:shade val="50000"/>
+            </a:schemeClr>
+          </a:lnRef>
+          <a:fillRef idx="1">
+            <a:schemeClr val="accent1"/>
+          </a:fillRef>
+          <a:effectRef idx="0">
+            <a:schemeClr val="accent1"/>
+          </a:effectRef>
+          <a:fontRef idx="minor">
+            <a:schemeClr val="lt1"/>
+          </a:fontRef>
+        </p:style>
+        <p:txBody>
+          <a:bodyPr rtlCol="0" anchor="ctr"/>
+          <a:lstStyle/>
+          <a:p>
+            <a:pPr algn="ctr"/>
+            <a:r>
+              <a:rPr lang="en-US" altLang="zh-TW" sz="4400" dirty="0">
+                <a:solidFill>
+                  <a:schemeClr val="tx1"/>
+                </a:solidFill>
+                <a:latin typeface="微軟正黑體" panose="020B0604030504040204" pitchFamily="34" charset="-120"/>
+                <a:ea typeface="微軟正黑體" panose="020B0604030504040204" pitchFamily="34" charset="-120"/>
+              </a:rPr>
+              <a:t>BUT</a:t>
+            </a:r>
+            <a:r>
+              <a:rPr lang="zh-TW" altLang="en-US" sz="4400" dirty="0">
+                <a:solidFill>
+                  <a:schemeClr val="tx1"/>
+                </a:solidFill>
+                <a:latin typeface="微軟正黑體" panose="020B0604030504040204" pitchFamily="34" charset="-120"/>
+                <a:ea typeface="微軟正黑體" panose="020B0604030504040204" pitchFamily="34" charset="-120"/>
+              </a:rPr>
+              <a:t> </a:t>
+            </a:r>
+            <a:r>
+              <a:rPr lang="en-US" altLang="zh-TW" sz="4400" dirty="0">
+                <a:solidFill>
+                  <a:schemeClr val="tx1"/>
+                </a:solidFill>
+                <a:latin typeface="微軟正黑體" panose="020B0604030504040204" pitchFamily="34" charset="-120"/>
+                <a:ea typeface="微軟正黑體" panose="020B0604030504040204" pitchFamily="34" charset="-120"/>
+              </a:rPr>
+              <a:t>HOW?</a:t>
+            </a:r>
+          </a:p>
+        </p:txBody>
+      </p:sp>
+    </p:spTree>
+    <p:extLst>
+      <p:ext uri="{BB962C8B-B14F-4D97-AF65-F5344CB8AC3E}">
+        <p14:creationId xmlns:p14="http://schemas.microsoft.com/office/powerpoint/2010/main" val="1659848366"/>
       </p:ext>
     </p:extLst>
   </p:cSld>

--- a/107302002.pptx
+++ b/107302002.pptx
@@ -18,6 +18,12 @@
     <p:sldId id="267" r:id="rId12"/>
     <p:sldId id="268" r:id="rId13"/>
     <p:sldId id="269" r:id="rId14"/>
+    <p:sldId id="270" r:id="rId15"/>
+    <p:sldId id="271" r:id="rId16"/>
+    <p:sldId id="272" r:id="rId17"/>
+    <p:sldId id="273" r:id="rId18"/>
+    <p:sldId id="274" r:id="rId19"/>
+    <p:sldId id="275" r:id="rId20"/>
   </p:sldIdLst>
   <p:sldSz cx="12192000" cy="6858000"/>
   <p:notesSz cx="6858000" cy="9144000"/>
@@ -271,7 +277,7 @@
           <a:p>
             <a:fld id="{48958F36-EEA7-422C-84CD-629B3B069568}" type="datetimeFigureOut">
               <a:rPr lang="zh-TW" altLang="en-US" smtClean="0"/>
-              <a:t>2022/1/4</a:t>
+              <a:t>2022/1/6</a:t>
             </a:fld>
             <a:endParaRPr lang="zh-TW" altLang="en-US"/>
           </a:p>
@@ -469,7 +475,7 @@
           <a:p>
             <a:fld id="{48958F36-EEA7-422C-84CD-629B3B069568}" type="datetimeFigureOut">
               <a:rPr lang="zh-TW" altLang="en-US" smtClean="0"/>
-              <a:t>2022/1/4</a:t>
+              <a:t>2022/1/6</a:t>
             </a:fld>
             <a:endParaRPr lang="zh-TW" altLang="en-US"/>
           </a:p>
@@ -677,7 +683,7 @@
           <a:p>
             <a:fld id="{48958F36-EEA7-422C-84CD-629B3B069568}" type="datetimeFigureOut">
               <a:rPr lang="zh-TW" altLang="en-US" smtClean="0"/>
-              <a:t>2022/1/4</a:t>
+              <a:t>2022/1/6</a:t>
             </a:fld>
             <a:endParaRPr lang="zh-TW" altLang="en-US"/>
           </a:p>
@@ -875,7 +881,7 @@
           <a:p>
             <a:fld id="{48958F36-EEA7-422C-84CD-629B3B069568}" type="datetimeFigureOut">
               <a:rPr lang="zh-TW" altLang="en-US" smtClean="0"/>
-              <a:t>2022/1/4</a:t>
+              <a:t>2022/1/6</a:t>
             </a:fld>
             <a:endParaRPr lang="zh-TW" altLang="en-US"/>
           </a:p>
@@ -1150,7 +1156,7 @@
           <a:p>
             <a:fld id="{48958F36-EEA7-422C-84CD-629B3B069568}" type="datetimeFigureOut">
               <a:rPr lang="zh-TW" altLang="en-US" smtClean="0"/>
-              <a:t>2022/1/4</a:t>
+              <a:t>2022/1/6</a:t>
             </a:fld>
             <a:endParaRPr lang="zh-TW" altLang="en-US"/>
           </a:p>
@@ -1415,7 +1421,7 @@
           <a:p>
             <a:fld id="{48958F36-EEA7-422C-84CD-629B3B069568}" type="datetimeFigureOut">
               <a:rPr lang="zh-TW" altLang="en-US" smtClean="0"/>
-              <a:t>2022/1/4</a:t>
+              <a:t>2022/1/6</a:t>
             </a:fld>
             <a:endParaRPr lang="zh-TW" altLang="en-US"/>
           </a:p>
@@ -1827,7 +1833,7 @@
           <a:p>
             <a:fld id="{48958F36-EEA7-422C-84CD-629B3B069568}" type="datetimeFigureOut">
               <a:rPr lang="zh-TW" altLang="en-US" smtClean="0"/>
-              <a:t>2022/1/4</a:t>
+              <a:t>2022/1/6</a:t>
             </a:fld>
             <a:endParaRPr lang="zh-TW" altLang="en-US"/>
           </a:p>
@@ -1968,7 +1974,7 @@
           <a:p>
             <a:fld id="{48958F36-EEA7-422C-84CD-629B3B069568}" type="datetimeFigureOut">
               <a:rPr lang="zh-TW" altLang="en-US" smtClean="0"/>
-              <a:t>2022/1/4</a:t>
+              <a:t>2022/1/6</a:t>
             </a:fld>
             <a:endParaRPr lang="zh-TW" altLang="en-US"/>
           </a:p>
@@ -2081,7 +2087,7 @@
           <a:p>
             <a:fld id="{48958F36-EEA7-422C-84CD-629B3B069568}" type="datetimeFigureOut">
               <a:rPr lang="zh-TW" altLang="en-US" smtClean="0"/>
-              <a:t>2022/1/4</a:t>
+              <a:t>2022/1/6</a:t>
             </a:fld>
             <a:endParaRPr lang="zh-TW" altLang="en-US"/>
           </a:p>
@@ -2392,7 +2398,7 @@
           <a:p>
             <a:fld id="{48958F36-EEA7-422C-84CD-629B3B069568}" type="datetimeFigureOut">
               <a:rPr lang="zh-TW" altLang="en-US" smtClean="0"/>
-              <a:t>2022/1/4</a:t>
+              <a:t>2022/1/6</a:t>
             </a:fld>
             <a:endParaRPr lang="zh-TW" altLang="en-US"/>
           </a:p>
@@ -2680,7 +2686,7 @@
           <a:p>
             <a:fld id="{48958F36-EEA7-422C-84CD-629B3B069568}" type="datetimeFigureOut">
               <a:rPr lang="zh-TW" altLang="en-US" smtClean="0"/>
-              <a:t>2022/1/4</a:t>
+              <a:t>2022/1/6</a:t>
             </a:fld>
             <a:endParaRPr lang="zh-TW" altLang="en-US"/>
           </a:p>
@@ -2921,7 +2927,7 @@
           <a:p>
             <a:fld id="{48958F36-EEA7-422C-84CD-629B3B069568}" type="datetimeFigureOut">
               <a:rPr lang="zh-TW" altLang="en-US" smtClean="0"/>
-              <a:t>2022/1/4</a:t>
+              <a:t>2022/1/6</a:t>
             </a:fld>
             <a:endParaRPr lang="zh-TW" altLang="en-US"/>
           </a:p>
@@ -4244,7 +4250,7 @@
                 <a:latin typeface="微軟正黑體" panose="020B0604030504040204" pitchFamily="34" charset="-120"/>
                 <a:ea typeface="微軟正黑體" panose="020B0604030504040204" pitchFamily="34" charset="-120"/>
               </a:rPr>
-              <a:t>Nature DQN</a:t>
+              <a:t>Baseline: Nature DQN</a:t>
             </a:r>
             <a:endParaRPr lang="zh-TW" altLang="en-US" dirty="0">
               <a:latin typeface="微軟正黑體" panose="020B0604030504040204" pitchFamily="34" charset="-120"/>
@@ -4418,8 +4424,8 @@
           </a:prstGeom>
         </p:spPr>
       </p:pic>
-      <mc:AlternateContent xmlns:mc="http://schemas.openxmlformats.org/markup-compatibility/2006">
-        <mc:Choice xmlns:a14="http://schemas.microsoft.com/office/drawing/2010/main" Requires="a14">
+      <mc:AlternateContent xmlns:mc="http://schemas.openxmlformats.org/markup-compatibility/2006" xmlns:a14="http://schemas.microsoft.com/office/drawing/2010/main">
+        <mc:Choice Requires="a14">
           <p:sp>
             <p:nvSpPr>
               <p:cNvPr id="7" name="文字方塊 6">
@@ -4448,6 +4454,7 @@
               </a:bodyPr>
               <a:lstStyle/>
               <a:p>
+                <a:pPr/>
                 <a14:m>
                   <m:oMathPara xmlns:m="http://schemas.openxmlformats.org/officeDocument/2006/math">
                     <m:oMathParaPr>
@@ -4821,6 +4828,7 @@
                 <a:endParaRPr lang="en-US" altLang="zh-TW" dirty="0"/>
               </a:p>
               <a:p>
+                <a:pPr/>
                 <a14:m>
                   <m:oMathPara xmlns:m="http://schemas.openxmlformats.org/officeDocument/2006/math">
                     <m:oMathParaPr>
@@ -5202,7 +5210,7 @@
             </p:txBody>
           </p:sp>
         </mc:Choice>
-        <mc:Fallback>
+        <mc:Fallback xmlns="">
           <p:sp>
             <p:nvSpPr>
               <p:cNvPr id="7" name="文字方塊 6">
@@ -5261,7 +5269,7 @@
         </p:nvSpPr>
         <p:spPr>
           <a:xfrm>
-            <a:off x="838200" y="4267200"/>
+            <a:off x="4673600" y="4068134"/>
             <a:ext cx="5469465" cy="567267"/>
           </a:xfrm>
           <a:prstGeom prst="rect">
@@ -5392,7 +5400,7 @@
         </p:nvSpPr>
         <p:spPr>
           <a:xfrm>
-            <a:off x="3081867" y="5033341"/>
+            <a:off x="8585197" y="4880938"/>
             <a:ext cx="872066" cy="414867"/>
           </a:xfrm>
           <a:prstGeom prst="downArrow">
@@ -5420,7 +5428,7 @@
           <a:lstStyle/>
           <a:p>
             <a:pPr algn="ctr"/>
-            <a:endParaRPr lang="zh-TW" altLang="en-US"/>
+            <a:endParaRPr lang="zh-TW" altLang="en-US" dirty="0"/>
           </a:p>
         </p:txBody>
       </p:sp>
@@ -5438,7 +5446,7 @@
         </p:nvSpPr>
         <p:spPr>
           <a:xfrm>
-            <a:off x="2451098" y="5706349"/>
+            <a:off x="7899397" y="5541342"/>
             <a:ext cx="2243667" cy="567267"/>
           </a:xfrm>
           <a:prstGeom prst="rect">
@@ -5510,13 +5518,13 @@
         </p:nvSpPr>
         <p:spPr>
           <a:xfrm>
-            <a:off x="6731000" y="5164574"/>
+            <a:off x="4673600" y="5541342"/>
             <a:ext cx="2531534" cy="567267"/>
           </a:xfrm>
           <a:prstGeom prst="wedgeRoundRectCallout">
             <a:avLst>
-              <a:gd name="adj1" fmla="val -53274"/>
-              <a:gd name="adj2" fmla="val -107653"/>
+              <a:gd name="adj1" fmla="val 38364"/>
+              <a:gd name="adj2" fmla="val -122578"/>
               <a:gd name="adj3" fmla="val 16667"/>
             </a:avLst>
           </a:prstGeom>
@@ -5626,6 +5634,160 @@
               <a:t>Rainbow DQN</a:t>
             </a:r>
             <a:endParaRPr lang="zh-TW" altLang="en-US" dirty="0"/>
+          </a:p>
+        </p:txBody>
+      </p:sp>
+      <p:sp>
+        <p:nvSpPr>
+          <p:cNvPr id="13" name="矩形: 圓角 12">
+            <a:extLst>
+              <a:ext uri="{FF2B5EF4-FFF2-40B4-BE49-F238E27FC236}">
+                <a16:creationId xmlns:a16="http://schemas.microsoft.com/office/drawing/2014/main" id="{D3D325EF-FF4B-4231-8DFA-8F9C25D2694C}"/>
+              </a:ext>
+            </a:extLst>
+          </p:cNvPr>
+          <p:cNvSpPr/>
+          <p:nvPr/>
+        </p:nvSpPr>
+        <p:spPr>
+          <a:xfrm>
+            <a:off x="838199" y="4017335"/>
+            <a:ext cx="2726267" cy="668867"/>
+          </a:xfrm>
+          <a:prstGeom prst="roundRect">
+            <a:avLst/>
+          </a:prstGeom>
+        </p:spPr>
+        <p:style>
+          <a:lnRef idx="2">
+            <a:schemeClr val="accent6">
+              <a:shade val="50000"/>
+            </a:schemeClr>
+          </a:lnRef>
+          <a:fillRef idx="1">
+            <a:schemeClr val="accent6"/>
+          </a:fillRef>
+          <a:effectRef idx="0">
+            <a:schemeClr val="accent6"/>
+          </a:effectRef>
+          <a:fontRef idx="minor">
+            <a:schemeClr val="lt1"/>
+          </a:fontRef>
+        </p:style>
+        <p:txBody>
+          <a:bodyPr rtlCol="0" anchor="ctr"/>
+          <a:lstStyle/>
+          <a:p>
+            <a:pPr algn="ctr"/>
+            <a:r>
+              <a:rPr lang="en-US" altLang="zh-TW" b="1" dirty="0"/>
+              <a:t>Replay Memory:</a:t>
+            </a:r>
+            <a:r>
+              <a:rPr lang="zh-TW" altLang="en-US" b="1" dirty="0">
+                <a:latin typeface="微軟正黑體" panose="020B0604030504040204" pitchFamily="34" charset="-120"/>
+                <a:ea typeface="微軟正黑體" panose="020B0604030504040204" pitchFamily="34" charset="-120"/>
+              </a:rPr>
+              <a:t>儲存經驗</a:t>
+            </a:r>
+          </a:p>
+        </p:txBody>
+      </p:sp>
+      <p:sp>
+        <p:nvSpPr>
+          <p:cNvPr id="15" name="箭號: 向下 14">
+            <a:extLst>
+              <a:ext uri="{FF2B5EF4-FFF2-40B4-BE49-F238E27FC236}">
+                <a16:creationId xmlns:a16="http://schemas.microsoft.com/office/drawing/2014/main" id="{785AA1B0-2A37-410F-AE30-A6243A85C4BC}"/>
+              </a:ext>
+            </a:extLst>
+          </p:cNvPr>
+          <p:cNvSpPr/>
+          <p:nvPr/>
+        </p:nvSpPr>
+        <p:spPr>
+          <a:xfrm>
+            <a:off x="1765299" y="4880939"/>
+            <a:ext cx="872066" cy="414867"/>
+          </a:xfrm>
+          <a:prstGeom prst="downArrow">
+            <a:avLst/>
+          </a:prstGeom>
+        </p:spPr>
+        <p:style>
+          <a:lnRef idx="2">
+            <a:schemeClr val="accent1">
+              <a:shade val="50000"/>
+            </a:schemeClr>
+          </a:lnRef>
+          <a:fillRef idx="1">
+            <a:schemeClr val="accent1"/>
+          </a:fillRef>
+          <a:effectRef idx="0">
+            <a:schemeClr val="accent1"/>
+          </a:effectRef>
+          <a:fontRef idx="minor">
+            <a:schemeClr val="lt1"/>
+          </a:fontRef>
+        </p:style>
+        <p:txBody>
+          <a:bodyPr rtlCol="0" anchor="ctr"/>
+          <a:lstStyle/>
+          <a:p>
+            <a:pPr algn="ctr"/>
+            <a:endParaRPr lang="zh-TW" altLang="en-US"/>
+          </a:p>
+        </p:txBody>
+      </p:sp>
+      <p:sp>
+        <p:nvSpPr>
+          <p:cNvPr id="16" name="矩形: 圓角 15">
+            <a:extLst>
+              <a:ext uri="{FF2B5EF4-FFF2-40B4-BE49-F238E27FC236}">
+                <a16:creationId xmlns:a16="http://schemas.microsoft.com/office/drawing/2014/main" id="{04069F39-36EC-4278-8BFE-53C37B6187E7}"/>
+              </a:ext>
+            </a:extLst>
+          </p:cNvPr>
+          <p:cNvSpPr/>
+          <p:nvPr/>
+        </p:nvSpPr>
+        <p:spPr>
+          <a:xfrm>
+            <a:off x="838199" y="5490543"/>
+            <a:ext cx="2726267" cy="668867"/>
+          </a:xfrm>
+          <a:prstGeom prst="roundRect">
+            <a:avLst/>
+          </a:prstGeom>
+        </p:spPr>
+        <p:style>
+          <a:lnRef idx="2">
+            <a:schemeClr val="accent6">
+              <a:shade val="50000"/>
+            </a:schemeClr>
+          </a:lnRef>
+          <a:fillRef idx="1">
+            <a:schemeClr val="accent6"/>
+          </a:fillRef>
+          <a:effectRef idx="0">
+            <a:schemeClr val="accent6"/>
+          </a:effectRef>
+          <a:fontRef idx="minor">
+            <a:schemeClr val="lt1"/>
+          </a:fontRef>
+        </p:style>
+        <p:txBody>
+          <a:bodyPr rtlCol="0" anchor="ctr"/>
+          <a:lstStyle/>
+          <a:p>
+            <a:pPr algn="ctr"/>
+            <a:r>
+              <a:rPr lang="zh-TW" altLang="en-US" b="1" dirty="0">
+                <a:latin typeface="微軟正黑體" panose="020B0604030504040204" pitchFamily="34" charset="-120"/>
+                <a:ea typeface="微軟正黑體" panose="020B0604030504040204" pitchFamily="34" charset="-120"/>
+              </a:rPr>
+              <a:t>隨機抽樣更新網路</a:t>
+            </a:r>
           </a:p>
         </p:txBody>
       </p:sp>
@@ -5861,8 +6023,8 @@
           </a:prstGeom>
         </p:spPr>
       </p:pic>
-      <mc:AlternateContent xmlns:mc="http://schemas.openxmlformats.org/markup-compatibility/2006">
-        <mc:Choice xmlns:a14="http://schemas.microsoft.com/office/drawing/2010/main" Requires="a14">
+      <mc:AlternateContent xmlns:mc="http://schemas.openxmlformats.org/markup-compatibility/2006" xmlns:a14="http://schemas.microsoft.com/office/drawing/2010/main">
+        <mc:Choice Requires="a14">
           <p:sp>
             <p:nvSpPr>
               <p:cNvPr id="7" name="文字方塊 6">
@@ -5891,6 +6053,7 @@
               </a:bodyPr>
               <a:lstStyle/>
               <a:p>
+                <a:pPr/>
                 <a14:m>
                   <m:oMathPara xmlns:m="http://schemas.openxmlformats.org/officeDocument/2006/math">
                     <m:oMathParaPr>
@@ -6269,7 +6432,7 @@
             </p:txBody>
           </p:sp>
         </mc:Choice>
-        <mc:Fallback>
+        <mc:Fallback xmlns="">
           <p:sp>
             <p:nvSpPr>
               <p:cNvPr id="7" name="文字方塊 6">
@@ -6820,8 +6983,8 @@
           </a:prstGeom>
         </p:spPr>
       </p:pic>
-      <mc:AlternateContent xmlns:mc="http://schemas.openxmlformats.org/markup-compatibility/2006">
-        <mc:Choice xmlns:a14="http://schemas.microsoft.com/office/drawing/2010/main" Requires="a14">
+      <mc:AlternateContent xmlns:mc="http://schemas.openxmlformats.org/markup-compatibility/2006" xmlns:a14="http://schemas.microsoft.com/office/drawing/2010/main">
+        <mc:Choice Requires="a14">
           <p:sp>
             <p:nvSpPr>
               <p:cNvPr id="7" name="文字方塊 6">
@@ -7667,7 +7830,7 @@
             </p:txBody>
           </p:sp>
         </mc:Choice>
-        <mc:Fallback>
+        <mc:Fallback xmlns="">
           <p:sp>
             <p:nvSpPr>
               <p:cNvPr id="7" name="文字方塊 6">
@@ -8737,6 +8900,3391 @@
     <p:extLst>
       <p:ext uri="{BB962C8B-B14F-4D97-AF65-F5344CB8AC3E}">
         <p14:creationId xmlns:p14="http://schemas.microsoft.com/office/powerpoint/2010/main" val="3862887618"/>
+      </p:ext>
+    </p:extLst>
+  </p:cSld>
+  <p:clrMapOvr>
+    <a:masterClrMapping/>
+  </p:clrMapOvr>
+</p:sld>
+</file>
+
+<file path=ppt/slides/slide14.xml><?xml version="1.0" encoding="utf-8"?>
+<p:sld xmlns:a="http://schemas.openxmlformats.org/drawingml/2006/main" xmlns:r="http://schemas.openxmlformats.org/officeDocument/2006/relationships" xmlns:p="http://schemas.openxmlformats.org/presentationml/2006/main">
+  <p:cSld>
+    <p:spTree>
+      <p:nvGrpSpPr>
+        <p:cNvPr id="1" name=""/>
+        <p:cNvGrpSpPr/>
+        <p:nvPr/>
+      </p:nvGrpSpPr>
+      <p:grpSpPr>
+        <a:xfrm>
+          <a:off x="0" y="0"/>
+          <a:ext cx="0" cy="0"/>
+          <a:chOff x="0" y="0"/>
+          <a:chExt cx="0" cy="0"/>
+        </a:xfrm>
+      </p:grpSpPr>
+      <p:sp>
+        <p:nvSpPr>
+          <p:cNvPr id="2" name="標題 1">
+            <a:extLst>
+              <a:ext uri="{FF2B5EF4-FFF2-40B4-BE49-F238E27FC236}">
+                <a16:creationId xmlns:a16="http://schemas.microsoft.com/office/drawing/2014/main" id="{706EF09F-5805-4F97-95F4-B645034FC1E4}"/>
+              </a:ext>
+            </a:extLst>
+          </p:cNvPr>
+          <p:cNvSpPr>
+            <a:spLocks noGrp="1"/>
+          </p:cNvSpPr>
+          <p:nvPr>
+            <p:ph type="title"/>
+          </p:nvPr>
+        </p:nvSpPr>
+        <p:spPr>
+          <a:xfrm>
+            <a:off x="838200" y="365125"/>
+            <a:ext cx="10515600" cy="1325563"/>
+          </a:xfrm>
+        </p:spPr>
+        <p:txBody>
+          <a:bodyPr/>
+          <a:lstStyle/>
+          <a:p>
+            <a:r>
+              <a:rPr lang="en-US" altLang="zh-TW" dirty="0">
+                <a:latin typeface="微軟正黑體" panose="020B0604030504040204" pitchFamily="34" charset="-120"/>
+                <a:ea typeface="微軟正黑體" panose="020B0604030504040204" pitchFamily="34" charset="-120"/>
+              </a:rPr>
+              <a:t>CER DQN</a:t>
+            </a:r>
+            <a:endParaRPr lang="zh-TW" altLang="en-US" dirty="0">
+              <a:latin typeface="微軟正黑體" panose="020B0604030504040204" pitchFamily="34" charset="-120"/>
+              <a:ea typeface="微軟正黑體" panose="020B0604030504040204" pitchFamily="34" charset="-120"/>
+            </a:endParaRPr>
+          </a:p>
+        </p:txBody>
+      </p:sp>
+      <p:sp>
+        <p:nvSpPr>
+          <p:cNvPr id="9" name="矩形 8">
+            <a:extLst>
+              <a:ext uri="{FF2B5EF4-FFF2-40B4-BE49-F238E27FC236}">
+                <a16:creationId xmlns:a16="http://schemas.microsoft.com/office/drawing/2014/main" id="{7527C698-025B-43AB-968A-D7AFD389E638}"/>
+              </a:ext>
+            </a:extLst>
+          </p:cNvPr>
+          <p:cNvSpPr/>
+          <p:nvPr/>
+        </p:nvSpPr>
+        <p:spPr>
+          <a:xfrm>
+            <a:off x="838201" y="1486511"/>
+            <a:ext cx="3454400" cy="567267"/>
+          </a:xfrm>
+          <a:prstGeom prst="rect">
+            <a:avLst/>
+          </a:prstGeom>
+          <a:solidFill>
+            <a:srgbClr val="FFC000"/>
+          </a:solidFill>
+          <a:ln>
+            <a:solidFill>
+              <a:schemeClr val="tx1"/>
+            </a:solidFill>
+          </a:ln>
+        </p:spPr>
+        <p:style>
+          <a:lnRef idx="2">
+            <a:schemeClr val="accent1">
+              <a:shade val="50000"/>
+            </a:schemeClr>
+          </a:lnRef>
+          <a:fillRef idx="1">
+            <a:schemeClr val="accent1"/>
+          </a:fillRef>
+          <a:effectRef idx="0">
+            <a:schemeClr val="accent1"/>
+          </a:effectRef>
+          <a:fontRef idx="minor">
+            <a:schemeClr val="lt1"/>
+          </a:fontRef>
+        </p:style>
+        <p:txBody>
+          <a:bodyPr rtlCol="0" anchor="ctr"/>
+          <a:lstStyle/>
+          <a:p>
+            <a:r>
+              <a:rPr lang="en-US" altLang="zh-TW" sz="2400" dirty="0">
+                <a:solidFill>
+                  <a:schemeClr val="tx1"/>
+                </a:solidFill>
+                <a:latin typeface="微軟正黑體" panose="020B0604030504040204" pitchFamily="34" charset="-120"/>
+                <a:ea typeface="微軟正黑體" panose="020B0604030504040204" pitchFamily="34" charset="-120"/>
+              </a:rPr>
+              <a:t>Replay Memory</a:t>
+            </a:r>
+            <a:r>
+              <a:rPr lang="zh-TW" altLang="en-US" sz="2400" dirty="0">
+                <a:solidFill>
+                  <a:schemeClr val="tx1"/>
+                </a:solidFill>
+                <a:latin typeface="微軟正黑體" panose="020B0604030504040204" pitchFamily="34" charset="-120"/>
+                <a:ea typeface="微軟正黑體" panose="020B0604030504040204" pitchFamily="34" charset="-120"/>
+              </a:rPr>
+              <a:t>的調整</a:t>
+            </a:r>
+            <a:endParaRPr lang="en-US" altLang="zh-TW" sz="2400" dirty="0">
+              <a:solidFill>
+                <a:schemeClr val="tx1"/>
+              </a:solidFill>
+              <a:latin typeface="微軟正黑體" panose="020B0604030504040204" pitchFamily="34" charset="-120"/>
+              <a:ea typeface="微軟正黑體" panose="020B0604030504040204" pitchFamily="34" charset="-120"/>
+            </a:endParaRPr>
+          </a:p>
+        </p:txBody>
+      </p:sp>
+      <p:sp>
+        <p:nvSpPr>
+          <p:cNvPr id="27" name="文字方塊 26">
+            <a:extLst>
+              <a:ext uri="{FF2B5EF4-FFF2-40B4-BE49-F238E27FC236}">
+                <a16:creationId xmlns:a16="http://schemas.microsoft.com/office/drawing/2014/main" id="{C5A9A07D-E237-476A-8D25-8F2B9E82E1E7}"/>
+              </a:ext>
+            </a:extLst>
+          </p:cNvPr>
+          <p:cNvSpPr txBox="1"/>
+          <p:nvPr/>
+        </p:nvSpPr>
+        <p:spPr>
+          <a:xfrm>
+            <a:off x="10143065" y="1869112"/>
+            <a:ext cx="2015067" cy="369332"/>
+          </a:xfrm>
+          <a:prstGeom prst="rect">
+            <a:avLst/>
+          </a:prstGeom>
+          <a:noFill/>
+        </p:spPr>
+        <p:txBody>
+          <a:bodyPr wrap="square" rtlCol="0">
+            <a:spAutoFit/>
+          </a:bodyPr>
+          <a:lstStyle/>
+          <a:p>
+            <a:pPr algn="ctr"/>
+            <a:r>
+              <a:rPr lang="en-US" altLang="zh-TW" dirty="0"/>
+              <a:t>Dino Run Code</a:t>
+            </a:r>
+            <a:endParaRPr lang="zh-TW" altLang="en-US" dirty="0"/>
+          </a:p>
+        </p:txBody>
+      </p:sp>
+      <p:pic>
+        <p:nvPicPr>
+          <p:cNvPr id="5" name="圖片 4">
+            <a:extLst>
+              <a:ext uri="{FF2B5EF4-FFF2-40B4-BE49-F238E27FC236}">
+                <a16:creationId xmlns:a16="http://schemas.microsoft.com/office/drawing/2014/main" id="{76D28ADA-1402-46E5-B0B3-784B654935E9}"/>
+              </a:ext>
+            </a:extLst>
+          </p:cNvPr>
+          <p:cNvPicPr>
+            <a:picLocks noChangeAspect="1"/>
+          </p:cNvPicPr>
+          <p:nvPr/>
+        </p:nvPicPr>
+        <p:blipFill>
+          <a:blip r:embed="rId2">
+            <a:extLst>
+              <a:ext uri="{28A0092B-C50C-407E-A947-70E740481C1C}">
+                <a14:useLocalDpi xmlns:a14="http://schemas.microsoft.com/office/drawing/2010/main" val="0"/>
+              </a:ext>
+            </a:extLst>
+          </a:blip>
+          <a:stretch>
+            <a:fillRect/>
+          </a:stretch>
+        </p:blipFill>
+        <p:spPr>
+          <a:xfrm>
+            <a:off x="10293230" y="170536"/>
+            <a:ext cx="1714739" cy="1714739"/>
+          </a:xfrm>
+          <a:prstGeom prst="rect">
+            <a:avLst/>
+          </a:prstGeom>
+        </p:spPr>
+      </p:pic>
+      <mc:AlternateContent xmlns:mc="http://schemas.openxmlformats.org/markup-compatibility/2006">
+        <mc:Choice xmlns:a14="http://schemas.microsoft.com/office/drawing/2010/main" Requires="a14">
+          <p:sp>
+            <p:nvSpPr>
+              <p:cNvPr id="7" name="文字方塊 6">
+                <a:extLst>
+                  <a:ext uri="{FF2B5EF4-FFF2-40B4-BE49-F238E27FC236}">
+                    <a16:creationId xmlns:a16="http://schemas.microsoft.com/office/drawing/2014/main" id="{8A7C8A18-0196-4788-BA13-C55A3FEFC8A1}"/>
+                  </a:ext>
+                </a:extLst>
+              </p:cNvPr>
+              <p:cNvSpPr txBox="1"/>
+              <p:nvPr/>
+            </p:nvSpPr>
+            <p:spPr>
+              <a:xfrm>
+                <a:off x="838199" y="2238444"/>
+                <a:ext cx="7823201" cy="714683"/>
+              </a:xfrm>
+              <a:prstGeom prst="rect">
+                <a:avLst/>
+              </a:prstGeom>
+              <a:noFill/>
+            </p:spPr>
+            <p:txBody>
+              <a:bodyPr wrap="square" rtlCol="0">
+                <a:spAutoFit/>
+              </a:bodyPr>
+              <a:lstStyle/>
+              <a:p>
+                <a:pPr/>
+                <a14:m>
+                  <m:oMathPara xmlns:m="http://schemas.openxmlformats.org/officeDocument/2006/math">
+                    <m:oMathParaPr>
+                      <m:jc m:val="left"/>
+                    </m:oMathParaPr>
+                    <m:oMath xmlns:m="http://schemas.openxmlformats.org/officeDocument/2006/math">
+                      <m:r>
+                        <a:rPr lang="en-US" altLang="zh-TW" i="1" smtClean="0">
+                          <a:latin typeface="Cambria Math" panose="02040503050406030204" pitchFamily="18" charset="0"/>
+                        </a:rPr>
+                        <m:t>𝑄</m:t>
+                      </m:r>
+                      <m:d>
+                        <m:dPr>
+                          <m:ctrlPr>
+                            <a:rPr lang="en-US" altLang="zh-TW" i="1">
+                              <a:latin typeface="Cambria Math" panose="02040503050406030204" pitchFamily="18" charset="0"/>
+                            </a:rPr>
+                          </m:ctrlPr>
+                        </m:dPr>
+                        <m:e>
+                          <m:r>
+                            <a:rPr lang="en-US" altLang="zh-TW" i="1">
+                              <a:latin typeface="Cambria Math" panose="02040503050406030204" pitchFamily="18" charset="0"/>
+                            </a:rPr>
+                            <m:t>𝑠</m:t>
+                          </m:r>
+                          <m:r>
+                            <a:rPr lang="en-US" altLang="zh-TW" i="1">
+                              <a:latin typeface="Cambria Math" panose="02040503050406030204" pitchFamily="18" charset="0"/>
+                            </a:rPr>
+                            <m:t>, </m:t>
+                          </m:r>
+                          <m:r>
+                            <a:rPr lang="en-US" altLang="zh-TW" i="1">
+                              <a:latin typeface="Cambria Math" panose="02040503050406030204" pitchFamily="18" charset="0"/>
+                            </a:rPr>
+                            <m:t>𝑎</m:t>
+                          </m:r>
+                        </m:e>
+                      </m:d>
+                      <m:r>
+                        <a:rPr lang="en-US" altLang="zh-TW" i="1">
+                          <a:latin typeface="Cambria Math" panose="02040503050406030204" pitchFamily="18" charset="0"/>
+                        </a:rPr>
+                        <m:t>=</m:t>
+                      </m:r>
+                      <m:d>
+                        <m:dPr>
+                          <m:ctrlPr>
+                            <a:rPr lang="en-US" altLang="zh-TW" i="1">
+                              <a:latin typeface="Cambria Math" panose="02040503050406030204" pitchFamily="18" charset="0"/>
+                            </a:rPr>
+                          </m:ctrlPr>
+                        </m:dPr>
+                        <m:e>
+                          <m:r>
+                            <a:rPr lang="en-US" altLang="zh-TW" i="1">
+                              <a:latin typeface="Cambria Math" panose="02040503050406030204" pitchFamily="18" charset="0"/>
+                            </a:rPr>
+                            <m:t>1−</m:t>
+                          </m:r>
+                          <m:f>
+                            <m:fPr>
+                              <m:ctrlPr>
+                                <a:rPr lang="en-US" altLang="zh-TW" i="1">
+                                  <a:latin typeface="Cambria Math" panose="02040503050406030204" pitchFamily="18" charset="0"/>
+                                </a:rPr>
+                              </m:ctrlPr>
+                            </m:fPr>
+                            <m:num>
+                              <m:r>
+                                <a:rPr lang="en-US" altLang="zh-TW" i="1">
+                                  <a:latin typeface="Cambria Math" panose="02040503050406030204" pitchFamily="18" charset="0"/>
+                                </a:rPr>
+                                <m:t>1</m:t>
+                              </m:r>
+                            </m:num>
+                            <m:den>
+                              <m:r>
+                                <a:rPr lang="en-US" altLang="zh-TW" i="1">
+                                  <a:latin typeface="Cambria Math" panose="02040503050406030204" pitchFamily="18" charset="0"/>
+                                </a:rPr>
+                                <m:t>𝑛</m:t>
+                              </m:r>
+                            </m:den>
+                          </m:f>
+                        </m:e>
+                      </m:d>
+                      <m:r>
+                        <a:rPr lang="en-US" altLang="zh-TW" i="1">
+                          <a:latin typeface="Cambria Math" panose="02040503050406030204" pitchFamily="18" charset="0"/>
+                        </a:rPr>
+                        <m:t>𝑄</m:t>
+                      </m:r>
+                      <m:r>
+                        <a:rPr lang="en-US" altLang="zh-TW" i="1">
+                          <a:latin typeface="Cambria Math" panose="02040503050406030204" pitchFamily="18" charset="0"/>
+                        </a:rPr>
+                        <m:t>(</m:t>
+                      </m:r>
+                      <m:r>
+                        <a:rPr lang="en-US" altLang="zh-TW" i="1">
+                          <a:latin typeface="Cambria Math" panose="02040503050406030204" pitchFamily="18" charset="0"/>
+                        </a:rPr>
+                        <m:t>𝑠</m:t>
+                      </m:r>
+                      <m:r>
+                        <a:rPr lang="en-US" altLang="zh-TW" i="1">
+                          <a:latin typeface="Cambria Math" panose="02040503050406030204" pitchFamily="18" charset="0"/>
+                        </a:rPr>
+                        <m:t>,</m:t>
+                      </m:r>
+                      <m:r>
+                        <a:rPr lang="en-US" altLang="zh-TW" i="1">
+                          <a:latin typeface="Cambria Math" panose="02040503050406030204" pitchFamily="18" charset="0"/>
+                        </a:rPr>
+                        <m:t>𝑎</m:t>
+                      </m:r>
+                      <m:r>
+                        <a:rPr lang="en-US" altLang="zh-TW" i="1">
+                          <a:latin typeface="Cambria Math" panose="02040503050406030204" pitchFamily="18" charset="0"/>
+                        </a:rPr>
+                        <m:t>)+</m:t>
+                      </m:r>
+                      <m:f>
+                        <m:fPr>
+                          <m:ctrlPr>
+                            <a:rPr lang="en-US" altLang="zh-TW" i="1">
+                              <a:latin typeface="Cambria Math" panose="02040503050406030204" pitchFamily="18" charset="0"/>
+                            </a:rPr>
+                          </m:ctrlPr>
+                        </m:fPr>
+                        <m:num>
+                          <m:r>
+                            <a:rPr lang="en-US" altLang="zh-TW" i="1">
+                              <a:latin typeface="Cambria Math" panose="02040503050406030204" pitchFamily="18" charset="0"/>
+                            </a:rPr>
+                            <m:t>1</m:t>
+                          </m:r>
+                        </m:num>
+                        <m:den>
+                          <m:r>
+                            <a:rPr lang="en-US" altLang="zh-TW" i="1">
+                              <a:latin typeface="Cambria Math" panose="02040503050406030204" pitchFamily="18" charset="0"/>
+                            </a:rPr>
+                            <m:t>𝑛</m:t>
+                          </m:r>
+                        </m:den>
+                      </m:f>
+                      <m:r>
+                        <a:rPr lang="en-US" altLang="zh-TW" i="1">
+                          <a:latin typeface="Cambria Math" panose="02040503050406030204" pitchFamily="18" charset="0"/>
+                        </a:rPr>
+                        <m:t>[</m:t>
+                      </m:r>
+                      <m:r>
+                        <a:rPr lang="en-US" altLang="zh-TW" i="1">
+                          <a:latin typeface="Cambria Math" panose="02040503050406030204" pitchFamily="18" charset="0"/>
+                        </a:rPr>
+                        <m:t>𝑅</m:t>
+                      </m:r>
+                      <m:d>
+                        <m:dPr>
+                          <m:ctrlPr>
+                            <a:rPr lang="en-US" altLang="zh-TW" i="1">
+                              <a:latin typeface="Cambria Math" panose="02040503050406030204" pitchFamily="18" charset="0"/>
+                            </a:rPr>
+                          </m:ctrlPr>
+                        </m:dPr>
+                        <m:e>
+                          <m:r>
+                            <a:rPr lang="en-US" altLang="zh-TW" i="1">
+                              <a:latin typeface="Cambria Math" panose="02040503050406030204" pitchFamily="18" charset="0"/>
+                            </a:rPr>
+                            <m:t>𝑠</m:t>
+                          </m:r>
+                          <m:r>
+                            <a:rPr lang="en-US" altLang="zh-TW" i="1">
+                              <a:latin typeface="Cambria Math" panose="02040503050406030204" pitchFamily="18" charset="0"/>
+                            </a:rPr>
+                            <m:t>, </m:t>
+                          </m:r>
+                          <m:r>
+                            <a:rPr lang="zh-TW" altLang="en-US" i="1">
+                              <a:latin typeface="Cambria Math" panose="02040503050406030204" pitchFamily="18" charset="0"/>
+                            </a:rPr>
+                            <m:t>𝜋</m:t>
+                          </m:r>
+                          <m:d>
+                            <m:dPr>
+                              <m:ctrlPr>
+                                <a:rPr lang="en-US" altLang="zh-TW" i="1">
+                                  <a:latin typeface="Cambria Math" panose="02040503050406030204" pitchFamily="18" charset="0"/>
+                                </a:rPr>
+                              </m:ctrlPr>
+                            </m:dPr>
+                            <m:e>
+                              <m:r>
+                                <a:rPr lang="en-US" altLang="zh-TW" i="1">
+                                  <a:latin typeface="Cambria Math" panose="02040503050406030204" pitchFamily="18" charset="0"/>
+                                </a:rPr>
+                                <m:t>𝑠</m:t>
+                              </m:r>
+                            </m:e>
+                          </m:d>
+                          <m:r>
+                            <a:rPr lang="en-US" altLang="zh-TW" i="1">
+                              <a:latin typeface="Cambria Math" panose="02040503050406030204" pitchFamily="18" charset="0"/>
+                            </a:rPr>
+                            <m:t>,</m:t>
+                          </m:r>
+                          <m:sSub>
+                            <m:sSubPr>
+                              <m:ctrlPr>
+                                <a:rPr lang="en-US" altLang="zh-TW" i="1">
+                                  <a:latin typeface="Cambria Math" panose="02040503050406030204" pitchFamily="18" charset="0"/>
+                                </a:rPr>
+                              </m:ctrlPr>
+                            </m:sSubPr>
+                            <m:e>
+                              <m:r>
+                                <a:rPr lang="en-US" altLang="zh-TW" i="1">
+                                  <a:latin typeface="Cambria Math" panose="02040503050406030204" pitchFamily="18" charset="0"/>
+                                </a:rPr>
+                                <m:t>𝑠</m:t>
+                              </m:r>
+                            </m:e>
+                            <m:sub>
+                              <m:r>
+                                <a:rPr lang="en-US" altLang="zh-TW" i="1">
+                                  <a:latin typeface="Cambria Math" panose="02040503050406030204" pitchFamily="18" charset="0"/>
+                                </a:rPr>
+                                <m:t>𝑡</m:t>
+                              </m:r>
+                              <m:r>
+                                <a:rPr lang="en-US" altLang="zh-TW" i="1">
+                                  <a:latin typeface="Cambria Math" panose="02040503050406030204" pitchFamily="18" charset="0"/>
+                                </a:rPr>
+                                <m:t>+1</m:t>
+                              </m:r>
+                            </m:sub>
+                          </m:sSub>
+                        </m:e>
+                      </m:d>
+                      <m:r>
+                        <a:rPr lang="en-US" altLang="zh-TW" i="1">
+                          <a:latin typeface="Cambria Math" panose="02040503050406030204" pitchFamily="18" charset="0"/>
+                        </a:rPr>
+                        <m:t>+</m:t>
+                      </m:r>
+                      <m:r>
+                        <a:rPr lang="zh-TW" altLang="en-US" i="1">
+                          <a:latin typeface="Cambria Math" panose="02040503050406030204" pitchFamily="18" charset="0"/>
+                        </a:rPr>
+                        <m:t>𝛾</m:t>
+                      </m:r>
+                      <m:func>
+                        <m:funcPr>
+                          <m:ctrlPr>
+                            <a:rPr lang="en-US" altLang="zh-TW" i="1">
+                              <a:latin typeface="Cambria Math" panose="02040503050406030204" pitchFamily="18" charset="0"/>
+                            </a:rPr>
+                          </m:ctrlPr>
+                        </m:funcPr>
+                        <m:fName>
+                          <m:limLow>
+                            <m:limLowPr>
+                              <m:ctrlPr>
+                                <a:rPr lang="en-US" altLang="zh-TW" i="1">
+                                  <a:latin typeface="Cambria Math" panose="02040503050406030204" pitchFamily="18" charset="0"/>
+                                </a:rPr>
+                              </m:ctrlPr>
+                            </m:limLowPr>
+                            <m:e>
+                              <m:r>
+                                <m:rPr>
+                                  <m:sty m:val="p"/>
+                                </m:rPr>
+                                <a:rPr lang="en-US" altLang="zh-TW">
+                                  <a:latin typeface="Cambria Math" panose="02040503050406030204" pitchFamily="18" charset="0"/>
+                                </a:rPr>
+                                <m:t>max</m:t>
+                              </m:r>
+                            </m:e>
+                            <m:lim>
+                              <m:r>
+                                <a:rPr lang="en-US" altLang="zh-TW" i="1">
+                                  <a:latin typeface="Cambria Math" panose="02040503050406030204" pitchFamily="18" charset="0"/>
+                                </a:rPr>
+                                <m:t>𝑎</m:t>
+                              </m:r>
+                            </m:lim>
+                          </m:limLow>
+                        </m:fName>
+                        <m:e>
+                          <m:r>
+                            <m:rPr>
+                              <m:sty m:val="p"/>
+                            </m:rPr>
+                            <a:rPr lang="en-US" altLang="zh-TW" i="1">
+                              <a:latin typeface="Cambria Math" panose="02040503050406030204" pitchFamily="18" charset="0"/>
+                            </a:rPr>
+                            <m:t>Q</m:t>
+                          </m:r>
+                          <m:d>
+                            <m:dPr>
+                              <m:ctrlPr>
+                                <a:rPr lang="en-US" altLang="zh-TW" i="1">
+                                  <a:latin typeface="Cambria Math" panose="02040503050406030204" pitchFamily="18" charset="0"/>
+                                </a:rPr>
+                              </m:ctrlPr>
+                            </m:dPr>
+                            <m:e>
+                              <m:sSub>
+                                <m:sSubPr>
+                                  <m:ctrlPr>
+                                    <a:rPr lang="en-US" altLang="zh-TW" i="1">
+                                      <a:latin typeface="Cambria Math" panose="02040503050406030204" pitchFamily="18" charset="0"/>
+                                    </a:rPr>
+                                  </m:ctrlPr>
+                                </m:sSubPr>
+                                <m:e>
+                                  <m:r>
+                                    <a:rPr lang="en-US" altLang="zh-TW" i="1">
+                                      <a:latin typeface="Cambria Math" panose="02040503050406030204" pitchFamily="18" charset="0"/>
+                                    </a:rPr>
+                                    <m:t>𝑠</m:t>
+                                  </m:r>
+                                </m:e>
+                                <m:sub>
+                                  <m:r>
+                                    <a:rPr lang="en-US" altLang="zh-TW" i="1">
+                                      <a:latin typeface="Cambria Math" panose="02040503050406030204" pitchFamily="18" charset="0"/>
+                                    </a:rPr>
+                                    <m:t>𝑡</m:t>
+                                  </m:r>
+                                  <m:r>
+                                    <a:rPr lang="en-US" altLang="zh-TW" i="1">
+                                      <a:latin typeface="Cambria Math" panose="02040503050406030204" pitchFamily="18" charset="0"/>
+                                    </a:rPr>
+                                    <m:t>+1</m:t>
+                                  </m:r>
+                                </m:sub>
+                              </m:sSub>
+                              <m:r>
+                                <a:rPr lang="en-US" altLang="zh-TW" b="0" i="1" smtClean="0">
+                                  <a:latin typeface="Cambria Math" panose="02040503050406030204" pitchFamily="18" charset="0"/>
+                                </a:rPr>
+                                <m:t>, </m:t>
+                              </m:r>
+                              <m:r>
+                                <a:rPr lang="en-US" altLang="zh-TW" b="0" i="1" smtClean="0">
+                                  <a:latin typeface="Cambria Math" panose="02040503050406030204" pitchFamily="18" charset="0"/>
+                                </a:rPr>
+                                <m:t>𝑎</m:t>
+                              </m:r>
+                            </m:e>
+                          </m:d>
+                        </m:e>
+                      </m:func>
+                      <m:r>
+                        <a:rPr lang="en-US" altLang="zh-TW" i="1">
+                          <a:latin typeface="Cambria Math" panose="02040503050406030204" pitchFamily="18" charset="0"/>
+                        </a:rPr>
+                        <m:t>]</m:t>
+                      </m:r>
+                    </m:oMath>
+                  </m:oMathPara>
+                </a14:m>
+                <a:endParaRPr lang="en-US" altLang="zh-TW" dirty="0"/>
+              </a:p>
+            </p:txBody>
+          </p:sp>
+        </mc:Choice>
+        <mc:Fallback>
+          <p:sp>
+            <p:nvSpPr>
+              <p:cNvPr id="7" name="文字方塊 6">
+                <a:extLst>
+                  <a:ext uri="{FF2B5EF4-FFF2-40B4-BE49-F238E27FC236}">
+                    <a16:creationId xmlns:a16="http://schemas.microsoft.com/office/drawing/2014/main" id="{8A7C8A18-0196-4788-BA13-C55A3FEFC8A1}"/>
+                  </a:ext>
+                </a:extLst>
+              </p:cNvPr>
+              <p:cNvSpPr txBox="1">
+                <a:spLocks noRot="1" noChangeAspect="1" noMove="1" noResize="1" noEditPoints="1" noAdjustHandles="1" noChangeArrowheads="1" noChangeShapeType="1" noTextEdit="1"/>
+              </p:cNvSpPr>
+              <p:nvPr/>
+            </p:nvSpPr>
+            <p:spPr>
+              <a:xfrm>
+                <a:off x="838199" y="2238444"/>
+                <a:ext cx="7823201" cy="714683"/>
+              </a:xfrm>
+              <a:prstGeom prst="rect">
+                <a:avLst/>
+              </a:prstGeom>
+              <a:blipFill>
+                <a:blip r:embed="rId3"/>
+                <a:stretch>
+                  <a:fillRect/>
+                </a:stretch>
+              </a:blipFill>
+            </p:spPr>
+            <p:txBody>
+              <a:bodyPr/>
+              <a:lstStyle/>
+              <a:p>
+                <a:r>
+                  <a:rPr lang="zh-TW" altLang="en-US">
+                    <a:noFill/>
+                  </a:rPr>
+                  <a:t> </a:t>
+                </a:r>
+              </a:p>
+            </p:txBody>
+          </p:sp>
+        </mc:Fallback>
+      </mc:AlternateContent>
+      <p:pic>
+        <p:nvPicPr>
+          <p:cNvPr id="8" name="圖片 7">
+            <a:extLst>
+              <a:ext uri="{FF2B5EF4-FFF2-40B4-BE49-F238E27FC236}">
+                <a16:creationId xmlns:a16="http://schemas.microsoft.com/office/drawing/2014/main" id="{D26BB7AA-3C99-444F-B33D-E837FE53AAA5}"/>
+              </a:ext>
+            </a:extLst>
+          </p:cNvPr>
+          <p:cNvPicPr>
+            <a:picLocks noChangeAspect="1"/>
+          </p:cNvPicPr>
+          <p:nvPr/>
+        </p:nvPicPr>
+        <p:blipFill>
+          <a:blip r:embed="rId4">
+            <a:extLst>
+              <a:ext uri="{28A0092B-C50C-407E-A947-70E740481C1C}">
+                <a14:useLocalDpi xmlns:a14="http://schemas.microsoft.com/office/drawing/2010/main" val="0"/>
+              </a:ext>
+            </a:extLst>
+          </a:blip>
+          <a:stretch>
+            <a:fillRect/>
+          </a:stretch>
+        </p:blipFill>
+        <p:spPr>
+          <a:xfrm>
+            <a:off x="8578491" y="170536"/>
+            <a:ext cx="1714739" cy="1714739"/>
+          </a:xfrm>
+          <a:prstGeom prst="rect">
+            <a:avLst/>
+          </a:prstGeom>
+        </p:spPr>
+      </p:pic>
+      <p:sp>
+        <p:nvSpPr>
+          <p:cNvPr id="10" name="文字方塊 9">
+            <a:extLst>
+              <a:ext uri="{FF2B5EF4-FFF2-40B4-BE49-F238E27FC236}">
+                <a16:creationId xmlns:a16="http://schemas.microsoft.com/office/drawing/2014/main" id="{BB4ED3CF-BB1D-4E2B-BDE7-94536893AA85}"/>
+              </a:ext>
+            </a:extLst>
+          </p:cNvPr>
+          <p:cNvSpPr txBox="1"/>
+          <p:nvPr/>
+        </p:nvSpPr>
+        <p:spPr>
+          <a:xfrm>
+            <a:off x="8428327" y="1869112"/>
+            <a:ext cx="2015067" cy="646331"/>
+          </a:xfrm>
+          <a:prstGeom prst="rect">
+            <a:avLst/>
+          </a:prstGeom>
+          <a:noFill/>
+        </p:spPr>
+        <p:txBody>
+          <a:bodyPr wrap="square" rtlCol="0">
+            <a:spAutoFit/>
+          </a:bodyPr>
+          <a:lstStyle/>
+          <a:p>
+            <a:pPr algn="ctr"/>
+            <a:r>
+              <a:rPr lang="en-US" altLang="zh-TW" dirty="0"/>
+              <a:t>A Deeper Look</a:t>
+            </a:r>
+          </a:p>
+          <a:p>
+            <a:pPr algn="ctr"/>
+            <a:r>
+              <a:rPr lang="en-US" altLang="zh-TW" dirty="0"/>
+              <a:t>At Replay Memory</a:t>
+            </a:r>
+            <a:endParaRPr lang="zh-TW" altLang="en-US" dirty="0"/>
+          </a:p>
+        </p:txBody>
+      </p:sp>
+      <p:sp>
+        <p:nvSpPr>
+          <p:cNvPr id="29" name="矩形: 圓角 28">
+            <a:extLst>
+              <a:ext uri="{FF2B5EF4-FFF2-40B4-BE49-F238E27FC236}">
+                <a16:creationId xmlns:a16="http://schemas.microsoft.com/office/drawing/2014/main" id="{C79E3938-976A-4F03-84B6-BEE35F4A1E6E}"/>
+              </a:ext>
+            </a:extLst>
+          </p:cNvPr>
+          <p:cNvSpPr/>
+          <p:nvPr/>
+        </p:nvSpPr>
+        <p:spPr>
+          <a:xfrm>
+            <a:off x="6430435" y="3251825"/>
+            <a:ext cx="2726267" cy="668867"/>
+          </a:xfrm>
+          <a:prstGeom prst="roundRect">
+            <a:avLst/>
+          </a:prstGeom>
+        </p:spPr>
+        <p:style>
+          <a:lnRef idx="2">
+            <a:schemeClr val="accent6">
+              <a:shade val="50000"/>
+            </a:schemeClr>
+          </a:lnRef>
+          <a:fillRef idx="1">
+            <a:schemeClr val="accent6"/>
+          </a:fillRef>
+          <a:effectRef idx="0">
+            <a:schemeClr val="accent6"/>
+          </a:effectRef>
+          <a:fontRef idx="minor">
+            <a:schemeClr val="lt1"/>
+          </a:fontRef>
+        </p:style>
+        <p:txBody>
+          <a:bodyPr rtlCol="0" anchor="ctr"/>
+          <a:lstStyle/>
+          <a:p>
+            <a:pPr algn="ctr"/>
+            <a:r>
+              <a:rPr lang="en-US" altLang="zh-TW" b="1" dirty="0"/>
+              <a:t>Replay Memory</a:t>
+            </a:r>
+            <a:r>
+              <a:rPr lang="zh-TW" altLang="en-US" b="1" dirty="0">
+                <a:latin typeface="微軟正黑體" panose="020B0604030504040204" pitchFamily="34" charset="-120"/>
+                <a:ea typeface="微軟正黑體" panose="020B0604030504040204" pitchFamily="34" charset="-120"/>
+              </a:rPr>
+              <a:t>越大</a:t>
+            </a:r>
+            <a:endParaRPr lang="en-US" altLang="zh-TW" b="1" dirty="0">
+              <a:latin typeface="微軟正黑體" panose="020B0604030504040204" pitchFamily="34" charset="-120"/>
+              <a:ea typeface="微軟正黑體" panose="020B0604030504040204" pitchFamily="34" charset="-120"/>
+            </a:endParaRPr>
+          </a:p>
+          <a:p>
+            <a:pPr algn="ctr"/>
+            <a:r>
+              <a:rPr lang="zh-TW" altLang="en-US" b="1" dirty="0">
+                <a:latin typeface="微軟正黑體" panose="020B0604030504040204" pitchFamily="34" charset="-120"/>
+                <a:ea typeface="微軟正黑體" panose="020B0604030504040204" pitchFamily="34" charset="-120"/>
+              </a:rPr>
+              <a:t>重要事件越難被抽樣</a:t>
+            </a:r>
+          </a:p>
+        </p:txBody>
+      </p:sp>
+      <p:sp>
+        <p:nvSpPr>
+          <p:cNvPr id="30" name="矩形: 圓角 29">
+            <a:extLst>
+              <a:ext uri="{FF2B5EF4-FFF2-40B4-BE49-F238E27FC236}">
+                <a16:creationId xmlns:a16="http://schemas.microsoft.com/office/drawing/2014/main" id="{16E964A9-CFA9-454F-BE11-C11EB9AE344D}"/>
+              </a:ext>
+            </a:extLst>
+          </p:cNvPr>
+          <p:cNvSpPr/>
+          <p:nvPr/>
+        </p:nvSpPr>
+        <p:spPr>
+          <a:xfrm>
+            <a:off x="6430435" y="4578993"/>
+            <a:ext cx="2726267" cy="668867"/>
+          </a:xfrm>
+          <a:prstGeom prst="roundRect">
+            <a:avLst/>
+          </a:prstGeom>
+        </p:spPr>
+        <p:style>
+          <a:lnRef idx="2">
+            <a:schemeClr val="accent6">
+              <a:shade val="50000"/>
+            </a:schemeClr>
+          </a:lnRef>
+          <a:fillRef idx="1">
+            <a:schemeClr val="accent6"/>
+          </a:fillRef>
+          <a:effectRef idx="0">
+            <a:schemeClr val="accent6"/>
+          </a:effectRef>
+          <a:fontRef idx="minor">
+            <a:schemeClr val="lt1"/>
+          </a:fontRef>
+        </p:style>
+        <p:txBody>
+          <a:bodyPr rtlCol="0" anchor="ctr"/>
+          <a:lstStyle/>
+          <a:p>
+            <a:pPr algn="ctr"/>
+            <a:r>
+              <a:rPr lang="zh-TW" altLang="en-US" b="1" dirty="0">
+                <a:latin typeface="微軟正黑體" panose="020B0604030504040204" pitchFamily="34" charset="-120"/>
+                <a:ea typeface="微軟正黑體" panose="020B0604030504040204" pitchFamily="34" charset="-120"/>
+              </a:rPr>
+              <a:t>將當下的狀態直接</a:t>
+            </a:r>
+            <a:endParaRPr lang="en-US" altLang="zh-TW" b="1" dirty="0">
+              <a:latin typeface="微軟正黑體" panose="020B0604030504040204" pitchFamily="34" charset="-120"/>
+              <a:ea typeface="微軟正黑體" panose="020B0604030504040204" pitchFamily="34" charset="-120"/>
+            </a:endParaRPr>
+          </a:p>
+          <a:p>
+            <a:pPr algn="ctr"/>
+            <a:r>
+              <a:rPr lang="zh-TW" altLang="en-US" b="1" dirty="0">
+                <a:latin typeface="微軟正黑體" panose="020B0604030504040204" pitchFamily="34" charset="-120"/>
+                <a:ea typeface="微軟正黑體" panose="020B0604030504040204" pitchFamily="34" charset="-120"/>
+              </a:rPr>
+              <a:t>傳入訓練集裡</a:t>
+            </a:r>
+          </a:p>
+        </p:txBody>
+      </p:sp>
+      <p:sp>
+        <p:nvSpPr>
+          <p:cNvPr id="31" name="語音泡泡: 圓角矩形 30">
+            <a:extLst>
+              <a:ext uri="{FF2B5EF4-FFF2-40B4-BE49-F238E27FC236}">
+                <a16:creationId xmlns:a16="http://schemas.microsoft.com/office/drawing/2014/main" id="{CB4C9B6C-691A-4BE8-8B7B-6DF4C0B0CA29}"/>
+              </a:ext>
+            </a:extLst>
+          </p:cNvPr>
+          <p:cNvSpPr/>
+          <p:nvPr/>
+        </p:nvSpPr>
+        <p:spPr>
+          <a:xfrm>
+            <a:off x="8733364" y="5790357"/>
+            <a:ext cx="2819401" cy="529259"/>
+          </a:xfrm>
+          <a:prstGeom prst="wedgeRoundRectCallout">
+            <a:avLst>
+              <a:gd name="adj1" fmla="val -71000"/>
+              <a:gd name="adj2" fmla="val -65861"/>
+              <a:gd name="adj3" fmla="val 16667"/>
+            </a:avLst>
+          </a:prstGeom>
+        </p:spPr>
+        <p:style>
+          <a:lnRef idx="2">
+            <a:schemeClr val="accent1">
+              <a:shade val="50000"/>
+            </a:schemeClr>
+          </a:lnRef>
+          <a:fillRef idx="1">
+            <a:schemeClr val="accent1"/>
+          </a:fillRef>
+          <a:effectRef idx="0">
+            <a:schemeClr val="accent1"/>
+          </a:effectRef>
+          <a:fontRef idx="minor">
+            <a:schemeClr val="lt1"/>
+          </a:fontRef>
+        </p:style>
+        <p:txBody>
+          <a:bodyPr rtlCol="0" anchor="ctr"/>
+          <a:lstStyle/>
+          <a:p>
+            <a:pPr algn="ctr"/>
+            <a:r>
+              <a:rPr lang="zh-TW" altLang="en-US" b="1" dirty="0">
+                <a:latin typeface="微軟正黑體" panose="020B0604030504040204" pitchFamily="34" charset="-120"/>
+                <a:ea typeface="微軟正黑體" panose="020B0604030504040204" pitchFamily="34" charset="-120"/>
+              </a:rPr>
+              <a:t>理論上可以增加收斂速度</a:t>
+            </a:r>
+            <a:endParaRPr lang="en-US" altLang="zh-TW" b="1" dirty="0">
+              <a:latin typeface="微軟正黑體" panose="020B0604030504040204" pitchFamily="34" charset="-120"/>
+              <a:ea typeface="微軟正黑體" panose="020B0604030504040204" pitchFamily="34" charset="-120"/>
+            </a:endParaRPr>
+          </a:p>
+        </p:txBody>
+      </p:sp>
+      <p:pic>
+        <p:nvPicPr>
+          <p:cNvPr id="17" name="圖片 16">
+            <a:extLst>
+              <a:ext uri="{FF2B5EF4-FFF2-40B4-BE49-F238E27FC236}">
+                <a16:creationId xmlns:a16="http://schemas.microsoft.com/office/drawing/2014/main" id="{FE74C6F0-0849-4D70-9898-5F212014EB7E}"/>
+              </a:ext>
+            </a:extLst>
+          </p:cNvPr>
+          <p:cNvPicPr>
+            <a:picLocks noChangeAspect="1"/>
+          </p:cNvPicPr>
+          <p:nvPr/>
+        </p:nvPicPr>
+        <p:blipFill>
+          <a:blip r:embed="rId5"/>
+          <a:stretch>
+            <a:fillRect/>
+          </a:stretch>
+        </p:blipFill>
+        <p:spPr>
+          <a:xfrm>
+            <a:off x="838199" y="3292733"/>
+            <a:ext cx="4410698" cy="2497624"/>
+          </a:xfrm>
+          <a:prstGeom prst="rect">
+            <a:avLst/>
+          </a:prstGeom>
+        </p:spPr>
+      </p:pic>
+      <p:sp>
+        <p:nvSpPr>
+          <p:cNvPr id="25" name="箭號: 向下 24">
+            <a:extLst>
+              <a:ext uri="{FF2B5EF4-FFF2-40B4-BE49-F238E27FC236}">
+                <a16:creationId xmlns:a16="http://schemas.microsoft.com/office/drawing/2014/main" id="{760526A0-5026-4489-84F5-A90A42C20DDC}"/>
+              </a:ext>
+            </a:extLst>
+          </p:cNvPr>
+          <p:cNvSpPr/>
+          <p:nvPr/>
+        </p:nvSpPr>
+        <p:spPr>
+          <a:xfrm>
+            <a:off x="7421034" y="4148667"/>
+            <a:ext cx="745067" cy="245533"/>
+          </a:xfrm>
+          <a:prstGeom prst="downArrow">
+            <a:avLst/>
+          </a:prstGeom>
+        </p:spPr>
+        <p:style>
+          <a:lnRef idx="2">
+            <a:schemeClr val="accent1">
+              <a:shade val="50000"/>
+            </a:schemeClr>
+          </a:lnRef>
+          <a:fillRef idx="1">
+            <a:schemeClr val="accent1"/>
+          </a:fillRef>
+          <a:effectRef idx="0">
+            <a:schemeClr val="accent1"/>
+          </a:effectRef>
+          <a:fontRef idx="minor">
+            <a:schemeClr val="lt1"/>
+          </a:fontRef>
+        </p:style>
+        <p:txBody>
+          <a:bodyPr rtlCol="0" anchor="ctr"/>
+          <a:lstStyle/>
+          <a:p>
+            <a:pPr algn="ctr"/>
+            <a:endParaRPr lang="zh-TW" altLang="en-US"/>
+          </a:p>
+        </p:txBody>
+      </p:sp>
+    </p:spTree>
+    <p:extLst>
+      <p:ext uri="{BB962C8B-B14F-4D97-AF65-F5344CB8AC3E}">
+        <p14:creationId xmlns:p14="http://schemas.microsoft.com/office/powerpoint/2010/main" val="3421885094"/>
+      </p:ext>
+    </p:extLst>
+  </p:cSld>
+  <p:clrMapOvr>
+    <a:masterClrMapping/>
+  </p:clrMapOvr>
+</p:sld>
+</file>
+
+<file path=ppt/slides/slide15.xml><?xml version="1.0" encoding="utf-8"?>
+<p:sld xmlns:a="http://schemas.openxmlformats.org/drawingml/2006/main" xmlns:r="http://schemas.openxmlformats.org/officeDocument/2006/relationships" xmlns:p="http://schemas.openxmlformats.org/presentationml/2006/main">
+  <p:cSld>
+    <p:spTree>
+      <p:nvGrpSpPr>
+        <p:cNvPr id="1" name=""/>
+        <p:cNvGrpSpPr/>
+        <p:nvPr/>
+      </p:nvGrpSpPr>
+      <p:grpSpPr>
+        <a:xfrm>
+          <a:off x="0" y="0"/>
+          <a:ext cx="0" cy="0"/>
+          <a:chOff x="0" y="0"/>
+          <a:chExt cx="0" cy="0"/>
+        </a:xfrm>
+      </p:grpSpPr>
+      <p:sp>
+        <p:nvSpPr>
+          <p:cNvPr id="2" name="標題 1">
+            <a:extLst>
+              <a:ext uri="{FF2B5EF4-FFF2-40B4-BE49-F238E27FC236}">
+                <a16:creationId xmlns:a16="http://schemas.microsoft.com/office/drawing/2014/main" id="{706EF09F-5805-4F97-95F4-B645034FC1E4}"/>
+              </a:ext>
+            </a:extLst>
+          </p:cNvPr>
+          <p:cNvSpPr>
+            <a:spLocks noGrp="1"/>
+          </p:cNvSpPr>
+          <p:nvPr>
+            <p:ph type="title"/>
+          </p:nvPr>
+        </p:nvSpPr>
+        <p:spPr>
+          <a:xfrm>
+            <a:off x="838200" y="365125"/>
+            <a:ext cx="10515600" cy="1325563"/>
+          </a:xfrm>
+        </p:spPr>
+        <p:txBody>
+          <a:bodyPr/>
+          <a:lstStyle/>
+          <a:p>
+            <a:r>
+              <a:rPr lang="en-US" altLang="zh-TW" dirty="0">
+                <a:latin typeface="微軟正黑體" panose="020B0604030504040204" pitchFamily="34" charset="-120"/>
+                <a:ea typeface="微軟正黑體" panose="020B0604030504040204" pitchFamily="34" charset="-120"/>
+              </a:rPr>
+              <a:t>Result</a:t>
+            </a:r>
+            <a:endParaRPr lang="zh-TW" altLang="en-US" dirty="0">
+              <a:latin typeface="微軟正黑體" panose="020B0604030504040204" pitchFamily="34" charset="-120"/>
+              <a:ea typeface="微軟正黑體" panose="020B0604030504040204" pitchFamily="34" charset="-120"/>
+            </a:endParaRPr>
+          </a:p>
+        </p:txBody>
+      </p:sp>
+      <p:sp>
+        <p:nvSpPr>
+          <p:cNvPr id="27" name="文字方塊 26">
+            <a:extLst>
+              <a:ext uri="{FF2B5EF4-FFF2-40B4-BE49-F238E27FC236}">
+                <a16:creationId xmlns:a16="http://schemas.microsoft.com/office/drawing/2014/main" id="{C5A9A07D-E237-476A-8D25-8F2B9E82E1E7}"/>
+              </a:ext>
+            </a:extLst>
+          </p:cNvPr>
+          <p:cNvSpPr txBox="1"/>
+          <p:nvPr/>
+        </p:nvSpPr>
+        <p:spPr>
+          <a:xfrm>
+            <a:off x="10143065" y="1869112"/>
+            <a:ext cx="2015067" cy="369332"/>
+          </a:xfrm>
+          <a:prstGeom prst="rect">
+            <a:avLst/>
+          </a:prstGeom>
+          <a:noFill/>
+        </p:spPr>
+        <p:txBody>
+          <a:bodyPr wrap="square" rtlCol="0">
+            <a:spAutoFit/>
+          </a:bodyPr>
+          <a:lstStyle/>
+          <a:p>
+            <a:pPr algn="ctr"/>
+            <a:r>
+              <a:rPr lang="en-US" altLang="zh-TW" dirty="0"/>
+              <a:t>Dino Run Code</a:t>
+            </a:r>
+            <a:endParaRPr lang="zh-TW" altLang="en-US" dirty="0"/>
+          </a:p>
+        </p:txBody>
+      </p:sp>
+      <p:pic>
+        <p:nvPicPr>
+          <p:cNvPr id="5" name="圖片 4">
+            <a:extLst>
+              <a:ext uri="{FF2B5EF4-FFF2-40B4-BE49-F238E27FC236}">
+                <a16:creationId xmlns:a16="http://schemas.microsoft.com/office/drawing/2014/main" id="{76D28ADA-1402-46E5-B0B3-784B654935E9}"/>
+              </a:ext>
+            </a:extLst>
+          </p:cNvPr>
+          <p:cNvPicPr>
+            <a:picLocks noChangeAspect="1"/>
+          </p:cNvPicPr>
+          <p:nvPr/>
+        </p:nvPicPr>
+        <p:blipFill>
+          <a:blip r:embed="rId2">
+            <a:extLst>
+              <a:ext uri="{28A0092B-C50C-407E-A947-70E740481C1C}">
+                <a14:useLocalDpi xmlns:a14="http://schemas.microsoft.com/office/drawing/2010/main" val="0"/>
+              </a:ext>
+            </a:extLst>
+          </a:blip>
+          <a:stretch>
+            <a:fillRect/>
+          </a:stretch>
+        </p:blipFill>
+        <p:spPr>
+          <a:xfrm>
+            <a:off x="10293230" y="170536"/>
+            <a:ext cx="1714739" cy="1714739"/>
+          </a:xfrm>
+          <a:prstGeom prst="rect">
+            <a:avLst/>
+          </a:prstGeom>
+        </p:spPr>
+      </p:pic>
+      <p:pic>
+        <p:nvPicPr>
+          <p:cNvPr id="4" name="圖片 3">
+            <a:extLst>
+              <a:ext uri="{FF2B5EF4-FFF2-40B4-BE49-F238E27FC236}">
+                <a16:creationId xmlns:a16="http://schemas.microsoft.com/office/drawing/2014/main" id="{C8F41FBF-F710-4CDF-AFA1-CF1219BDEFE4}"/>
+              </a:ext>
+            </a:extLst>
+          </p:cNvPr>
+          <p:cNvPicPr>
+            <a:picLocks noChangeAspect="1"/>
+          </p:cNvPicPr>
+          <p:nvPr/>
+        </p:nvPicPr>
+        <p:blipFill>
+          <a:blip r:embed="rId3">
+            <a:extLst>
+              <a:ext uri="{28A0092B-C50C-407E-A947-70E740481C1C}">
+                <a14:useLocalDpi xmlns:a14="http://schemas.microsoft.com/office/drawing/2010/main" val="0"/>
+              </a:ext>
+            </a:extLst>
+          </a:blip>
+          <a:stretch>
+            <a:fillRect/>
+          </a:stretch>
+        </p:blipFill>
+        <p:spPr>
+          <a:xfrm>
+            <a:off x="2714939" y="1262644"/>
+            <a:ext cx="7428126" cy="5340297"/>
+          </a:xfrm>
+          <a:prstGeom prst="rect">
+            <a:avLst/>
+          </a:prstGeom>
+        </p:spPr>
+      </p:pic>
+    </p:spTree>
+    <p:extLst>
+      <p:ext uri="{BB962C8B-B14F-4D97-AF65-F5344CB8AC3E}">
+        <p14:creationId xmlns:p14="http://schemas.microsoft.com/office/powerpoint/2010/main" val="2145349201"/>
+      </p:ext>
+    </p:extLst>
+  </p:cSld>
+  <p:clrMapOvr>
+    <a:masterClrMapping/>
+  </p:clrMapOvr>
+</p:sld>
+</file>
+
+<file path=ppt/slides/slide16.xml><?xml version="1.0" encoding="utf-8"?>
+<p:sld xmlns:a="http://schemas.openxmlformats.org/drawingml/2006/main" xmlns:r="http://schemas.openxmlformats.org/officeDocument/2006/relationships" xmlns:p="http://schemas.openxmlformats.org/presentationml/2006/main">
+  <p:cSld>
+    <p:spTree>
+      <p:nvGrpSpPr>
+        <p:cNvPr id="1" name=""/>
+        <p:cNvGrpSpPr/>
+        <p:nvPr/>
+      </p:nvGrpSpPr>
+      <p:grpSpPr>
+        <a:xfrm>
+          <a:off x="0" y="0"/>
+          <a:ext cx="0" cy="0"/>
+          <a:chOff x="0" y="0"/>
+          <a:chExt cx="0" cy="0"/>
+        </a:xfrm>
+      </p:grpSpPr>
+      <p:pic>
+        <p:nvPicPr>
+          <p:cNvPr id="5" name="圖片 4">
+            <a:extLst>
+              <a:ext uri="{FF2B5EF4-FFF2-40B4-BE49-F238E27FC236}">
+                <a16:creationId xmlns:a16="http://schemas.microsoft.com/office/drawing/2014/main" id="{0B64A2BD-6414-44F6-BA91-6959441463B2}"/>
+              </a:ext>
+            </a:extLst>
+          </p:cNvPr>
+          <p:cNvPicPr>
+            <a:picLocks noChangeAspect="1"/>
+          </p:cNvPicPr>
+          <p:nvPr/>
+        </p:nvPicPr>
+        <p:blipFill>
+          <a:blip r:embed="rId2">
+            <a:extLst>
+              <a:ext uri="{28A0092B-C50C-407E-A947-70E740481C1C}">
+                <a14:useLocalDpi xmlns:a14="http://schemas.microsoft.com/office/drawing/2010/main" val="0"/>
+              </a:ext>
+            </a:extLst>
+          </a:blip>
+          <a:stretch>
+            <a:fillRect/>
+          </a:stretch>
+        </p:blipFill>
+        <p:spPr>
+          <a:xfrm>
+            <a:off x="5503343" y="160873"/>
+            <a:ext cx="6536268" cy="2178756"/>
+          </a:xfrm>
+          <a:prstGeom prst="rect">
+            <a:avLst/>
+          </a:prstGeom>
+        </p:spPr>
+      </p:pic>
+      <p:pic>
+        <p:nvPicPr>
+          <p:cNvPr id="13" name="圖片 12">
+            <a:extLst>
+              <a:ext uri="{FF2B5EF4-FFF2-40B4-BE49-F238E27FC236}">
+                <a16:creationId xmlns:a16="http://schemas.microsoft.com/office/drawing/2014/main" id="{98CEE4B1-FC11-42F6-B03F-CCCCFEDD2A4D}"/>
+              </a:ext>
+            </a:extLst>
+          </p:cNvPr>
+          <p:cNvPicPr>
+            <a:picLocks noChangeAspect="1"/>
+          </p:cNvPicPr>
+          <p:nvPr/>
+        </p:nvPicPr>
+        <p:blipFill>
+          <a:blip r:embed="rId3">
+            <a:extLst>
+              <a:ext uri="{28A0092B-C50C-407E-A947-70E740481C1C}">
+                <a14:useLocalDpi xmlns:a14="http://schemas.microsoft.com/office/drawing/2010/main" val="0"/>
+              </a:ext>
+            </a:extLst>
+          </a:blip>
+          <a:stretch>
+            <a:fillRect/>
+          </a:stretch>
+        </p:blipFill>
+        <p:spPr>
+          <a:xfrm>
+            <a:off x="5503342" y="2339629"/>
+            <a:ext cx="6536269" cy="2178756"/>
+          </a:xfrm>
+          <a:prstGeom prst="rect">
+            <a:avLst/>
+          </a:prstGeom>
+        </p:spPr>
+      </p:pic>
+      <p:pic>
+        <p:nvPicPr>
+          <p:cNvPr id="15" name="圖片 14">
+            <a:extLst>
+              <a:ext uri="{FF2B5EF4-FFF2-40B4-BE49-F238E27FC236}">
+                <a16:creationId xmlns:a16="http://schemas.microsoft.com/office/drawing/2014/main" id="{CA459477-89E5-4AA9-BA51-ED0E97DF3816}"/>
+              </a:ext>
+            </a:extLst>
+          </p:cNvPr>
+          <p:cNvPicPr>
+            <a:picLocks noChangeAspect="1"/>
+          </p:cNvPicPr>
+          <p:nvPr/>
+        </p:nvPicPr>
+        <p:blipFill>
+          <a:blip r:embed="rId4">
+            <a:extLst>
+              <a:ext uri="{28A0092B-C50C-407E-A947-70E740481C1C}">
+                <a14:useLocalDpi xmlns:a14="http://schemas.microsoft.com/office/drawing/2010/main" val="0"/>
+              </a:ext>
+            </a:extLst>
+          </a:blip>
+          <a:stretch>
+            <a:fillRect/>
+          </a:stretch>
+        </p:blipFill>
+        <p:spPr>
+          <a:xfrm>
+            <a:off x="5503341" y="4518385"/>
+            <a:ext cx="6536268" cy="2178756"/>
+          </a:xfrm>
+          <a:prstGeom prst="rect">
+            <a:avLst/>
+          </a:prstGeom>
+        </p:spPr>
+      </p:pic>
+      <p:sp>
+        <p:nvSpPr>
+          <p:cNvPr id="16" name="標題 1">
+            <a:extLst>
+              <a:ext uri="{FF2B5EF4-FFF2-40B4-BE49-F238E27FC236}">
+                <a16:creationId xmlns:a16="http://schemas.microsoft.com/office/drawing/2014/main" id="{7C5CDCE7-3B46-4D9E-A798-ED05168BC325}"/>
+              </a:ext>
+            </a:extLst>
+          </p:cNvPr>
+          <p:cNvSpPr>
+            <a:spLocks noGrp="1"/>
+          </p:cNvSpPr>
+          <p:nvPr>
+            <p:ph type="title"/>
+          </p:nvPr>
+        </p:nvSpPr>
+        <p:spPr>
+          <a:xfrm>
+            <a:off x="838200" y="365125"/>
+            <a:ext cx="10515600" cy="1325563"/>
+          </a:xfrm>
+        </p:spPr>
+        <p:txBody>
+          <a:bodyPr/>
+          <a:lstStyle/>
+          <a:p>
+            <a:r>
+              <a:rPr lang="en-US" altLang="zh-TW" dirty="0">
+                <a:latin typeface="微軟正黑體" panose="020B0604030504040204" pitchFamily="34" charset="-120"/>
+                <a:ea typeface="微軟正黑體" panose="020B0604030504040204" pitchFamily="34" charset="-120"/>
+              </a:rPr>
+              <a:t>Result: CER</a:t>
+            </a:r>
+            <a:endParaRPr lang="zh-TW" altLang="en-US" dirty="0">
+              <a:latin typeface="微軟正黑體" panose="020B0604030504040204" pitchFamily="34" charset="-120"/>
+              <a:ea typeface="微軟正黑體" panose="020B0604030504040204" pitchFamily="34" charset="-120"/>
+            </a:endParaRPr>
+          </a:p>
+        </p:txBody>
+      </p:sp>
+      <p:sp>
+        <p:nvSpPr>
+          <p:cNvPr id="17" name="內容版面配置區 2">
+            <a:extLst>
+              <a:ext uri="{FF2B5EF4-FFF2-40B4-BE49-F238E27FC236}">
+                <a16:creationId xmlns:a16="http://schemas.microsoft.com/office/drawing/2014/main" id="{7C220C27-3AB1-45D7-8DD3-EF7FCDACACA7}"/>
+              </a:ext>
+            </a:extLst>
+          </p:cNvPr>
+          <p:cNvSpPr txBox="1">
+            <a:spLocks/>
+          </p:cNvSpPr>
+          <p:nvPr/>
+        </p:nvSpPr>
+        <p:spPr>
+          <a:xfrm>
+            <a:off x="838200" y="2339629"/>
+            <a:ext cx="3725332" cy="1089371"/>
+          </a:xfrm>
+          <a:prstGeom prst="rect">
+            <a:avLst/>
+          </a:prstGeom>
+        </p:spPr>
+        <p:txBody>
+          <a:bodyPr vert="horz" lIns="91440" tIns="45720" rIns="91440" bIns="45720" rtlCol="0">
+            <a:normAutofit fontScale="92500"/>
+          </a:bodyPr>
+          <a:lstStyle>
+            <a:lvl1pPr marL="228600" indent="-228600" algn="l" defTabSz="914400" rtl="0" eaLnBrk="1" latinLnBrk="0" hangingPunct="1">
+              <a:lnSpc>
+                <a:spcPct val="90000"/>
+              </a:lnSpc>
+              <a:spcBef>
+                <a:spcPts val="1000"/>
+              </a:spcBef>
+              <a:buFont typeface="Arial" panose="020B0604020202020204" pitchFamily="34" charset="0"/>
+              <a:buChar char="•"/>
+              <a:defRPr sz="2800" kern="1200">
+                <a:solidFill>
+                  <a:schemeClr val="tx1"/>
+                </a:solidFill>
+                <a:latin typeface="+mn-lt"/>
+                <a:ea typeface="+mn-ea"/>
+                <a:cs typeface="+mn-cs"/>
+              </a:defRPr>
+            </a:lvl1pPr>
+            <a:lvl2pPr marL="685800" indent="-228600" algn="l" defTabSz="914400" rtl="0" eaLnBrk="1" latinLnBrk="0" hangingPunct="1">
+              <a:lnSpc>
+                <a:spcPct val="90000"/>
+              </a:lnSpc>
+              <a:spcBef>
+                <a:spcPts val="500"/>
+              </a:spcBef>
+              <a:buFont typeface="Arial" panose="020B0604020202020204" pitchFamily="34" charset="0"/>
+              <a:buChar char="•"/>
+              <a:defRPr sz="2400" kern="1200">
+                <a:solidFill>
+                  <a:schemeClr val="tx1"/>
+                </a:solidFill>
+                <a:latin typeface="+mn-lt"/>
+                <a:ea typeface="+mn-ea"/>
+                <a:cs typeface="+mn-cs"/>
+              </a:defRPr>
+            </a:lvl2pPr>
+            <a:lvl3pPr marL="1143000" indent="-228600" algn="l" defTabSz="914400" rtl="0" eaLnBrk="1" latinLnBrk="0" hangingPunct="1">
+              <a:lnSpc>
+                <a:spcPct val="90000"/>
+              </a:lnSpc>
+              <a:spcBef>
+                <a:spcPts val="500"/>
+              </a:spcBef>
+              <a:buFont typeface="Arial" panose="020B0604020202020204" pitchFamily="34" charset="0"/>
+              <a:buChar char="•"/>
+              <a:defRPr sz="2000" kern="1200">
+                <a:solidFill>
+                  <a:schemeClr val="tx1"/>
+                </a:solidFill>
+                <a:latin typeface="+mn-lt"/>
+                <a:ea typeface="+mn-ea"/>
+                <a:cs typeface="+mn-cs"/>
+              </a:defRPr>
+            </a:lvl3pPr>
+            <a:lvl4pPr marL="1600200" indent="-228600" algn="l" defTabSz="914400" rtl="0" eaLnBrk="1" latinLnBrk="0" hangingPunct="1">
+              <a:lnSpc>
+                <a:spcPct val="90000"/>
+              </a:lnSpc>
+              <a:spcBef>
+                <a:spcPts val="500"/>
+              </a:spcBef>
+              <a:buFont typeface="Arial" panose="020B0604020202020204" pitchFamily="34" charset="0"/>
+              <a:buChar char="•"/>
+              <a:defRPr sz="1800" kern="1200">
+                <a:solidFill>
+                  <a:schemeClr val="tx1"/>
+                </a:solidFill>
+                <a:latin typeface="+mn-lt"/>
+                <a:ea typeface="+mn-ea"/>
+                <a:cs typeface="+mn-cs"/>
+              </a:defRPr>
+            </a:lvl4pPr>
+            <a:lvl5pPr marL="2057400" indent="-228600" algn="l" defTabSz="914400" rtl="0" eaLnBrk="1" latinLnBrk="0" hangingPunct="1">
+              <a:lnSpc>
+                <a:spcPct val="90000"/>
+              </a:lnSpc>
+              <a:spcBef>
+                <a:spcPts val="500"/>
+              </a:spcBef>
+              <a:buFont typeface="Arial" panose="020B0604020202020204" pitchFamily="34" charset="0"/>
+              <a:buChar char="•"/>
+              <a:defRPr sz="1800" kern="1200">
+                <a:solidFill>
+                  <a:schemeClr val="tx1"/>
+                </a:solidFill>
+                <a:latin typeface="+mn-lt"/>
+                <a:ea typeface="+mn-ea"/>
+                <a:cs typeface="+mn-cs"/>
+              </a:defRPr>
+            </a:lvl5pPr>
+            <a:lvl6pPr marL="2514600" indent="-228600" algn="l" defTabSz="914400" rtl="0" eaLnBrk="1" latinLnBrk="0" hangingPunct="1">
+              <a:lnSpc>
+                <a:spcPct val="90000"/>
+              </a:lnSpc>
+              <a:spcBef>
+                <a:spcPts val="500"/>
+              </a:spcBef>
+              <a:buFont typeface="Arial" panose="020B0604020202020204" pitchFamily="34" charset="0"/>
+              <a:buChar char="•"/>
+              <a:defRPr sz="1800" kern="1200">
+                <a:solidFill>
+                  <a:schemeClr val="tx1"/>
+                </a:solidFill>
+                <a:latin typeface="+mn-lt"/>
+                <a:ea typeface="+mn-ea"/>
+                <a:cs typeface="+mn-cs"/>
+              </a:defRPr>
+            </a:lvl6pPr>
+            <a:lvl7pPr marL="2971800" indent="-228600" algn="l" defTabSz="914400" rtl="0" eaLnBrk="1" latinLnBrk="0" hangingPunct="1">
+              <a:lnSpc>
+                <a:spcPct val="90000"/>
+              </a:lnSpc>
+              <a:spcBef>
+                <a:spcPts val="500"/>
+              </a:spcBef>
+              <a:buFont typeface="Arial" panose="020B0604020202020204" pitchFamily="34" charset="0"/>
+              <a:buChar char="•"/>
+              <a:defRPr sz="1800" kern="1200">
+                <a:solidFill>
+                  <a:schemeClr val="tx1"/>
+                </a:solidFill>
+                <a:latin typeface="+mn-lt"/>
+                <a:ea typeface="+mn-ea"/>
+                <a:cs typeface="+mn-cs"/>
+              </a:defRPr>
+            </a:lvl7pPr>
+            <a:lvl8pPr marL="3429000" indent="-228600" algn="l" defTabSz="914400" rtl="0" eaLnBrk="1" latinLnBrk="0" hangingPunct="1">
+              <a:lnSpc>
+                <a:spcPct val="90000"/>
+              </a:lnSpc>
+              <a:spcBef>
+                <a:spcPts val="500"/>
+              </a:spcBef>
+              <a:buFont typeface="Arial" panose="020B0604020202020204" pitchFamily="34" charset="0"/>
+              <a:buChar char="•"/>
+              <a:defRPr sz="1800" kern="1200">
+                <a:solidFill>
+                  <a:schemeClr val="tx1"/>
+                </a:solidFill>
+                <a:latin typeface="+mn-lt"/>
+                <a:ea typeface="+mn-ea"/>
+                <a:cs typeface="+mn-cs"/>
+              </a:defRPr>
+            </a:lvl8pPr>
+            <a:lvl9pPr marL="3886200" indent="-228600" algn="l" defTabSz="914400" rtl="0" eaLnBrk="1" latinLnBrk="0" hangingPunct="1">
+              <a:lnSpc>
+                <a:spcPct val="90000"/>
+              </a:lnSpc>
+              <a:spcBef>
+                <a:spcPts val="500"/>
+              </a:spcBef>
+              <a:buFont typeface="Arial" panose="020B0604020202020204" pitchFamily="34" charset="0"/>
+              <a:buChar char="•"/>
+              <a:defRPr sz="1800" kern="1200">
+                <a:solidFill>
+                  <a:schemeClr val="tx1"/>
+                </a:solidFill>
+                <a:latin typeface="+mn-lt"/>
+                <a:ea typeface="+mn-ea"/>
+                <a:cs typeface="+mn-cs"/>
+              </a:defRPr>
+            </a:lvl9pPr>
+          </a:lstStyle>
+          <a:p>
+            <a:r>
+              <a:rPr lang="zh-TW" altLang="en-US" dirty="0">
+                <a:latin typeface="微軟正黑體" panose="020B0604030504040204" pitchFamily="34" charset="-120"/>
+                <a:ea typeface="微軟正黑體" panose="020B0604030504040204" pitchFamily="34" charset="-120"/>
+              </a:rPr>
+              <a:t>表現差不多</a:t>
+            </a:r>
+            <a:endParaRPr lang="en-US" altLang="zh-TW" dirty="0">
+              <a:latin typeface="微軟正黑體" panose="020B0604030504040204" pitchFamily="34" charset="-120"/>
+              <a:ea typeface="微軟正黑體" panose="020B0604030504040204" pitchFamily="34" charset="-120"/>
+            </a:endParaRPr>
+          </a:p>
+          <a:p>
+            <a:r>
+              <a:rPr lang="en-US" altLang="zh-TW" dirty="0">
+                <a:latin typeface="微軟正黑體" panose="020B0604030504040204" pitchFamily="34" charset="-120"/>
+                <a:ea typeface="微軟正黑體" panose="020B0604030504040204" pitchFamily="34" charset="-120"/>
+              </a:rPr>
+              <a:t>CER</a:t>
+            </a:r>
+            <a:r>
+              <a:rPr lang="zh-TW" altLang="en-US" dirty="0">
+                <a:latin typeface="微軟正黑體" panose="020B0604030504040204" pitchFamily="34" charset="-120"/>
+                <a:ea typeface="微軟正黑體" panose="020B0604030504040204" pitchFamily="34" charset="-120"/>
+              </a:rPr>
+              <a:t>收斂速度較快一些</a:t>
+            </a:r>
+            <a:endParaRPr lang="en-US" altLang="zh-TW" dirty="0">
+              <a:latin typeface="微軟正黑體" panose="020B0604030504040204" pitchFamily="34" charset="-120"/>
+              <a:ea typeface="微軟正黑體" panose="020B0604030504040204" pitchFamily="34" charset="-120"/>
+            </a:endParaRPr>
+          </a:p>
+        </p:txBody>
+      </p:sp>
+    </p:spTree>
+    <p:extLst>
+      <p:ext uri="{BB962C8B-B14F-4D97-AF65-F5344CB8AC3E}">
+        <p14:creationId xmlns:p14="http://schemas.microsoft.com/office/powerpoint/2010/main" val="3628531120"/>
+      </p:ext>
+    </p:extLst>
+  </p:cSld>
+  <p:clrMapOvr>
+    <a:masterClrMapping/>
+  </p:clrMapOvr>
+</p:sld>
+</file>
+
+<file path=ppt/slides/slide17.xml><?xml version="1.0" encoding="utf-8"?>
+<p:sld xmlns:a="http://schemas.openxmlformats.org/drawingml/2006/main" xmlns:r="http://schemas.openxmlformats.org/officeDocument/2006/relationships" xmlns:p="http://schemas.openxmlformats.org/presentationml/2006/main">
+  <p:cSld>
+    <p:spTree>
+      <p:nvGrpSpPr>
+        <p:cNvPr id="1" name=""/>
+        <p:cNvGrpSpPr/>
+        <p:nvPr/>
+      </p:nvGrpSpPr>
+      <p:grpSpPr>
+        <a:xfrm>
+          <a:off x="0" y="0"/>
+          <a:ext cx="0" cy="0"/>
+          <a:chOff x="0" y="0"/>
+          <a:chExt cx="0" cy="0"/>
+        </a:xfrm>
+      </p:grpSpPr>
+      <p:pic>
+        <p:nvPicPr>
+          <p:cNvPr id="5" name="圖片 4">
+            <a:extLst>
+              <a:ext uri="{FF2B5EF4-FFF2-40B4-BE49-F238E27FC236}">
+                <a16:creationId xmlns:a16="http://schemas.microsoft.com/office/drawing/2014/main" id="{0B64A2BD-6414-44F6-BA91-6959441463B2}"/>
+              </a:ext>
+            </a:extLst>
+          </p:cNvPr>
+          <p:cNvPicPr>
+            <a:picLocks noChangeAspect="1"/>
+          </p:cNvPicPr>
+          <p:nvPr/>
+        </p:nvPicPr>
+        <p:blipFill>
+          <a:blip r:embed="rId2">
+            <a:extLst>
+              <a:ext uri="{28A0092B-C50C-407E-A947-70E740481C1C}">
+                <a14:useLocalDpi xmlns:a14="http://schemas.microsoft.com/office/drawing/2010/main" val="0"/>
+              </a:ext>
+            </a:extLst>
+          </a:blip>
+          <a:stretch>
+            <a:fillRect/>
+          </a:stretch>
+        </p:blipFill>
+        <p:spPr>
+          <a:xfrm>
+            <a:off x="5503343" y="160873"/>
+            <a:ext cx="6536268" cy="2178756"/>
+          </a:xfrm>
+          <a:prstGeom prst="rect">
+            <a:avLst/>
+          </a:prstGeom>
+        </p:spPr>
+      </p:pic>
+      <p:pic>
+        <p:nvPicPr>
+          <p:cNvPr id="13" name="圖片 12">
+            <a:extLst>
+              <a:ext uri="{FF2B5EF4-FFF2-40B4-BE49-F238E27FC236}">
+                <a16:creationId xmlns:a16="http://schemas.microsoft.com/office/drawing/2014/main" id="{98CEE4B1-FC11-42F6-B03F-CCCCFEDD2A4D}"/>
+              </a:ext>
+            </a:extLst>
+          </p:cNvPr>
+          <p:cNvPicPr>
+            <a:picLocks noChangeAspect="1"/>
+          </p:cNvPicPr>
+          <p:nvPr/>
+        </p:nvPicPr>
+        <p:blipFill>
+          <a:blip r:embed="rId3">
+            <a:extLst>
+              <a:ext uri="{28A0092B-C50C-407E-A947-70E740481C1C}">
+                <a14:useLocalDpi xmlns:a14="http://schemas.microsoft.com/office/drawing/2010/main" val="0"/>
+              </a:ext>
+            </a:extLst>
+          </a:blip>
+          <a:stretch>
+            <a:fillRect/>
+          </a:stretch>
+        </p:blipFill>
+        <p:spPr>
+          <a:xfrm>
+            <a:off x="5503342" y="2339629"/>
+            <a:ext cx="6536268" cy="2178756"/>
+          </a:xfrm>
+          <a:prstGeom prst="rect">
+            <a:avLst/>
+          </a:prstGeom>
+        </p:spPr>
+      </p:pic>
+      <p:pic>
+        <p:nvPicPr>
+          <p:cNvPr id="15" name="圖片 14">
+            <a:extLst>
+              <a:ext uri="{FF2B5EF4-FFF2-40B4-BE49-F238E27FC236}">
+                <a16:creationId xmlns:a16="http://schemas.microsoft.com/office/drawing/2014/main" id="{CA459477-89E5-4AA9-BA51-ED0E97DF3816}"/>
+              </a:ext>
+            </a:extLst>
+          </p:cNvPr>
+          <p:cNvPicPr>
+            <a:picLocks noChangeAspect="1"/>
+          </p:cNvPicPr>
+          <p:nvPr/>
+        </p:nvPicPr>
+        <p:blipFill>
+          <a:blip r:embed="rId4">
+            <a:extLst>
+              <a:ext uri="{28A0092B-C50C-407E-A947-70E740481C1C}">
+                <a14:useLocalDpi xmlns:a14="http://schemas.microsoft.com/office/drawing/2010/main" val="0"/>
+              </a:ext>
+            </a:extLst>
+          </a:blip>
+          <a:stretch>
+            <a:fillRect/>
+          </a:stretch>
+        </p:blipFill>
+        <p:spPr>
+          <a:xfrm>
+            <a:off x="5503341" y="4518385"/>
+            <a:ext cx="6536268" cy="2178756"/>
+          </a:xfrm>
+          <a:prstGeom prst="rect">
+            <a:avLst/>
+          </a:prstGeom>
+        </p:spPr>
+      </p:pic>
+      <p:sp>
+        <p:nvSpPr>
+          <p:cNvPr id="16" name="標題 1">
+            <a:extLst>
+              <a:ext uri="{FF2B5EF4-FFF2-40B4-BE49-F238E27FC236}">
+                <a16:creationId xmlns:a16="http://schemas.microsoft.com/office/drawing/2014/main" id="{7C5CDCE7-3B46-4D9E-A798-ED05168BC325}"/>
+              </a:ext>
+            </a:extLst>
+          </p:cNvPr>
+          <p:cNvSpPr>
+            <a:spLocks noGrp="1"/>
+          </p:cNvSpPr>
+          <p:nvPr>
+            <p:ph type="title"/>
+          </p:nvPr>
+        </p:nvSpPr>
+        <p:spPr>
+          <a:xfrm>
+            <a:off x="838200" y="365125"/>
+            <a:ext cx="10515600" cy="1325563"/>
+          </a:xfrm>
+        </p:spPr>
+        <p:txBody>
+          <a:bodyPr/>
+          <a:lstStyle/>
+          <a:p>
+            <a:r>
+              <a:rPr lang="en-US" altLang="zh-TW" dirty="0">
+                <a:latin typeface="微軟正黑體" panose="020B0604030504040204" pitchFamily="34" charset="-120"/>
+                <a:ea typeface="微軟正黑體" panose="020B0604030504040204" pitchFamily="34" charset="-120"/>
+              </a:rPr>
+              <a:t>Result: Double</a:t>
+            </a:r>
+            <a:endParaRPr lang="zh-TW" altLang="en-US" dirty="0">
+              <a:latin typeface="微軟正黑體" panose="020B0604030504040204" pitchFamily="34" charset="-120"/>
+              <a:ea typeface="微軟正黑體" panose="020B0604030504040204" pitchFamily="34" charset="-120"/>
+            </a:endParaRPr>
+          </a:p>
+        </p:txBody>
+      </p:sp>
+      <p:sp>
+        <p:nvSpPr>
+          <p:cNvPr id="17" name="內容版面配置區 2">
+            <a:extLst>
+              <a:ext uri="{FF2B5EF4-FFF2-40B4-BE49-F238E27FC236}">
+                <a16:creationId xmlns:a16="http://schemas.microsoft.com/office/drawing/2014/main" id="{7C220C27-3AB1-45D7-8DD3-EF7FCDACACA7}"/>
+              </a:ext>
+            </a:extLst>
+          </p:cNvPr>
+          <p:cNvSpPr txBox="1">
+            <a:spLocks/>
+          </p:cNvSpPr>
+          <p:nvPr/>
+        </p:nvSpPr>
+        <p:spPr>
+          <a:xfrm>
+            <a:off x="838200" y="2466629"/>
+            <a:ext cx="4445000" cy="1089371"/>
+          </a:xfrm>
+          <a:prstGeom prst="rect">
+            <a:avLst/>
+          </a:prstGeom>
+        </p:spPr>
+        <p:txBody>
+          <a:bodyPr vert="horz" lIns="91440" tIns="45720" rIns="91440" bIns="45720" rtlCol="0">
+            <a:normAutofit/>
+          </a:bodyPr>
+          <a:lstStyle>
+            <a:lvl1pPr marL="228600" indent="-228600" algn="l" defTabSz="914400" rtl="0" eaLnBrk="1" latinLnBrk="0" hangingPunct="1">
+              <a:lnSpc>
+                <a:spcPct val="90000"/>
+              </a:lnSpc>
+              <a:spcBef>
+                <a:spcPts val="1000"/>
+              </a:spcBef>
+              <a:buFont typeface="Arial" panose="020B0604020202020204" pitchFamily="34" charset="0"/>
+              <a:buChar char="•"/>
+              <a:defRPr sz="2800" kern="1200">
+                <a:solidFill>
+                  <a:schemeClr val="tx1"/>
+                </a:solidFill>
+                <a:latin typeface="+mn-lt"/>
+                <a:ea typeface="+mn-ea"/>
+                <a:cs typeface="+mn-cs"/>
+              </a:defRPr>
+            </a:lvl1pPr>
+            <a:lvl2pPr marL="685800" indent="-228600" algn="l" defTabSz="914400" rtl="0" eaLnBrk="1" latinLnBrk="0" hangingPunct="1">
+              <a:lnSpc>
+                <a:spcPct val="90000"/>
+              </a:lnSpc>
+              <a:spcBef>
+                <a:spcPts val="500"/>
+              </a:spcBef>
+              <a:buFont typeface="Arial" panose="020B0604020202020204" pitchFamily="34" charset="0"/>
+              <a:buChar char="•"/>
+              <a:defRPr sz="2400" kern="1200">
+                <a:solidFill>
+                  <a:schemeClr val="tx1"/>
+                </a:solidFill>
+                <a:latin typeface="+mn-lt"/>
+                <a:ea typeface="+mn-ea"/>
+                <a:cs typeface="+mn-cs"/>
+              </a:defRPr>
+            </a:lvl2pPr>
+            <a:lvl3pPr marL="1143000" indent="-228600" algn="l" defTabSz="914400" rtl="0" eaLnBrk="1" latinLnBrk="0" hangingPunct="1">
+              <a:lnSpc>
+                <a:spcPct val="90000"/>
+              </a:lnSpc>
+              <a:spcBef>
+                <a:spcPts val="500"/>
+              </a:spcBef>
+              <a:buFont typeface="Arial" panose="020B0604020202020204" pitchFamily="34" charset="0"/>
+              <a:buChar char="•"/>
+              <a:defRPr sz="2000" kern="1200">
+                <a:solidFill>
+                  <a:schemeClr val="tx1"/>
+                </a:solidFill>
+                <a:latin typeface="+mn-lt"/>
+                <a:ea typeface="+mn-ea"/>
+                <a:cs typeface="+mn-cs"/>
+              </a:defRPr>
+            </a:lvl3pPr>
+            <a:lvl4pPr marL="1600200" indent="-228600" algn="l" defTabSz="914400" rtl="0" eaLnBrk="1" latinLnBrk="0" hangingPunct="1">
+              <a:lnSpc>
+                <a:spcPct val="90000"/>
+              </a:lnSpc>
+              <a:spcBef>
+                <a:spcPts val="500"/>
+              </a:spcBef>
+              <a:buFont typeface="Arial" panose="020B0604020202020204" pitchFamily="34" charset="0"/>
+              <a:buChar char="•"/>
+              <a:defRPr sz="1800" kern="1200">
+                <a:solidFill>
+                  <a:schemeClr val="tx1"/>
+                </a:solidFill>
+                <a:latin typeface="+mn-lt"/>
+                <a:ea typeface="+mn-ea"/>
+                <a:cs typeface="+mn-cs"/>
+              </a:defRPr>
+            </a:lvl4pPr>
+            <a:lvl5pPr marL="2057400" indent="-228600" algn="l" defTabSz="914400" rtl="0" eaLnBrk="1" latinLnBrk="0" hangingPunct="1">
+              <a:lnSpc>
+                <a:spcPct val="90000"/>
+              </a:lnSpc>
+              <a:spcBef>
+                <a:spcPts val="500"/>
+              </a:spcBef>
+              <a:buFont typeface="Arial" panose="020B0604020202020204" pitchFamily="34" charset="0"/>
+              <a:buChar char="•"/>
+              <a:defRPr sz="1800" kern="1200">
+                <a:solidFill>
+                  <a:schemeClr val="tx1"/>
+                </a:solidFill>
+                <a:latin typeface="+mn-lt"/>
+                <a:ea typeface="+mn-ea"/>
+                <a:cs typeface="+mn-cs"/>
+              </a:defRPr>
+            </a:lvl5pPr>
+            <a:lvl6pPr marL="2514600" indent="-228600" algn="l" defTabSz="914400" rtl="0" eaLnBrk="1" latinLnBrk="0" hangingPunct="1">
+              <a:lnSpc>
+                <a:spcPct val="90000"/>
+              </a:lnSpc>
+              <a:spcBef>
+                <a:spcPts val="500"/>
+              </a:spcBef>
+              <a:buFont typeface="Arial" panose="020B0604020202020204" pitchFamily="34" charset="0"/>
+              <a:buChar char="•"/>
+              <a:defRPr sz="1800" kern="1200">
+                <a:solidFill>
+                  <a:schemeClr val="tx1"/>
+                </a:solidFill>
+                <a:latin typeface="+mn-lt"/>
+                <a:ea typeface="+mn-ea"/>
+                <a:cs typeface="+mn-cs"/>
+              </a:defRPr>
+            </a:lvl6pPr>
+            <a:lvl7pPr marL="2971800" indent="-228600" algn="l" defTabSz="914400" rtl="0" eaLnBrk="1" latinLnBrk="0" hangingPunct="1">
+              <a:lnSpc>
+                <a:spcPct val="90000"/>
+              </a:lnSpc>
+              <a:spcBef>
+                <a:spcPts val="500"/>
+              </a:spcBef>
+              <a:buFont typeface="Arial" panose="020B0604020202020204" pitchFamily="34" charset="0"/>
+              <a:buChar char="•"/>
+              <a:defRPr sz="1800" kern="1200">
+                <a:solidFill>
+                  <a:schemeClr val="tx1"/>
+                </a:solidFill>
+                <a:latin typeface="+mn-lt"/>
+                <a:ea typeface="+mn-ea"/>
+                <a:cs typeface="+mn-cs"/>
+              </a:defRPr>
+            </a:lvl7pPr>
+            <a:lvl8pPr marL="3429000" indent="-228600" algn="l" defTabSz="914400" rtl="0" eaLnBrk="1" latinLnBrk="0" hangingPunct="1">
+              <a:lnSpc>
+                <a:spcPct val="90000"/>
+              </a:lnSpc>
+              <a:spcBef>
+                <a:spcPts val="500"/>
+              </a:spcBef>
+              <a:buFont typeface="Arial" panose="020B0604020202020204" pitchFamily="34" charset="0"/>
+              <a:buChar char="•"/>
+              <a:defRPr sz="1800" kern="1200">
+                <a:solidFill>
+                  <a:schemeClr val="tx1"/>
+                </a:solidFill>
+                <a:latin typeface="+mn-lt"/>
+                <a:ea typeface="+mn-ea"/>
+                <a:cs typeface="+mn-cs"/>
+              </a:defRPr>
+            </a:lvl8pPr>
+            <a:lvl9pPr marL="3886200" indent="-228600" algn="l" defTabSz="914400" rtl="0" eaLnBrk="1" latinLnBrk="0" hangingPunct="1">
+              <a:lnSpc>
+                <a:spcPct val="90000"/>
+              </a:lnSpc>
+              <a:spcBef>
+                <a:spcPts val="500"/>
+              </a:spcBef>
+              <a:buFont typeface="Arial" panose="020B0604020202020204" pitchFamily="34" charset="0"/>
+              <a:buChar char="•"/>
+              <a:defRPr sz="1800" kern="1200">
+                <a:solidFill>
+                  <a:schemeClr val="tx1"/>
+                </a:solidFill>
+                <a:latin typeface="+mn-lt"/>
+                <a:ea typeface="+mn-ea"/>
+                <a:cs typeface="+mn-cs"/>
+              </a:defRPr>
+            </a:lvl9pPr>
+          </a:lstStyle>
+          <a:p>
+            <a:r>
+              <a:rPr lang="en-US" altLang="zh-TW" sz="2600" dirty="0">
+                <a:latin typeface="微軟正黑體" panose="020B0604030504040204" pitchFamily="34" charset="-120"/>
+                <a:ea typeface="微軟正黑體" panose="020B0604030504040204" pitchFamily="34" charset="-120"/>
+              </a:rPr>
+              <a:t>Double</a:t>
+            </a:r>
+            <a:r>
+              <a:rPr lang="zh-TW" altLang="en-US" sz="2600" dirty="0">
+                <a:latin typeface="微軟正黑體" panose="020B0604030504040204" pitchFamily="34" charset="-120"/>
+                <a:ea typeface="微軟正黑體" panose="020B0604030504040204" pitchFamily="34" charset="-120"/>
+              </a:rPr>
+              <a:t> </a:t>
+            </a:r>
+            <a:r>
+              <a:rPr lang="en-US" altLang="zh-TW" sz="2600" dirty="0">
+                <a:latin typeface="微軟正黑體" panose="020B0604030504040204" pitchFamily="34" charset="-120"/>
+                <a:ea typeface="微軟正黑體" panose="020B0604030504040204" pitchFamily="34" charset="-120"/>
+              </a:rPr>
+              <a:t>DQN</a:t>
+            </a:r>
+            <a:r>
+              <a:rPr lang="zh-TW" altLang="en-US" sz="2600" dirty="0">
+                <a:latin typeface="微軟正黑體" panose="020B0604030504040204" pitchFamily="34" charset="-120"/>
+                <a:ea typeface="微軟正黑體" panose="020B0604030504040204" pitchFamily="34" charset="-120"/>
+              </a:rPr>
+              <a:t>表現慘不忍睹</a:t>
+            </a:r>
+            <a:endParaRPr lang="en-US" altLang="zh-TW" sz="2600" dirty="0">
+              <a:latin typeface="微軟正黑體" panose="020B0604030504040204" pitchFamily="34" charset="-120"/>
+              <a:ea typeface="微軟正黑體" panose="020B0604030504040204" pitchFamily="34" charset="-120"/>
+            </a:endParaRPr>
+          </a:p>
+        </p:txBody>
+      </p:sp>
+    </p:spTree>
+    <p:extLst>
+      <p:ext uri="{BB962C8B-B14F-4D97-AF65-F5344CB8AC3E}">
+        <p14:creationId xmlns:p14="http://schemas.microsoft.com/office/powerpoint/2010/main" val="2532064161"/>
+      </p:ext>
+    </p:extLst>
+  </p:cSld>
+  <p:clrMapOvr>
+    <a:masterClrMapping/>
+  </p:clrMapOvr>
+</p:sld>
+</file>
+
+<file path=ppt/slides/slide18.xml><?xml version="1.0" encoding="utf-8"?>
+<p:sld xmlns:a="http://schemas.openxmlformats.org/drawingml/2006/main" xmlns:r="http://schemas.openxmlformats.org/officeDocument/2006/relationships" xmlns:p="http://schemas.openxmlformats.org/presentationml/2006/main">
+  <p:cSld>
+    <p:spTree>
+      <p:nvGrpSpPr>
+        <p:cNvPr id="1" name=""/>
+        <p:cNvGrpSpPr/>
+        <p:nvPr/>
+      </p:nvGrpSpPr>
+      <p:grpSpPr>
+        <a:xfrm>
+          <a:off x="0" y="0"/>
+          <a:ext cx="0" cy="0"/>
+          <a:chOff x="0" y="0"/>
+          <a:chExt cx="0" cy="0"/>
+        </a:xfrm>
+      </p:grpSpPr>
+      <p:pic>
+        <p:nvPicPr>
+          <p:cNvPr id="5" name="圖片 4">
+            <a:extLst>
+              <a:ext uri="{FF2B5EF4-FFF2-40B4-BE49-F238E27FC236}">
+                <a16:creationId xmlns:a16="http://schemas.microsoft.com/office/drawing/2014/main" id="{0B64A2BD-6414-44F6-BA91-6959441463B2}"/>
+              </a:ext>
+            </a:extLst>
+          </p:cNvPr>
+          <p:cNvPicPr>
+            <a:picLocks noChangeAspect="1"/>
+          </p:cNvPicPr>
+          <p:nvPr/>
+        </p:nvPicPr>
+        <p:blipFill>
+          <a:blip r:embed="rId2">
+            <a:extLst>
+              <a:ext uri="{28A0092B-C50C-407E-A947-70E740481C1C}">
+                <a14:useLocalDpi xmlns:a14="http://schemas.microsoft.com/office/drawing/2010/main" val="0"/>
+              </a:ext>
+            </a:extLst>
+          </a:blip>
+          <a:stretch>
+            <a:fillRect/>
+          </a:stretch>
+        </p:blipFill>
+        <p:spPr>
+          <a:xfrm>
+            <a:off x="5503343" y="160873"/>
+            <a:ext cx="6536268" cy="2178756"/>
+          </a:xfrm>
+          <a:prstGeom prst="rect">
+            <a:avLst/>
+          </a:prstGeom>
+        </p:spPr>
+      </p:pic>
+      <p:pic>
+        <p:nvPicPr>
+          <p:cNvPr id="13" name="圖片 12">
+            <a:extLst>
+              <a:ext uri="{FF2B5EF4-FFF2-40B4-BE49-F238E27FC236}">
+                <a16:creationId xmlns:a16="http://schemas.microsoft.com/office/drawing/2014/main" id="{98CEE4B1-FC11-42F6-B03F-CCCCFEDD2A4D}"/>
+              </a:ext>
+            </a:extLst>
+          </p:cNvPr>
+          <p:cNvPicPr>
+            <a:picLocks noChangeAspect="1"/>
+          </p:cNvPicPr>
+          <p:nvPr/>
+        </p:nvPicPr>
+        <p:blipFill>
+          <a:blip r:embed="rId3">
+            <a:extLst>
+              <a:ext uri="{28A0092B-C50C-407E-A947-70E740481C1C}">
+                <a14:useLocalDpi xmlns:a14="http://schemas.microsoft.com/office/drawing/2010/main" val="0"/>
+              </a:ext>
+            </a:extLst>
+          </a:blip>
+          <a:stretch>
+            <a:fillRect/>
+          </a:stretch>
+        </p:blipFill>
+        <p:spPr>
+          <a:xfrm>
+            <a:off x="5503342" y="2339629"/>
+            <a:ext cx="6536268" cy="2178756"/>
+          </a:xfrm>
+          <a:prstGeom prst="rect">
+            <a:avLst/>
+          </a:prstGeom>
+        </p:spPr>
+      </p:pic>
+      <p:pic>
+        <p:nvPicPr>
+          <p:cNvPr id="15" name="圖片 14">
+            <a:extLst>
+              <a:ext uri="{FF2B5EF4-FFF2-40B4-BE49-F238E27FC236}">
+                <a16:creationId xmlns:a16="http://schemas.microsoft.com/office/drawing/2014/main" id="{CA459477-89E5-4AA9-BA51-ED0E97DF3816}"/>
+              </a:ext>
+            </a:extLst>
+          </p:cNvPr>
+          <p:cNvPicPr>
+            <a:picLocks noChangeAspect="1"/>
+          </p:cNvPicPr>
+          <p:nvPr/>
+        </p:nvPicPr>
+        <p:blipFill>
+          <a:blip r:embed="rId4">
+            <a:extLst>
+              <a:ext uri="{28A0092B-C50C-407E-A947-70E740481C1C}">
+                <a14:useLocalDpi xmlns:a14="http://schemas.microsoft.com/office/drawing/2010/main" val="0"/>
+              </a:ext>
+            </a:extLst>
+          </a:blip>
+          <a:stretch>
+            <a:fillRect/>
+          </a:stretch>
+        </p:blipFill>
+        <p:spPr>
+          <a:xfrm>
+            <a:off x="5503342" y="4518385"/>
+            <a:ext cx="6536268" cy="2178756"/>
+          </a:xfrm>
+          <a:prstGeom prst="rect">
+            <a:avLst/>
+          </a:prstGeom>
+        </p:spPr>
+      </p:pic>
+      <p:sp>
+        <p:nvSpPr>
+          <p:cNvPr id="16" name="標題 1">
+            <a:extLst>
+              <a:ext uri="{FF2B5EF4-FFF2-40B4-BE49-F238E27FC236}">
+                <a16:creationId xmlns:a16="http://schemas.microsoft.com/office/drawing/2014/main" id="{7C5CDCE7-3B46-4D9E-A798-ED05168BC325}"/>
+              </a:ext>
+            </a:extLst>
+          </p:cNvPr>
+          <p:cNvSpPr>
+            <a:spLocks noGrp="1"/>
+          </p:cNvSpPr>
+          <p:nvPr>
+            <p:ph type="title"/>
+          </p:nvPr>
+        </p:nvSpPr>
+        <p:spPr>
+          <a:xfrm>
+            <a:off x="838200" y="365125"/>
+            <a:ext cx="10515600" cy="1325563"/>
+          </a:xfrm>
+        </p:spPr>
+        <p:txBody>
+          <a:bodyPr/>
+          <a:lstStyle/>
+          <a:p>
+            <a:r>
+              <a:rPr lang="en-US" altLang="zh-TW" dirty="0">
+                <a:latin typeface="微軟正黑體" panose="020B0604030504040204" pitchFamily="34" charset="-120"/>
+                <a:ea typeface="微軟正黑體" panose="020B0604030504040204" pitchFamily="34" charset="-120"/>
+              </a:rPr>
+              <a:t>Result: Duel</a:t>
+            </a:r>
+            <a:endParaRPr lang="zh-TW" altLang="en-US" dirty="0">
+              <a:latin typeface="微軟正黑體" panose="020B0604030504040204" pitchFamily="34" charset="-120"/>
+              <a:ea typeface="微軟正黑體" panose="020B0604030504040204" pitchFamily="34" charset="-120"/>
+            </a:endParaRPr>
+          </a:p>
+        </p:txBody>
+      </p:sp>
+      <p:sp>
+        <p:nvSpPr>
+          <p:cNvPr id="17" name="內容版面配置區 2">
+            <a:extLst>
+              <a:ext uri="{FF2B5EF4-FFF2-40B4-BE49-F238E27FC236}">
+                <a16:creationId xmlns:a16="http://schemas.microsoft.com/office/drawing/2014/main" id="{7C220C27-3AB1-45D7-8DD3-EF7FCDACACA7}"/>
+              </a:ext>
+            </a:extLst>
+          </p:cNvPr>
+          <p:cNvSpPr txBox="1">
+            <a:spLocks/>
+          </p:cNvSpPr>
+          <p:nvPr/>
+        </p:nvSpPr>
+        <p:spPr>
+          <a:xfrm>
+            <a:off x="838200" y="2466628"/>
+            <a:ext cx="4445000" cy="1800571"/>
+          </a:xfrm>
+          <a:prstGeom prst="rect">
+            <a:avLst/>
+          </a:prstGeom>
+        </p:spPr>
+        <p:txBody>
+          <a:bodyPr vert="horz" lIns="91440" tIns="45720" rIns="91440" bIns="45720" rtlCol="0">
+            <a:normAutofit/>
+          </a:bodyPr>
+          <a:lstStyle>
+            <a:lvl1pPr marL="228600" indent="-228600" algn="l" defTabSz="914400" rtl="0" eaLnBrk="1" latinLnBrk="0" hangingPunct="1">
+              <a:lnSpc>
+                <a:spcPct val="90000"/>
+              </a:lnSpc>
+              <a:spcBef>
+                <a:spcPts val="1000"/>
+              </a:spcBef>
+              <a:buFont typeface="Arial" panose="020B0604020202020204" pitchFamily="34" charset="0"/>
+              <a:buChar char="•"/>
+              <a:defRPr sz="2800" kern="1200">
+                <a:solidFill>
+                  <a:schemeClr val="tx1"/>
+                </a:solidFill>
+                <a:latin typeface="+mn-lt"/>
+                <a:ea typeface="+mn-ea"/>
+                <a:cs typeface="+mn-cs"/>
+              </a:defRPr>
+            </a:lvl1pPr>
+            <a:lvl2pPr marL="685800" indent="-228600" algn="l" defTabSz="914400" rtl="0" eaLnBrk="1" latinLnBrk="0" hangingPunct="1">
+              <a:lnSpc>
+                <a:spcPct val="90000"/>
+              </a:lnSpc>
+              <a:spcBef>
+                <a:spcPts val="500"/>
+              </a:spcBef>
+              <a:buFont typeface="Arial" panose="020B0604020202020204" pitchFamily="34" charset="0"/>
+              <a:buChar char="•"/>
+              <a:defRPr sz="2400" kern="1200">
+                <a:solidFill>
+                  <a:schemeClr val="tx1"/>
+                </a:solidFill>
+                <a:latin typeface="+mn-lt"/>
+                <a:ea typeface="+mn-ea"/>
+                <a:cs typeface="+mn-cs"/>
+              </a:defRPr>
+            </a:lvl2pPr>
+            <a:lvl3pPr marL="1143000" indent="-228600" algn="l" defTabSz="914400" rtl="0" eaLnBrk="1" latinLnBrk="0" hangingPunct="1">
+              <a:lnSpc>
+                <a:spcPct val="90000"/>
+              </a:lnSpc>
+              <a:spcBef>
+                <a:spcPts val="500"/>
+              </a:spcBef>
+              <a:buFont typeface="Arial" panose="020B0604020202020204" pitchFamily="34" charset="0"/>
+              <a:buChar char="•"/>
+              <a:defRPr sz="2000" kern="1200">
+                <a:solidFill>
+                  <a:schemeClr val="tx1"/>
+                </a:solidFill>
+                <a:latin typeface="+mn-lt"/>
+                <a:ea typeface="+mn-ea"/>
+                <a:cs typeface="+mn-cs"/>
+              </a:defRPr>
+            </a:lvl3pPr>
+            <a:lvl4pPr marL="1600200" indent="-228600" algn="l" defTabSz="914400" rtl="0" eaLnBrk="1" latinLnBrk="0" hangingPunct="1">
+              <a:lnSpc>
+                <a:spcPct val="90000"/>
+              </a:lnSpc>
+              <a:spcBef>
+                <a:spcPts val="500"/>
+              </a:spcBef>
+              <a:buFont typeface="Arial" panose="020B0604020202020204" pitchFamily="34" charset="0"/>
+              <a:buChar char="•"/>
+              <a:defRPr sz="1800" kern="1200">
+                <a:solidFill>
+                  <a:schemeClr val="tx1"/>
+                </a:solidFill>
+                <a:latin typeface="+mn-lt"/>
+                <a:ea typeface="+mn-ea"/>
+                <a:cs typeface="+mn-cs"/>
+              </a:defRPr>
+            </a:lvl4pPr>
+            <a:lvl5pPr marL="2057400" indent="-228600" algn="l" defTabSz="914400" rtl="0" eaLnBrk="1" latinLnBrk="0" hangingPunct="1">
+              <a:lnSpc>
+                <a:spcPct val="90000"/>
+              </a:lnSpc>
+              <a:spcBef>
+                <a:spcPts val="500"/>
+              </a:spcBef>
+              <a:buFont typeface="Arial" panose="020B0604020202020204" pitchFamily="34" charset="0"/>
+              <a:buChar char="•"/>
+              <a:defRPr sz="1800" kern="1200">
+                <a:solidFill>
+                  <a:schemeClr val="tx1"/>
+                </a:solidFill>
+                <a:latin typeface="+mn-lt"/>
+                <a:ea typeface="+mn-ea"/>
+                <a:cs typeface="+mn-cs"/>
+              </a:defRPr>
+            </a:lvl5pPr>
+            <a:lvl6pPr marL="2514600" indent="-228600" algn="l" defTabSz="914400" rtl="0" eaLnBrk="1" latinLnBrk="0" hangingPunct="1">
+              <a:lnSpc>
+                <a:spcPct val="90000"/>
+              </a:lnSpc>
+              <a:spcBef>
+                <a:spcPts val="500"/>
+              </a:spcBef>
+              <a:buFont typeface="Arial" panose="020B0604020202020204" pitchFamily="34" charset="0"/>
+              <a:buChar char="•"/>
+              <a:defRPr sz="1800" kern="1200">
+                <a:solidFill>
+                  <a:schemeClr val="tx1"/>
+                </a:solidFill>
+                <a:latin typeface="+mn-lt"/>
+                <a:ea typeface="+mn-ea"/>
+                <a:cs typeface="+mn-cs"/>
+              </a:defRPr>
+            </a:lvl6pPr>
+            <a:lvl7pPr marL="2971800" indent="-228600" algn="l" defTabSz="914400" rtl="0" eaLnBrk="1" latinLnBrk="0" hangingPunct="1">
+              <a:lnSpc>
+                <a:spcPct val="90000"/>
+              </a:lnSpc>
+              <a:spcBef>
+                <a:spcPts val="500"/>
+              </a:spcBef>
+              <a:buFont typeface="Arial" panose="020B0604020202020204" pitchFamily="34" charset="0"/>
+              <a:buChar char="•"/>
+              <a:defRPr sz="1800" kern="1200">
+                <a:solidFill>
+                  <a:schemeClr val="tx1"/>
+                </a:solidFill>
+                <a:latin typeface="+mn-lt"/>
+                <a:ea typeface="+mn-ea"/>
+                <a:cs typeface="+mn-cs"/>
+              </a:defRPr>
+            </a:lvl7pPr>
+            <a:lvl8pPr marL="3429000" indent="-228600" algn="l" defTabSz="914400" rtl="0" eaLnBrk="1" latinLnBrk="0" hangingPunct="1">
+              <a:lnSpc>
+                <a:spcPct val="90000"/>
+              </a:lnSpc>
+              <a:spcBef>
+                <a:spcPts val="500"/>
+              </a:spcBef>
+              <a:buFont typeface="Arial" panose="020B0604020202020204" pitchFamily="34" charset="0"/>
+              <a:buChar char="•"/>
+              <a:defRPr sz="1800" kern="1200">
+                <a:solidFill>
+                  <a:schemeClr val="tx1"/>
+                </a:solidFill>
+                <a:latin typeface="+mn-lt"/>
+                <a:ea typeface="+mn-ea"/>
+                <a:cs typeface="+mn-cs"/>
+              </a:defRPr>
+            </a:lvl8pPr>
+            <a:lvl9pPr marL="3886200" indent="-228600" algn="l" defTabSz="914400" rtl="0" eaLnBrk="1" latinLnBrk="0" hangingPunct="1">
+              <a:lnSpc>
+                <a:spcPct val="90000"/>
+              </a:lnSpc>
+              <a:spcBef>
+                <a:spcPts val="500"/>
+              </a:spcBef>
+              <a:buFont typeface="Arial" panose="020B0604020202020204" pitchFamily="34" charset="0"/>
+              <a:buChar char="•"/>
+              <a:defRPr sz="1800" kern="1200">
+                <a:solidFill>
+                  <a:schemeClr val="tx1"/>
+                </a:solidFill>
+                <a:latin typeface="+mn-lt"/>
+                <a:ea typeface="+mn-ea"/>
+                <a:cs typeface="+mn-cs"/>
+              </a:defRPr>
+            </a:lvl9pPr>
+          </a:lstStyle>
+          <a:p>
+            <a:r>
+              <a:rPr lang="en-US" altLang="zh-TW" sz="2600" dirty="0">
+                <a:latin typeface="微軟正黑體" panose="020B0604030504040204" pitchFamily="34" charset="-120"/>
+                <a:ea typeface="微軟正黑體" panose="020B0604030504040204" pitchFamily="34" charset="-120"/>
+              </a:rPr>
+              <a:t>Duel</a:t>
+            </a:r>
+            <a:r>
+              <a:rPr lang="zh-TW" altLang="en-US" sz="2600" dirty="0">
+                <a:latin typeface="微軟正黑體" panose="020B0604030504040204" pitchFamily="34" charset="-120"/>
+                <a:ea typeface="微軟正黑體" panose="020B0604030504040204" pitchFamily="34" charset="-120"/>
+              </a:rPr>
+              <a:t> </a:t>
+            </a:r>
+            <a:r>
+              <a:rPr lang="en-US" altLang="zh-TW" sz="2600" dirty="0">
+                <a:latin typeface="微軟正黑體" panose="020B0604030504040204" pitchFamily="34" charset="-120"/>
+                <a:ea typeface="微軟正黑體" panose="020B0604030504040204" pitchFamily="34" charset="-120"/>
+              </a:rPr>
+              <a:t>DQN</a:t>
+            </a:r>
+            <a:r>
+              <a:rPr lang="zh-TW" altLang="en-US" sz="2600" dirty="0">
+                <a:latin typeface="微軟正黑體" panose="020B0604030504040204" pitchFamily="34" charset="-120"/>
+                <a:ea typeface="微軟正黑體" panose="020B0604030504040204" pitchFamily="34" charset="-120"/>
+              </a:rPr>
+              <a:t>表現最好</a:t>
+            </a:r>
+            <a:endParaRPr lang="en-US" altLang="zh-TW" sz="2600" dirty="0">
+              <a:latin typeface="微軟正黑體" panose="020B0604030504040204" pitchFamily="34" charset="-120"/>
+              <a:ea typeface="微軟正黑體" panose="020B0604030504040204" pitchFamily="34" charset="-120"/>
+            </a:endParaRPr>
+          </a:p>
+          <a:p>
+            <a:r>
+              <a:rPr lang="zh-TW" altLang="en-US" sz="2600" dirty="0">
+                <a:latin typeface="微軟正黑體" panose="020B0604030504040204" pitchFamily="34" charset="-120"/>
+                <a:ea typeface="微軟正黑體" panose="020B0604030504040204" pitchFamily="34" charset="-120"/>
+              </a:rPr>
+              <a:t>把</a:t>
+            </a:r>
+            <a:r>
+              <a:rPr lang="en-US" altLang="zh-TW" sz="2600" dirty="0">
+                <a:latin typeface="微軟正黑體" panose="020B0604030504040204" pitchFamily="34" charset="-120"/>
+                <a:ea typeface="微軟正黑體" panose="020B0604030504040204" pitchFamily="34" charset="-120"/>
+              </a:rPr>
+              <a:t>state</a:t>
+            </a:r>
+            <a:r>
+              <a:rPr lang="zh-TW" altLang="en-US" sz="2600" dirty="0">
+                <a:latin typeface="微軟正黑體" panose="020B0604030504040204" pitchFamily="34" charset="-120"/>
+                <a:ea typeface="微軟正黑體" panose="020B0604030504040204" pitchFamily="34" charset="-120"/>
+              </a:rPr>
+              <a:t>和</a:t>
+            </a:r>
+            <a:r>
+              <a:rPr lang="en-US" altLang="zh-TW" sz="2600" dirty="0">
+                <a:latin typeface="微軟正黑體" panose="020B0604030504040204" pitchFamily="34" charset="-120"/>
+                <a:ea typeface="微軟正黑體" panose="020B0604030504040204" pitchFamily="34" charset="-120"/>
+              </a:rPr>
+              <a:t>action</a:t>
+            </a:r>
+            <a:r>
+              <a:rPr lang="zh-TW" altLang="en-US" sz="2600" dirty="0">
+                <a:latin typeface="微軟正黑體" panose="020B0604030504040204" pitchFamily="34" charset="-120"/>
+                <a:ea typeface="微軟正黑體" panose="020B0604030504040204" pitchFamily="34" charset="-120"/>
+              </a:rPr>
+              <a:t>的評分分離有很好的效果</a:t>
+            </a:r>
+            <a:endParaRPr lang="en-US" altLang="zh-TW" sz="2600" dirty="0">
+              <a:latin typeface="微軟正黑體" panose="020B0604030504040204" pitchFamily="34" charset="-120"/>
+              <a:ea typeface="微軟正黑體" panose="020B0604030504040204" pitchFamily="34" charset="-120"/>
+            </a:endParaRPr>
+          </a:p>
+        </p:txBody>
+      </p:sp>
+    </p:spTree>
+    <p:extLst>
+      <p:ext uri="{BB962C8B-B14F-4D97-AF65-F5344CB8AC3E}">
+        <p14:creationId xmlns:p14="http://schemas.microsoft.com/office/powerpoint/2010/main" val="1011071179"/>
+      </p:ext>
+    </p:extLst>
+  </p:cSld>
+  <p:clrMapOvr>
+    <a:masterClrMapping/>
+  </p:clrMapOvr>
+</p:sld>
+</file>
+
+<file path=ppt/slides/slide19.xml><?xml version="1.0" encoding="utf-8"?>
+<p:sld xmlns:a="http://schemas.openxmlformats.org/drawingml/2006/main" xmlns:r="http://schemas.openxmlformats.org/officeDocument/2006/relationships" xmlns:p="http://schemas.openxmlformats.org/presentationml/2006/main">
+  <p:cSld>
+    <p:spTree>
+      <p:nvGrpSpPr>
+        <p:cNvPr id="1" name=""/>
+        <p:cNvGrpSpPr/>
+        <p:nvPr/>
+      </p:nvGrpSpPr>
+      <p:grpSpPr>
+        <a:xfrm>
+          <a:off x="0" y="0"/>
+          <a:ext cx="0" cy="0"/>
+          <a:chOff x="0" y="0"/>
+          <a:chExt cx="0" cy="0"/>
+        </a:xfrm>
+      </p:grpSpPr>
+      <p:pic>
+        <p:nvPicPr>
+          <p:cNvPr id="4" name="圖片 3">
+            <a:extLst>
+              <a:ext uri="{FF2B5EF4-FFF2-40B4-BE49-F238E27FC236}">
+                <a16:creationId xmlns:a16="http://schemas.microsoft.com/office/drawing/2014/main" id="{F276F838-4A68-4A2D-9774-B176E9C5605B}"/>
+              </a:ext>
+            </a:extLst>
+          </p:cNvPr>
+          <p:cNvPicPr>
+            <a:picLocks noChangeAspect="1"/>
+          </p:cNvPicPr>
+          <p:nvPr/>
+        </p:nvPicPr>
+        <p:blipFill>
+          <a:blip r:embed="rId2"/>
+          <a:stretch>
+            <a:fillRect/>
+          </a:stretch>
+        </p:blipFill>
+        <p:spPr>
+          <a:xfrm>
+            <a:off x="254002" y="1866899"/>
+            <a:ext cx="1771650" cy="1162050"/>
+          </a:xfrm>
+          <a:prstGeom prst="rect">
+            <a:avLst/>
+          </a:prstGeom>
+        </p:spPr>
+      </p:pic>
+      <p:pic>
+        <p:nvPicPr>
+          <p:cNvPr id="5" name="圖片 4">
+            <a:extLst>
+              <a:ext uri="{FF2B5EF4-FFF2-40B4-BE49-F238E27FC236}">
+                <a16:creationId xmlns:a16="http://schemas.microsoft.com/office/drawing/2014/main" id="{9D8757F5-AF64-4B85-B4EF-8C597A4565E0}"/>
+              </a:ext>
+            </a:extLst>
+          </p:cNvPr>
+          <p:cNvPicPr>
+            <a:picLocks noChangeAspect="1"/>
+          </p:cNvPicPr>
+          <p:nvPr/>
+        </p:nvPicPr>
+        <p:blipFill>
+          <a:blip r:embed="rId3"/>
+          <a:stretch>
+            <a:fillRect/>
+          </a:stretch>
+        </p:blipFill>
+        <p:spPr>
+          <a:xfrm>
+            <a:off x="7446432" y="1909234"/>
+            <a:ext cx="1800225" cy="1162050"/>
+          </a:xfrm>
+          <a:prstGeom prst="rect">
+            <a:avLst/>
+          </a:prstGeom>
+        </p:spPr>
+      </p:pic>
+      <p:pic>
+        <p:nvPicPr>
+          <p:cNvPr id="6" name="圖片 5">
+            <a:extLst>
+              <a:ext uri="{FF2B5EF4-FFF2-40B4-BE49-F238E27FC236}">
+                <a16:creationId xmlns:a16="http://schemas.microsoft.com/office/drawing/2014/main" id="{35632C3D-ABA2-458A-AE87-7A01C12BC581}"/>
+              </a:ext>
+            </a:extLst>
+          </p:cNvPr>
+          <p:cNvPicPr>
+            <a:picLocks noChangeAspect="1"/>
+          </p:cNvPicPr>
+          <p:nvPr/>
+        </p:nvPicPr>
+        <p:blipFill>
+          <a:blip r:embed="rId4"/>
+          <a:stretch>
+            <a:fillRect/>
+          </a:stretch>
+        </p:blipFill>
+        <p:spPr>
+          <a:xfrm>
+            <a:off x="7446432" y="3163358"/>
+            <a:ext cx="4524375" cy="3248025"/>
+          </a:xfrm>
+          <a:prstGeom prst="rect">
+            <a:avLst/>
+          </a:prstGeom>
+        </p:spPr>
+      </p:pic>
+      <p:pic>
+        <p:nvPicPr>
+          <p:cNvPr id="7" name="圖片 6">
+            <a:extLst>
+              <a:ext uri="{FF2B5EF4-FFF2-40B4-BE49-F238E27FC236}">
+                <a16:creationId xmlns:a16="http://schemas.microsoft.com/office/drawing/2014/main" id="{2732EB64-D08E-4FD3-99E2-17DC6806B89D}"/>
+              </a:ext>
+            </a:extLst>
+          </p:cNvPr>
+          <p:cNvPicPr>
+            <a:picLocks noChangeAspect="1"/>
+          </p:cNvPicPr>
+          <p:nvPr/>
+        </p:nvPicPr>
+        <p:blipFill>
+          <a:blip r:embed="rId5"/>
+          <a:stretch>
+            <a:fillRect/>
+          </a:stretch>
+        </p:blipFill>
+        <p:spPr>
+          <a:xfrm>
+            <a:off x="2445807" y="1857374"/>
+            <a:ext cx="1771650" cy="1171575"/>
+          </a:xfrm>
+          <a:prstGeom prst="rect">
+            <a:avLst/>
+          </a:prstGeom>
+        </p:spPr>
+      </p:pic>
+      <p:pic>
+        <p:nvPicPr>
+          <p:cNvPr id="8" name="圖片 7">
+            <a:extLst>
+              <a:ext uri="{FF2B5EF4-FFF2-40B4-BE49-F238E27FC236}">
+                <a16:creationId xmlns:a16="http://schemas.microsoft.com/office/drawing/2014/main" id="{4A8BBFC8-EE64-46BD-8C75-C4C5DCC278FE}"/>
+              </a:ext>
+            </a:extLst>
+          </p:cNvPr>
+          <p:cNvPicPr>
+            <a:picLocks noChangeAspect="1"/>
+          </p:cNvPicPr>
+          <p:nvPr/>
+        </p:nvPicPr>
+        <p:blipFill>
+          <a:blip r:embed="rId6"/>
+          <a:stretch>
+            <a:fillRect/>
+          </a:stretch>
+        </p:blipFill>
+        <p:spPr>
+          <a:xfrm>
+            <a:off x="2321989" y="3163358"/>
+            <a:ext cx="4926535" cy="3248026"/>
+          </a:xfrm>
+          <a:prstGeom prst="rect">
+            <a:avLst/>
+          </a:prstGeom>
+        </p:spPr>
+      </p:pic>
+      <p:sp>
+        <p:nvSpPr>
+          <p:cNvPr id="9" name="標題 1">
+            <a:extLst>
+              <a:ext uri="{FF2B5EF4-FFF2-40B4-BE49-F238E27FC236}">
+                <a16:creationId xmlns:a16="http://schemas.microsoft.com/office/drawing/2014/main" id="{CA2F4A59-89E4-4E03-9143-1810E8449885}"/>
+              </a:ext>
+            </a:extLst>
+          </p:cNvPr>
+          <p:cNvSpPr>
+            <a:spLocks noGrp="1"/>
+          </p:cNvSpPr>
+          <p:nvPr>
+            <p:ph type="title"/>
+          </p:nvPr>
+        </p:nvSpPr>
+        <p:spPr>
+          <a:xfrm>
+            <a:off x="838200" y="446616"/>
+            <a:ext cx="2582333" cy="933452"/>
+          </a:xfrm>
+        </p:spPr>
+        <p:txBody>
+          <a:bodyPr>
+            <a:normAutofit/>
+          </a:bodyPr>
+          <a:lstStyle/>
+          <a:p>
+            <a:r>
+              <a:rPr lang="en-US" altLang="zh-TW" sz="3200" dirty="0">
+                <a:latin typeface="微軟正黑體" panose="020B0604030504040204" pitchFamily="34" charset="-120"/>
+                <a:ea typeface="微軟正黑體" panose="020B0604030504040204" pitchFamily="34" charset="-120"/>
+              </a:rPr>
+              <a:t>Comparison</a:t>
+            </a:r>
+            <a:endParaRPr lang="zh-TW" altLang="en-US" sz="3200" dirty="0">
+              <a:latin typeface="微軟正黑體" panose="020B0604030504040204" pitchFamily="34" charset="-120"/>
+              <a:ea typeface="微軟正黑體" panose="020B0604030504040204" pitchFamily="34" charset="-120"/>
+            </a:endParaRPr>
+          </a:p>
+        </p:txBody>
+      </p:sp>
+      <p:sp>
+        <p:nvSpPr>
+          <p:cNvPr id="10" name="矩形 9">
+            <a:extLst>
+              <a:ext uri="{FF2B5EF4-FFF2-40B4-BE49-F238E27FC236}">
+                <a16:creationId xmlns:a16="http://schemas.microsoft.com/office/drawing/2014/main" id="{2E47A50D-D771-482B-8F8B-B265FCBF47D6}"/>
+              </a:ext>
+            </a:extLst>
+          </p:cNvPr>
+          <p:cNvSpPr/>
+          <p:nvPr/>
+        </p:nvSpPr>
+        <p:spPr>
+          <a:xfrm>
+            <a:off x="2476107" y="1299632"/>
+            <a:ext cx="1771651" cy="567267"/>
+          </a:xfrm>
+          <a:prstGeom prst="rect">
+            <a:avLst/>
+          </a:prstGeom>
+          <a:solidFill>
+            <a:srgbClr val="FFC000"/>
+          </a:solidFill>
+          <a:ln>
+            <a:solidFill>
+              <a:schemeClr val="tx1"/>
+            </a:solidFill>
+          </a:ln>
+        </p:spPr>
+        <p:style>
+          <a:lnRef idx="2">
+            <a:schemeClr val="accent1">
+              <a:shade val="50000"/>
+            </a:schemeClr>
+          </a:lnRef>
+          <a:fillRef idx="1">
+            <a:schemeClr val="accent1"/>
+          </a:fillRef>
+          <a:effectRef idx="0">
+            <a:schemeClr val="accent1"/>
+          </a:effectRef>
+          <a:fontRef idx="minor">
+            <a:schemeClr val="lt1"/>
+          </a:fontRef>
+        </p:style>
+        <p:txBody>
+          <a:bodyPr rtlCol="0" anchor="ctr"/>
+          <a:lstStyle/>
+          <a:p>
+            <a:r>
+              <a:rPr lang="en-US" altLang="zh-TW" sz="2400" dirty="0" err="1">
+                <a:solidFill>
+                  <a:schemeClr val="tx1"/>
+                </a:solidFill>
+                <a:latin typeface="微軟正黑體" panose="020B0604030504040204" pitchFamily="34" charset="-120"/>
+                <a:ea typeface="微軟正黑體" panose="020B0604030504040204" pitchFamily="34" charset="-120"/>
+              </a:rPr>
+              <a:t>Tensorflow</a:t>
+            </a:r>
+            <a:endParaRPr lang="en-US" altLang="zh-TW" sz="2400" dirty="0">
+              <a:solidFill>
+                <a:schemeClr val="tx1"/>
+              </a:solidFill>
+              <a:latin typeface="微軟正黑體" panose="020B0604030504040204" pitchFamily="34" charset="-120"/>
+              <a:ea typeface="微軟正黑體" panose="020B0604030504040204" pitchFamily="34" charset="-120"/>
+            </a:endParaRPr>
+          </a:p>
+        </p:txBody>
+      </p:sp>
+      <p:sp>
+        <p:nvSpPr>
+          <p:cNvPr id="11" name="矩形 10">
+            <a:extLst>
+              <a:ext uri="{FF2B5EF4-FFF2-40B4-BE49-F238E27FC236}">
+                <a16:creationId xmlns:a16="http://schemas.microsoft.com/office/drawing/2014/main" id="{C6BA6DF0-488C-4FDC-B7DD-410F99E82124}"/>
+              </a:ext>
+            </a:extLst>
+          </p:cNvPr>
+          <p:cNvSpPr/>
+          <p:nvPr/>
+        </p:nvSpPr>
+        <p:spPr>
+          <a:xfrm>
+            <a:off x="7544063" y="1299632"/>
+            <a:ext cx="1281114" cy="567267"/>
+          </a:xfrm>
+          <a:prstGeom prst="rect">
+            <a:avLst/>
+          </a:prstGeom>
+          <a:solidFill>
+            <a:srgbClr val="FFC000"/>
+          </a:solidFill>
+          <a:ln>
+            <a:solidFill>
+              <a:schemeClr val="tx1"/>
+            </a:solidFill>
+          </a:ln>
+        </p:spPr>
+        <p:style>
+          <a:lnRef idx="2">
+            <a:schemeClr val="accent1">
+              <a:shade val="50000"/>
+            </a:schemeClr>
+          </a:lnRef>
+          <a:fillRef idx="1">
+            <a:schemeClr val="accent1"/>
+          </a:fillRef>
+          <a:effectRef idx="0">
+            <a:schemeClr val="accent1"/>
+          </a:effectRef>
+          <a:fontRef idx="minor">
+            <a:schemeClr val="lt1"/>
+          </a:fontRef>
+        </p:style>
+        <p:txBody>
+          <a:bodyPr rtlCol="0" anchor="ctr"/>
+          <a:lstStyle/>
+          <a:p>
+            <a:r>
+              <a:rPr lang="en-US" altLang="zh-TW" sz="2400" dirty="0" err="1">
+                <a:solidFill>
+                  <a:schemeClr val="tx1"/>
+                </a:solidFill>
+                <a:latin typeface="微軟正黑體" panose="020B0604030504040204" pitchFamily="34" charset="-120"/>
+                <a:ea typeface="微軟正黑體" panose="020B0604030504040204" pitchFamily="34" charset="-120"/>
+              </a:rPr>
+              <a:t>Pytorch</a:t>
+            </a:r>
+            <a:endParaRPr lang="en-US" altLang="zh-TW" sz="2400" dirty="0">
+              <a:solidFill>
+                <a:schemeClr val="tx1"/>
+              </a:solidFill>
+              <a:latin typeface="微軟正黑體" panose="020B0604030504040204" pitchFamily="34" charset="-120"/>
+              <a:ea typeface="微軟正黑體" panose="020B0604030504040204" pitchFamily="34" charset="-120"/>
+            </a:endParaRPr>
+          </a:p>
+        </p:txBody>
+      </p:sp>
+      <p:sp>
+        <p:nvSpPr>
+          <p:cNvPr id="12" name="內容版面配置區 2">
+            <a:extLst>
+              <a:ext uri="{FF2B5EF4-FFF2-40B4-BE49-F238E27FC236}">
+                <a16:creationId xmlns:a16="http://schemas.microsoft.com/office/drawing/2014/main" id="{7D6AAB8C-16CB-44FA-936D-D7369A9338A8}"/>
+              </a:ext>
+            </a:extLst>
+          </p:cNvPr>
+          <p:cNvSpPr txBox="1">
+            <a:spLocks/>
+          </p:cNvSpPr>
+          <p:nvPr/>
+        </p:nvSpPr>
+        <p:spPr>
+          <a:xfrm>
+            <a:off x="4745569" y="2006782"/>
+            <a:ext cx="2149476" cy="1089371"/>
+          </a:xfrm>
+          <a:prstGeom prst="rect">
+            <a:avLst/>
+          </a:prstGeom>
+        </p:spPr>
+        <p:txBody>
+          <a:bodyPr vert="horz" lIns="91440" tIns="45720" rIns="91440" bIns="45720" rtlCol="0">
+            <a:normAutofit/>
+          </a:bodyPr>
+          <a:lstStyle>
+            <a:lvl1pPr marL="228600" indent="-228600" algn="l" defTabSz="914400" rtl="0" eaLnBrk="1" latinLnBrk="0" hangingPunct="1">
+              <a:lnSpc>
+                <a:spcPct val="90000"/>
+              </a:lnSpc>
+              <a:spcBef>
+                <a:spcPts val="1000"/>
+              </a:spcBef>
+              <a:buFont typeface="Arial" panose="020B0604020202020204" pitchFamily="34" charset="0"/>
+              <a:buChar char="•"/>
+              <a:defRPr sz="2800" kern="1200">
+                <a:solidFill>
+                  <a:schemeClr val="tx1"/>
+                </a:solidFill>
+                <a:latin typeface="+mn-lt"/>
+                <a:ea typeface="+mn-ea"/>
+                <a:cs typeface="+mn-cs"/>
+              </a:defRPr>
+            </a:lvl1pPr>
+            <a:lvl2pPr marL="685800" indent="-228600" algn="l" defTabSz="914400" rtl="0" eaLnBrk="1" latinLnBrk="0" hangingPunct="1">
+              <a:lnSpc>
+                <a:spcPct val="90000"/>
+              </a:lnSpc>
+              <a:spcBef>
+                <a:spcPts val="500"/>
+              </a:spcBef>
+              <a:buFont typeface="Arial" panose="020B0604020202020204" pitchFamily="34" charset="0"/>
+              <a:buChar char="•"/>
+              <a:defRPr sz="2400" kern="1200">
+                <a:solidFill>
+                  <a:schemeClr val="tx1"/>
+                </a:solidFill>
+                <a:latin typeface="+mn-lt"/>
+                <a:ea typeface="+mn-ea"/>
+                <a:cs typeface="+mn-cs"/>
+              </a:defRPr>
+            </a:lvl2pPr>
+            <a:lvl3pPr marL="1143000" indent="-228600" algn="l" defTabSz="914400" rtl="0" eaLnBrk="1" latinLnBrk="0" hangingPunct="1">
+              <a:lnSpc>
+                <a:spcPct val="90000"/>
+              </a:lnSpc>
+              <a:spcBef>
+                <a:spcPts val="500"/>
+              </a:spcBef>
+              <a:buFont typeface="Arial" panose="020B0604020202020204" pitchFamily="34" charset="0"/>
+              <a:buChar char="•"/>
+              <a:defRPr sz="2000" kern="1200">
+                <a:solidFill>
+                  <a:schemeClr val="tx1"/>
+                </a:solidFill>
+                <a:latin typeface="+mn-lt"/>
+                <a:ea typeface="+mn-ea"/>
+                <a:cs typeface="+mn-cs"/>
+              </a:defRPr>
+            </a:lvl3pPr>
+            <a:lvl4pPr marL="1600200" indent="-228600" algn="l" defTabSz="914400" rtl="0" eaLnBrk="1" latinLnBrk="0" hangingPunct="1">
+              <a:lnSpc>
+                <a:spcPct val="90000"/>
+              </a:lnSpc>
+              <a:spcBef>
+                <a:spcPts val="500"/>
+              </a:spcBef>
+              <a:buFont typeface="Arial" panose="020B0604020202020204" pitchFamily="34" charset="0"/>
+              <a:buChar char="•"/>
+              <a:defRPr sz="1800" kern="1200">
+                <a:solidFill>
+                  <a:schemeClr val="tx1"/>
+                </a:solidFill>
+                <a:latin typeface="+mn-lt"/>
+                <a:ea typeface="+mn-ea"/>
+                <a:cs typeface="+mn-cs"/>
+              </a:defRPr>
+            </a:lvl4pPr>
+            <a:lvl5pPr marL="2057400" indent="-228600" algn="l" defTabSz="914400" rtl="0" eaLnBrk="1" latinLnBrk="0" hangingPunct="1">
+              <a:lnSpc>
+                <a:spcPct val="90000"/>
+              </a:lnSpc>
+              <a:spcBef>
+                <a:spcPts val="500"/>
+              </a:spcBef>
+              <a:buFont typeface="Arial" panose="020B0604020202020204" pitchFamily="34" charset="0"/>
+              <a:buChar char="•"/>
+              <a:defRPr sz="1800" kern="1200">
+                <a:solidFill>
+                  <a:schemeClr val="tx1"/>
+                </a:solidFill>
+                <a:latin typeface="+mn-lt"/>
+                <a:ea typeface="+mn-ea"/>
+                <a:cs typeface="+mn-cs"/>
+              </a:defRPr>
+            </a:lvl5pPr>
+            <a:lvl6pPr marL="2514600" indent="-228600" algn="l" defTabSz="914400" rtl="0" eaLnBrk="1" latinLnBrk="0" hangingPunct="1">
+              <a:lnSpc>
+                <a:spcPct val="90000"/>
+              </a:lnSpc>
+              <a:spcBef>
+                <a:spcPts val="500"/>
+              </a:spcBef>
+              <a:buFont typeface="Arial" panose="020B0604020202020204" pitchFamily="34" charset="0"/>
+              <a:buChar char="•"/>
+              <a:defRPr sz="1800" kern="1200">
+                <a:solidFill>
+                  <a:schemeClr val="tx1"/>
+                </a:solidFill>
+                <a:latin typeface="+mn-lt"/>
+                <a:ea typeface="+mn-ea"/>
+                <a:cs typeface="+mn-cs"/>
+              </a:defRPr>
+            </a:lvl6pPr>
+            <a:lvl7pPr marL="2971800" indent="-228600" algn="l" defTabSz="914400" rtl="0" eaLnBrk="1" latinLnBrk="0" hangingPunct="1">
+              <a:lnSpc>
+                <a:spcPct val="90000"/>
+              </a:lnSpc>
+              <a:spcBef>
+                <a:spcPts val="500"/>
+              </a:spcBef>
+              <a:buFont typeface="Arial" panose="020B0604020202020204" pitchFamily="34" charset="0"/>
+              <a:buChar char="•"/>
+              <a:defRPr sz="1800" kern="1200">
+                <a:solidFill>
+                  <a:schemeClr val="tx1"/>
+                </a:solidFill>
+                <a:latin typeface="+mn-lt"/>
+                <a:ea typeface="+mn-ea"/>
+                <a:cs typeface="+mn-cs"/>
+              </a:defRPr>
+            </a:lvl7pPr>
+            <a:lvl8pPr marL="3429000" indent="-228600" algn="l" defTabSz="914400" rtl="0" eaLnBrk="1" latinLnBrk="0" hangingPunct="1">
+              <a:lnSpc>
+                <a:spcPct val="90000"/>
+              </a:lnSpc>
+              <a:spcBef>
+                <a:spcPts val="500"/>
+              </a:spcBef>
+              <a:buFont typeface="Arial" panose="020B0604020202020204" pitchFamily="34" charset="0"/>
+              <a:buChar char="•"/>
+              <a:defRPr sz="1800" kern="1200">
+                <a:solidFill>
+                  <a:schemeClr val="tx1"/>
+                </a:solidFill>
+                <a:latin typeface="+mn-lt"/>
+                <a:ea typeface="+mn-ea"/>
+                <a:cs typeface="+mn-cs"/>
+              </a:defRPr>
+            </a:lvl8pPr>
+            <a:lvl9pPr marL="3886200" indent="-228600" algn="l" defTabSz="914400" rtl="0" eaLnBrk="1" latinLnBrk="0" hangingPunct="1">
+              <a:lnSpc>
+                <a:spcPct val="90000"/>
+              </a:lnSpc>
+              <a:spcBef>
+                <a:spcPts val="500"/>
+              </a:spcBef>
+              <a:buFont typeface="Arial" panose="020B0604020202020204" pitchFamily="34" charset="0"/>
+              <a:buChar char="•"/>
+              <a:defRPr sz="1800" kern="1200">
+                <a:solidFill>
+                  <a:schemeClr val="tx1"/>
+                </a:solidFill>
+                <a:latin typeface="+mn-lt"/>
+                <a:ea typeface="+mn-ea"/>
+                <a:cs typeface="+mn-cs"/>
+              </a:defRPr>
+            </a:lvl9pPr>
+          </a:lstStyle>
+          <a:p>
+            <a:pPr marL="0" indent="0">
+              <a:buNone/>
+            </a:pPr>
+            <a:r>
+              <a:rPr lang="en-US" altLang="zh-TW" sz="1800" dirty="0">
+                <a:latin typeface="微軟正黑體" panose="020B0604030504040204" pitchFamily="34" charset="-120"/>
+                <a:ea typeface="微軟正黑體" panose="020B0604030504040204" pitchFamily="34" charset="-120"/>
+              </a:rPr>
+              <a:t>CPU</a:t>
+            </a:r>
+            <a:r>
+              <a:rPr lang="zh-TW" altLang="en-US" sz="1800" dirty="0">
+                <a:latin typeface="微軟正黑體" panose="020B0604030504040204" pitchFamily="34" charset="-120"/>
+                <a:ea typeface="微軟正黑體" panose="020B0604030504040204" pitchFamily="34" charset="-120"/>
+              </a:rPr>
+              <a:t>佔用較高</a:t>
+            </a:r>
+            <a:br>
+              <a:rPr lang="en-US" altLang="zh-TW" sz="1800" dirty="0">
+                <a:latin typeface="微軟正黑體" panose="020B0604030504040204" pitchFamily="34" charset="-120"/>
+                <a:ea typeface="微軟正黑體" panose="020B0604030504040204" pitchFamily="34" charset="-120"/>
+              </a:rPr>
+            </a:br>
+            <a:r>
+              <a:rPr lang="zh-TW" altLang="en-US" sz="1800" dirty="0">
+                <a:latin typeface="微軟正黑體" panose="020B0604030504040204" pitchFamily="34" charset="-120"/>
+                <a:ea typeface="微軟正黑體" panose="020B0604030504040204" pitchFamily="34" charset="-120"/>
+              </a:rPr>
+              <a:t>記憶體佔用</a:t>
+            </a:r>
+            <a:r>
+              <a:rPr lang="en-US" altLang="zh-TW" sz="1800" dirty="0">
+                <a:latin typeface="微軟正黑體" panose="020B0604030504040204" pitchFamily="34" charset="-120"/>
+                <a:ea typeface="微軟正黑體" panose="020B0604030504040204" pitchFamily="34" charset="-120"/>
+              </a:rPr>
+              <a:t>5.3g</a:t>
+            </a:r>
+            <a:br>
+              <a:rPr lang="en-US" altLang="zh-TW" sz="1800" dirty="0">
+                <a:latin typeface="微軟正黑體" panose="020B0604030504040204" pitchFamily="34" charset="-120"/>
+                <a:ea typeface="微軟正黑體" panose="020B0604030504040204" pitchFamily="34" charset="-120"/>
+              </a:rPr>
+            </a:br>
+            <a:r>
+              <a:rPr lang="en-US" altLang="zh-TW" sz="1800" dirty="0" err="1">
+                <a:latin typeface="微軟正黑體" panose="020B0604030504040204" pitchFamily="34" charset="-120"/>
+                <a:ea typeface="微軟正黑體" panose="020B0604030504040204" pitchFamily="34" charset="-120"/>
+              </a:rPr>
+              <a:t>Vram</a:t>
+            </a:r>
+            <a:r>
+              <a:rPr lang="zh-TW" altLang="en-US" sz="1800" dirty="0">
+                <a:latin typeface="微軟正黑體" panose="020B0604030504040204" pitchFamily="34" charset="-120"/>
+                <a:ea typeface="微軟正黑體" panose="020B0604030504040204" pitchFamily="34" charset="-120"/>
+              </a:rPr>
+              <a:t>佔用</a:t>
+            </a:r>
+            <a:r>
+              <a:rPr lang="en-US" altLang="zh-TW" sz="1800" dirty="0">
+                <a:latin typeface="微軟正黑體" panose="020B0604030504040204" pitchFamily="34" charset="-120"/>
+                <a:ea typeface="微軟正黑體" panose="020B0604030504040204" pitchFamily="34" charset="-120"/>
+              </a:rPr>
+              <a:t>11g</a:t>
+            </a:r>
+            <a:br>
+              <a:rPr lang="en-US" altLang="zh-TW" sz="1800" dirty="0">
+                <a:latin typeface="微軟正黑體" panose="020B0604030504040204" pitchFamily="34" charset="-120"/>
+                <a:ea typeface="微軟正黑體" panose="020B0604030504040204" pitchFamily="34" charset="-120"/>
+              </a:rPr>
+            </a:br>
+            <a:r>
+              <a:rPr lang="en-US" altLang="zh-TW" sz="1800" dirty="0" err="1">
+                <a:latin typeface="微軟正黑體" panose="020B0604030504040204" pitchFamily="34" charset="-120"/>
+                <a:ea typeface="微軟正黑體" panose="020B0604030504040204" pitchFamily="34" charset="-120"/>
+              </a:rPr>
+              <a:t>Cuda</a:t>
+            </a:r>
+            <a:r>
+              <a:rPr lang="zh-TW" altLang="en-US" sz="1800" dirty="0">
+                <a:latin typeface="微軟正黑體" panose="020B0604030504040204" pitchFamily="34" charset="-120"/>
+                <a:ea typeface="微軟正黑體" panose="020B0604030504040204" pitchFamily="34" charset="-120"/>
+              </a:rPr>
+              <a:t>使用率低下</a:t>
+            </a:r>
+            <a:endParaRPr lang="en-US" altLang="zh-TW" sz="1800" dirty="0">
+              <a:latin typeface="微軟正黑體" panose="020B0604030504040204" pitchFamily="34" charset="-120"/>
+              <a:ea typeface="微軟正黑體" panose="020B0604030504040204" pitchFamily="34" charset="-120"/>
+            </a:endParaRPr>
+          </a:p>
+        </p:txBody>
+      </p:sp>
+      <p:sp>
+        <p:nvSpPr>
+          <p:cNvPr id="13" name="內容版面配置區 2">
+            <a:extLst>
+              <a:ext uri="{FF2B5EF4-FFF2-40B4-BE49-F238E27FC236}">
+                <a16:creationId xmlns:a16="http://schemas.microsoft.com/office/drawing/2014/main" id="{FB14E695-EC01-46CC-87A7-AC88D21255E6}"/>
+              </a:ext>
+            </a:extLst>
+          </p:cNvPr>
+          <p:cNvSpPr txBox="1">
+            <a:spLocks/>
+          </p:cNvSpPr>
+          <p:nvPr/>
+        </p:nvSpPr>
+        <p:spPr>
+          <a:xfrm>
+            <a:off x="9614962" y="2044882"/>
+            <a:ext cx="2149476" cy="1089371"/>
+          </a:xfrm>
+          <a:prstGeom prst="rect">
+            <a:avLst/>
+          </a:prstGeom>
+        </p:spPr>
+        <p:txBody>
+          <a:bodyPr vert="horz" lIns="91440" tIns="45720" rIns="91440" bIns="45720" rtlCol="0">
+            <a:normAutofit/>
+          </a:bodyPr>
+          <a:lstStyle>
+            <a:lvl1pPr marL="228600" indent="-228600" algn="l" defTabSz="914400" rtl="0" eaLnBrk="1" latinLnBrk="0" hangingPunct="1">
+              <a:lnSpc>
+                <a:spcPct val="90000"/>
+              </a:lnSpc>
+              <a:spcBef>
+                <a:spcPts val="1000"/>
+              </a:spcBef>
+              <a:buFont typeface="Arial" panose="020B0604020202020204" pitchFamily="34" charset="0"/>
+              <a:buChar char="•"/>
+              <a:defRPr sz="2800" kern="1200">
+                <a:solidFill>
+                  <a:schemeClr val="tx1"/>
+                </a:solidFill>
+                <a:latin typeface="+mn-lt"/>
+                <a:ea typeface="+mn-ea"/>
+                <a:cs typeface="+mn-cs"/>
+              </a:defRPr>
+            </a:lvl1pPr>
+            <a:lvl2pPr marL="685800" indent="-228600" algn="l" defTabSz="914400" rtl="0" eaLnBrk="1" latinLnBrk="0" hangingPunct="1">
+              <a:lnSpc>
+                <a:spcPct val="90000"/>
+              </a:lnSpc>
+              <a:spcBef>
+                <a:spcPts val="500"/>
+              </a:spcBef>
+              <a:buFont typeface="Arial" panose="020B0604020202020204" pitchFamily="34" charset="0"/>
+              <a:buChar char="•"/>
+              <a:defRPr sz="2400" kern="1200">
+                <a:solidFill>
+                  <a:schemeClr val="tx1"/>
+                </a:solidFill>
+                <a:latin typeface="+mn-lt"/>
+                <a:ea typeface="+mn-ea"/>
+                <a:cs typeface="+mn-cs"/>
+              </a:defRPr>
+            </a:lvl2pPr>
+            <a:lvl3pPr marL="1143000" indent="-228600" algn="l" defTabSz="914400" rtl="0" eaLnBrk="1" latinLnBrk="0" hangingPunct="1">
+              <a:lnSpc>
+                <a:spcPct val="90000"/>
+              </a:lnSpc>
+              <a:spcBef>
+                <a:spcPts val="500"/>
+              </a:spcBef>
+              <a:buFont typeface="Arial" panose="020B0604020202020204" pitchFamily="34" charset="0"/>
+              <a:buChar char="•"/>
+              <a:defRPr sz="2000" kern="1200">
+                <a:solidFill>
+                  <a:schemeClr val="tx1"/>
+                </a:solidFill>
+                <a:latin typeface="+mn-lt"/>
+                <a:ea typeface="+mn-ea"/>
+                <a:cs typeface="+mn-cs"/>
+              </a:defRPr>
+            </a:lvl3pPr>
+            <a:lvl4pPr marL="1600200" indent="-228600" algn="l" defTabSz="914400" rtl="0" eaLnBrk="1" latinLnBrk="0" hangingPunct="1">
+              <a:lnSpc>
+                <a:spcPct val="90000"/>
+              </a:lnSpc>
+              <a:spcBef>
+                <a:spcPts val="500"/>
+              </a:spcBef>
+              <a:buFont typeface="Arial" panose="020B0604020202020204" pitchFamily="34" charset="0"/>
+              <a:buChar char="•"/>
+              <a:defRPr sz="1800" kern="1200">
+                <a:solidFill>
+                  <a:schemeClr val="tx1"/>
+                </a:solidFill>
+                <a:latin typeface="+mn-lt"/>
+                <a:ea typeface="+mn-ea"/>
+                <a:cs typeface="+mn-cs"/>
+              </a:defRPr>
+            </a:lvl4pPr>
+            <a:lvl5pPr marL="2057400" indent="-228600" algn="l" defTabSz="914400" rtl="0" eaLnBrk="1" latinLnBrk="0" hangingPunct="1">
+              <a:lnSpc>
+                <a:spcPct val="90000"/>
+              </a:lnSpc>
+              <a:spcBef>
+                <a:spcPts val="500"/>
+              </a:spcBef>
+              <a:buFont typeface="Arial" panose="020B0604020202020204" pitchFamily="34" charset="0"/>
+              <a:buChar char="•"/>
+              <a:defRPr sz="1800" kern="1200">
+                <a:solidFill>
+                  <a:schemeClr val="tx1"/>
+                </a:solidFill>
+                <a:latin typeface="+mn-lt"/>
+                <a:ea typeface="+mn-ea"/>
+                <a:cs typeface="+mn-cs"/>
+              </a:defRPr>
+            </a:lvl5pPr>
+            <a:lvl6pPr marL="2514600" indent="-228600" algn="l" defTabSz="914400" rtl="0" eaLnBrk="1" latinLnBrk="0" hangingPunct="1">
+              <a:lnSpc>
+                <a:spcPct val="90000"/>
+              </a:lnSpc>
+              <a:spcBef>
+                <a:spcPts val="500"/>
+              </a:spcBef>
+              <a:buFont typeface="Arial" panose="020B0604020202020204" pitchFamily="34" charset="0"/>
+              <a:buChar char="•"/>
+              <a:defRPr sz="1800" kern="1200">
+                <a:solidFill>
+                  <a:schemeClr val="tx1"/>
+                </a:solidFill>
+                <a:latin typeface="+mn-lt"/>
+                <a:ea typeface="+mn-ea"/>
+                <a:cs typeface="+mn-cs"/>
+              </a:defRPr>
+            </a:lvl6pPr>
+            <a:lvl7pPr marL="2971800" indent="-228600" algn="l" defTabSz="914400" rtl="0" eaLnBrk="1" latinLnBrk="0" hangingPunct="1">
+              <a:lnSpc>
+                <a:spcPct val="90000"/>
+              </a:lnSpc>
+              <a:spcBef>
+                <a:spcPts val="500"/>
+              </a:spcBef>
+              <a:buFont typeface="Arial" panose="020B0604020202020204" pitchFamily="34" charset="0"/>
+              <a:buChar char="•"/>
+              <a:defRPr sz="1800" kern="1200">
+                <a:solidFill>
+                  <a:schemeClr val="tx1"/>
+                </a:solidFill>
+                <a:latin typeface="+mn-lt"/>
+                <a:ea typeface="+mn-ea"/>
+                <a:cs typeface="+mn-cs"/>
+              </a:defRPr>
+            </a:lvl7pPr>
+            <a:lvl8pPr marL="3429000" indent="-228600" algn="l" defTabSz="914400" rtl="0" eaLnBrk="1" latinLnBrk="0" hangingPunct="1">
+              <a:lnSpc>
+                <a:spcPct val="90000"/>
+              </a:lnSpc>
+              <a:spcBef>
+                <a:spcPts val="500"/>
+              </a:spcBef>
+              <a:buFont typeface="Arial" panose="020B0604020202020204" pitchFamily="34" charset="0"/>
+              <a:buChar char="•"/>
+              <a:defRPr sz="1800" kern="1200">
+                <a:solidFill>
+                  <a:schemeClr val="tx1"/>
+                </a:solidFill>
+                <a:latin typeface="+mn-lt"/>
+                <a:ea typeface="+mn-ea"/>
+                <a:cs typeface="+mn-cs"/>
+              </a:defRPr>
+            </a:lvl8pPr>
+            <a:lvl9pPr marL="3886200" indent="-228600" algn="l" defTabSz="914400" rtl="0" eaLnBrk="1" latinLnBrk="0" hangingPunct="1">
+              <a:lnSpc>
+                <a:spcPct val="90000"/>
+              </a:lnSpc>
+              <a:spcBef>
+                <a:spcPts val="500"/>
+              </a:spcBef>
+              <a:buFont typeface="Arial" panose="020B0604020202020204" pitchFamily="34" charset="0"/>
+              <a:buChar char="•"/>
+              <a:defRPr sz="1800" kern="1200">
+                <a:solidFill>
+                  <a:schemeClr val="tx1"/>
+                </a:solidFill>
+                <a:latin typeface="+mn-lt"/>
+                <a:ea typeface="+mn-ea"/>
+                <a:cs typeface="+mn-cs"/>
+              </a:defRPr>
+            </a:lvl9pPr>
+          </a:lstStyle>
+          <a:p>
+            <a:pPr marL="0" indent="0">
+              <a:buNone/>
+            </a:pPr>
+            <a:r>
+              <a:rPr lang="en-US" altLang="zh-TW" sz="1800" dirty="0">
+                <a:latin typeface="微軟正黑體" panose="020B0604030504040204" pitchFamily="34" charset="-120"/>
+                <a:ea typeface="微軟正黑體" panose="020B0604030504040204" pitchFamily="34" charset="-120"/>
+              </a:rPr>
+              <a:t>CPU</a:t>
+            </a:r>
+            <a:r>
+              <a:rPr lang="zh-TW" altLang="en-US" sz="1800" dirty="0">
+                <a:latin typeface="微軟正黑體" panose="020B0604030504040204" pitchFamily="34" charset="-120"/>
+                <a:ea typeface="微軟正黑體" panose="020B0604030504040204" pitchFamily="34" charset="-120"/>
+              </a:rPr>
+              <a:t>佔用較低</a:t>
+            </a:r>
+            <a:br>
+              <a:rPr lang="en-US" altLang="zh-TW" sz="1800" dirty="0">
+                <a:latin typeface="微軟正黑體" panose="020B0604030504040204" pitchFamily="34" charset="-120"/>
+                <a:ea typeface="微軟正黑體" panose="020B0604030504040204" pitchFamily="34" charset="-120"/>
+              </a:rPr>
+            </a:br>
+            <a:r>
+              <a:rPr lang="zh-TW" altLang="en-US" sz="1800" dirty="0">
+                <a:latin typeface="微軟正黑體" panose="020B0604030504040204" pitchFamily="34" charset="-120"/>
+                <a:ea typeface="微軟正黑體" panose="020B0604030504040204" pitchFamily="34" charset="-120"/>
+              </a:rPr>
+              <a:t>記憶體占用</a:t>
+            </a:r>
+            <a:r>
+              <a:rPr lang="en-US" altLang="zh-TW" sz="1800" dirty="0">
+                <a:latin typeface="微軟正黑體" panose="020B0604030504040204" pitchFamily="34" charset="-120"/>
+                <a:ea typeface="微軟正黑體" panose="020B0604030504040204" pitchFamily="34" charset="-120"/>
+              </a:rPr>
+              <a:t>4.7g</a:t>
+            </a:r>
+            <a:br>
+              <a:rPr lang="en-US" altLang="zh-TW" sz="1800" dirty="0">
+                <a:latin typeface="微軟正黑體" panose="020B0604030504040204" pitchFamily="34" charset="-120"/>
+                <a:ea typeface="微軟正黑體" panose="020B0604030504040204" pitchFamily="34" charset="-120"/>
+              </a:rPr>
+            </a:br>
+            <a:r>
+              <a:rPr lang="en-US" altLang="zh-TW" sz="1800" dirty="0" err="1">
+                <a:latin typeface="微軟正黑體" panose="020B0604030504040204" pitchFamily="34" charset="-120"/>
+                <a:ea typeface="微軟正黑體" panose="020B0604030504040204" pitchFamily="34" charset="-120"/>
+              </a:rPr>
+              <a:t>Vram</a:t>
+            </a:r>
+            <a:r>
+              <a:rPr lang="zh-TW" altLang="en-US" sz="1800" dirty="0">
+                <a:latin typeface="微軟正黑體" panose="020B0604030504040204" pitchFamily="34" charset="-120"/>
+                <a:ea typeface="微軟正黑體" panose="020B0604030504040204" pitchFamily="34" charset="-120"/>
+              </a:rPr>
+              <a:t>佔用</a:t>
+            </a:r>
+            <a:r>
+              <a:rPr lang="en-US" altLang="zh-TW" sz="1800" dirty="0">
+                <a:latin typeface="微軟正黑體" panose="020B0604030504040204" pitchFamily="34" charset="-120"/>
+                <a:ea typeface="微軟正黑體" panose="020B0604030504040204" pitchFamily="34" charset="-120"/>
+              </a:rPr>
+              <a:t>2g</a:t>
+            </a:r>
+            <a:br>
+              <a:rPr lang="en-US" altLang="zh-TW" sz="1800" dirty="0">
+                <a:latin typeface="微軟正黑體" panose="020B0604030504040204" pitchFamily="34" charset="-120"/>
+                <a:ea typeface="微軟正黑體" panose="020B0604030504040204" pitchFamily="34" charset="-120"/>
+              </a:rPr>
+            </a:br>
+            <a:r>
+              <a:rPr lang="en-US" altLang="zh-TW" sz="1800" dirty="0" err="1">
+                <a:latin typeface="微軟正黑體" panose="020B0604030504040204" pitchFamily="34" charset="-120"/>
+                <a:ea typeface="微軟正黑體" panose="020B0604030504040204" pitchFamily="34" charset="-120"/>
+              </a:rPr>
+              <a:t>Cuda</a:t>
+            </a:r>
+            <a:r>
+              <a:rPr lang="zh-TW" altLang="en-US" sz="1800" dirty="0">
+                <a:latin typeface="微軟正黑體" panose="020B0604030504040204" pitchFamily="34" charset="-120"/>
+                <a:ea typeface="微軟正黑體" panose="020B0604030504040204" pitchFamily="34" charset="-120"/>
+              </a:rPr>
+              <a:t>使用率較高</a:t>
+            </a:r>
+            <a:endParaRPr lang="en-US" altLang="zh-TW" sz="1800" dirty="0">
+              <a:latin typeface="微軟正黑體" panose="020B0604030504040204" pitchFamily="34" charset="-120"/>
+              <a:ea typeface="微軟正黑體" panose="020B0604030504040204" pitchFamily="34" charset="-120"/>
+            </a:endParaRPr>
+          </a:p>
+        </p:txBody>
+      </p:sp>
+    </p:spTree>
+    <p:extLst>
+      <p:ext uri="{BB962C8B-B14F-4D97-AF65-F5344CB8AC3E}">
+        <p14:creationId xmlns:p14="http://schemas.microsoft.com/office/powerpoint/2010/main" val="3366029080"/>
       </p:ext>
     </p:extLst>
   </p:cSld>
@@ -17047,8 +20595,8 @@
           </a:p>
         </p:txBody>
       </p:sp>
-      <mc:AlternateContent xmlns:mc="http://schemas.openxmlformats.org/markup-compatibility/2006">
-        <mc:Choice xmlns:a14="http://schemas.microsoft.com/office/drawing/2010/main" Requires="a14">
+      <mc:AlternateContent xmlns:mc="http://schemas.openxmlformats.org/markup-compatibility/2006" xmlns:a14="http://schemas.microsoft.com/office/drawing/2010/main">
+        <mc:Choice Requires="a14">
           <p:sp>
             <p:nvSpPr>
               <p:cNvPr id="3" name="文字方塊 2">
@@ -18414,7 +21962,7 @@
             </p:txBody>
           </p:sp>
         </mc:Choice>
-        <mc:Fallback>
+        <mc:Fallback xmlns="">
           <p:sp>
             <p:nvSpPr>
               <p:cNvPr id="3" name="文字方塊 2">
@@ -18872,6 +22420,43 @@
           </a:extLst>
         </p:spPr>
       </p:pic>
+      <p:sp>
+        <p:nvSpPr>
+          <p:cNvPr id="4" name="文字方塊 3">
+            <a:extLst>
+              <a:ext uri="{FF2B5EF4-FFF2-40B4-BE49-F238E27FC236}">
+                <a16:creationId xmlns:a16="http://schemas.microsoft.com/office/drawing/2014/main" id="{44AEDD91-A523-4237-8FD2-CCEC06DBB572}"/>
+              </a:ext>
+            </a:extLst>
+          </p:cNvPr>
+          <p:cNvSpPr txBox="1"/>
+          <p:nvPr/>
+        </p:nvSpPr>
+        <p:spPr>
+          <a:xfrm>
+            <a:off x="8442019" y="2150971"/>
+            <a:ext cx="2489200" cy="369332"/>
+          </a:xfrm>
+          <a:prstGeom prst="rect">
+            <a:avLst/>
+          </a:prstGeom>
+          <a:noFill/>
+          <a:ln w="38100">
+            <a:solidFill>
+              <a:srgbClr val="FF0000"/>
+            </a:solidFill>
+          </a:ln>
+        </p:spPr>
+        <p:txBody>
+          <a:bodyPr wrap="square" rtlCol="0">
+            <a:spAutoFit/>
+          </a:bodyPr>
+          <a:lstStyle/>
+          <a:p>
+            <a:endParaRPr lang="zh-TW" altLang="en-US" dirty="0"/>
+          </a:p>
+        </p:txBody>
+      </p:sp>
     </p:spTree>
     <p:extLst>
       <p:ext uri="{BB962C8B-B14F-4D97-AF65-F5344CB8AC3E}">

--- a/107302002.pptx
+++ b/107302002.pptx
@@ -277,7 +277,7 @@
           <a:p>
             <a:fld id="{48958F36-EEA7-422C-84CD-629B3B069568}" type="datetimeFigureOut">
               <a:rPr lang="zh-TW" altLang="en-US" smtClean="0"/>
-              <a:t>2022/1/6</a:t>
+              <a:t>2022/1/7</a:t>
             </a:fld>
             <a:endParaRPr lang="zh-TW" altLang="en-US"/>
           </a:p>
@@ -475,7 +475,7 @@
           <a:p>
             <a:fld id="{48958F36-EEA7-422C-84CD-629B3B069568}" type="datetimeFigureOut">
               <a:rPr lang="zh-TW" altLang="en-US" smtClean="0"/>
-              <a:t>2022/1/6</a:t>
+              <a:t>2022/1/7</a:t>
             </a:fld>
             <a:endParaRPr lang="zh-TW" altLang="en-US"/>
           </a:p>
@@ -683,7 +683,7 @@
           <a:p>
             <a:fld id="{48958F36-EEA7-422C-84CD-629B3B069568}" type="datetimeFigureOut">
               <a:rPr lang="zh-TW" altLang="en-US" smtClean="0"/>
-              <a:t>2022/1/6</a:t>
+              <a:t>2022/1/7</a:t>
             </a:fld>
             <a:endParaRPr lang="zh-TW" altLang="en-US"/>
           </a:p>
@@ -881,7 +881,7 @@
           <a:p>
             <a:fld id="{48958F36-EEA7-422C-84CD-629B3B069568}" type="datetimeFigureOut">
               <a:rPr lang="zh-TW" altLang="en-US" smtClean="0"/>
-              <a:t>2022/1/6</a:t>
+              <a:t>2022/1/7</a:t>
             </a:fld>
             <a:endParaRPr lang="zh-TW" altLang="en-US"/>
           </a:p>
@@ -1156,7 +1156,7 @@
           <a:p>
             <a:fld id="{48958F36-EEA7-422C-84CD-629B3B069568}" type="datetimeFigureOut">
               <a:rPr lang="zh-TW" altLang="en-US" smtClean="0"/>
-              <a:t>2022/1/6</a:t>
+              <a:t>2022/1/7</a:t>
             </a:fld>
             <a:endParaRPr lang="zh-TW" altLang="en-US"/>
           </a:p>
@@ -1421,7 +1421,7 @@
           <a:p>
             <a:fld id="{48958F36-EEA7-422C-84CD-629B3B069568}" type="datetimeFigureOut">
               <a:rPr lang="zh-TW" altLang="en-US" smtClean="0"/>
-              <a:t>2022/1/6</a:t>
+              <a:t>2022/1/7</a:t>
             </a:fld>
             <a:endParaRPr lang="zh-TW" altLang="en-US"/>
           </a:p>
@@ -1833,7 +1833,7 @@
           <a:p>
             <a:fld id="{48958F36-EEA7-422C-84CD-629B3B069568}" type="datetimeFigureOut">
               <a:rPr lang="zh-TW" altLang="en-US" smtClean="0"/>
-              <a:t>2022/1/6</a:t>
+              <a:t>2022/1/7</a:t>
             </a:fld>
             <a:endParaRPr lang="zh-TW" altLang="en-US"/>
           </a:p>
@@ -1974,7 +1974,7 @@
           <a:p>
             <a:fld id="{48958F36-EEA7-422C-84CD-629B3B069568}" type="datetimeFigureOut">
               <a:rPr lang="zh-TW" altLang="en-US" smtClean="0"/>
-              <a:t>2022/1/6</a:t>
+              <a:t>2022/1/7</a:t>
             </a:fld>
             <a:endParaRPr lang="zh-TW" altLang="en-US"/>
           </a:p>
@@ -2087,7 +2087,7 @@
           <a:p>
             <a:fld id="{48958F36-EEA7-422C-84CD-629B3B069568}" type="datetimeFigureOut">
               <a:rPr lang="zh-TW" altLang="en-US" smtClean="0"/>
-              <a:t>2022/1/6</a:t>
+              <a:t>2022/1/7</a:t>
             </a:fld>
             <a:endParaRPr lang="zh-TW" altLang="en-US"/>
           </a:p>
@@ -2398,7 +2398,7 @@
           <a:p>
             <a:fld id="{48958F36-EEA7-422C-84CD-629B3B069568}" type="datetimeFigureOut">
               <a:rPr lang="zh-TW" altLang="en-US" smtClean="0"/>
-              <a:t>2022/1/6</a:t>
+              <a:t>2022/1/7</a:t>
             </a:fld>
             <a:endParaRPr lang="zh-TW" altLang="en-US"/>
           </a:p>
@@ -2686,7 +2686,7 @@
           <a:p>
             <a:fld id="{48958F36-EEA7-422C-84CD-629B3B069568}" type="datetimeFigureOut">
               <a:rPr lang="zh-TW" altLang="en-US" smtClean="0"/>
-              <a:t>2022/1/6</a:t>
+              <a:t>2022/1/7</a:t>
             </a:fld>
             <a:endParaRPr lang="zh-TW" altLang="en-US"/>
           </a:p>
@@ -2927,7 +2927,7 @@
           <a:p>
             <a:fld id="{48958F36-EEA7-422C-84CD-629B3B069568}" type="datetimeFigureOut">
               <a:rPr lang="zh-TW" altLang="en-US" smtClean="0"/>
-              <a:t>2022/1/6</a:t>
+              <a:t>2022/1/7</a:t>
             </a:fld>
             <a:endParaRPr lang="zh-TW" altLang="en-US"/>
           </a:p>
@@ -3440,6 +3440,13 @@
   <p:clrMapOvr>
     <a:masterClrMapping/>
   </p:clrMapOvr>
+  <p:timing>
+    <p:tnLst>
+      <p:par>
+        <p:cTn id="1" dur="indefinite" restart="never" nodeType="tmRoot"/>
+      </p:par>
+    </p:tnLst>
+  </p:timing>
 </p:sld>
 </file>
 
@@ -4199,6 +4206,13 @@
   <p:clrMapOvr>
     <a:masterClrMapping/>
   </p:clrMapOvr>
+  <p:timing>
+    <p:tnLst>
+      <p:par>
+        <p:cTn id="1" dur="indefinite" restart="never" nodeType="tmRoot"/>
+      </p:par>
+    </p:tnLst>
+  </p:timing>
 </p:sld>
 </file>
 
@@ -5801,6 +5815,13 @@
   <p:clrMapOvr>
     <a:masterClrMapping/>
   </p:clrMapOvr>
+  <p:timing>
+    <p:tnLst>
+      <p:par>
+        <p:cTn id="1" dur="indefinite" restart="never" nodeType="tmRoot"/>
+      </p:par>
+    </p:tnLst>
+  </p:timing>
 </p:sld>
 </file>
 
@@ -6771,6 +6792,13 @@
   <p:clrMapOvr>
     <a:masterClrMapping/>
   </p:clrMapOvr>
+  <p:timing>
+    <p:tnLst>
+      <p:par>
+        <p:cTn id="1" dur="indefinite" restart="never" nodeType="tmRoot"/>
+      </p:par>
+    </p:tnLst>
+  </p:timing>
 </p:sld>
 </file>
 
@@ -8906,6 +8934,13 @@
   <p:clrMapOvr>
     <a:masterClrMapping/>
   </p:clrMapOvr>
+  <p:timing>
+    <p:tnLst>
+      <p:par>
+        <p:cTn id="1" dur="indefinite" restart="never" nodeType="tmRoot"/>
+      </p:par>
+    </p:tnLst>
+  </p:timing>
 </p:sld>
 </file>
 
@@ -9118,8 +9153,8 @@
           </a:prstGeom>
         </p:spPr>
       </p:pic>
-      <mc:AlternateContent xmlns:mc="http://schemas.openxmlformats.org/markup-compatibility/2006">
-        <mc:Choice xmlns:a14="http://schemas.microsoft.com/office/drawing/2010/main" Requires="a14">
+      <mc:AlternateContent xmlns:mc="http://schemas.openxmlformats.org/markup-compatibility/2006" xmlns:a14="http://schemas.microsoft.com/office/drawing/2010/main">
+        <mc:Choice Requires="a14">
           <p:sp>
             <p:nvSpPr>
               <p:cNvPr id="7" name="文字方塊 6">
@@ -9524,7 +9559,7 @@
             </p:txBody>
           </p:sp>
         </mc:Choice>
-        <mc:Fallback>
+        <mc:Fallback xmlns="">
           <p:sp>
             <p:nvSpPr>
               <p:cNvPr id="7" name="文字方塊 6">
@@ -9931,6 +9966,13 @@
   <p:clrMapOvr>
     <a:masterClrMapping/>
   </p:clrMapOvr>
+  <p:timing>
+    <p:tnLst>
+      <p:par>
+        <p:cTn id="1" dur="indefinite" restart="never" nodeType="tmRoot"/>
+      </p:par>
+    </p:tnLst>
+  </p:timing>
 </p:sld>
 </file>
 
@@ -9991,49 +10033,12 @@
           </a:p>
         </p:txBody>
       </p:sp>
-      <p:sp>
-        <p:nvSpPr>
-          <p:cNvPr id="27" name="文字方塊 26">
-            <a:extLst>
-              <a:ext uri="{FF2B5EF4-FFF2-40B4-BE49-F238E27FC236}">
-                <a16:creationId xmlns:a16="http://schemas.microsoft.com/office/drawing/2014/main" id="{C5A9A07D-E237-476A-8D25-8F2B9E82E1E7}"/>
-              </a:ext>
-            </a:extLst>
-          </p:cNvPr>
-          <p:cNvSpPr txBox="1"/>
-          <p:nvPr/>
-        </p:nvSpPr>
-        <p:spPr>
-          <a:xfrm>
-            <a:off x="10143065" y="1869112"/>
-            <a:ext cx="2015067" cy="369332"/>
-          </a:xfrm>
-          <a:prstGeom prst="rect">
-            <a:avLst/>
-          </a:prstGeom>
-          <a:noFill/>
-        </p:spPr>
-        <p:txBody>
-          <a:bodyPr wrap="square" rtlCol="0">
-            <a:spAutoFit/>
-          </a:bodyPr>
-          <a:lstStyle/>
-          <a:p>
-            <a:pPr algn="ctr"/>
-            <a:r>
-              <a:rPr lang="en-US" altLang="zh-TW" dirty="0"/>
-              <a:t>Dino Run Code</a:t>
-            </a:r>
-            <a:endParaRPr lang="zh-TW" altLang="en-US" dirty="0"/>
-          </a:p>
-        </p:txBody>
-      </p:sp>
       <p:pic>
         <p:nvPicPr>
-          <p:cNvPr id="5" name="圖片 4">
-            <a:extLst>
-              <a:ext uri="{FF2B5EF4-FFF2-40B4-BE49-F238E27FC236}">
-                <a16:creationId xmlns:a16="http://schemas.microsoft.com/office/drawing/2014/main" id="{76D28ADA-1402-46E5-B0B3-784B654935E9}"/>
+          <p:cNvPr id="4" name="圖片 3">
+            <a:extLst>
+              <a:ext uri="{FF2B5EF4-FFF2-40B4-BE49-F238E27FC236}">
+                <a16:creationId xmlns:a16="http://schemas.microsoft.com/office/drawing/2014/main" id="{C8F41FBF-F710-4CDF-AFA1-CF1219BDEFE4}"/>
               </a:ext>
             </a:extLst>
           </p:cNvPr>
@@ -10056,43 +10061,7 @@
         </p:blipFill>
         <p:spPr>
           <a:xfrm>
-            <a:off x="10293230" y="170536"/>
-            <a:ext cx="1714739" cy="1714739"/>
-          </a:xfrm>
-          <a:prstGeom prst="rect">
-            <a:avLst/>
-          </a:prstGeom>
-        </p:spPr>
-      </p:pic>
-      <p:pic>
-        <p:nvPicPr>
-          <p:cNvPr id="4" name="圖片 3">
-            <a:extLst>
-              <a:ext uri="{FF2B5EF4-FFF2-40B4-BE49-F238E27FC236}">
-                <a16:creationId xmlns:a16="http://schemas.microsoft.com/office/drawing/2014/main" id="{C8F41FBF-F710-4CDF-AFA1-CF1219BDEFE4}"/>
-              </a:ext>
-            </a:extLst>
-          </p:cNvPr>
-          <p:cNvPicPr>
-            <a:picLocks noChangeAspect="1"/>
-          </p:cNvPicPr>
-          <p:nvPr/>
-        </p:nvPicPr>
-        <p:blipFill>
-          <a:blip r:embed="rId3">
-            <a:extLst>
-              <a:ext uri="{28A0092B-C50C-407E-A947-70E740481C1C}">
-                <a14:useLocalDpi xmlns:a14="http://schemas.microsoft.com/office/drawing/2010/main" val="0"/>
-              </a:ext>
-            </a:extLst>
-          </a:blip>
-          <a:stretch>
-            <a:fillRect/>
-          </a:stretch>
-        </p:blipFill>
-        <p:spPr>
-          <a:xfrm>
-            <a:off x="2714939" y="1262644"/>
+            <a:off x="3516137" y="1036227"/>
             <a:ext cx="7428126" cy="5340297"/>
           </a:xfrm>
           <a:prstGeom prst="rect">
@@ -10110,6 +10079,13 @@
   <p:clrMapOvr>
     <a:masterClrMapping/>
   </p:clrMapOvr>
+  <p:timing>
+    <p:tnLst>
+      <p:par>
+        <p:cTn id="1" dur="indefinite" restart="never" nodeType="tmRoot"/>
+      </p:par>
+    </p:tnLst>
+  </p:timing>
 </p:sld>
 </file>
 
@@ -10514,6 +10490,13 @@
   <p:clrMapOvr>
     <a:masterClrMapping/>
   </p:clrMapOvr>
+  <p:timing>
+    <p:tnLst>
+      <p:par>
+        <p:cTn id="1" dur="indefinite" restart="never" nodeType="tmRoot"/>
+      </p:par>
+    </p:tnLst>
+  </p:timing>
 </p:sld>
 </file>
 
@@ -10919,6 +10902,13 @@
   <p:clrMapOvr>
     <a:masterClrMapping/>
   </p:clrMapOvr>
+  <p:timing>
+    <p:tnLst>
+      <p:par>
+        <p:cTn id="1" dur="indefinite" restart="never" nodeType="tmRoot"/>
+      </p:par>
+    </p:tnLst>
+  </p:timing>
 </p:sld>
 </file>
 
@@ -11365,6 +11355,13 @@
   <p:clrMapOvr>
     <a:masterClrMapping/>
   </p:clrMapOvr>
+  <p:timing>
+    <p:tnLst>
+      <p:par>
+        <p:cTn id="1" dur="indefinite" restart="never" nodeType="tmRoot"/>
+      </p:par>
+    </p:tnLst>
+  </p:timing>
 </p:sld>
 </file>
 
@@ -11924,6 +11921,13 @@
               </a:rPr>
               <a:t>佔用較高</a:t>
             </a:r>
+            <a:r>
+              <a:rPr lang="en-US" altLang="zh-TW" sz="1800" dirty="0">
+                <a:latin typeface="微軟正黑體" panose="020B0604030504040204" pitchFamily="34" charset="-120"/>
+                <a:ea typeface="微軟正黑體" panose="020B0604030504040204" pitchFamily="34" charset="-120"/>
+              </a:rPr>
+              <a:t/>
+            </a:r>
             <a:br>
               <a:rPr lang="en-US" altLang="zh-TW" sz="1800" dirty="0">
                 <a:latin typeface="微軟正黑體" panose="020B0604030504040204" pitchFamily="34" charset="-120"/>
@@ -12207,6 +12211,13 @@
               </a:rPr>
               <a:t>佔用較低</a:t>
             </a:r>
+            <a:r>
+              <a:rPr lang="en-US" altLang="zh-TW" sz="1800" dirty="0">
+                <a:latin typeface="微軟正黑體" panose="020B0604030504040204" pitchFamily="34" charset="-120"/>
+                <a:ea typeface="微軟正黑體" panose="020B0604030504040204" pitchFamily="34" charset="-120"/>
+              </a:rPr>
+              <a:t/>
+            </a:r>
             <a:br>
               <a:rPr lang="en-US" altLang="zh-TW" sz="1800" dirty="0">
                 <a:latin typeface="微軟正黑體" panose="020B0604030504040204" pitchFamily="34" charset="-120"/>
@@ -12291,6 +12302,13 @@
   <p:clrMapOvr>
     <a:masterClrMapping/>
   </p:clrMapOvr>
+  <p:timing>
+    <p:tnLst>
+      <p:par>
+        <p:cTn id="1" dur="indefinite" restart="never" nodeType="tmRoot"/>
+      </p:par>
+    </p:tnLst>
+  </p:timing>
 </p:sld>
 </file>
 
@@ -13049,6 +13067,13 @@
   <p:clrMapOvr>
     <a:masterClrMapping/>
   </p:clrMapOvr>
+  <p:timing>
+    <p:tnLst>
+      <p:par>
+        <p:cTn id="1" dur="indefinite" restart="never" nodeType="tmRoot"/>
+      </p:par>
+    </p:tnLst>
+  </p:timing>
 </p:sld>
 </file>
 
@@ -13140,7 +13165,7 @@
           <p:nvPr/>
         </p:nvPicPr>
         <p:blipFill>
-          <a:blip r:embed="rId2">
+          <a:blip r:embed="rId2" cstate="hqprint">
             <a:extLst>
               <a:ext uri="{28A0092B-C50C-407E-A947-70E740481C1C}">
                 <a14:useLocalDpi xmlns:a14="http://schemas.microsoft.com/office/drawing/2010/main" val="0"/>
@@ -13176,7 +13201,7 @@
           <p:nvPr/>
         </p:nvPicPr>
         <p:blipFill>
-          <a:blip r:embed="rId3">
+          <a:blip r:embed="rId3" cstate="hqprint">
             <a:extLst>
               <a:ext uri="{28A0092B-C50C-407E-A947-70E740481C1C}">
                 <a14:useLocalDpi xmlns:a14="http://schemas.microsoft.com/office/drawing/2010/main" val="0"/>
@@ -13891,6 +13916,13 @@
   <p:clrMapOvr>
     <a:masterClrMapping/>
   </p:clrMapOvr>
+  <p:timing>
+    <p:tnLst>
+      <p:par>
+        <p:cTn id="1" dur="indefinite" restart="never" nodeType="tmRoot"/>
+      </p:par>
+    </p:tnLst>
+  </p:timing>
 </p:sld>
 </file>
 
@@ -14995,6 +15027,13 @@
   <p:clrMapOvr>
     <a:masterClrMapping/>
   </p:clrMapOvr>
+  <p:timing>
+    <p:tnLst>
+      <p:par>
+        <p:cTn id="1" dur="indefinite" restart="never" nodeType="tmRoot"/>
+      </p:par>
+    </p:tnLst>
+  </p:timing>
 </p:sld>
 </file>
 
@@ -15703,6 +15742,13 @@
   <p:clrMapOvr>
     <a:masterClrMapping/>
   </p:clrMapOvr>
+  <p:timing>
+    <p:tnLst>
+      <p:par>
+        <p:cTn id="1" dur="indefinite" restart="never" nodeType="tmRoot"/>
+      </p:par>
+    </p:tnLst>
+  </p:timing>
 </p:sld>
 </file>
 
@@ -16461,6 +16507,13 @@
   <p:clrMapOvr>
     <a:masterClrMapping/>
   </p:clrMapOvr>
+  <p:timing>
+    <p:tnLst>
+      <p:par>
+        <p:cTn id="1" dur="indefinite" restart="never" nodeType="tmRoot"/>
+      </p:par>
+    </p:tnLst>
+  </p:timing>
 </p:sld>
 </file>
 
@@ -17025,7 +17078,7 @@
           <p:nvPr/>
         </p:nvPicPr>
         <p:blipFill>
-          <a:blip r:embed="rId3">
+          <a:blip r:embed="rId3" cstate="hqprint">
             <a:extLst>
               <a:ext uri="{28A0092B-C50C-407E-A947-70E740481C1C}">
                 <a14:useLocalDpi xmlns:a14="http://schemas.microsoft.com/office/drawing/2010/main" val="0"/>
@@ -18745,6 +18798,13 @@
   <p:clrMapOvr>
     <a:masterClrMapping/>
   </p:clrMapOvr>
+  <p:timing>
+    <p:tnLst>
+      <p:par>
+        <p:cTn id="1" dur="indefinite" restart="never" nodeType="tmRoot"/>
+      </p:par>
+    </p:tnLst>
+  </p:timing>
 </p:sld>
 </file>
 
@@ -20452,6 +20512,13 @@
   <p:clrMapOvr>
     <a:masterClrMapping/>
   </p:clrMapOvr>
+  <p:timing>
+    <p:tnLst>
+      <p:par>
+        <p:cTn id="1" dur="indefinite" restart="never" nodeType="tmRoot"/>
+      </p:par>
+    </p:tnLst>
+  </p:timing>
 </p:sld>
 </file>
 
@@ -22467,6 +22534,13 @@
   <p:clrMapOvr>
     <a:masterClrMapping/>
   </p:clrMapOvr>
+  <p:timing>
+    <p:tnLst>
+      <p:par>
+        <p:cTn id="1" dur="indefinite" restart="never" nodeType="tmRoot"/>
+      </p:par>
+    </p:tnLst>
+  </p:timing>
 </p:sld>
 </file>
 

--- a/107302002.pptx
+++ b/107302002.pptx
@@ -19,11 +19,12 @@
     <p:sldId id="268" r:id="rId13"/>
     <p:sldId id="269" r:id="rId14"/>
     <p:sldId id="270" r:id="rId15"/>
-    <p:sldId id="271" r:id="rId16"/>
-    <p:sldId id="272" r:id="rId17"/>
-    <p:sldId id="273" r:id="rId18"/>
-    <p:sldId id="274" r:id="rId19"/>
-    <p:sldId id="275" r:id="rId20"/>
+    <p:sldId id="276" r:id="rId16"/>
+    <p:sldId id="271" r:id="rId17"/>
+    <p:sldId id="272" r:id="rId18"/>
+    <p:sldId id="273" r:id="rId19"/>
+    <p:sldId id="274" r:id="rId20"/>
+    <p:sldId id="275" r:id="rId21"/>
   </p:sldIdLst>
   <p:sldSz cx="12192000" cy="6858000"/>
   <p:notesSz cx="6858000" cy="9144000"/>
@@ -3394,13 +3395,6 @@
           <a:bodyPr/>
           <a:lstStyle/>
           <a:p>
-            <a:r>
-              <a:rPr lang="zh-TW" altLang="en-US" dirty="0">
-                <a:latin typeface="微軟正黑體" panose="020B0604030504040204" pitchFamily="34" charset="-120"/>
-                <a:ea typeface="微軟正黑體" panose="020B0604030504040204" pitchFamily="34" charset="-120"/>
-              </a:rPr>
-              <a:t>從開始到放棄</a:t>
-            </a:r>
             <a:endParaRPr lang="en-US" altLang="zh-TW" dirty="0">
               <a:latin typeface="微軟正黑體" panose="020B0604030504040204" pitchFamily="34" charset="-120"/>
               <a:ea typeface="微軟正黑體" panose="020B0604030504040204" pitchFamily="34" charset="-120"/>
@@ -10020,6 +10014,165 @@
           <a:lstStyle/>
           <a:p>
             <a:r>
+              <a:rPr lang="en-US" altLang="zh-TW" dirty="0" smtClean="0">
+                <a:latin typeface="微軟正黑體" panose="020B0604030504040204" pitchFamily="34" charset="-120"/>
+                <a:ea typeface="微軟正黑體" panose="020B0604030504040204" pitchFamily="34" charset="-120"/>
+              </a:rPr>
+              <a:t>Preprocessing</a:t>
+            </a:r>
+            <a:endParaRPr lang="zh-TW" altLang="en-US" dirty="0">
+              <a:latin typeface="微軟正黑體" panose="020B0604030504040204" pitchFamily="34" charset="-120"/>
+              <a:ea typeface="微軟正黑體" panose="020B0604030504040204" pitchFamily="34" charset="-120"/>
+            </a:endParaRPr>
+          </a:p>
+        </p:txBody>
+      </p:sp>
+      <p:pic>
+        <p:nvPicPr>
+          <p:cNvPr id="3" name="圖片 2"/>
+          <p:cNvPicPr>
+            <a:picLocks noChangeAspect="1"/>
+          </p:cNvPicPr>
+          <p:nvPr/>
+        </p:nvPicPr>
+        <p:blipFill>
+          <a:blip r:embed="rId2"/>
+          <a:stretch>
+            <a:fillRect/>
+          </a:stretch>
+        </p:blipFill>
+        <p:spPr>
+          <a:xfrm>
+            <a:off x="951660" y="1960084"/>
+            <a:ext cx="10288680" cy="2582500"/>
+          </a:xfrm>
+          <a:prstGeom prst="rect">
+            <a:avLst/>
+          </a:prstGeom>
+        </p:spPr>
+      </p:pic>
+      <p:sp>
+        <p:nvSpPr>
+          <p:cNvPr id="5" name="矩形 4"/>
+          <p:cNvSpPr/>
+          <p:nvPr/>
+        </p:nvSpPr>
+        <p:spPr>
+          <a:xfrm>
+            <a:off x="4236720" y="3708400"/>
+            <a:ext cx="1239520" cy="325120"/>
+          </a:xfrm>
+          <a:prstGeom prst="rect">
+            <a:avLst/>
+          </a:prstGeom>
+          <a:solidFill>
+            <a:schemeClr val="bg1"/>
+          </a:solidFill>
+          <a:ln>
+            <a:noFill/>
+          </a:ln>
+        </p:spPr>
+        <p:style>
+          <a:lnRef idx="2">
+            <a:schemeClr val="accent1">
+              <a:shade val="50000"/>
+            </a:schemeClr>
+          </a:lnRef>
+          <a:fillRef idx="1">
+            <a:schemeClr val="accent1"/>
+          </a:fillRef>
+          <a:effectRef idx="0">
+            <a:schemeClr val="accent1"/>
+          </a:effectRef>
+          <a:fontRef idx="minor">
+            <a:schemeClr val="lt1"/>
+          </a:fontRef>
+        </p:style>
+        <p:txBody>
+          <a:bodyPr rtlCol="0" anchor="ctr"/>
+          <a:lstStyle/>
+          <a:p>
+            <a:pPr algn="ctr"/>
+            <a:r>
+              <a:rPr lang="en-US" altLang="zh-TW" sz="1200" dirty="0" smtClean="0">
+                <a:solidFill>
+                  <a:sysClr val="windowText" lastClr="000000"/>
+                </a:solidFill>
+              </a:rPr>
+              <a:t>Resize 80*160</a:t>
+            </a:r>
+            <a:endParaRPr lang="zh-TW" altLang="en-US" sz="1200" dirty="0">
+              <a:solidFill>
+                <a:sysClr val="windowText" lastClr="000000"/>
+              </a:solidFill>
+            </a:endParaRPr>
+          </a:p>
+        </p:txBody>
+      </p:sp>
+    </p:spTree>
+    <p:extLst>
+      <p:ext uri="{BB962C8B-B14F-4D97-AF65-F5344CB8AC3E}">
+        <p14:creationId xmlns:p14="http://schemas.microsoft.com/office/powerpoint/2010/main" val="847132599"/>
+      </p:ext>
+    </p:extLst>
+  </p:cSld>
+  <p:clrMapOvr>
+    <a:masterClrMapping/>
+  </p:clrMapOvr>
+  <p:timing>
+    <p:tnLst>
+      <p:par>
+        <p:cTn id="1" dur="indefinite" restart="never" nodeType="tmRoot"/>
+      </p:par>
+    </p:tnLst>
+  </p:timing>
+</p:sld>
+</file>
+
+<file path=ppt/slides/slide16.xml><?xml version="1.0" encoding="utf-8"?>
+<p:sld xmlns:a="http://schemas.openxmlformats.org/drawingml/2006/main" xmlns:r="http://schemas.openxmlformats.org/officeDocument/2006/relationships" xmlns:p="http://schemas.openxmlformats.org/presentationml/2006/main">
+  <p:cSld>
+    <p:spTree>
+      <p:nvGrpSpPr>
+        <p:cNvPr id="1" name=""/>
+        <p:cNvGrpSpPr/>
+        <p:nvPr/>
+      </p:nvGrpSpPr>
+      <p:grpSpPr>
+        <a:xfrm>
+          <a:off x="0" y="0"/>
+          <a:ext cx="0" cy="0"/>
+          <a:chOff x="0" y="0"/>
+          <a:chExt cx="0" cy="0"/>
+        </a:xfrm>
+      </p:grpSpPr>
+      <p:sp>
+        <p:nvSpPr>
+          <p:cNvPr id="2" name="標題 1">
+            <a:extLst>
+              <a:ext uri="{FF2B5EF4-FFF2-40B4-BE49-F238E27FC236}">
+                <a16:creationId xmlns:a16="http://schemas.microsoft.com/office/drawing/2014/main" id="{706EF09F-5805-4F97-95F4-B645034FC1E4}"/>
+              </a:ext>
+            </a:extLst>
+          </p:cNvPr>
+          <p:cNvSpPr>
+            <a:spLocks noGrp="1"/>
+          </p:cNvSpPr>
+          <p:nvPr>
+            <p:ph type="title"/>
+          </p:nvPr>
+        </p:nvSpPr>
+        <p:spPr>
+          <a:xfrm>
+            <a:off x="838200" y="365125"/>
+            <a:ext cx="10515600" cy="1325563"/>
+          </a:xfrm>
+        </p:spPr>
+        <p:txBody>
+          <a:bodyPr/>
+          <a:lstStyle/>
+          <a:p>
+            <a:r>
               <a:rPr lang="en-US" altLang="zh-TW" dirty="0">
                 <a:latin typeface="微軟正黑體" panose="020B0604030504040204" pitchFamily="34" charset="-120"/>
                 <a:ea typeface="微軟正黑體" panose="020B0604030504040204" pitchFamily="34" charset="-120"/>
@@ -10089,7 +10242,7 @@
 </p:sld>
 </file>
 
-<file path=ppt/slides/slide16.xml><?xml version="1.0" encoding="utf-8"?>
+<file path=ppt/slides/slide17.xml><?xml version="1.0" encoding="utf-8"?>
 <p:sld xmlns:a="http://schemas.openxmlformats.org/drawingml/2006/main" xmlns:r="http://schemas.openxmlformats.org/officeDocument/2006/relationships" xmlns:p="http://schemas.openxmlformats.org/presentationml/2006/main">
   <p:cSld>
     <p:spTree>
@@ -10500,7 +10653,7 @@
 </p:sld>
 </file>
 
-<file path=ppt/slides/slide17.xml><?xml version="1.0" encoding="utf-8"?>
+<file path=ppt/slides/slide18.xml><?xml version="1.0" encoding="utf-8"?>
 <p:sld xmlns:a="http://schemas.openxmlformats.org/drawingml/2006/main" xmlns:r="http://schemas.openxmlformats.org/officeDocument/2006/relationships" xmlns:p="http://schemas.openxmlformats.org/presentationml/2006/main">
   <p:cSld>
     <p:spTree>
@@ -10912,7 +11065,7 @@
 </p:sld>
 </file>
 
-<file path=ppt/slides/slide18.xml><?xml version="1.0" encoding="utf-8"?>
+<file path=ppt/slides/slide19.xml><?xml version="1.0" encoding="utf-8"?>
 <p:sld xmlns:a="http://schemas.openxmlformats.org/drawingml/2006/main" xmlns:r="http://schemas.openxmlformats.org/officeDocument/2006/relationships" xmlns:p="http://schemas.openxmlformats.org/presentationml/2006/main">
   <p:cSld>
     <p:spTree>
@@ -11365,7 +11518,772 @@
 </p:sld>
 </file>
 
-<file path=ppt/slides/slide19.xml><?xml version="1.0" encoding="utf-8"?>
+<file path=ppt/slides/slide2.xml><?xml version="1.0" encoding="utf-8"?>
+<p:sld xmlns:a="http://schemas.openxmlformats.org/drawingml/2006/main" xmlns:r="http://schemas.openxmlformats.org/officeDocument/2006/relationships" xmlns:p="http://schemas.openxmlformats.org/presentationml/2006/main">
+  <p:cSld>
+    <p:spTree>
+      <p:nvGrpSpPr>
+        <p:cNvPr id="1" name=""/>
+        <p:cNvGrpSpPr/>
+        <p:nvPr/>
+      </p:nvGrpSpPr>
+      <p:grpSpPr>
+        <a:xfrm>
+          <a:off x="0" y="0"/>
+          <a:ext cx="0" cy="0"/>
+          <a:chOff x="0" y="0"/>
+          <a:chExt cx="0" cy="0"/>
+        </a:xfrm>
+      </p:grpSpPr>
+      <p:sp>
+        <p:nvSpPr>
+          <p:cNvPr id="2" name="標題 1">
+            <a:extLst>
+              <a:ext uri="{FF2B5EF4-FFF2-40B4-BE49-F238E27FC236}">
+                <a16:creationId xmlns:a16="http://schemas.microsoft.com/office/drawing/2014/main" id="{2B65CC45-A226-4D45-AA5B-A36CFC1EADB8}"/>
+              </a:ext>
+            </a:extLst>
+          </p:cNvPr>
+          <p:cNvSpPr>
+            <a:spLocks noGrp="1"/>
+          </p:cNvSpPr>
+          <p:nvPr>
+            <p:ph type="title"/>
+          </p:nvPr>
+        </p:nvSpPr>
+        <p:spPr/>
+        <p:txBody>
+          <a:bodyPr/>
+          <a:lstStyle/>
+          <a:p>
+            <a:r>
+              <a:rPr lang="zh-TW" altLang="en-US" dirty="0">
+                <a:latin typeface="微軟正黑體" panose="020B0604030504040204" pitchFamily="34" charset="-120"/>
+                <a:ea typeface="微軟正黑體" panose="020B0604030504040204" pitchFamily="34" charset="-120"/>
+              </a:rPr>
+              <a:t>目錄</a:t>
+            </a:r>
+          </a:p>
+        </p:txBody>
+      </p:sp>
+      <p:sp>
+        <p:nvSpPr>
+          <p:cNvPr id="3" name="內容版面配置區 2">
+            <a:extLst>
+              <a:ext uri="{FF2B5EF4-FFF2-40B4-BE49-F238E27FC236}">
+                <a16:creationId xmlns:a16="http://schemas.microsoft.com/office/drawing/2014/main" id="{125BC902-82B5-4299-AB1D-7D45E88A8EA1}"/>
+              </a:ext>
+            </a:extLst>
+          </p:cNvPr>
+          <p:cNvSpPr>
+            <a:spLocks noGrp="1"/>
+          </p:cNvSpPr>
+          <p:nvPr>
+            <p:ph idx="1"/>
+          </p:nvPr>
+        </p:nvSpPr>
+        <p:spPr>
+          <a:xfrm>
+            <a:off x="5943601" y="2012421"/>
+            <a:ext cx="3725332" cy="502708"/>
+          </a:xfrm>
+        </p:spPr>
+        <p:txBody>
+          <a:bodyPr/>
+          <a:lstStyle/>
+          <a:p>
+            <a:pPr marL="0" indent="0">
+              <a:buNone/>
+            </a:pPr>
+            <a:r>
+              <a:rPr lang="en-US" altLang="zh-TW" dirty="0"/>
+              <a:t>Reinforcement Learning</a:t>
+            </a:r>
+          </a:p>
+          <a:p>
+            <a:pPr marL="0" indent="0">
+              <a:buNone/>
+            </a:pPr>
+            <a:endParaRPr lang="en-US" altLang="zh-TW" dirty="0"/>
+          </a:p>
+        </p:txBody>
+      </p:sp>
+      <p:sp>
+        <p:nvSpPr>
+          <p:cNvPr id="4" name="內容版面配置區 2">
+            <a:extLst>
+              <a:ext uri="{FF2B5EF4-FFF2-40B4-BE49-F238E27FC236}">
+                <a16:creationId xmlns:a16="http://schemas.microsoft.com/office/drawing/2014/main" id="{9EB117A6-4640-48D5-9697-D1C32B008923}"/>
+              </a:ext>
+            </a:extLst>
+          </p:cNvPr>
+          <p:cNvSpPr txBox="1">
+            <a:spLocks/>
+          </p:cNvSpPr>
+          <p:nvPr/>
+        </p:nvSpPr>
+        <p:spPr>
+          <a:xfrm>
+            <a:off x="5943601" y="3341688"/>
+            <a:ext cx="3725332" cy="502708"/>
+          </a:xfrm>
+          <a:prstGeom prst="rect">
+            <a:avLst/>
+          </a:prstGeom>
+        </p:spPr>
+        <p:txBody>
+          <a:bodyPr vert="horz" lIns="91440" tIns="45720" rIns="91440" bIns="45720" rtlCol="0">
+            <a:normAutofit/>
+          </a:bodyPr>
+          <a:lstStyle>
+            <a:lvl1pPr marL="228600" indent="-228600" algn="l" defTabSz="914400" rtl="0" eaLnBrk="1" latinLnBrk="0" hangingPunct="1">
+              <a:lnSpc>
+                <a:spcPct val="90000"/>
+              </a:lnSpc>
+              <a:spcBef>
+                <a:spcPts val="1000"/>
+              </a:spcBef>
+              <a:buFont typeface="Arial" panose="020B0604020202020204" pitchFamily="34" charset="0"/>
+              <a:buChar char="•"/>
+              <a:defRPr sz="2800" kern="1200">
+                <a:solidFill>
+                  <a:schemeClr val="tx1"/>
+                </a:solidFill>
+                <a:latin typeface="+mn-lt"/>
+                <a:ea typeface="+mn-ea"/>
+                <a:cs typeface="+mn-cs"/>
+              </a:defRPr>
+            </a:lvl1pPr>
+            <a:lvl2pPr marL="685800" indent="-228600" algn="l" defTabSz="914400" rtl="0" eaLnBrk="1" latinLnBrk="0" hangingPunct="1">
+              <a:lnSpc>
+                <a:spcPct val="90000"/>
+              </a:lnSpc>
+              <a:spcBef>
+                <a:spcPts val="500"/>
+              </a:spcBef>
+              <a:buFont typeface="Arial" panose="020B0604020202020204" pitchFamily="34" charset="0"/>
+              <a:buChar char="•"/>
+              <a:defRPr sz="2400" kern="1200">
+                <a:solidFill>
+                  <a:schemeClr val="tx1"/>
+                </a:solidFill>
+                <a:latin typeface="+mn-lt"/>
+                <a:ea typeface="+mn-ea"/>
+                <a:cs typeface="+mn-cs"/>
+              </a:defRPr>
+            </a:lvl2pPr>
+            <a:lvl3pPr marL="1143000" indent="-228600" algn="l" defTabSz="914400" rtl="0" eaLnBrk="1" latinLnBrk="0" hangingPunct="1">
+              <a:lnSpc>
+                <a:spcPct val="90000"/>
+              </a:lnSpc>
+              <a:spcBef>
+                <a:spcPts val="500"/>
+              </a:spcBef>
+              <a:buFont typeface="Arial" panose="020B0604020202020204" pitchFamily="34" charset="0"/>
+              <a:buChar char="•"/>
+              <a:defRPr sz="2000" kern="1200">
+                <a:solidFill>
+                  <a:schemeClr val="tx1"/>
+                </a:solidFill>
+                <a:latin typeface="+mn-lt"/>
+                <a:ea typeface="+mn-ea"/>
+                <a:cs typeface="+mn-cs"/>
+              </a:defRPr>
+            </a:lvl3pPr>
+            <a:lvl4pPr marL="1600200" indent="-228600" algn="l" defTabSz="914400" rtl="0" eaLnBrk="1" latinLnBrk="0" hangingPunct="1">
+              <a:lnSpc>
+                <a:spcPct val="90000"/>
+              </a:lnSpc>
+              <a:spcBef>
+                <a:spcPts val="500"/>
+              </a:spcBef>
+              <a:buFont typeface="Arial" panose="020B0604020202020204" pitchFamily="34" charset="0"/>
+              <a:buChar char="•"/>
+              <a:defRPr sz="1800" kern="1200">
+                <a:solidFill>
+                  <a:schemeClr val="tx1"/>
+                </a:solidFill>
+                <a:latin typeface="+mn-lt"/>
+                <a:ea typeface="+mn-ea"/>
+                <a:cs typeface="+mn-cs"/>
+              </a:defRPr>
+            </a:lvl4pPr>
+            <a:lvl5pPr marL="2057400" indent="-228600" algn="l" defTabSz="914400" rtl="0" eaLnBrk="1" latinLnBrk="0" hangingPunct="1">
+              <a:lnSpc>
+                <a:spcPct val="90000"/>
+              </a:lnSpc>
+              <a:spcBef>
+                <a:spcPts val="500"/>
+              </a:spcBef>
+              <a:buFont typeface="Arial" panose="020B0604020202020204" pitchFamily="34" charset="0"/>
+              <a:buChar char="•"/>
+              <a:defRPr sz="1800" kern="1200">
+                <a:solidFill>
+                  <a:schemeClr val="tx1"/>
+                </a:solidFill>
+                <a:latin typeface="+mn-lt"/>
+                <a:ea typeface="+mn-ea"/>
+                <a:cs typeface="+mn-cs"/>
+              </a:defRPr>
+            </a:lvl5pPr>
+            <a:lvl6pPr marL="2514600" indent="-228600" algn="l" defTabSz="914400" rtl="0" eaLnBrk="1" latinLnBrk="0" hangingPunct="1">
+              <a:lnSpc>
+                <a:spcPct val="90000"/>
+              </a:lnSpc>
+              <a:spcBef>
+                <a:spcPts val="500"/>
+              </a:spcBef>
+              <a:buFont typeface="Arial" panose="020B0604020202020204" pitchFamily="34" charset="0"/>
+              <a:buChar char="•"/>
+              <a:defRPr sz="1800" kern="1200">
+                <a:solidFill>
+                  <a:schemeClr val="tx1"/>
+                </a:solidFill>
+                <a:latin typeface="+mn-lt"/>
+                <a:ea typeface="+mn-ea"/>
+                <a:cs typeface="+mn-cs"/>
+              </a:defRPr>
+            </a:lvl6pPr>
+            <a:lvl7pPr marL="2971800" indent="-228600" algn="l" defTabSz="914400" rtl="0" eaLnBrk="1" latinLnBrk="0" hangingPunct="1">
+              <a:lnSpc>
+                <a:spcPct val="90000"/>
+              </a:lnSpc>
+              <a:spcBef>
+                <a:spcPts val="500"/>
+              </a:spcBef>
+              <a:buFont typeface="Arial" panose="020B0604020202020204" pitchFamily="34" charset="0"/>
+              <a:buChar char="•"/>
+              <a:defRPr sz="1800" kern="1200">
+                <a:solidFill>
+                  <a:schemeClr val="tx1"/>
+                </a:solidFill>
+                <a:latin typeface="+mn-lt"/>
+                <a:ea typeface="+mn-ea"/>
+                <a:cs typeface="+mn-cs"/>
+              </a:defRPr>
+            </a:lvl7pPr>
+            <a:lvl8pPr marL="3429000" indent="-228600" algn="l" defTabSz="914400" rtl="0" eaLnBrk="1" latinLnBrk="0" hangingPunct="1">
+              <a:lnSpc>
+                <a:spcPct val="90000"/>
+              </a:lnSpc>
+              <a:spcBef>
+                <a:spcPts val="500"/>
+              </a:spcBef>
+              <a:buFont typeface="Arial" panose="020B0604020202020204" pitchFamily="34" charset="0"/>
+              <a:buChar char="•"/>
+              <a:defRPr sz="1800" kern="1200">
+                <a:solidFill>
+                  <a:schemeClr val="tx1"/>
+                </a:solidFill>
+                <a:latin typeface="+mn-lt"/>
+                <a:ea typeface="+mn-ea"/>
+                <a:cs typeface="+mn-cs"/>
+              </a:defRPr>
+            </a:lvl8pPr>
+            <a:lvl9pPr marL="3886200" indent="-228600" algn="l" defTabSz="914400" rtl="0" eaLnBrk="1" latinLnBrk="0" hangingPunct="1">
+              <a:lnSpc>
+                <a:spcPct val="90000"/>
+              </a:lnSpc>
+              <a:spcBef>
+                <a:spcPts val="500"/>
+              </a:spcBef>
+              <a:buFont typeface="Arial" panose="020B0604020202020204" pitchFamily="34" charset="0"/>
+              <a:buChar char="•"/>
+              <a:defRPr sz="1800" kern="1200">
+                <a:solidFill>
+                  <a:schemeClr val="tx1"/>
+                </a:solidFill>
+                <a:latin typeface="+mn-lt"/>
+                <a:ea typeface="+mn-ea"/>
+                <a:cs typeface="+mn-cs"/>
+              </a:defRPr>
+            </a:lvl9pPr>
+          </a:lstStyle>
+          <a:p>
+            <a:pPr marL="0" indent="0">
+              <a:buFont typeface="Arial" panose="020B0604020202020204" pitchFamily="34" charset="0"/>
+              <a:buNone/>
+            </a:pPr>
+            <a:r>
+              <a:rPr lang="en-US" altLang="zh-TW" dirty="0"/>
+              <a:t>Q - Learning</a:t>
+            </a:r>
+          </a:p>
+          <a:p>
+            <a:pPr marL="0" indent="0">
+              <a:buFont typeface="Arial" panose="020B0604020202020204" pitchFamily="34" charset="0"/>
+              <a:buNone/>
+            </a:pPr>
+            <a:endParaRPr lang="en-US" altLang="zh-TW" dirty="0"/>
+          </a:p>
+        </p:txBody>
+      </p:sp>
+      <p:sp>
+        <p:nvSpPr>
+          <p:cNvPr id="5" name="內容版面配置區 2">
+            <a:extLst>
+              <a:ext uri="{FF2B5EF4-FFF2-40B4-BE49-F238E27FC236}">
+                <a16:creationId xmlns:a16="http://schemas.microsoft.com/office/drawing/2014/main" id="{454587C2-CCA8-43D7-9DEB-B6B0E2755A05}"/>
+              </a:ext>
+            </a:extLst>
+          </p:cNvPr>
+          <p:cNvSpPr txBox="1">
+            <a:spLocks/>
+          </p:cNvSpPr>
+          <p:nvPr/>
+        </p:nvSpPr>
+        <p:spPr>
+          <a:xfrm>
+            <a:off x="5943601" y="4670955"/>
+            <a:ext cx="4284132" cy="502708"/>
+          </a:xfrm>
+          <a:prstGeom prst="rect">
+            <a:avLst/>
+          </a:prstGeom>
+        </p:spPr>
+        <p:txBody>
+          <a:bodyPr vert="horz" lIns="91440" tIns="45720" rIns="91440" bIns="45720" rtlCol="0">
+            <a:normAutofit/>
+          </a:bodyPr>
+          <a:lstStyle>
+            <a:lvl1pPr marL="228600" indent="-228600" algn="l" defTabSz="914400" rtl="0" eaLnBrk="1" latinLnBrk="0" hangingPunct="1">
+              <a:lnSpc>
+                <a:spcPct val="90000"/>
+              </a:lnSpc>
+              <a:spcBef>
+                <a:spcPts val="1000"/>
+              </a:spcBef>
+              <a:buFont typeface="Arial" panose="020B0604020202020204" pitchFamily="34" charset="0"/>
+              <a:buChar char="•"/>
+              <a:defRPr sz="2800" kern="1200">
+                <a:solidFill>
+                  <a:schemeClr val="tx1"/>
+                </a:solidFill>
+                <a:latin typeface="+mn-lt"/>
+                <a:ea typeface="+mn-ea"/>
+                <a:cs typeface="+mn-cs"/>
+              </a:defRPr>
+            </a:lvl1pPr>
+            <a:lvl2pPr marL="685800" indent="-228600" algn="l" defTabSz="914400" rtl="0" eaLnBrk="1" latinLnBrk="0" hangingPunct="1">
+              <a:lnSpc>
+                <a:spcPct val="90000"/>
+              </a:lnSpc>
+              <a:spcBef>
+                <a:spcPts val="500"/>
+              </a:spcBef>
+              <a:buFont typeface="Arial" panose="020B0604020202020204" pitchFamily="34" charset="0"/>
+              <a:buChar char="•"/>
+              <a:defRPr sz="2400" kern="1200">
+                <a:solidFill>
+                  <a:schemeClr val="tx1"/>
+                </a:solidFill>
+                <a:latin typeface="+mn-lt"/>
+                <a:ea typeface="+mn-ea"/>
+                <a:cs typeface="+mn-cs"/>
+              </a:defRPr>
+            </a:lvl2pPr>
+            <a:lvl3pPr marL="1143000" indent="-228600" algn="l" defTabSz="914400" rtl="0" eaLnBrk="1" latinLnBrk="0" hangingPunct="1">
+              <a:lnSpc>
+                <a:spcPct val="90000"/>
+              </a:lnSpc>
+              <a:spcBef>
+                <a:spcPts val="500"/>
+              </a:spcBef>
+              <a:buFont typeface="Arial" panose="020B0604020202020204" pitchFamily="34" charset="0"/>
+              <a:buChar char="•"/>
+              <a:defRPr sz="2000" kern="1200">
+                <a:solidFill>
+                  <a:schemeClr val="tx1"/>
+                </a:solidFill>
+                <a:latin typeface="+mn-lt"/>
+                <a:ea typeface="+mn-ea"/>
+                <a:cs typeface="+mn-cs"/>
+              </a:defRPr>
+            </a:lvl3pPr>
+            <a:lvl4pPr marL="1600200" indent="-228600" algn="l" defTabSz="914400" rtl="0" eaLnBrk="1" latinLnBrk="0" hangingPunct="1">
+              <a:lnSpc>
+                <a:spcPct val="90000"/>
+              </a:lnSpc>
+              <a:spcBef>
+                <a:spcPts val="500"/>
+              </a:spcBef>
+              <a:buFont typeface="Arial" panose="020B0604020202020204" pitchFamily="34" charset="0"/>
+              <a:buChar char="•"/>
+              <a:defRPr sz="1800" kern="1200">
+                <a:solidFill>
+                  <a:schemeClr val="tx1"/>
+                </a:solidFill>
+                <a:latin typeface="+mn-lt"/>
+                <a:ea typeface="+mn-ea"/>
+                <a:cs typeface="+mn-cs"/>
+              </a:defRPr>
+            </a:lvl4pPr>
+            <a:lvl5pPr marL="2057400" indent="-228600" algn="l" defTabSz="914400" rtl="0" eaLnBrk="1" latinLnBrk="0" hangingPunct="1">
+              <a:lnSpc>
+                <a:spcPct val="90000"/>
+              </a:lnSpc>
+              <a:spcBef>
+                <a:spcPts val="500"/>
+              </a:spcBef>
+              <a:buFont typeface="Arial" panose="020B0604020202020204" pitchFamily="34" charset="0"/>
+              <a:buChar char="•"/>
+              <a:defRPr sz="1800" kern="1200">
+                <a:solidFill>
+                  <a:schemeClr val="tx1"/>
+                </a:solidFill>
+                <a:latin typeface="+mn-lt"/>
+                <a:ea typeface="+mn-ea"/>
+                <a:cs typeface="+mn-cs"/>
+              </a:defRPr>
+            </a:lvl5pPr>
+            <a:lvl6pPr marL="2514600" indent="-228600" algn="l" defTabSz="914400" rtl="0" eaLnBrk="1" latinLnBrk="0" hangingPunct="1">
+              <a:lnSpc>
+                <a:spcPct val="90000"/>
+              </a:lnSpc>
+              <a:spcBef>
+                <a:spcPts val="500"/>
+              </a:spcBef>
+              <a:buFont typeface="Arial" panose="020B0604020202020204" pitchFamily="34" charset="0"/>
+              <a:buChar char="•"/>
+              <a:defRPr sz="1800" kern="1200">
+                <a:solidFill>
+                  <a:schemeClr val="tx1"/>
+                </a:solidFill>
+                <a:latin typeface="+mn-lt"/>
+                <a:ea typeface="+mn-ea"/>
+                <a:cs typeface="+mn-cs"/>
+              </a:defRPr>
+            </a:lvl6pPr>
+            <a:lvl7pPr marL="2971800" indent="-228600" algn="l" defTabSz="914400" rtl="0" eaLnBrk="1" latinLnBrk="0" hangingPunct="1">
+              <a:lnSpc>
+                <a:spcPct val="90000"/>
+              </a:lnSpc>
+              <a:spcBef>
+                <a:spcPts val="500"/>
+              </a:spcBef>
+              <a:buFont typeface="Arial" panose="020B0604020202020204" pitchFamily="34" charset="0"/>
+              <a:buChar char="•"/>
+              <a:defRPr sz="1800" kern="1200">
+                <a:solidFill>
+                  <a:schemeClr val="tx1"/>
+                </a:solidFill>
+                <a:latin typeface="+mn-lt"/>
+                <a:ea typeface="+mn-ea"/>
+                <a:cs typeface="+mn-cs"/>
+              </a:defRPr>
+            </a:lvl7pPr>
+            <a:lvl8pPr marL="3429000" indent="-228600" algn="l" defTabSz="914400" rtl="0" eaLnBrk="1" latinLnBrk="0" hangingPunct="1">
+              <a:lnSpc>
+                <a:spcPct val="90000"/>
+              </a:lnSpc>
+              <a:spcBef>
+                <a:spcPts val="500"/>
+              </a:spcBef>
+              <a:buFont typeface="Arial" panose="020B0604020202020204" pitchFamily="34" charset="0"/>
+              <a:buChar char="•"/>
+              <a:defRPr sz="1800" kern="1200">
+                <a:solidFill>
+                  <a:schemeClr val="tx1"/>
+                </a:solidFill>
+                <a:latin typeface="+mn-lt"/>
+                <a:ea typeface="+mn-ea"/>
+                <a:cs typeface="+mn-cs"/>
+              </a:defRPr>
+            </a:lvl8pPr>
+            <a:lvl9pPr marL="3886200" indent="-228600" algn="l" defTabSz="914400" rtl="0" eaLnBrk="1" latinLnBrk="0" hangingPunct="1">
+              <a:lnSpc>
+                <a:spcPct val="90000"/>
+              </a:lnSpc>
+              <a:spcBef>
+                <a:spcPts val="500"/>
+              </a:spcBef>
+              <a:buFont typeface="Arial" panose="020B0604020202020204" pitchFamily="34" charset="0"/>
+              <a:buChar char="•"/>
+              <a:defRPr sz="1800" kern="1200">
+                <a:solidFill>
+                  <a:schemeClr val="tx1"/>
+                </a:solidFill>
+                <a:latin typeface="+mn-lt"/>
+                <a:ea typeface="+mn-ea"/>
+                <a:cs typeface="+mn-cs"/>
+              </a:defRPr>
+            </a:lvl9pPr>
+          </a:lstStyle>
+          <a:p>
+            <a:pPr marL="0" indent="0">
+              <a:buFont typeface="Arial" panose="020B0604020202020204" pitchFamily="34" charset="0"/>
+              <a:buNone/>
+            </a:pPr>
+            <a:r>
+              <a:rPr lang="en-US" altLang="zh-TW" dirty="0"/>
+              <a:t>DQN Family with Dino Run</a:t>
+            </a:r>
+          </a:p>
+          <a:p>
+            <a:pPr marL="0" indent="0">
+              <a:buFont typeface="Arial" panose="020B0604020202020204" pitchFamily="34" charset="0"/>
+              <a:buNone/>
+            </a:pPr>
+            <a:endParaRPr lang="en-US" altLang="zh-TW" dirty="0"/>
+          </a:p>
+        </p:txBody>
+      </p:sp>
+      <p:sp>
+        <p:nvSpPr>
+          <p:cNvPr id="7" name="橢圓 6">
+            <a:extLst>
+              <a:ext uri="{FF2B5EF4-FFF2-40B4-BE49-F238E27FC236}">
+                <a16:creationId xmlns:a16="http://schemas.microsoft.com/office/drawing/2014/main" id="{200AA373-6064-4BFB-83F5-1D9EC6A9C7DF}"/>
+              </a:ext>
+            </a:extLst>
+          </p:cNvPr>
+          <p:cNvSpPr/>
+          <p:nvPr/>
+        </p:nvSpPr>
+        <p:spPr>
+          <a:xfrm>
+            <a:off x="5050367" y="1980141"/>
+            <a:ext cx="567267" cy="567267"/>
+          </a:xfrm>
+          <a:prstGeom prst="ellipse">
+            <a:avLst/>
+          </a:prstGeom>
+          <a:solidFill>
+            <a:schemeClr val="bg1"/>
+          </a:solidFill>
+          <a:ln>
+            <a:solidFill>
+              <a:schemeClr val="tx1"/>
+            </a:solidFill>
+          </a:ln>
+        </p:spPr>
+        <p:style>
+          <a:lnRef idx="2">
+            <a:schemeClr val="accent1">
+              <a:shade val="50000"/>
+            </a:schemeClr>
+          </a:lnRef>
+          <a:fillRef idx="1">
+            <a:schemeClr val="accent1"/>
+          </a:fillRef>
+          <a:effectRef idx="0">
+            <a:schemeClr val="accent1"/>
+          </a:effectRef>
+          <a:fontRef idx="minor">
+            <a:schemeClr val="lt1"/>
+          </a:fontRef>
+        </p:style>
+        <p:txBody>
+          <a:bodyPr rtlCol="0" anchor="ctr"/>
+          <a:lstStyle/>
+          <a:p>
+            <a:pPr algn="ctr"/>
+            <a:r>
+              <a:rPr lang="en-US" altLang="zh-TW" dirty="0">
+                <a:solidFill>
+                  <a:schemeClr val="tx1"/>
+                </a:solidFill>
+              </a:rPr>
+              <a:t>1</a:t>
+            </a:r>
+            <a:endParaRPr lang="zh-TW" altLang="en-US" dirty="0">
+              <a:solidFill>
+                <a:schemeClr val="tx1"/>
+              </a:solidFill>
+            </a:endParaRPr>
+          </a:p>
+        </p:txBody>
+      </p:sp>
+      <p:sp>
+        <p:nvSpPr>
+          <p:cNvPr id="8" name="橢圓 7">
+            <a:extLst>
+              <a:ext uri="{FF2B5EF4-FFF2-40B4-BE49-F238E27FC236}">
+                <a16:creationId xmlns:a16="http://schemas.microsoft.com/office/drawing/2014/main" id="{6FA0B12F-4E55-436A-B513-F1538D5B3069}"/>
+              </a:ext>
+            </a:extLst>
+          </p:cNvPr>
+          <p:cNvSpPr/>
+          <p:nvPr/>
+        </p:nvSpPr>
+        <p:spPr>
+          <a:xfrm>
+            <a:off x="5050365" y="3309408"/>
+            <a:ext cx="567267" cy="567267"/>
+          </a:xfrm>
+          <a:prstGeom prst="ellipse">
+            <a:avLst/>
+          </a:prstGeom>
+          <a:solidFill>
+            <a:schemeClr val="bg1"/>
+          </a:solidFill>
+          <a:ln>
+            <a:solidFill>
+              <a:schemeClr val="tx1"/>
+            </a:solidFill>
+          </a:ln>
+        </p:spPr>
+        <p:style>
+          <a:lnRef idx="2">
+            <a:schemeClr val="accent1">
+              <a:shade val="50000"/>
+            </a:schemeClr>
+          </a:lnRef>
+          <a:fillRef idx="1">
+            <a:schemeClr val="accent1"/>
+          </a:fillRef>
+          <a:effectRef idx="0">
+            <a:schemeClr val="accent1"/>
+          </a:effectRef>
+          <a:fontRef idx="minor">
+            <a:schemeClr val="lt1"/>
+          </a:fontRef>
+        </p:style>
+        <p:txBody>
+          <a:bodyPr rtlCol="0" anchor="ctr"/>
+          <a:lstStyle/>
+          <a:p>
+            <a:pPr algn="ctr"/>
+            <a:r>
+              <a:rPr lang="en-US" altLang="zh-TW" dirty="0">
+                <a:solidFill>
+                  <a:schemeClr val="tx1"/>
+                </a:solidFill>
+              </a:rPr>
+              <a:t>2</a:t>
+            </a:r>
+            <a:endParaRPr lang="zh-TW" altLang="en-US" dirty="0">
+              <a:solidFill>
+                <a:schemeClr val="tx1"/>
+              </a:solidFill>
+            </a:endParaRPr>
+          </a:p>
+        </p:txBody>
+      </p:sp>
+      <p:sp>
+        <p:nvSpPr>
+          <p:cNvPr id="9" name="橢圓 8">
+            <a:extLst>
+              <a:ext uri="{FF2B5EF4-FFF2-40B4-BE49-F238E27FC236}">
+                <a16:creationId xmlns:a16="http://schemas.microsoft.com/office/drawing/2014/main" id="{228BF23F-48A0-4025-9DFC-CD04F421C4BD}"/>
+              </a:ext>
+            </a:extLst>
+          </p:cNvPr>
+          <p:cNvSpPr/>
+          <p:nvPr/>
+        </p:nvSpPr>
+        <p:spPr>
+          <a:xfrm>
+            <a:off x="5050366" y="4638675"/>
+            <a:ext cx="567267" cy="567267"/>
+          </a:xfrm>
+          <a:prstGeom prst="ellipse">
+            <a:avLst/>
+          </a:prstGeom>
+          <a:solidFill>
+            <a:schemeClr val="bg1"/>
+          </a:solidFill>
+          <a:ln>
+            <a:solidFill>
+              <a:schemeClr val="tx1"/>
+            </a:solidFill>
+          </a:ln>
+        </p:spPr>
+        <p:style>
+          <a:lnRef idx="2">
+            <a:schemeClr val="accent1">
+              <a:shade val="50000"/>
+            </a:schemeClr>
+          </a:lnRef>
+          <a:fillRef idx="1">
+            <a:schemeClr val="accent1"/>
+          </a:fillRef>
+          <a:effectRef idx="0">
+            <a:schemeClr val="accent1"/>
+          </a:effectRef>
+          <a:fontRef idx="minor">
+            <a:schemeClr val="lt1"/>
+          </a:fontRef>
+        </p:style>
+        <p:txBody>
+          <a:bodyPr rtlCol="0" anchor="ctr"/>
+          <a:lstStyle/>
+          <a:p>
+            <a:pPr algn="ctr"/>
+            <a:r>
+              <a:rPr lang="en-US" altLang="zh-TW" dirty="0">
+                <a:solidFill>
+                  <a:schemeClr val="tx1"/>
+                </a:solidFill>
+              </a:rPr>
+              <a:t>3</a:t>
+            </a:r>
+            <a:endParaRPr lang="zh-TW" altLang="en-US" dirty="0">
+              <a:solidFill>
+                <a:schemeClr val="tx1"/>
+              </a:solidFill>
+            </a:endParaRPr>
+          </a:p>
+        </p:txBody>
+      </p:sp>
+      <p:sp>
+        <p:nvSpPr>
+          <p:cNvPr id="10" name="文字方塊 9">
+            <a:extLst>
+              <a:ext uri="{FF2B5EF4-FFF2-40B4-BE49-F238E27FC236}">
+                <a16:creationId xmlns:a16="http://schemas.microsoft.com/office/drawing/2014/main" id="{2B0EB273-D2A4-4324-8C9F-B1BBB7A0FC3C}"/>
+              </a:ext>
+            </a:extLst>
+          </p:cNvPr>
+          <p:cNvSpPr txBox="1"/>
+          <p:nvPr/>
+        </p:nvSpPr>
+        <p:spPr>
+          <a:xfrm>
+            <a:off x="5875867" y="1861345"/>
+            <a:ext cx="3793066" cy="753533"/>
+          </a:xfrm>
+          <a:prstGeom prst="rect">
+            <a:avLst/>
+          </a:prstGeom>
+          <a:noFill/>
+          <a:ln w="57150">
+            <a:solidFill>
+              <a:srgbClr val="FF0000"/>
+            </a:solidFill>
+          </a:ln>
+        </p:spPr>
+        <p:txBody>
+          <a:bodyPr wrap="square" rtlCol="0">
+            <a:spAutoFit/>
+          </a:bodyPr>
+          <a:lstStyle/>
+          <a:p>
+            <a:endParaRPr lang="zh-TW" altLang="en-US" dirty="0"/>
+          </a:p>
+        </p:txBody>
+      </p:sp>
+    </p:spTree>
+    <p:extLst>
+      <p:ext uri="{BB962C8B-B14F-4D97-AF65-F5344CB8AC3E}">
+        <p14:creationId xmlns:p14="http://schemas.microsoft.com/office/powerpoint/2010/main" val="669186418"/>
+      </p:ext>
+    </p:extLst>
+  </p:cSld>
+  <p:clrMapOvr>
+    <a:masterClrMapping/>
+  </p:clrMapOvr>
+  <p:timing>
+    <p:tnLst>
+      <p:par>
+        <p:cTn id="1" dur="indefinite" restart="never" nodeType="tmRoot"/>
+      </p:par>
+    </p:tnLst>
+  </p:timing>
+</p:sld>
+</file>
+
+<file path=ppt/slides/slide20.xml><?xml version="1.0" encoding="utf-8"?>
 <p:sld xmlns:a="http://schemas.openxmlformats.org/drawingml/2006/main" xmlns:r="http://schemas.openxmlformats.org/officeDocument/2006/relationships" xmlns:p="http://schemas.openxmlformats.org/presentationml/2006/main">
   <p:cSld>
     <p:spTree>
@@ -12296,771 +13214,6 @@
     <p:extLst>
       <p:ext uri="{BB962C8B-B14F-4D97-AF65-F5344CB8AC3E}">
         <p14:creationId xmlns:p14="http://schemas.microsoft.com/office/powerpoint/2010/main" val="3366029080"/>
-      </p:ext>
-    </p:extLst>
-  </p:cSld>
-  <p:clrMapOvr>
-    <a:masterClrMapping/>
-  </p:clrMapOvr>
-  <p:timing>
-    <p:tnLst>
-      <p:par>
-        <p:cTn id="1" dur="indefinite" restart="never" nodeType="tmRoot"/>
-      </p:par>
-    </p:tnLst>
-  </p:timing>
-</p:sld>
-</file>
-
-<file path=ppt/slides/slide2.xml><?xml version="1.0" encoding="utf-8"?>
-<p:sld xmlns:a="http://schemas.openxmlformats.org/drawingml/2006/main" xmlns:r="http://schemas.openxmlformats.org/officeDocument/2006/relationships" xmlns:p="http://schemas.openxmlformats.org/presentationml/2006/main">
-  <p:cSld>
-    <p:spTree>
-      <p:nvGrpSpPr>
-        <p:cNvPr id="1" name=""/>
-        <p:cNvGrpSpPr/>
-        <p:nvPr/>
-      </p:nvGrpSpPr>
-      <p:grpSpPr>
-        <a:xfrm>
-          <a:off x="0" y="0"/>
-          <a:ext cx="0" cy="0"/>
-          <a:chOff x="0" y="0"/>
-          <a:chExt cx="0" cy="0"/>
-        </a:xfrm>
-      </p:grpSpPr>
-      <p:sp>
-        <p:nvSpPr>
-          <p:cNvPr id="2" name="標題 1">
-            <a:extLst>
-              <a:ext uri="{FF2B5EF4-FFF2-40B4-BE49-F238E27FC236}">
-                <a16:creationId xmlns:a16="http://schemas.microsoft.com/office/drawing/2014/main" id="{2B65CC45-A226-4D45-AA5B-A36CFC1EADB8}"/>
-              </a:ext>
-            </a:extLst>
-          </p:cNvPr>
-          <p:cNvSpPr>
-            <a:spLocks noGrp="1"/>
-          </p:cNvSpPr>
-          <p:nvPr>
-            <p:ph type="title"/>
-          </p:nvPr>
-        </p:nvSpPr>
-        <p:spPr/>
-        <p:txBody>
-          <a:bodyPr/>
-          <a:lstStyle/>
-          <a:p>
-            <a:r>
-              <a:rPr lang="zh-TW" altLang="en-US" dirty="0">
-                <a:latin typeface="微軟正黑體" panose="020B0604030504040204" pitchFamily="34" charset="-120"/>
-                <a:ea typeface="微軟正黑體" panose="020B0604030504040204" pitchFamily="34" charset="-120"/>
-              </a:rPr>
-              <a:t>目錄</a:t>
-            </a:r>
-          </a:p>
-        </p:txBody>
-      </p:sp>
-      <p:sp>
-        <p:nvSpPr>
-          <p:cNvPr id="3" name="內容版面配置區 2">
-            <a:extLst>
-              <a:ext uri="{FF2B5EF4-FFF2-40B4-BE49-F238E27FC236}">
-                <a16:creationId xmlns:a16="http://schemas.microsoft.com/office/drawing/2014/main" id="{125BC902-82B5-4299-AB1D-7D45E88A8EA1}"/>
-              </a:ext>
-            </a:extLst>
-          </p:cNvPr>
-          <p:cNvSpPr>
-            <a:spLocks noGrp="1"/>
-          </p:cNvSpPr>
-          <p:nvPr>
-            <p:ph idx="1"/>
-          </p:nvPr>
-        </p:nvSpPr>
-        <p:spPr>
-          <a:xfrm>
-            <a:off x="5943601" y="2012421"/>
-            <a:ext cx="3725332" cy="502708"/>
-          </a:xfrm>
-        </p:spPr>
-        <p:txBody>
-          <a:bodyPr/>
-          <a:lstStyle/>
-          <a:p>
-            <a:pPr marL="0" indent="0">
-              <a:buNone/>
-            </a:pPr>
-            <a:r>
-              <a:rPr lang="en-US" altLang="zh-TW" dirty="0"/>
-              <a:t>Reinforcement Learning</a:t>
-            </a:r>
-          </a:p>
-          <a:p>
-            <a:pPr marL="0" indent="0">
-              <a:buNone/>
-            </a:pPr>
-            <a:endParaRPr lang="en-US" altLang="zh-TW" dirty="0"/>
-          </a:p>
-        </p:txBody>
-      </p:sp>
-      <p:sp>
-        <p:nvSpPr>
-          <p:cNvPr id="4" name="內容版面配置區 2">
-            <a:extLst>
-              <a:ext uri="{FF2B5EF4-FFF2-40B4-BE49-F238E27FC236}">
-                <a16:creationId xmlns:a16="http://schemas.microsoft.com/office/drawing/2014/main" id="{9EB117A6-4640-48D5-9697-D1C32B008923}"/>
-              </a:ext>
-            </a:extLst>
-          </p:cNvPr>
-          <p:cNvSpPr txBox="1">
-            <a:spLocks/>
-          </p:cNvSpPr>
-          <p:nvPr/>
-        </p:nvSpPr>
-        <p:spPr>
-          <a:xfrm>
-            <a:off x="5943601" y="3341688"/>
-            <a:ext cx="3725332" cy="502708"/>
-          </a:xfrm>
-          <a:prstGeom prst="rect">
-            <a:avLst/>
-          </a:prstGeom>
-        </p:spPr>
-        <p:txBody>
-          <a:bodyPr vert="horz" lIns="91440" tIns="45720" rIns="91440" bIns="45720" rtlCol="0">
-            <a:normAutofit/>
-          </a:bodyPr>
-          <a:lstStyle>
-            <a:lvl1pPr marL="228600" indent="-228600" algn="l" defTabSz="914400" rtl="0" eaLnBrk="1" latinLnBrk="0" hangingPunct="1">
-              <a:lnSpc>
-                <a:spcPct val="90000"/>
-              </a:lnSpc>
-              <a:spcBef>
-                <a:spcPts val="1000"/>
-              </a:spcBef>
-              <a:buFont typeface="Arial" panose="020B0604020202020204" pitchFamily="34" charset="0"/>
-              <a:buChar char="•"/>
-              <a:defRPr sz="2800" kern="1200">
-                <a:solidFill>
-                  <a:schemeClr val="tx1"/>
-                </a:solidFill>
-                <a:latin typeface="+mn-lt"/>
-                <a:ea typeface="+mn-ea"/>
-                <a:cs typeface="+mn-cs"/>
-              </a:defRPr>
-            </a:lvl1pPr>
-            <a:lvl2pPr marL="685800" indent="-228600" algn="l" defTabSz="914400" rtl="0" eaLnBrk="1" latinLnBrk="0" hangingPunct="1">
-              <a:lnSpc>
-                <a:spcPct val="90000"/>
-              </a:lnSpc>
-              <a:spcBef>
-                <a:spcPts val="500"/>
-              </a:spcBef>
-              <a:buFont typeface="Arial" panose="020B0604020202020204" pitchFamily="34" charset="0"/>
-              <a:buChar char="•"/>
-              <a:defRPr sz="2400" kern="1200">
-                <a:solidFill>
-                  <a:schemeClr val="tx1"/>
-                </a:solidFill>
-                <a:latin typeface="+mn-lt"/>
-                <a:ea typeface="+mn-ea"/>
-                <a:cs typeface="+mn-cs"/>
-              </a:defRPr>
-            </a:lvl2pPr>
-            <a:lvl3pPr marL="1143000" indent="-228600" algn="l" defTabSz="914400" rtl="0" eaLnBrk="1" latinLnBrk="0" hangingPunct="1">
-              <a:lnSpc>
-                <a:spcPct val="90000"/>
-              </a:lnSpc>
-              <a:spcBef>
-                <a:spcPts val="500"/>
-              </a:spcBef>
-              <a:buFont typeface="Arial" panose="020B0604020202020204" pitchFamily="34" charset="0"/>
-              <a:buChar char="•"/>
-              <a:defRPr sz="2000" kern="1200">
-                <a:solidFill>
-                  <a:schemeClr val="tx1"/>
-                </a:solidFill>
-                <a:latin typeface="+mn-lt"/>
-                <a:ea typeface="+mn-ea"/>
-                <a:cs typeface="+mn-cs"/>
-              </a:defRPr>
-            </a:lvl3pPr>
-            <a:lvl4pPr marL="1600200" indent="-228600" algn="l" defTabSz="914400" rtl="0" eaLnBrk="1" latinLnBrk="0" hangingPunct="1">
-              <a:lnSpc>
-                <a:spcPct val="90000"/>
-              </a:lnSpc>
-              <a:spcBef>
-                <a:spcPts val="500"/>
-              </a:spcBef>
-              <a:buFont typeface="Arial" panose="020B0604020202020204" pitchFamily="34" charset="0"/>
-              <a:buChar char="•"/>
-              <a:defRPr sz="1800" kern="1200">
-                <a:solidFill>
-                  <a:schemeClr val="tx1"/>
-                </a:solidFill>
-                <a:latin typeface="+mn-lt"/>
-                <a:ea typeface="+mn-ea"/>
-                <a:cs typeface="+mn-cs"/>
-              </a:defRPr>
-            </a:lvl4pPr>
-            <a:lvl5pPr marL="2057400" indent="-228600" algn="l" defTabSz="914400" rtl="0" eaLnBrk="1" latinLnBrk="0" hangingPunct="1">
-              <a:lnSpc>
-                <a:spcPct val="90000"/>
-              </a:lnSpc>
-              <a:spcBef>
-                <a:spcPts val="500"/>
-              </a:spcBef>
-              <a:buFont typeface="Arial" panose="020B0604020202020204" pitchFamily="34" charset="0"/>
-              <a:buChar char="•"/>
-              <a:defRPr sz="1800" kern="1200">
-                <a:solidFill>
-                  <a:schemeClr val="tx1"/>
-                </a:solidFill>
-                <a:latin typeface="+mn-lt"/>
-                <a:ea typeface="+mn-ea"/>
-                <a:cs typeface="+mn-cs"/>
-              </a:defRPr>
-            </a:lvl5pPr>
-            <a:lvl6pPr marL="2514600" indent="-228600" algn="l" defTabSz="914400" rtl="0" eaLnBrk="1" latinLnBrk="0" hangingPunct="1">
-              <a:lnSpc>
-                <a:spcPct val="90000"/>
-              </a:lnSpc>
-              <a:spcBef>
-                <a:spcPts val="500"/>
-              </a:spcBef>
-              <a:buFont typeface="Arial" panose="020B0604020202020204" pitchFamily="34" charset="0"/>
-              <a:buChar char="•"/>
-              <a:defRPr sz="1800" kern="1200">
-                <a:solidFill>
-                  <a:schemeClr val="tx1"/>
-                </a:solidFill>
-                <a:latin typeface="+mn-lt"/>
-                <a:ea typeface="+mn-ea"/>
-                <a:cs typeface="+mn-cs"/>
-              </a:defRPr>
-            </a:lvl6pPr>
-            <a:lvl7pPr marL="2971800" indent="-228600" algn="l" defTabSz="914400" rtl="0" eaLnBrk="1" latinLnBrk="0" hangingPunct="1">
-              <a:lnSpc>
-                <a:spcPct val="90000"/>
-              </a:lnSpc>
-              <a:spcBef>
-                <a:spcPts val="500"/>
-              </a:spcBef>
-              <a:buFont typeface="Arial" panose="020B0604020202020204" pitchFamily="34" charset="0"/>
-              <a:buChar char="•"/>
-              <a:defRPr sz="1800" kern="1200">
-                <a:solidFill>
-                  <a:schemeClr val="tx1"/>
-                </a:solidFill>
-                <a:latin typeface="+mn-lt"/>
-                <a:ea typeface="+mn-ea"/>
-                <a:cs typeface="+mn-cs"/>
-              </a:defRPr>
-            </a:lvl7pPr>
-            <a:lvl8pPr marL="3429000" indent="-228600" algn="l" defTabSz="914400" rtl="0" eaLnBrk="1" latinLnBrk="0" hangingPunct="1">
-              <a:lnSpc>
-                <a:spcPct val="90000"/>
-              </a:lnSpc>
-              <a:spcBef>
-                <a:spcPts val="500"/>
-              </a:spcBef>
-              <a:buFont typeface="Arial" panose="020B0604020202020204" pitchFamily="34" charset="0"/>
-              <a:buChar char="•"/>
-              <a:defRPr sz="1800" kern="1200">
-                <a:solidFill>
-                  <a:schemeClr val="tx1"/>
-                </a:solidFill>
-                <a:latin typeface="+mn-lt"/>
-                <a:ea typeface="+mn-ea"/>
-                <a:cs typeface="+mn-cs"/>
-              </a:defRPr>
-            </a:lvl8pPr>
-            <a:lvl9pPr marL="3886200" indent="-228600" algn="l" defTabSz="914400" rtl="0" eaLnBrk="1" latinLnBrk="0" hangingPunct="1">
-              <a:lnSpc>
-                <a:spcPct val="90000"/>
-              </a:lnSpc>
-              <a:spcBef>
-                <a:spcPts val="500"/>
-              </a:spcBef>
-              <a:buFont typeface="Arial" panose="020B0604020202020204" pitchFamily="34" charset="0"/>
-              <a:buChar char="•"/>
-              <a:defRPr sz="1800" kern="1200">
-                <a:solidFill>
-                  <a:schemeClr val="tx1"/>
-                </a:solidFill>
-                <a:latin typeface="+mn-lt"/>
-                <a:ea typeface="+mn-ea"/>
-                <a:cs typeface="+mn-cs"/>
-              </a:defRPr>
-            </a:lvl9pPr>
-          </a:lstStyle>
-          <a:p>
-            <a:pPr marL="0" indent="0">
-              <a:buFont typeface="Arial" panose="020B0604020202020204" pitchFamily="34" charset="0"/>
-              <a:buNone/>
-            </a:pPr>
-            <a:r>
-              <a:rPr lang="en-US" altLang="zh-TW" dirty="0"/>
-              <a:t>Q - Learning</a:t>
-            </a:r>
-          </a:p>
-          <a:p>
-            <a:pPr marL="0" indent="0">
-              <a:buFont typeface="Arial" panose="020B0604020202020204" pitchFamily="34" charset="0"/>
-              <a:buNone/>
-            </a:pPr>
-            <a:endParaRPr lang="en-US" altLang="zh-TW" dirty="0"/>
-          </a:p>
-        </p:txBody>
-      </p:sp>
-      <p:sp>
-        <p:nvSpPr>
-          <p:cNvPr id="5" name="內容版面配置區 2">
-            <a:extLst>
-              <a:ext uri="{FF2B5EF4-FFF2-40B4-BE49-F238E27FC236}">
-                <a16:creationId xmlns:a16="http://schemas.microsoft.com/office/drawing/2014/main" id="{454587C2-CCA8-43D7-9DEB-B6B0E2755A05}"/>
-              </a:ext>
-            </a:extLst>
-          </p:cNvPr>
-          <p:cNvSpPr txBox="1">
-            <a:spLocks/>
-          </p:cNvSpPr>
-          <p:nvPr/>
-        </p:nvSpPr>
-        <p:spPr>
-          <a:xfrm>
-            <a:off x="5943601" y="4670955"/>
-            <a:ext cx="4284132" cy="502708"/>
-          </a:xfrm>
-          <a:prstGeom prst="rect">
-            <a:avLst/>
-          </a:prstGeom>
-        </p:spPr>
-        <p:txBody>
-          <a:bodyPr vert="horz" lIns="91440" tIns="45720" rIns="91440" bIns="45720" rtlCol="0">
-            <a:normAutofit/>
-          </a:bodyPr>
-          <a:lstStyle>
-            <a:lvl1pPr marL="228600" indent="-228600" algn="l" defTabSz="914400" rtl="0" eaLnBrk="1" latinLnBrk="0" hangingPunct="1">
-              <a:lnSpc>
-                <a:spcPct val="90000"/>
-              </a:lnSpc>
-              <a:spcBef>
-                <a:spcPts val="1000"/>
-              </a:spcBef>
-              <a:buFont typeface="Arial" panose="020B0604020202020204" pitchFamily="34" charset="0"/>
-              <a:buChar char="•"/>
-              <a:defRPr sz="2800" kern="1200">
-                <a:solidFill>
-                  <a:schemeClr val="tx1"/>
-                </a:solidFill>
-                <a:latin typeface="+mn-lt"/>
-                <a:ea typeface="+mn-ea"/>
-                <a:cs typeface="+mn-cs"/>
-              </a:defRPr>
-            </a:lvl1pPr>
-            <a:lvl2pPr marL="685800" indent="-228600" algn="l" defTabSz="914400" rtl="0" eaLnBrk="1" latinLnBrk="0" hangingPunct="1">
-              <a:lnSpc>
-                <a:spcPct val="90000"/>
-              </a:lnSpc>
-              <a:spcBef>
-                <a:spcPts val="500"/>
-              </a:spcBef>
-              <a:buFont typeface="Arial" panose="020B0604020202020204" pitchFamily="34" charset="0"/>
-              <a:buChar char="•"/>
-              <a:defRPr sz="2400" kern="1200">
-                <a:solidFill>
-                  <a:schemeClr val="tx1"/>
-                </a:solidFill>
-                <a:latin typeface="+mn-lt"/>
-                <a:ea typeface="+mn-ea"/>
-                <a:cs typeface="+mn-cs"/>
-              </a:defRPr>
-            </a:lvl2pPr>
-            <a:lvl3pPr marL="1143000" indent="-228600" algn="l" defTabSz="914400" rtl="0" eaLnBrk="1" latinLnBrk="0" hangingPunct="1">
-              <a:lnSpc>
-                <a:spcPct val="90000"/>
-              </a:lnSpc>
-              <a:spcBef>
-                <a:spcPts val="500"/>
-              </a:spcBef>
-              <a:buFont typeface="Arial" panose="020B0604020202020204" pitchFamily="34" charset="0"/>
-              <a:buChar char="•"/>
-              <a:defRPr sz="2000" kern="1200">
-                <a:solidFill>
-                  <a:schemeClr val="tx1"/>
-                </a:solidFill>
-                <a:latin typeface="+mn-lt"/>
-                <a:ea typeface="+mn-ea"/>
-                <a:cs typeface="+mn-cs"/>
-              </a:defRPr>
-            </a:lvl3pPr>
-            <a:lvl4pPr marL="1600200" indent="-228600" algn="l" defTabSz="914400" rtl="0" eaLnBrk="1" latinLnBrk="0" hangingPunct="1">
-              <a:lnSpc>
-                <a:spcPct val="90000"/>
-              </a:lnSpc>
-              <a:spcBef>
-                <a:spcPts val="500"/>
-              </a:spcBef>
-              <a:buFont typeface="Arial" panose="020B0604020202020204" pitchFamily="34" charset="0"/>
-              <a:buChar char="•"/>
-              <a:defRPr sz="1800" kern="1200">
-                <a:solidFill>
-                  <a:schemeClr val="tx1"/>
-                </a:solidFill>
-                <a:latin typeface="+mn-lt"/>
-                <a:ea typeface="+mn-ea"/>
-                <a:cs typeface="+mn-cs"/>
-              </a:defRPr>
-            </a:lvl4pPr>
-            <a:lvl5pPr marL="2057400" indent="-228600" algn="l" defTabSz="914400" rtl="0" eaLnBrk="1" latinLnBrk="0" hangingPunct="1">
-              <a:lnSpc>
-                <a:spcPct val="90000"/>
-              </a:lnSpc>
-              <a:spcBef>
-                <a:spcPts val="500"/>
-              </a:spcBef>
-              <a:buFont typeface="Arial" panose="020B0604020202020204" pitchFamily="34" charset="0"/>
-              <a:buChar char="•"/>
-              <a:defRPr sz="1800" kern="1200">
-                <a:solidFill>
-                  <a:schemeClr val="tx1"/>
-                </a:solidFill>
-                <a:latin typeface="+mn-lt"/>
-                <a:ea typeface="+mn-ea"/>
-                <a:cs typeface="+mn-cs"/>
-              </a:defRPr>
-            </a:lvl5pPr>
-            <a:lvl6pPr marL="2514600" indent="-228600" algn="l" defTabSz="914400" rtl="0" eaLnBrk="1" latinLnBrk="0" hangingPunct="1">
-              <a:lnSpc>
-                <a:spcPct val="90000"/>
-              </a:lnSpc>
-              <a:spcBef>
-                <a:spcPts val="500"/>
-              </a:spcBef>
-              <a:buFont typeface="Arial" panose="020B0604020202020204" pitchFamily="34" charset="0"/>
-              <a:buChar char="•"/>
-              <a:defRPr sz="1800" kern="1200">
-                <a:solidFill>
-                  <a:schemeClr val="tx1"/>
-                </a:solidFill>
-                <a:latin typeface="+mn-lt"/>
-                <a:ea typeface="+mn-ea"/>
-                <a:cs typeface="+mn-cs"/>
-              </a:defRPr>
-            </a:lvl6pPr>
-            <a:lvl7pPr marL="2971800" indent="-228600" algn="l" defTabSz="914400" rtl="0" eaLnBrk="1" latinLnBrk="0" hangingPunct="1">
-              <a:lnSpc>
-                <a:spcPct val="90000"/>
-              </a:lnSpc>
-              <a:spcBef>
-                <a:spcPts val="500"/>
-              </a:spcBef>
-              <a:buFont typeface="Arial" panose="020B0604020202020204" pitchFamily="34" charset="0"/>
-              <a:buChar char="•"/>
-              <a:defRPr sz="1800" kern="1200">
-                <a:solidFill>
-                  <a:schemeClr val="tx1"/>
-                </a:solidFill>
-                <a:latin typeface="+mn-lt"/>
-                <a:ea typeface="+mn-ea"/>
-                <a:cs typeface="+mn-cs"/>
-              </a:defRPr>
-            </a:lvl7pPr>
-            <a:lvl8pPr marL="3429000" indent="-228600" algn="l" defTabSz="914400" rtl="0" eaLnBrk="1" latinLnBrk="0" hangingPunct="1">
-              <a:lnSpc>
-                <a:spcPct val="90000"/>
-              </a:lnSpc>
-              <a:spcBef>
-                <a:spcPts val="500"/>
-              </a:spcBef>
-              <a:buFont typeface="Arial" panose="020B0604020202020204" pitchFamily="34" charset="0"/>
-              <a:buChar char="•"/>
-              <a:defRPr sz="1800" kern="1200">
-                <a:solidFill>
-                  <a:schemeClr val="tx1"/>
-                </a:solidFill>
-                <a:latin typeface="+mn-lt"/>
-                <a:ea typeface="+mn-ea"/>
-                <a:cs typeface="+mn-cs"/>
-              </a:defRPr>
-            </a:lvl8pPr>
-            <a:lvl9pPr marL="3886200" indent="-228600" algn="l" defTabSz="914400" rtl="0" eaLnBrk="1" latinLnBrk="0" hangingPunct="1">
-              <a:lnSpc>
-                <a:spcPct val="90000"/>
-              </a:lnSpc>
-              <a:spcBef>
-                <a:spcPts val="500"/>
-              </a:spcBef>
-              <a:buFont typeface="Arial" panose="020B0604020202020204" pitchFamily="34" charset="0"/>
-              <a:buChar char="•"/>
-              <a:defRPr sz="1800" kern="1200">
-                <a:solidFill>
-                  <a:schemeClr val="tx1"/>
-                </a:solidFill>
-                <a:latin typeface="+mn-lt"/>
-                <a:ea typeface="+mn-ea"/>
-                <a:cs typeface="+mn-cs"/>
-              </a:defRPr>
-            </a:lvl9pPr>
-          </a:lstStyle>
-          <a:p>
-            <a:pPr marL="0" indent="0">
-              <a:buFont typeface="Arial" panose="020B0604020202020204" pitchFamily="34" charset="0"/>
-              <a:buNone/>
-            </a:pPr>
-            <a:r>
-              <a:rPr lang="en-US" altLang="zh-TW" dirty="0"/>
-              <a:t>DQN Family with Dino Run</a:t>
-            </a:r>
-          </a:p>
-          <a:p>
-            <a:pPr marL="0" indent="0">
-              <a:buFont typeface="Arial" panose="020B0604020202020204" pitchFamily="34" charset="0"/>
-              <a:buNone/>
-            </a:pPr>
-            <a:endParaRPr lang="en-US" altLang="zh-TW" dirty="0"/>
-          </a:p>
-        </p:txBody>
-      </p:sp>
-      <p:sp>
-        <p:nvSpPr>
-          <p:cNvPr id="7" name="橢圓 6">
-            <a:extLst>
-              <a:ext uri="{FF2B5EF4-FFF2-40B4-BE49-F238E27FC236}">
-                <a16:creationId xmlns:a16="http://schemas.microsoft.com/office/drawing/2014/main" id="{200AA373-6064-4BFB-83F5-1D9EC6A9C7DF}"/>
-              </a:ext>
-            </a:extLst>
-          </p:cNvPr>
-          <p:cNvSpPr/>
-          <p:nvPr/>
-        </p:nvSpPr>
-        <p:spPr>
-          <a:xfrm>
-            <a:off x="5050367" y="1980141"/>
-            <a:ext cx="567267" cy="567267"/>
-          </a:xfrm>
-          <a:prstGeom prst="ellipse">
-            <a:avLst/>
-          </a:prstGeom>
-          <a:solidFill>
-            <a:schemeClr val="bg1"/>
-          </a:solidFill>
-          <a:ln>
-            <a:solidFill>
-              <a:schemeClr val="tx1"/>
-            </a:solidFill>
-          </a:ln>
-        </p:spPr>
-        <p:style>
-          <a:lnRef idx="2">
-            <a:schemeClr val="accent1">
-              <a:shade val="50000"/>
-            </a:schemeClr>
-          </a:lnRef>
-          <a:fillRef idx="1">
-            <a:schemeClr val="accent1"/>
-          </a:fillRef>
-          <a:effectRef idx="0">
-            <a:schemeClr val="accent1"/>
-          </a:effectRef>
-          <a:fontRef idx="minor">
-            <a:schemeClr val="lt1"/>
-          </a:fontRef>
-        </p:style>
-        <p:txBody>
-          <a:bodyPr rtlCol="0" anchor="ctr"/>
-          <a:lstStyle/>
-          <a:p>
-            <a:pPr algn="ctr"/>
-            <a:r>
-              <a:rPr lang="en-US" altLang="zh-TW" dirty="0">
-                <a:solidFill>
-                  <a:schemeClr val="tx1"/>
-                </a:solidFill>
-              </a:rPr>
-              <a:t>1</a:t>
-            </a:r>
-            <a:endParaRPr lang="zh-TW" altLang="en-US" dirty="0">
-              <a:solidFill>
-                <a:schemeClr val="tx1"/>
-              </a:solidFill>
-            </a:endParaRPr>
-          </a:p>
-        </p:txBody>
-      </p:sp>
-      <p:sp>
-        <p:nvSpPr>
-          <p:cNvPr id="8" name="橢圓 7">
-            <a:extLst>
-              <a:ext uri="{FF2B5EF4-FFF2-40B4-BE49-F238E27FC236}">
-                <a16:creationId xmlns:a16="http://schemas.microsoft.com/office/drawing/2014/main" id="{6FA0B12F-4E55-436A-B513-F1538D5B3069}"/>
-              </a:ext>
-            </a:extLst>
-          </p:cNvPr>
-          <p:cNvSpPr/>
-          <p:nvPr/>
-        </p:nvSpPr>
-        <p:spPr>
-          <a:xfrm>
-            <a:off x="5050365" y="3309408"/>
-            <a:ext cx="567267" cy="567267"/>
-          </a:xfrm>
-          <a:prstGeom prst="ellipse">
-            <a:avLst/>
-          </a:prstGeom>
-          <a:solidFill>
-            <a:schemeClr val="bg1"/>
-          </a:solidFill>
-          <a:ln>
-            <a:solidFill>
-              <a:schemeClr val="tx1"/>
-            </a:solidFill>
-          </a:ln>
-        </p:spPr>
-        <p:style>
-          <a:lnRef idx="2">
-            <a:schemeClr val="accent1">
-              <a:shade val="50000"/>
-            </a:schemeClr>
-          </a:lnRef>
-          <a:fillRef idx="1">
-            <a:schemeClr val="accent1"/>
-          </a:fillRef>
-          <a:effectRef idx="0">
-            <a:schemeClr val="accent1"/>
-          </a:effectRef>
-          <a:fontRef idx="minor">
-            <a:schemeClr val="lt1"/>
-          </a:fontRef>
-        </p:style>
-        <p:txBody>
-          <a:bodyPr rtlCol="0" anchor="ctr"/>
-          <a:lstStyle/>
-          <a:p>
-            <a:pPr algn="ctr"/>
-            <a:r>
-              <a:rPr lang="en-US" altLang="zh-TW" dirty="0">
-                <a:solidFill>
-                  <a:schemeClr val="tx1"/>
-                </a:solidFill>
-              </a:rPr>
-              <a:t>2</a:t>
-            </a:r>
-            <a:endParaRPr lang="zh-TW" altLang="en-US" dirty="0">
-              <a:solidFill>
-                <a:schemeClr val="tx1"/>
-              </a:solidFill>
-            </a:endParaRPr>
-          </a:p>
-        </p:txBody>
-      </p:sp>
-      <p:sp>
-        <p:nvSpPr>
-          <p:cNvPr id="9" name="橢圓 8">
-            <a:extLst>
-              <a:ext uri="{FF2B5EF4-FFF2-40B4-BE49-F238E27FC236}">
-                <a16:creationId xmlns:a16="http://schemas.microsoft.com/office/drawing/2014/main" id="{228BF23F-48A0-4025-9DFC-CD04F421C4BD}"/>
-              </a:ext>
-            </a:extLst>
-          </p:cNvPr>
-          <p:cNvSpPr/>
-          <p:nvPr/>
-        </p:nvSpPr>
-        <p:spPr>
-          <a:xfrm>
-            <a:off x="5050366" y="4638675"/>
-            <a:ext cx="567267" cy="567267"/>
-          </a:xfrm>
-          <a:prstGeom prst="ellipse">
-            <a:avLst/>
-          </a:prstGeom>
-          <a:solidFill>
-            <a:schemeClr val="bg1"/>
-          </a:solidFill>
-          <a:ln>
-            <a:solidFill>
-              <a:schemeClr val="tx1"/>
-            </a:solidFill>
-          </a:ln>
-        </p:spPr>
-        <p:style>
-          <a:lnRef idx="2">
-            <a:schemeClr val="accent1">
-              <a:shade val="50000"/>
-            </a:schemeClr>
-          </a:lnRef>
-          <a:fillRef idx="1">
-            <a:schemeClr val="accent1"/>
-          </a:fillRef>
-          <a:effectRef idx="0">
-            <a:schemeClr val="accent1"/>
-          </a:effectRef>
-          <a:fontRef idx="minor">
-            <a:schemeClr val="lt1"/>
-          </a:fontRef>
-        </p:style>
-        <p:txBody>
-          <a:bodyPr rtlCol="0" anchor="ctr"/>
-          <a:lstStyle/>
-          <a:p>
-            <a:pPr algn="ctr"/>
-            <a:r>
-              <a:rPr lang="en-US" altLang="zh-TW" dirty="0">
-                <a:solidFill>
-                  <a:schemeClr val="tx1"/>
-                </a:solidFill>
-              </a:rPr>
-              <a:t>3</a:t>
-            </a:r>
-            <a:endParaRPr lang="zh-TW" altLang="en-US" dirty="0">
-              <a:solidFill>
-                <a:schemeClr val="tx1"/>
-              </a:solidFill>
-            </a:endParaRPr>
-          </a:p>
-        </p:txBody>
-      </p:sp>
-      <p:sp>
-        <p:nvSpPr>
-          <p:cNvPr id="10" name="文字方塊 9">
-            <a:extLst>
-              <a:ext uri="{FF2B5EF4-FFF2-40B4-BE49-F238E27FC236}">
-                <a16:creationId xmlns:a16="http://schemas.microsoft.com/office/drawing/2014/main" id="{2B0EB273-D2A4-4324-8C9F-B1BBB7A0FC3C}"/>
-              </a:ext>
-            </a:extLst>
-          </p:cNvPr>
-          <p:cNvSpPr txBox="1"/>
-          <p:nvPr/>
-        </p:nvSpPr>
-        <p:spPr>
-          <a:xfrm>
-            <a:off x="5875867" y="1861345"/>
-            <a:ext cx="3793066" cy="753533"/>
-          </a:xfrm>
-          <a:prstGeom prst="rect">
-            <a:avLst/>
-          </a:prstGeom>
-          <a:noFill/>
-          <a:ln w="57150">
-            <a:solidFill>
-              <a:srgbClr val="FF0000"/>
-            </a:solidFill>
-          </a:ln>
-        </p:spPr>
-        <p:txBody>
-          <a:bodyPr wrap="square" rtlCol="0">
-            <a:spAutoFit/>
-          </a:bodyPr>
-          <a:lstStyle/>
-          <a:p>
-            <a:endParaRPr lang="zh-TW" altLang="en-US" dirty="0"/>
-          </a:p>
-        </p:txBody>
-      </p:sp>
-    </p:spTree>
-    <p:extLst>
-      <p:ext uri="{BB962C8B-B14F-4D97-AF65-F5344CB8AC3E}">
-        <p14:creationId xmlns:p14="http://schemas.microsoft.com/office/powerpoint/2010/main" val="669186418"/>
       </p:ext>
     </p:extLst>
   </p:cSld>

--- a/107302002.pptx
+++ b/107302002.pptx
@@ -278,7 +278,7 @@
           <a:p>
             <a:fld id="{48958F36-EEA7-422C-84CD-629B3B069568}" type="datetimeFigureOut">
               <a:rPr lang="zh-TW" altLang="en-US" smtClean="0"/>
-              <a:t>2022/1/7</a:t>
+              <a:t>2022/1/19</a:t>
             </a:fld>
             <a:endParaRPr lang="zh-TW" altLang="en-US"/>
           </a:p>
@@ -476,7 +476,7 @@
           <a:p>
             <a:fld id="{48958F36-EEA7-422C-84CD-629B3B069568}" type="datetimeFigureOut">
               <a:rPr lang="zh-TW" altLang="en-US" smtClean="0"/>
-              <a:t>2022/1/7</a:t>
+              <a:t>2022/1/19</a:t>
             </a:fld>
             <a:endParaRPr lang="zh-TW" altLang="en-US"/>
           </a:p>
@@ -684,7 +684,7 @@
           <a:p>
             <a:fld id="{48958F36-EEA7-422C-84CD-629B3B069568}" type="datetimeFigureOut">
               <a:rPr lang="zh-TW" altLang="en-US" smtClean="0"/>
-              <a:t>2022/1/7</a:t>
+              <a:t>2022/1/19</a:t>
             </a:fld>
             <a:endParaRPr lang="zh-TW" altLang="en-US"/>
           </a:p>
@@ -882,7 +882,7 @@
           <a:p>
             <a:fld id="{48958F36-EEA7-422C-84CD-629B3B069568}" type="datetimeFigureOut">
               <a:rPr lang="zh-TW" altLang="en-US" smtClean="0"/>
-              <a:t>2022/1/7</a:t>
+              <a:t>2022/1/19</a:t>
             </a:fld>
             <a:endParaRPr lang="zh-TW" altLang="en-US"/>
           </a:p>
@@ -1157,7 +1157,7 @@
           <a:p>
             <a:fld id="{48958F36-EEA7-422C-84CD-629B3B069568}" type="datetimeFigureOut">
               <a:rPr lang="zh-TW" altLang="en-US" smtClean="0"/>
-              <a:t>2022/1/7</a:t>
+              <a:t>2022/1/19</a:t>
             </a:fld>
             <a:endParaRPr lang="zh-TW" altLang="en-US"/>
           </a:p>
@@ -1422,7 +1422,7 @@
           <a:p>
             <a:fld id="{48958F36-EEA7-422C-84CD-629B3B069568}" type="datetimeFigureOut">
               <a:rPr lang="zh-TW" altLang="en-US" smtClean="0"/>
-              <a:t>2022/1/7</a:t>
+              <a:t>2022/1/19</a:t>
             </a:fld>
             <a:endParaRPr lang="zh-TW" altLang="en-US"/>
           </a:p>
@@ -1834,7 +1834,7 @@
           <a:p>
             <a:fld id="{48958F36-EEA7-422C-84CD-629B3B069568}" type="datetimeFigureOut">
               <a:rPr lang="zh-TW" altLang="en-US" smtClean="0"/>
-              <a:t>2022/1/7</a:t>
+              <a:t>2022/1/19</a:t>
             </a:fld>
             <a:endParaRPr lang="zh-TW" altLang="en-US"/>
           </a:p>
@@ -1975,7 +1975,7 @@
           <a:p>
             <a:fld id="{48958F36-EEA7-422C-84CD-629B3B069568}" type="datetimeFigureOut">
               <a:rPr lang="zh-TW" altLang="en-US" smtClean="0"/>
-              <a:t>2022/1/7</a:t>
+              <a:t>2022/1/19</a:t>
             </a:fld>
             <a:endParaRPr lang="zh-TW" altLang="en-US"/>
           </a:p>
@@ -2088,7 +2088,7 @@
           <a:p>
             <a:fld id="{48958F36-EEA7-422C-84CD-629B3B069568}" type="datetimeFigureOut">
               <a:rPr lang="zh-TW" altLang="en-US" smtClean="0"/>
-              <a:t>2022/1/7</a:t>
+              <a:t>2022/1/19</a:t>
             </a:fld>
             <a:endParaRPr lang="zh-TW" altLang="en-US"/>
           </a:p>
@@ -2399,7 +2399,7 @@
           <a:p>
             <a:fld id="{48958F36-EEA7-422C-84CD-629B3B069568}" type="datetimeFigureOut">
               <a:rPr lang="zh-TW" altLang="en-US" smtClean="0"/>
-              <a:t>2022/1/7</a:t>
+              <a:t>2022/1/19</a:t>
             </a:fld>
             <a:endParaRPr lang="zh-TW" altLang="en-US"/>
           </a:p>
@@ -2687,7 +2687,7 @@
           <a:p>
             <a:fld id="{48958F36-EEA7-422C-84CD-629B3B069568}" type="datetimeFigureOut">
               <a:rPr lang="zh-TW" altLang="en-US" smtClean="0"/>
-              <a:t>2022/1/7</a:t>
+              <a:t>2022/1/19</a:t>
             </a:fld>
             <a:endParaRPr lang="zh-TW" altLang="en-US"/>
           </a:p>
@@ -2928,7 +2928,7 @@
           <a:p>
             <a:fld id="{48958F36-EEA7-422C-84CD-629B3B069568}" type="datetimeFigureOut">
               <a:rPr lang="zh-TW" altLang="en-US" smtClean="0"/>
-              <a:t>2022/1/7</a:t>
+              <a:t>2022/1/19</a:t>
             </a:fld>
             <a:endParaRPr lang="zh-TW" altLang="en-US"/>
           </a:p>
@@ -3434,13 +3434,6 @@
   <p:clrMapOvr>
     <a:masterClrMapping/>
   </p:clrMapOvr>
-  <p:timing>
-    <p:tnLst>
-      <p:par>
-        <p:cTn id="1" dur="indefinite" restart="never" nodeType="tmRoot"/>
-      </p:par>
-    </p:tnLst>
-  </p:timing>
 </p:sld>
 </file>
 
@@ -4200,13 +4193,6 @@
   <p:clrMapOvr>
     <a:masterClrMapping/>
   </p:clrMapOvr>
-  <p:timing>
-    <p:tnLst>
-      <p:par>
-        <p:cTn id="1" dur="indefinite" restart="never" nodeType="tmRoot"/>
-      </p:par>
-    </p:tnLst>
-  </p:timing>
 </p:sld>
 </file>
 
@@ -5809,13 +5795,6 @@
   <p:clrMapOvr>
     <a:masterClrMapping/>
   </p:clrMapOvr>
-  <p:timing>
-    <p:tnLst>
-      <p:par>
-        <p:cTn id="1" dur="indefinite" restart="never" nodeType="tmRoot"/>
-      </p:par>
-    </p:tnLst>
-  </p:timing>
 </p:sld>
 </file>
 
@@ -6786,13 +6765,6 @@
   <p:clrMapOvr>
     <a:masterClrMapping/>
   </p:clrMapOvr>
-  <p:timing>
-    <p:tnLst>
-      <p:par>
-        <p:cTn id="1" dur="indefinite" restart="never" nodeType="tmRoot"/>
-      </p:par>
-    </p:tnLst>
-  </p:timing>
 </p:sld>
 </file>
 
@@ -8928,13 +8900,6 @@
   <p:clrMapOvr>
     <a:masterClrMapping/>
   </p:clrMapOvr>
-  <p:timing>
-    <p:tnLst>
-      <p:par>
-        <p:cTn id="1" dur="indefinite" restart="never" nodeType="tmRoot"/>
-      </p:par>
-    </p:tnLst>
-  </p:timing>
 </p:sld>
 </file>
 
@@ -9960,13 +9925,6 @@
   <p:clrMapOvr>
     <a:masterClrMapping/>
   </p:clrMapOvr>
-  <p:timing>
-    <p:tnLst>
-      <p:par>
-        <p:cTn id="1" dur="indefinite" restart="never" nodeType="tmRoot"/>
-      </p:par>
-    </p:tnLst>
-  </p:timing>
 </p:sld>
 </file>
 
@@ -10014,7 +9972,7 @@
           <a:lstStyle/>
           <a:p>
             <a:r>
-              <a:rPr lang="en-US" altLang="zh-TW" dirty="0" smtClean="0">
+              <a:rPr lang="en-US" altLang="zh-TW" dirty="0">
                 <a:latin typeface="微軟正黑體" panose="020B0604030504040204" pitchFamily="34" charset="-120"/>
                 <a:ea typeface="微軟正黑體" panose="020B0604030504040204" pitchFamily="34" charset="-120"/>
               </a:rPr>
@@ -10027,88 +9985,109 @@
           </a:p>
         </p:txBody>
       </p:sp>
-      <p:pic>
-        <p:nvPicPr>
-          <p:cNvPr id="3" name="圖片 2"/>
-          <p:cNvPicPr>
-            <a:picLocks noChangeAspect="1"/>
-          </p:cNvPicPr>
+      <p:grpSp>
+        <p:nvGrpSpPr>
+          <p:cNvPr id="4" name="群組 3">
+            <a:extLst>
+              <a:ext uri="{FF2B5EF4-FFF2-40B4-BE49-F238E27FC236}">
+                <a16:creationId xmlns:a16="http://schemas.microsoft.com/office/drawing/2014/main" id="{273E36F5-A1A9-45FB-AD30-29CDC36C0D9E}"/>
+              </a:ext>
+            </a:extLst>
+          </p:cNvPr>
+          <p:cNvGrpSpPr/>
           <p:nvPr/>
-        </p:nvPicPr>
-        <p:blipFill>
-          <a:blip r:embed="rId2"/>
-          <a:stretch>
-            <a:fillRect/>
-          </a:stretch>
-        </p:blipFill>
-        <p:spPr>
+        </p:nvGrpSpPr>
+        <p:grpSpPr>
           <a:xfrm>
             <a:off x="951660" y="1960084"/>
             <a:ext cx="10288680" cy="2582500"/>
+            <a:chOff x="951660" y="1960084"/>
+            <a:chExt cx="10288680" cy="2582500"/>
           </a:xfrm>
-          <a:prstGeom prst="rect">
-            <a:avLst/>
-          </a:prstGeom>
-        </p:spPr>
-      </p:pic>
-      <p:sp>
-        <p:nvSpPr>
-          <p:cNvPr id="5" name="矩形 4"/>
-          <p:cNvSpPr/>
-          <p:nvPr/>
-        </p:nvSpPr>
-        <p:spPr>
-          <a:xfrm>
-            <a:off x="4236720" y="3708400"/>
-            <a:ext cx="1239520" cy="325120"/>
-          </a:xfrm>
-          <a:prstGeom prst="rect">
-            <a:avLst/>
-          </a:prstGeom>
-          <a:solidFill>
-            <a:schemeClr val="bg1"/>
-          </a:solidFill>
-          <a:ln>
-            <a:noFill/>
-          </a:ln>
-        </p:spPr>
-        <p:style>
-          <a:lnRef idx="2">
-            <a:schemeClr val="accent1">
-              <a:shade val="50000"/>
-            </a:schemeClr>
-          </a:lnRef>
-          <a:fillRef idx="1">
-            <a:schemeClr val="accent1"/>
-          </a:fillRef>
-          <a:effectRef idx="0">
-            <a:schemeClr val="accent1"/>
-          </a:effectRef>
-          <a:fontRef idx="minor">
-            <a:schemeClr val="lt1"/>
-          </a:fontRef>
-        </p:style>
-        <p:txBody>
-          <a:bodyPr rtlCol="0" anchor="ctr"/>
-          <a:lstStyle/>
-          <a:p>
-            <a:pPr algn="ctr"/>
-            <a:r>
-              <a:rPr lang="en-US" altLang="zh-TW" sz="1200" dirty="0" smtClean="0">
+        </p:grpSpPr>
+        <p:pic>
+          <p:nvPicPr>
+            <p:cNvPr id="3" name="圖片 2"/>
+            <p:cNvPicPr>
+              <a:picLocks noChangeAspect="1"/>
+            </p:cNvPicPr>
+            <p:nvPr/>
+          </p:nvPicPr>
+          <p:blipFill>
+            <a:blip r:embed="rId2"/>
+            <a:stretch>
+              <a:fillRect/>
+            </a:stretch>
+          </p:blipFill>
+          <p:spPr>
+            <a:xfrm>
+              <a:off x="951660" y="1960084"/>
+              <a:ext cx="10288680" cy="2582500"/>
+            </a:xfrm>
+            <a:prstGeom prst="rect">
+              <a:avLst/>
+            </a:prstGeom>
+          </p:spPr>
+        </p:pic>
+        <p:sp>
+          <p:nvSpPr>
+            <p:cNvPr id="5" name="矩形 4"/>
+            <p:cNvSpPr/>
+            <p:nvPr/>
+          </p:nvSpPr>
+          <p:spPr>
+            <a:xfrm>
+              <a:off x="4236720" y="3708400"/>
+              <a:ext cx="1239520" cy="325120"/>
+            </a:xfrm>
+            <a:prstGeom prst="rect">
+              <a:avLst/>
+            </a:prstGeom>
+            <a:solidFill>
+              <a:schemeClr val="bg1"/>
+            </a:solidFill>
+            <a:ln>
+              <a:noFill/>
+            </a:ln>
+          </p:spPr>
+          <p:style>
+            <a:lnRef idx="2">
+              <a:schemeClr val="accent1">
+                <a:shade val="50000"/>
+              </a:schemeClr>
+            </a:lnRef>
+            <a:fillRef idx="1">
+              <a:schemeClr val="accent1"/>
+            </a:fillRef>
+            <a:effectRef idx="0">
+              <a:schemeClr val="accent1"/>
+            </a:effectRef>
+            <a:fontRef idx="minor">
+              <a:schemeClr val="lt1"/>
+            </a:fontRef>
+          </p:style>
+          <p:txBody>
+            <a:bodyPr rtlCol="0" anchor="ctr"/>
+            <a:lstStyle/>
+            <a:p>
+              <a:pPr algn="ctr"/>
+              <a:r>
+                <a:rPr lang="en-US" altLang="zh-TW" sz="1200" dirty="0">
+                  <a:solidFill>
+                    <a:sysClr val="windowText" lastClr="000000"/>
+                  </a:solidFill>
+                </a:rPr>
+                <a:t>Resize 80*160</a:t>
+              </a:r>
+              <a:endParaRPr lang="zh-TW" altLang="en-US" sz="1200" dirty="0">
                 <a:solidFill>
                   <a:sysClr val="windowText" lastClr="000000"/>
                 </a:solidFill>
-              </a:rPr>
-              <a:t>Resize 80*160</a:t>
-            </a:r>
-            <a:endParaRPr lang="zh-TW" altLang="en-US" sz="1200" dirty="0">
-              <a:solidFill>
-                <a:sysClr val="windowText" lastClr="000000"/>
-              </a:solidFill>
-            </a:endParaRPr>
-          </a:p>
-        </p:txBody>
-      </p:sp>
+              </a:endParaRPr>
+            </a:p>
+          </p:txBody>
+        </p:sp>
+      </p:grpSp>
     </p:spTree>
     <p:extLst>
       <p:ext uri="{BB962C8B-B14F-4D97-AF65-F5344CB8AC3E}">
@@ -10119,13 +10098,6 @@
   <p:clrMapOvr>
     <a:masterClrMapping/>
   </p:clrMapOvr>
-  <p:timing>
-    <p:tnLst>
-      <p:par>
-        <p:cTn id="1" dur="indefinite" restart="never" nodeType="tmRoot"/>
-      </p:par>
-    </p:tnLst>
-  </p:timing>
 </p:sld>
 </file>
 
@@ -10232,13 +10204,6 @@
   <p:clrMapOvr>
     <a:masterClrMapping/>
   </p:clrMapOvr>
-  <p:timing>
-    <p:tnLst>
-      <p:par>
-        <p:cTn id="1" dur="indefinite" restart="never" nodeType="tmRoot"/>
-      </p:par>
-    </p:tnLst>
-  </p:timing>
 </p:sld>
 </file>
 
@@ -10643,13 +10608,6 @@
   <p:clrMapOvr>
     <a:masterClrMapping/>
   </p:clrMapOvr>
-  <p:timing>
-    <p:tnLst>
-      <p:par>
-        <p:cTn id="1" dur="indefinite" restart="never" nodeType="tmRoot"/>
-      </p:par>
-    </p:tnLst>
-  </p:timing>
 </p:sld>
 </file>
 
@@ -11055,13 +11013,6 @@
   <p:clrMapOvr>
     <a:masterClrMapping/>
   </p:clrMapOvr>
-  <p:timing>
-    <p:tnLst>
-      <p:par>
-        <p:cTn id="1" dur="indefinite" restart="never" nodeType="tmRoot"/>
-      </p:par>
-    </p:tnLst>
-  </p:timing>
 </p:sld>
 </file>
 
@@ -11508,13 +11459,6 @@
   <p:clrMapOvr>
     <a:masterClrMapping/>
   </p:clrMapOvr>
-  <p:timing>
-    <p:tnLst>
-      <p:par>
-        <p:cTn id="1" dur="indefinite" restart="never" nodeType="tmRoot"/>
-      </p:par>
-    </p:tnLst>
-  </p:timing>
 </p:sld>
 </file>
 
@@ -12273,13 +12217,6 @@
   <p:clrMapOvr>
     <a:masterClrMapping/>
   </p:clrMapOvr>
-  <p:timing>
-    <p:tnLst>
-      <p:par>
-        <p:cTn id="1" dur="indefinite" restart="never" nodeType="tmRoot"/>
-      </p:par>
-    </p:tnLst>
-  </p:timing>
 </p:sld>
 </file>
 
@@ -12839,13 +12776,6 @@
               </a:rPr>
               <a:t>佔用較高</a:t>
             </a:r>
-            <a:r>
-              <a:rPr lang="en-US" altLang="zh-TW" sz="1800" dirty="0">
-                <a:latin typeface="微軟正黑體" panose="020B0604030504040204" pitchFamily="34" charset="-120"/>
-                <a:ea typeface="微軟正黑體" panose="020B0604030504040204" pitchFamily="34" charset="-120"/>
-              </a:rPr>
-              <a:t/>
-            </a:r>
             <a:br>
               <a:rPr lang="en-US" altLang="zh-TW" sz="1800" dirty="0">
                 <a:latin typeface="微軟正黑體" panose="020B0604030504040204" pitchFamily="34" charset="-120"/>
@@ -13129,13 +13059,6 @@
               </a:rPr>
               <a:t>佔用較低</a:t>
             </a:r>
-            <a:r>
-              <a:rPr lang="en-US" altLang="zh-TW" sz="1800" dirty="0">
-                <a:latin typeface="微軟正黑體" panose="020B0604030504040204" pitchFamily="34" charset="-120"/>
-                <a:ea typeface="微軟正黑體" panose="020B0604030504040204" pitchFamily="34" charset="-120"/>
-              </a:rPr>
-              <a:t/>
-            </a:r>
             <a:br>
               <a:rPr lang="en-US" altLang="zh-TW" sz="1800" dirty="0">
                 <a:latin typeface="微軟正黑體" panose="020B0604030504040204" pitchFamily="34" charset="-120"/>
@@ -13220,13 +13143,6 @@
   <p:clrMapOvr>
     <a:masterClrMapping/>
   </p:clrMapOvr>
-  <p:timing>
-    <p:tnLst>
-      <p:par>
-        <p:cTn id="1" dur="indefinite" restart="never" nodeType="tmRoot"/>
-      </p:par>
-    </p:tnLst>
-  </p:timing>
 </p:sld>
 </file>
 
@@ -14069,13 +13985,6 @@
   <p:clrMapOvr>
     <a:masterClrMapping/>
   </p:clrMapOvr>
-  <p:timing>
-    <p:tnLst>
-      <p:par>
-        <p:cTn id="1" dur="indefinite" restart="never" nodeType="tmRoot"/>
-      </p:par>
-    </p:tnLst>
-  </p:timing>
 </p:sld>
 </file>
 
@@ -15180,13 +15089,6 @@
   <p:clrMapOvr>
     <a:masterClrMapping/>
   </p:clrMapOvr>
-  <p:timing>
-    <p:tnLst>
-      <p:par>
-        <p:cTn id="1" dur="indefinite" restart="never" nodeType="tmRoot"/>
-      </p:par>
-    </p:tnLst>
-  </p:timing>
 </p:sld>
 </file>
 
@@ -15895,13 +15797,6 @@
   <p:clrMapOvr>
     <a:masterClrMapping/>
   </p:clrMapOvr>
-  <p:timing>
-    <p:tnLst>
-      <p:par>
-        <p:cTn id="1" dur="indefinite" restart="never" nodeType="tmRoot"/>
-      </p:par>
-    </p:tnLst>
-  </p:timing>
 </p:sld>
 </file>
 
@@ -16660,13 +16555,6 @@
   <p:clrMapOvr>
     <a:masterClrMapping/>
   </p:clrMapOvr>
-  <p:timing>
-    <p:tnLst>
-      <p:par>
-        <p:cTn id="1" dur="indefinite" restart="never" nodeType="tmRoot"/>
-      </p:par>
-    </p:tnLst>
-  </p:timing>
 </p:sld>
 </file>
 
@@ -18951,13 +18839,6 @@
   <p:clrMapOvr>
     <a:masterClrMapping/>
   </p:clrMapOvr>
-  <p:timing>
-    <p:tnLst>
-      <p:par>
-        <p:cTn id="1" dur="indefinite" restart="never" nodeType="tmRoot"/>
-      </p:par>
-    </p:tnLst>
-  </p:timing>
 </p:sld>
 </file>
 
@@ -20665,13 +20546,6 @@
   <p:clrMapOvr>
     <a:masterClrMapping/>
   </p:clrMapOvr>
-  <p:timing>
-    <p:tnLst>
-      <p:par>
-        <p:cTn id="1" dur="indefinite" restart="never" nodeType="tmRoot"/>
-      </p:par>
-    </p:tnLst>
-  </p:timing>
 </p:sld>
 </file>
 
@@ -22687,13 +22561,6 @@
   <p:clrMapOvr>
     <a:masterClrMapping/>
   </p:clrMapOvr>
-  <p:timing>
-    <p:tnLst>
-      <p:par>
-        <p:cTn id="1" dur="indefinite" restart="never" nodeType="tmRoot"/>
-      </p:par>
-    </p:tnLst>
-  </p:timing>
 </p:sld>
 </file>
 
